--- a/CaseStudy1 Presentation.pptx
+++ b/CaseStudy1 Presentation.pptx
@@ -6,12 +6,15 @@
   </p:sldMasterIdLst>
   <p:sldIdLst>
     <p:sldId id="256" r:id="rId2"/>
-    <p:sldId id="257" r:id="rId3"/>
-    <p:sldId id="259" r:id="rId4"/>
+    <p:sldId id="259" r:id="rId3"/>
+    <p:sldId id="257" r:id="rId4"/>
     <p:sldId id="261" r:id="rId5"/>
     <p:sldId id="260" r:id="rId6"/>
     <p:sldId id="262" r:id="rId7"/>
     <p:sldId id="263" r:id="rId8"/>
+    <p:sldId id="264" r:id="rId9"/>
+    <p:sldId id="265" r:id="rId10"/>
+    <p:sldId id="266" r:id="rId11"/>
   </p:sldIdLst>
   <p:sldSz cx="12192000" cy="6858000"/>
   <p:notesSz cx="6858000" cy="9144000"/>
@@ -111,8 +114,41 @@
     </a:lvl9pPr>
   </p:defaultTextStyle>
   <p:extLst>
+    <p:ext uri="{521415D9-36F7-43E2-AB2F-B90AF26B5E84}">
+      <p14:sectionLst xmlns:p14="http://schemas.microsoft.com/office/powerpoint/2010/main">
+        <p14:section name="Default Section" id="{E20DC833-B611-EE4E-B779-25335E44018D}">
+          <p14:sldIdLst>
+            <p14:sldId id="256"/>
+            <p14:sldId id="259"/>
+            <p14:sldId id="257"/>
+            <p14:sldId id="261"/>
+            <p14:sldId id="260"/>
+          </p14:sldIdLst>
+        </p14:section>
+        <p14:section name="Untitled Section" id="{6F769002-0CF3-AF4D-9B31-13A3A6694886}">
+          <p14:sldIdLst>
+            <p14:sldId id="262"/>
+            <p14:sldId id="263"/>
+            <p14:sldId id="264"/>
+            <p14:sldId id="265"/>
+            <p14:sldId id="266"/>
+          </p14:sldIdLst>
+        </p14:section>
+      </p14:sectionLst>
+    </p:ext>
     <p:ext uri="{EFAFB233-063F-42B5-8137-9DF3F51BA10A}">
-      <p15:sldGuideLst xmlns:p15="http://schemas.microsoft.com/office/powerpoint/2012/main"/>
+      <p15:sldGuideLst xmlns:p15="http://schemas.microsoft.com/office/powerpoint/2012/main">
+        <p15:guide id="1" orient="horz" pos="2160" userDrawn="1">
+          <p15:clr>
+            <a:srgbClr val="A4A3A4"/>
+          </p15:clr>
+        </p15:guide>
+        <p15:guide id="2" pos="3840" userDrawn="1">
+          <p15:clr>
+            <a:srgbClr val="A4A3A4"/>
+          </p15:clr>
+        </p15:guide>
+      </p15:sldGuideLst>
     </p:ext>
   </p:extLst>
 </p:presentation>
@@ -175,7 +211,7 @@
           <a:noFill/>
           <a:extLst>
             <a:ext uri="{909E8E84-426E-40dd-AFC4-6F175D3DCCD1}">
-              <a14:hiddenFill xmlns="" xmlns:a14="http://schemas.microsoft.com/office/drawing/2010/main">
+              <a14:hiddenFill xmlns:a14="http://schemas.microsoft.com/office/drawing/2010/main" xmlns="">
                 <a:solidFill>
                   <a:srgbClr val="FFFFFF"/>
                 </a:solidFill>
@@ -234,7 +270,7 @@
             </a:ln>
             <a:extLst>
               <a:ext uri="{91240B29-F687-4f45-9708-019B960494DF}">
-                <a14:hiddenLine xmlns="" xmlns:a14="http://schemas.microsoft.com/office/drawing/2010/main" w="9525">
+                <a14:hiddenLine xmlns:a14="http://schemas.microsoft.com/office/drawing/2010/main" xmlns="" w="9525">
                   <a:solidFill>
                     <a:srgbClr val="000000"/>
                   </a:solidFill>
@@ -324,7 +360,7 @@
             </a:ln>
             <a:extLst>
               <a:ext uri="{91240B29-F687-4f45-9708-019B960494DF}">
-                <a14:hiddenLine xmlns="" xmlns:a14="http://schemas.microsoft.com/office/drawing/2010/main" w="9525">
+                <a14:hiddenLine xmlns:a14="http://schemas.microsoft.com/office/drawing/2010/main" xmlns="" w="9525">
                   <a:solidFill>
                     <a:srgbClr val="000000"/>
                   </a:solidFill>
@@ -414,7 +450,7 @@
             </a:ln>
             <a:extLst>
               <a:ext uri="{91240B29-F687-4f45-9708-019B960494DF}">
-                <a14:hiddenLine xmlns="" xmlns:a14="http://schemas.microsoft.com/office/drawing/2010/main" w="9525">
+                <a14:hiddenLine xmlns:a14="http://schemas.microsoft.com/office/drawing/2010/main" xmlns="" w="9525">
                   <a:solidFill>
                     <a:srgbClr val="000000"/>
                   </a:solidFill>
@@ -448,7 +484,7 @@
             </a:ln>
             <a:extLst>
               <a:ext uri="{91240B29-F687-4f45-9708-019B960494DF}">
-                <a14:hiddenLine xmlns="" xmlns:a14="http://schemas.microsoft.com/office/drawing/2010/main" w="9525">
+                <a14:hiddenLine xmlns:a14="http://schemas.microsoft.com/office/drawing/2010/main" xmlns="" w="9525">
                   <a:solidFill>
                     <a:srgbClr val="000000"/>
                   </a:solidFill>
@@ -538,7 +574,7 @@
             </a:ln>
             <a:extLst>
               <a:ext uri="{91240B29-F687-4f45-9708-019B960494DF}">
-                <a14:hiddenLine xmlns="" xmlns:a14="http://schemas.microsoft.com/office/drawing/2010/main" w="9525">
+                <a14:hiddenLine xmlns:a14="http://schemas.microsoft.com/office/drawing/2010/main" xmlns="" w="9525">
                   <a:solidFill>
                     <a:srgbClr val="000000"/>
                   </a:solidFill>
@@ -600,7 +636,7 @@
             </a:ln>
             <a:extLst>
               <a:ext uri="{91240B29-F687-4f45-9708-019B960494DF}">
-                <a14:hiddenLine xmlns="" xmlns:a14="http://schemas.microsoft.com/office/drawing/2010/main" w="9525">
+                <a14:hiddenLine xmlns:a14="http://schemas.microsoft.com/office/drawing/2010/main" xmlns="" w="9525">
                   <a:solidFill>
                     <a:srgbClr val="000000"/>
                   </a:solidFill>
@@ -662,7 +698,7 @@
             </a:ln>
             <a:extLst>
               <a:ext uri="{91240B29-F687-4f45-9708-019B960494DF}">
-                <a14:hiddenLine xmlns="" xmlns:a14="http://schemas.microsoft.com/office/drawing/2010/main" w="9525">
+                <a14:hiddenLine xmlns:a14="http://schemas.microsoft.com/office/drawing/2010/main" xmlns="" w="9525">
                   <a:solidFill>
                     <a:srgbClr val="000000"/>
                   </a:solidFill>
@@ -752,7 +788,7 @@
             </a:ln>
             <a:extLst>
               <a:ext uri="{91240B29-F687-4f45-9708-019B960494DF}">
-                <a14:hiddenLine xmlns="" xmlns:a14="http://schemas.microsoft.com/office/drawing/2010/main" w="9525">
+                <a14:hiddenLine xmlns:a14="http://schemas.microsoft.com/office/drawing/2010/main" xmlns="" w="9525">
                   <a:solidFill>
                     <a:srgbClr val="000000"/>
                   </a:solidFill>
@@ -814,7 +850,7 @@
             </a:ln>
             <a:extLst>
               <a:ext uri="{91240B29-F687-4f45-9708-019B960494DF}">
-                <a14:hiddenLine xmlns="" xmlns:a14="http://schemas.microsoft.com/office/drawing/2010/main" w="9525">
+                <a14:hiddenLine xmlns:a14="http://schemas.microsoft.com/office/drawing/2010/main" xmlns="" w="9525">
                   <a:solidFill>
                     <a:srgbClr val="000000"/>
                   </a:solidFill>
@@ -876,7 +912,7 @@
             </a:ln>
             <a:extLst>
               <a:ext uri="{91240B29-F687-4f45-9708-019B960494DF}">
-                <a14:hiddenLine xmlns="" xmlns:a14="http://schemas.microsoft.com/office/drawing/2010/main" w="9525">
+                <a14:hiddenLine xmlns:a14="http://schemas.microsoft.com/office/drawing/2010/main" xmlns="" w="9525">
                   <a:solidFill>
                     <a:srgbClr val="000000"/>
                   </a:solidFill>
@@ -966,7 +1002,7 @@
             </a:ln>
             <a:extLst>
               <a:ext uri="{91240B29-F687-4f45-9708-019B960494DF}">
-                <a14:hiddenLine xmlns="" xmlns:a14="http://schemas.microsoft.com/office/drawing/2010/main" w="9525">
+                <a14:hiddenLine xmlns:a14="http://schemas.microsoft.com/office/drawing/2010/main" xmlns="" w="9525">
                   <a:solidFill>
                     <a:srgbClr val="000000"/>
                   </a:solidFill>
@@ -1056,7 +1092,7 @@
             </a:ln>
             <a:extLst>
               <a:ext uri="{91240B29-F687-4f45-9708-019B960494DF}">
-                <a14:hiddenLine xmlns="" xmlns:a14="http://schemas.microsoft.com/office/drawing/2010/main" w="9525">
+                <a14:hiddenLine xmlns:a14="http://schemas.microsoft.com/office/drawing/2010/main" xmlns="" w="9525">
                   <a:solidFill>
                     <a:srgbClr val="000000"/>
                   </a:solidFill>
@@ -1118,7 +1154,7 @@
             </a:ln>
             <a:extLst>
               <a:ext uri="{91240B29-F687-4f45-9708-019B960494DF}">
-                <a14:hiddenLine xmlns="" xmlns:a14="http://schemas.microsoft.com/office/drawing/2010/main" w="9525">
+                <a14:hiddenLine xmlns:a14="http://schemas.microsoft.com/office/drawing/2010/main" xmlns="" w="9525">
                   <a:solidFill>
                     <a:srgbClr val="000000"/>
                   </a:solidFill>
@@ -1228,7 +1264,7 @@
             </a:ln>
             <a:extLst>
               <a:ext uri="{91240B29-F687-4f45-9708-019B960494DF}">
-                <a14:hiddenLine xmlns="" xmlns:a14="http://schemas.microsoft.com/office/drawing/2010/main" w="9525">
+                <a14:hiddenLine xmlns:a14="http://schemas.microsoft.com/office/drawing/2010/main" xmlns="" w="9525">
                   <a:solidFill>
                     <a:srgbClr val="000000"/>
                   </a:solidFill>
@@ -1290,7 +1326,7 @@
             </a:ln>
             <a:extLst>
               <a:ext uri="{91240B29-F687-4f45-9708-019B960494DF}">
-                <a14:hiddenLine xmlns="" xmlns:a14="http://schemas.microsoft.com/office/drawing/2010/main" w="9525">
+                <a14:hiddenLine xmlns:a14="http://schemas.microsoft.com/office/drawing/2010/main" xmlns="" w="9525">
                   <a:solidFill>
                     <a:srgbClr val="000000"/>
                   </a:solidFill>
@@ -1380,7 +1416,7 @@
             </a:ln>
             <a:extLst>
               <a:ext uri="{91240B29-F687-4f45-9708-019B960494DF}">
-                <a14:hiddenLine xmlns="" xmlns:a14="http://schemas.microsoft.com/office/drawing/2010/main" w="9525">
+                <a14:hiddenLine xmlns:a14="http://schemas.microsoft.com/office/drawing/2010/main" xmlns="" w="9525">
                   <a:solidFill>
                     <a:srgbClr val="000000"/>
                   </a:solidFill>
@@ -1470,7 +1506,7 @@
             </a:ln>
             <a:extLst>
               <a:ext uri="{91240B29-F687-4f45-9708-019B960494DF}">
-                <a14:hiddenLine xmlns="" xmlns:a14="http://schemas.microsoft.com/office/drawing/2010/main" w="9525">
+                <a14:hiddenLine xmlns:a14="http://schemas.microsoft.com/office/drawing/2010/main" xmlns="" w="9525">
                   <a:solidFill>
                     <a:srgbClr val="000000"/>
                   </a:solidFill>
@@ -1532,7 +1568,7 @@
             </a:ln>
             <a:extLst>
               <a:ext uri="{91240B29-F687-4f45-9708-019B960494DF}">
-                <a14:hiddenLine xmlns="" xmlns:a14="http://schemas.microsoft.com/office/drawing/2010/main" w="9525">
+                <a14:hiddenLine xmlns:a14="http://schemas.microsoft.com/office/drawing/2010/main" xmlns="" w="9525">
                   <a:solidFill>
                     <a:srgbClr val="000000"/>
                   </a:solidFill>
@@ -1622,7 +1658,7 @@
             </a:ln>
             <a:extLst>
               <a:ext uri="{91240B29-F687-4f45-9708-019B960494DF}">
-                <a14:hiddenLine xmlns="" xmlns:a14="http://schemas.microsoft.com/office/drawing/2010/main" w="9525">
+                <a14:hiddenLine xmlns:a14="http://schemas.microsoft.com/office/drawing/2010/main" xmlns="" w="9525">
                   <a:solidFill>
                     <a:srgbClr val="000000"/>
                   </a:solidFill>
@@ -1712,7 +1748,7 @@
             </a:ln>
             <a:extLst>
               <a:ext uri="{91240B29-F687-4f45-9708-019B960494DF}">
-                <a14:hiddenLine xmlns="" xmlns:a14="http://schemas.microsoft.com/office/drawing/2010/main" w="9525">
+                <a14:hiddenLine xmlns:a14="http://schemas.microsoft.com/office/drawing/2010/main" xmlns="" w="9525">
                   <a:solidFill>
                     <a:srgbClr val="000000"/>
                   </a:solidFill>
@@ -1768,7 +1804,7 @@
             </a:ln>
             <a:extLst>
               <a:ext uri="{91240B29-F687-4f45-9708-019B960494DF}">
-                <a14:hiddenLine xmlns="" xmlns:a14="http://schemas.microsoft.com/office/drawing/2010/main" w="9525">
+                <a14:hiddenLine xmlns:a14="http://schemas.microsoft.com/office/drawing/2010/main" xmlns="" w="9525">
                   <a:solidFill>
                     <a:srgbClr val="000000"/>
                   </a:solidFill>
@@ -1858,7 +1894,7 @@
             </a:ln>
             <a:extLst>
               <a:ext uri="{91240B29-F687-4f45-9708-019B960494DF}">
-                <a14:hiddenLine xmlns="" xmlns:a14="http://schemas.microsoft.com/office/drawing/2010/main" w="9525">
+                <a14:hiddenLine xmlns:a14="http://schemas.microsoft.com/office/drawing/2010/main" xmlns="" w="9525">
                   <a:solidFill>
                     <a:srgbClr val="000000"/>
                   </a:solidFill>
@@ -1914,7 +1950,7 @@
             </a:ln>
             <a:extLst>
               <a:ext uri="{91240B29-F687-4f45-9708-019B960494DF}">
-                <a14:hiddenLine xmlns="" xmlns:a14="http://schemas.microsoft.com/office/drawing/2010/main" w="9525">
+                <a14:hiddenLine xmlns:a14="http://schemas.microsoft.com/office/drawing/2010/main" xmlns="" w="9525">
                   <a:solidFill>
                     <a:srgbClr val="000000"/>
                   </a:solidFill>
@@ -2004,7 +2040,7 @@
             </a:ln>
             <a:extLst>
               <a:ext uri="{91240B29-F687-4f45-9708-019B960494DF}">
-                <a14:hiddenLine xmlns="" xmlns:a14="http://schemas.microsoft.com/office/drawing/2010/main" w="9525">
+                <a14:hiddenLine xmlns:a14="http://schemas.microsoft.com/office/drawing/2010/main" xmlns="" w="9525">
                   <a:solidFill>
                     <a:srgbClr val="000000"/>
                   </a:solidFill>
@@ -2072,7 +2108,7 @@
             </a:ln>
             <a:extLst>
               <a:ext uri="{91240B29-F687-4f45-9708-019B960494DF}">
-                <a14:hiddenLine xmlns="" xmlns:a14="http://schemas.microsoft.com/office/drawing/2010/main" w="9525">
+                <a14:hiddenLine xmlns:a14="http://schemas.microsoft.com/office/drawing/2010/main" xmlns="" w="9525">
                   <a:solidFill>
                     <a:srgbClr val="000000"/>
                   </a:solidFill>
@@ -2162,7 +2198,7 @@
             </a:ln>
             <a:extLst>
               <a:ext uri="{91240B29-F687-4f45-9708-019B960494DF}">
-                <a14:hiddenLine xmlns="" xmlns:a14="http://schemas.microsoft.com/office/drawing/2010/main" w="9525">
+                <a14:hiddenLine xmlns:a14="http://schemas.microsoft.com/office/drawing/2010/main" xmlns="" w="9525">
                   <a:solidFill>
                     <a:srgbClr val="000000"/>
                   </a:solidFill>
@@ -2230,7 +2266,7 @@
             </a:ln>
             <a:extLst>
               <a:ext uri="{91240B29-F687-4f45-9708-019B960494DF}">
-                <a14:hiddenLine xmlns="" xmlns:a14="http://schemas.microsoft.com/office/drawing/2010/main" w="9525">
+                <a14:hiddenLine xmlns:a14="http://schemas.microsoft.com/office/drawing/2010/main" xmlns="" w="9525">
                   <a:solidFill>
                     <a:srgbClr val="000000"/>
                   </a:solidFill>
@@ -2320,7 +2356,7 @@
             </a:ln>
             <a:extLst>
               <a:ext uri="{91240B29-F687-4f45-9708-019B960494DF}">
-                <a14:hiddenLine xmlns="" xmlns:a14="http://schemas.microsoft.com/office/drawing/2010/main" w="9525">
+                <a14:hiddenLine xmlns:a14="http://schemas.microsoft.com/office/drawing/2010/main" xmlns="" w="9525">
                   <a:solidFill>
                     <a:srgbClr val="000000"/>
                   </a:solidFill>
@@ -2354,7 +2390,7 @@
             </a:ln>
             <a:extLst>
               <a:ext uri="{91240B29-F687-4f45-9708-019B960494DF}">
-                <a14:hiddenLine xmlns="" xmlns:a14="http://schemas.microsoft.com/office/drawing/2010/main" w="9525">
+                <a14:hiddenLine xmlns:a14="http://schemas.microsoft.com/office/drawing/2010/main" xmlns="" w="9525">
                   <a:solidFill>
                     <a:srgbClr val="000000"/>
                   </a:solidFill>
@@ -2444,7 +2480,7 @@
             </a:ln>
             <a:extLst>
               <a:ext uri="{91240B29-F687-4f45-9708-019B960494DF}">
-                <a14:hiddenLine xmlns="" xmlns:a14="http://schemas.microsoft.com/office/drawing/2010/main" w="9525">
+                <a14:hiddenLine xmlns:a14="http://schemas.microsoft.com/office/drawing/2010/main" xmlns="" w="9525">
                   <a:solidFill>
                     <a:srgbClr val="000000"/>
                   </a:solidFill>
@@ -2506,7 +2542,7 @@
             </a:ln>
             <a:extLst>
               <a:ext uri="{91240B29-F687-4f45-9708-019B960494DF}">
-                <a14:hiddenLine xmlns="" xmlns:a14="http://schemas.microsoft.com/office/drawing/2010/main" w="9525">
+                <a14:hiddenLine xmlns:a14="http://schemas.microsoft.com/office/drawing/2010/main" xmlns="" w="9525">
                   <a:solidFill>
                     <a:srgbClr val="000000"/>
                   </a:solidFill>
@@ -2568,7 +2604,7 @@
             </a:ln>
             <a:extLst>
               <a:ext uri="{91240B29-F687-4f45-9708-019B960494DF}">
-                <a14:hiddenLine xmlns="" xmlns:a14="http://schemas.microsoft.com/office/drawing/2010/main" w="9525">
+                <a14:hiddenLine xmlns:a14="http://schemas.microsoft.com/office/drawing/2010/main" xmlns="" w="9525">
                   <a:solidFill>
                     <a:srgbClr val="000000"/>
                   </a:solidFill>
@@ -2658,7 +2694,7 @@
             </a:ln>
             <a:extLst>
               <a:ext uri="{91240B29-F687-4f45-9708-019B960494DF}">
-                <a14:hiddenLine xmlns="" xmlns:a14="http://schemas.microsoft.com/office/drawing/2010/main" w="9525">
+                <a14:hiddenLine xmlns:a14="http://schemas.microsoft.com/office/drawing/2010/main" xmlns="" w="9525">
                   <a:solidFill>
                     <a:srgbClr val="000000"/>
                   </a:solidFill>
@@ -2726,7 +2762,7 @@
             </a:ln>
             <a:extLst>
               <a:ext uri="{91240B29-F687-4f45-9708-019B960494DF}">
-                <a14:hiddenLine xmlns="" xmlns:a14="http://schemas.microsoft.com/office/drawing/2010/main" w="9525">
+                <a14:hiddenLine xmlns:a14="http://schemas.microsoft.com/office/drawing/2010/main" xmlns="" w="9525">
                   <a:solidFill>
                     <a:srgbClr val="000000"/>
                   </a:solidFill>
@@ -2788,7 +2824,7 @@
             </a:ln>
             <a:extLst>
               <a:ext uri="{91240B29-F687-4f45-9708-019B960494DF}">
-                <a14:hiddenLine xmlns="" xmlns:a14="http://schemas.microsoft.com/office/drawing/2010/main" w="9525">
+                <a14:hiddenLine xmlns:a14="http://schemas.microsoft.com/office/drawing/2010/main" xmlns="" w="9525">
                   <a:solidFill>
                     <a:srgbClr val="000000"/>
                   </a:solidFill>
@@ -2878,7 +2914,7 @@
             </a:ln>
             <a:extLst>
               <a:ext uri="{91240B29-F687-4f45-9708-019B960494DF}">
-                <a14:hiddenLine xmlns="" xmlns:a14="http://schemas.microsoft.com/office/drawing/2010/main" w="9525">
+                <a14:hiddenLine xmlns:a14="http://schemas.microsoft.com/office/drawing/2010/main" xmlns="" w="9525">
                   <a:solidFill>
                     <a:srgbClr val="000000"/>
                   </a:solidFill>
@@ -2940,7 +2976,7 @@
             </a:ln>
             <a:extLst>
               <a:ext uri="{91240B29-F687-4f45-9708-019B960494DF}">
-                <a14:hiddenLine xmlns="" xmlns:a14="http://schemas.microsoft.com/office/drawing/2010/main" w="9525">
+                <a14:hiddenLine xmlns:a14="http://schemas.microsoft.com/office/drawing/2010/main" xmlns="" w="9525">
                   <a:solidFill>
                     <a:srgbClr val="000000"/>
                   </a:solidFill>
@@ -3030,7 +3066,7 @@
             </a:ln>
             <a:extLst>
               <a:ext uri="{91240B29-F687-4f45-9708-019B960494DF}">
-                <a14:hiddenLine xmlns="" xmlns:a14="http://schemas.microsoft.com/office/drawing/2010/main" w="9525">
+                <a14:hiddenLine xmlns:a14="http://schemas.microsoft.com/office/drawing/2010/main" xmlns="" w="9525">
                   <a:solidFill>
                     <a:srgbClr val="000000"/>
                   </a:solidFill>
@@ -3092,7 +3128,7 @@
             </a:ln>
             <a:extLst>
               <a:ext uri="{91240B29-F687-4f45-9708-019B960494DF}">
-                <a14:hiddenLine xmlns="" xmlns:a14="http://schemas.microsoft.com/office/drawing/2010/main" w="9525">
+                <a14:hiddenLine xmlns:a14="http://schemas.microsoft.com/office/drawing/2010/main" xmlns="" w="9525">
                   <a:solidFill>
                     <a:srgbClr val="000000"/>
                   </a:solidFill>
@@ -3182,7 +3218,7 @@
             </a:ln>
             <a:extLst>
               <a:ext uri="{91240B29-F687-4f45-9708-019B960494DF}">
-                <a14:hiddenLine xmlns="" xmlns:a14="http://schemas.microsoft.com/office/drawing/2010/main" w="9525">
+                <a14:hiddenLine xmlns:a14="http://schemas.microsoft.com/office/drawing/2010/main" xmlns="" w="9525">
                   <a:solidFill>
                     <a:srgbClr val="000000"/>
                   </a:solidFill>
@@ -3216,7 +3252,7 @@
             </a:ln>
             <a:extLst>
               <a:ext uri="{91240B29-F687-4f45-9708-019B960494DF}">
-                <a14:hiddenLine xmlns="" xmlns:a14="http://schemas.microsoft.com/office/drawing/2010/main" w="9525">
+                <a14:hiddenLine xmlns:a14="http://schemas.microsoft.com/office/drawing/2010/main" xmlns="" w="9525">
                   <a:solidFill>
                     <a:srgbClr val="000000"/>
                   </a:solidFill>
@@ -3281,7 +3317,7 @@
             </a:ln>
             <a:extLst>
               <a:ext uri="{91240B29-F687-4f45-9708-019B960494DF}">
-                <a14:hiddenLine xmlns="" xmlns:a14="http://schemas.microsoft.com/office/drawing/2010/main" w="9525">
+                <a14:hiddenLine xmlns:a14="http://schemas.microsoft.com/office/drawing/2010/main" xmlns="" w="9525">
                   <a:solidFill>
                     <a:srgbClr val="000000"/>
                   </a:solidFill>
@@ -3371,7 +3407,7 @@
             </a:ln>
             <a:extLst>
               <a:ext uri="{91240B29-F687-4f45-9708-019B960494DF}">
-                <a14:hiddenLine xmlns="" xmlns:a14="http://schemas.microsoft.com/office/drawing/2010/main" w="9525">
+                <a14:hiddenLine xmlns:a14="http://schemas.microsoft.com/office/drawing/2010/main" xmlns="" w="9525">
                   <a:solidFill>
                     <a:srgbClr val="000000"/>
                   </a:solidFill>
@@ -3433,7 +3469,7 @@
             </a:ln>
             <a:extLst>
               <a:ext uri="{91240B29-F687-4f45-9708-019B960494DF}">
-                <a14:hiddenLine xmlns="" xmlns:a14="http://schemas.microsoft.com/office/drawing/2010/main" w="9525">
+                <a14:hiddenLine xmlns:a14="http://schemas.microsoft.com/office/drawing/2010/main" xmlns="" w="9525">
                   <a:solidFill>
                     <a:srgbClr val="000000"/>
                   </a:solidFill>
@@ -3523,7 +3559,7 @@
             </a:ln>
             <a:extLst>
               <a:ext uri="{91240B29-F687-4f45-9708-019B960494DF}">
-                <a14:hiddenLine xmlns="" xmlns:a14="http://schemas.microsoft.com/office/drawing/2010/main" w="9525">
+                <a14:hiddenLine xmlns:a14="http://schemas.microsoft.com/office/drawing/2010/main" xmlns="" w="9525">
                   <a:solidFill>
                     <a:srgbClr val="000000"/>
                   </a:solidFill>
@@ -3613,7 +3649,7 @@
             </a:ln>
             <a:extLst>
               <a:ext uri="{91240B29-F687-4f45-9708-019B960494DF}">
-                <a14:hiddenLine xmlns="" xmlns:a14="http://schemas.microsoft.com/office/drawing/2010/main" w="9525">
+                <a14:hiddenLine xmlns:a14="http://schemas.microsoft.com/office/drawing/2010/main" xmlns="" w="9525">
                   <a:solidFill>
                     <a:srgbClr val="000000"/>
                   </a:solidFill>
@@ -3678,7 +3714,7 @@
             </a:ln>
             <a:extLst>
               <a:ext uri="{91240B29-F687-4f45-9708-019B960494DF}">
-                <a14:hiddenLine xmlns="" xmlns:a14="http://schemas.microsoft.com/office/drawing/2010/main" w="9525">
+                <a14:hiddenLine xmlns:a14="http://schemas.microsoft.com/office/drawing/2010/main" xmlns="" w="9525">
                   <a:solidFill>
                     <a:srgbClr val="000000"/>
                   </a:solidFill>
@@ -3740,7 +3776,7 @@
             </a:ln>
             <a:extLst>
               <a:ext uri="{91240B29-F687-4f45-9708-019B960494DF}">
-                <a14:hiddenLine xmlns="" xmlns:a14="http://schemas.microsoft.com/office/drawing/2010/main" w="9525">
+                <a14:hiddenLine xmlns:a14="http://schemas.microsoft.com/office/drawing/2010/main" xmlns="" w="9525">
                   <a:solidFill>
                     <a:srgbClr val="000000"/>
                   </a:solidFill>
@@ -3830,7 +3866,7 @@
             </a:ln>
             <a:extLst>
               <a:ext uri="{91240B29-F687-4f45-9708-019B960494DF}">
-                <a14:hiddenLine xmlns="" xmlns:a14="http://schemas.microsoft.com/office/drawing/2010/main" w="9525">
+                <a14:hiddenLine xmlns:a14="http://schemas.microsoft.com/office/drawing/2010/main" xmlns="" w="9525">
                   <a:solidFill>
                     <a:srgbClr val="000000"/>
                   </a:solidFill>
@@ -3920,7 +3956,7 @@
             </a:ln>
             <a:extLst>
               <a:ext uri="{91240B29-F687-4f45-9708-019B960494DF}">
-                <a14:hiddenLine xmlns="" xmlns:a14="http://schemas.microsoft.com/office/drawing/2010/main" w="9525">
+                <a14:hiddenLine xmlns:a14="http://schemas.microsoft.com/office/drawing/2010/main" xmlns="" w="9525">
                   <a:solidFill>
                     <a:srgbClr val="000000"/>
                   </a:solidFill>
@@ -3982,7 +4018,7 @@
             </a:ln>
             <a:extLst>
               <a:ext uri="{91240B29-F687-4f45-9708-019B960494DF}">
-                <a14:hiddenLine xmlns="" xmlns:a14="http://schemas.microsoft.com/office/drawing/2010/main" w="9525">
+                <a14:hiddenLine xmlns:a14="http://schemas.microsoft.com/office/drawing/2010/main" xmlns="" w="9525">
                   <a:solidFill>
                     <a:srgbClr val="000000"/>
                   </a:solidFill>
@@ -4102,7 +4138,7 @@
             </a:ln>
             <a:extLst>
               <a:ext uri="{91240B29-F687-4f45-9708-019B960494DF}">
-                <a14:hiddenLine xmlns="" xmlns:a14="http://schemas.microsoft.com/office/drawing/2010/main" w="9525">
+                <a14:hiddenLine xmlns:a14="http://schemas.microsoft.com/office/drawing/2010/main" xmlns="" w="9525">
                   <a:solidFill>
                     <a:srgbClr val="000000"/>
                   </a:solidFill>
@@ -4170,7 +4206,7 @@
             </a:ln>
             <a:extLst>
               <a:ext uri="{91240B29-F687-4f45-9708-019B960494DF}">
-                <a14:hiddenLine xmlns="" xmlns:a14="http://schemas.microsoft.com/office/drawing/2010/main" w="9525">
+                <a14:hiddenLine xmlns:a14="http://schemas.microsoft.com/office/drawing/2010/main" xmlns="" w="9525">
                   <a:solidFill>
                     <a:srgbClr val="000000"/>
                   </a:solidFill>
@@ -4260,7 +4296,7 @@
             </a:ln>
             <a:extLst>
               <a:ext uri="{91240B29-F687-4f45-9708-019B960494DF}">
-                <a14:hiddenLine xmlns="" xmlns:a14="http://schemas.microsoft.com/office/drawing/2010/main" w="9525">
+                <a14:hiddenLine xmlns:a14="http://schemas.microsoft.com/office/drawing/2010/main" xmlns="" w="9525">
                   <a:solidFill>
                     <a:srgbClr val="000000"/>
                   </a:solidFill>
@@ -4400,7 +4436,7 @@
           <a:p>
             <a:fld id="{48A87A34-81AB-432B-8DAE-1953F412C126}" type="datetimeFigureOut">
               <a:rPr lang="en-US" dirty="0"/>
-              <a:t>2/25/2019</a:t>
+              <a:t>2/26/19</a:t>
             </a:fld>
             <a:endParaRPr lang="en-US" dirty="0"/>
           </a:p>
@@ -4662,7 +4698,7 @@
           <a:p>
             <a:fld id="{48A87A34-81AB-432B-8DAE-1953F412C126}" type="datetimeFigureOut">
               <a:rPr lang="en-US" dirty="0"/>
-              <a:t>2/25/2019</a:t>
+              <a:t>2/26/19</a:t>
             </a:fld>
             <a:endParaRPr lang="en-US" dirty="0"/>
           </a:p>
@@ -4853,7 +4889,7 @@
           <a:p>
             <a:fld id="{48A87A34-81AB-432B-8DAE-1953F412C126}" type="datetimeFigureOut">
               <a:rPr lang="en-US" dirty="0"/>
-              <a:t>2/25/2019</a:t>
+              <a:t>2/26/19</a:t>
             </a:fld>
             <a:endParaRPr lang="en-US" dirty="0"/>
           </a:p>
@@ -5111,7 +5147,7 @@
           <a:p>
             <a:fld id="{48A87A34-81AB-432B-8DAE-1953F412C126}" type="datetimeFigureOut">
               <a:rPr lang="en-US" dirty="0"/>
-              <a:t>2/25/2019</a:t>
+              <a:t>2/26/19</a:t>
             </a:fld>
             <a:endParaRPr lang="en-US" dirty="0"/>
           </a:p>
@@ -5540,7 +5576,7 @@
           <a:p>
             <a:fld id="{48A87A34-81AB-432B-8DAE-1953F412C126}" type="datetimeFigureOut">
               <a:rPr lang="en-US" dirty="0"/>
-              <a:t>2/25/2019</a:t>
+              <a:t>2/26/19</a:t>
             </a:fld>
             <a:endParaRPr lang="en-US" dirty="0"/>
           </a:p>
@@ -6081,7 +6117,7 @@
           <a:p>
             <a:fld id="{48A87A34-81AB-432B-8DAE-1953F412C126}" type="datetimeFigureOut">
               <a:rPr lang="en-US" dirty="0"/>
-              <a:t>2/25/2019</a:t>
+              <a:t>2/26/19</a:t>
             </a:fld>
             <a:endParaRPr lang="en-US" dirty="0"/>
           </a:p>
@@ -6796,7 +6832,7 @@
           <a:p>
             <a:fld id="{48A87A34-81AB-432B-8DAE-1953F412C126}" type="datetimeFigureOut">
               <a:rPr lang="en-US" dirty="0"/>
-              <a:t>2/25/2019</a:t>
+              <a:t>2/26/19</a:t>
             </a:fld>
             <a:endParaRPr lang="en-US" dirty="0"/>
           </a:p>
@@ -6961,7 +6997,7 @@
           <a:p>
             <a:fld id="{48A87A34-81AB-432B-8DAE-1953F412C126}" type="datetimeFigureOut">
               <a:rPr lang="en-US" dirty="0"/>
-              <a:t>2/25/2019</a:t>
+              <a:t>2/26/19</a:t>
             </a:fld>
             <a:endParaRPr lang="en-US" dirty="0"/>
           </a:p>
@@ -7136,7 +7172,7 @@
           <a:p>
             <a:fld id="{48A87A34-81AB-432B-8DAE-1953F412C126}" type="datetimeFigureOut">
               <a:rPr lang="en-US" dirty="0"/>
-              <a:t>2/25/2019</a:t>
+              <a:t>2/26/19</a:t>
             </a:fld>
             <a:endParaRPr lang="en-US" dirty="0"/>
           </a:p>
@@ -7301,7 +7337,7 @@
           <a:p>
             <a:fld id="{48A87A34-81AB-432B-8DAE-1953F412C126}" type="datetimeFigureOut">
               <a:rPr lang="en-US" dirty="0"/>
-              <a:t>2/25/2019</a:t>
+              <a:t>2/26/19</a:t>
             </a:fld>
             <a:endParaRPr lang="en-US" dirty="0"/>
           </a:p>
@@ -7546,7 +7582,7 @@
           <a:p>
             <a:fld id="{48A87A34-81AB-432B-8DAE-1953F412C126}" type="datetimeFigureOut">
               <a:rPr lang="en-US" dirty="0"/>
-              <a:t>2/25/2019</a:t>
+              <a:t>2/26/19</a:t>
             </a:fld>
             <a:endParaRPr lang="en-US" dirty="0"/>
           </a:p>
@@ -7773,7 +7809,7 @@
           <a:p>
             <a:fld id="{48A87A34-81AB-432B-8DAE-1953F412C126}" type="datetimeFigureOut">
               <a:rPr lang="en-US" dirty="0"/>
-              <a:t>2/25/2019</a:t>
+              <a:t>2/26/19</a:t>
             </a:fld>
             <a:endParaRPr lang="en-US" dirty="0"/>
           </a:p>
@@ -8149,7 +8185,7 @@
           <a:p>
             <a:fld id="{48A87A34-81AB-432B-8DAE-1953F412C126}" type="datetimeFigureOut">
               <a:rPr lang="en-US" dirty="0"/>
-              <a:t>2/25/2019</a:t>
+              <a:t>2/26/19</a:t>
             </a:fld>
             <a:endParaRPr lang="en-US" dirty="0"/>
           </a:p>
@@ -8262,7 +8298,7 @@
           <a:p>
             <a:fld id="{48A87A34-81AB-432B-8DAE-1953F412C126}" type="datetimeFigureOut">
               <a:rPr lang="en-US" dirty="0"/>
-              <a:t>2/25/2019</a:t>
+              <a:t>2/26/19</a:t>
             </a:fld>
             <a:endParaRPr lang="en-US" dirty="0"/>
           </a:p>
@@ -8352,7 +8388,7 @@
           <a:p>
             <a:fld id="{48A87A34-81AB-432B-8DAE-1953F412C126}" type="datetimeFigureOut">
               <a:rPr lang="en-US" dirty="0"/>
-              <a:t>2/25/2019</a:t>
+              <a:t>2/26/19</a:t>
             </a:fld>
             <a:endParaRPr lang="en-US" dirty="0"/>
           </a:p>
@@ -8596,7 +8632,7 @@
           <a:p>
             <a:fld id="{48A87A34-81AB-432B-8DAE-1953F412C126}" type="datetimeFigureOut">
               <a:rPr lang="en-US" dirty="0"/>
-              <a:t>2/25/2019</a:t>
+              <a:t>2/26/19</a:t>
             </a:fld>
             <a:endParaRPr lang="en-US" dirty="0"/>
           </a:p>
@@ -8871,7 +8907,7 @@
           <a:p>
             <a:fld id="{48A87A34-81AB-432B-8DAE-1953F412C126}" type="datetimeFigureOut">
               <a:rPr lang="en-US" dirty="0"/>
-              <a:t>2/25/2019</a:t>
+              <a:t>2/26/19</a:t>
             </a:fld>
             <a:endParaRPr lang="en-US" dirty="0"/>
           </a:p>
@@ -8989,7 +9025,7 @@
           <a:noFill/>
           <a:extLst>
             <a:ext uri="{909E8E84-426E-40dd-AFC4-6F175D3DCCD1}">
-              <a14:hiddenFill xmlns="" xmlns:a14="http://schemas.microsoft.com/office/drawing/2010/main">
+              <a14:hiddenFill xmlns:a14="http://schemas.microsoft.com/office/drawing/2010/main" xmlns="">
                 <a:solidFill>
                   <a:srgbClr val="FFFFFF"/>
                 </a:solidFill>
@@ -9063,7 +9099,7 @@
               </a:ln>
               <a:extLst>
                 <a:ext uri="{91240B29-F687-4f45-9708-019B960494DF}">
-                  <a14:hiddenLine xmlns="" xmlns:a14="http://schemas.microsoft.com/office/drawing/2010/main" w="9525">
+                  <a14:hiddenLine xmlns:a14="http://schemas.microsoft.com/office/drawing/2010/main" xmlns="" w="9525">
                     <a:solidFill>
                       <a:srgbClr val="000000"/>
                     </a:solidFill>
@@ -9153,7 +9189,7 @@
               </a:ln>
               <a:extLst>
                 <a:ext uri="{91240B29-F687-4f45-9708-019B960494DF}">
-                  <a14:hiddenLine xmlns="" xmlns:a14="http://schemas.microsoft.com/office/drawing/2010/main" w="9525">
+                  <a14:hiddenLine xmlns:a14="http://schemas.microsoft.com/office/drawing/2010/main" xmlns="" w="9525">
                     <a:solidFill>
                       <a:srgbClr val="000000"/>
                     </a:solidFill>
@@ -9243,7 +9279,7 @@
               </a:ln>
               <a:extLst>
                 <a:ext uri="{91240B29-F687-4f45-9708-019B960494DF}">
-                  <a14:hiddenLine xmlns="" xmlns:a14="http://schemas.microsoft.com/office/drawing/2010/main" w="9525">
+                  <a14:hiddenLine xmlns:a14="http://schemas.microsoft.com/office/drawing/2010/main" xmlns="" w="9525">
                     <a:solidFill>
                       <a:srgbClr val="000000"/>
                     </a:solidFill>
@@ -9305,7 +9341,7 @@
               </a:ln>
               <a:extLst>
                 <a:ext uri="{91240B29-F687-4f45-9708-019B960494DF}">
-                  <a14:hiddenLine xmlns="" xmlns:a14="http://schemas.microsoft.com/office/drawing/2010/main" w="9525">
+                  <a14:hiddenLine xmlns:a14="http://schemas.microsoft.com/office/drawing/2010/main" xmlns="" w="9525">
                     <a:solidFill>
                       <a:srgbClr val="000000"/>
                     </a:solidFill>
@@ -9395,7 +9431,7 @@
               </a:ln>
               <a:extLst>
                 <a:ext uri="{91240B29-F687-4f45-9708-019B960494DF}">
-                  <a14:hiddenLine xmlns="" xmlns:a14="http://schemas.microsoft.com/office/drawing/2010/main" w="9525">
+                  <a14:hiddenLine xmlns:a14="http://schemas.microsoft.com/office/drawing/2010/main" xmlns="" w="9525">
                     <a:solidFill>
                       <a:srgbClr val="000000"/>
                     </a:solidFill>
@@ -9457,7 +9493,7 @@
               </a:ln>
               <a:extLst>
                 <a:ext uri="{91240B29-F687-4f45-9708-019B960494DF}">
-                  <a14:hiddenLine xmlns="" xmlns:a14="http://schemas.microsoft.com/office/drawing/2010/main" w="9525">
+                  <a14:hiddenLine xmlns:a14="http://schemas.microsoft.com/office/drawing/2010/main" xmlns="" w="9525">
                     <a:solidFill>
                       <a:srgbClr val="000000"/>
                     </a:solidFill>
@@ -9519,7 +9555,7 @@
               </a:ln>
               <a:extLst>
                 <a:ext uri="{91240B29-F687-4f45-9708-019B960494DF}">
-                  <a14:hiddenLine xmlns="" xmlns:a14="http://schemas.microsoft.com/office/drawing/2010/main" w="9525">
+                  <a14:hiddenLine xmlns:a14="http://schemas.microsoft.com/office/drawing/2010/main" xmlns="" w="9525">
                     <a:solidFill>
                       <a:srgbClr val="000000"/>
                     </a:solidFill>
@@ -9609,7 +9645,7 @@
               </a:ln>
               <a:extLst>
                 <a:ext uri="{91240B29-F687-4f45-9708-019B960494DF}">
-                  <a14:hiddenLine xmlns="" xmlns:a14="http://schemas.microsoft.com/office/drawing/2010/main" w="9525">
+                  <a14:hiddenLine xmlns:a14="http://schemas.microsoft.com/office/drawing/2010/main" xmlns="" w="9525">
                     <a:solidFill>
                       <a:srgbClr val="000000"/>
                     </a:solidFill>
@@ -9699,7 +9735,7 @@
               </a:ln>
               <a:extLst>
                 <a:ext uri="{91240B29-F687-4f45-9708-019B960494DF}">
-                  <a14:hiddenLine xmlns="" xmlns:a14="http://schemas.microsoft.com/office/drawing/2010/main" w="9525">
+                  <a14:hiddenLine xmlns:a14="http://schemas.microsoft.com/office/drawing/2010/main" xmlns="" w="9525">
                     <a:solidFill>
                       <a:srgbClr val="000000"/>
                     </a:solidFill>
@@ -9761,7 +9797,7 @@
               </a:ln>
               <a:extLst>
                 <a:ext uri="{91240B29-F687-4f45-9708-019B960494DF}">
-                  <a14:hiddenLine xmlns="" xmlns:a14="http://schemas.microsoft.com/office/drawing/2010/main" w="9525">
+                  <a14:hiddenLine xmlns:a14="http://schemas.microsoft.com/office/drawing/2010/main" xmlns="" w="9525">
                     <a:solidFill>
                       <a:srgbClr val="000000"/>
                     </a:solidFill>
@@ -9871,7 +9907,7 @@
               </a:ln>
               <a:extLst>
                 <a:ext uri="{91240B29-F687-4f45-9708-019B960494DF}">
-                  <a14:hiddenLine xmlns="" xmlns:a14="http://schemas.microsoft.com/office/drawing/2010/main" w="9525">
+                  <a14:hiddenLine xmlns:a14="http://schemas.microsoft.com/office/drawing/2010/main" xmlns="" w="9525">
                     <a:solidFill>
                       <a:srgbClr val="000000"/>
                     </a:solidFill>
@@ -9955,7 +9991,7 @@
               </a:ln>
               <a:extLst>
                 <a:ext uri="{91240B29-F687-4f45-9708-019B960494DF}">
-                  <a14:hiddenLine xmlns="" xmlns:a14="http://schemas.microsoft.com/office/drawing/2010/main" w="9525">
+                  <a14:hiddenLine xmlns:a14="http://schemas.microsoft.com/office/drawing/2010/main" xmlns="" w="9525">
                     <a:solidFill>
                       <a:srgbClr val="000000"/>
                     </a:solidFill>
@@ -10017,7 +10053,7 @@
               </a:ln>
               <a:extLst>
                 <a:ext uri="{91240B29-F687-4f45-9708-019B960494DF}">
-                  <a14:hiddenLine xmlns="" xmlns:a14="http://schemas.microsoft.com/office/drawing/2010/main" w="9525">
+                  <a14:hiddenLine xmlns:a14="http://schemas.microsoft.com/office/drawing/2010/main" xmlns="" w="9525">
                     <a:solidFill>
                       <a:srgbClr val="000000"/>
                     </a:solidFill>
@@ -10079,7 +10115,7 @@
               </a:ln>
               <a:extLst>
                 <a:ext uri="{91240B29-F687-4f45-9708-019B960494DF}">
-                  <a14:hiddenLine xmlns="" xmlns:a14="http://schemas.microsoft.com/office/drawing/2010/main" w="9525">
+                  <a14:hiddenLine xmlns:a14="http://schemas.microsoft.com/office/drawing/2010/main" xmlns="" w="9525">
                     <a:solidFill>
                       <a:srgbClr val="000000"/>
                     </a:solidFill>
@@ -10169,7 +10205,7 @@
               </a:ln>
               <a:extLst>
                 <a:ext uri="{91240B29-F687-4f45-9708-019B960494DF}">
-                  <a14:hiddenLine xmlns="" xmlns:a14="http://schemas.microsoft.com/office/drawing/2010/main" w="9525">
+                  <a14:hiddenLine xmlns:a14="http://schemas.microsoft.com/office/drawing/2010/main" xmlns="" w="9525">
                     <a:solidFill>
                       <a:srgbClr val="000000"/>
                     </a:solidFill>
@@ -10203,7 +10239,7 @@
               </a:ln>
               <a:extLst>
                 <a:ext uri="{91240B29-F687-4f45-9708-019B960494DF}">
-                  <a14:hiddenLine xmlns="" xmlns:a14="http://schemas.microsoft.com/office/drawing/2010/main" w="9525">
+                  <a14:hiddenLine xmlns:a14="http://schemas.microsoft.com/office/drawing/2010/main" xmlns="" w="9525">
                     <a:solidFill>
                       <a:srgbClr val="000000"/>
                     </a:solidFill>
@@ -10268,7 +10304,7 @@
               </a:ln>
               <a:extLst>
                 <a:ext uri="{91240B29-F687-4f45-9708-019B960494DF}">
-                  <a14:hiddenLine xmlns="" xmlns:a14="http://schemas.microsoft.com/office/drawing/2010/main" w="9525">
+                  <a14:hiddenLine xmlns:a14="http://schemas.microsoft.com/office/drawing/2010/main" xmlns="" w="9525">
                     <a:solidFill>
                       <a:srgbClr val="000000"/>
                     </a:solidFill>
@@ -10358,7 +10394,7 @@
               </a:ln>
               <a:extLst>
                 <a:ext uri="{91240B29-F687-4f45-9708-019B960494DF}">
-                  <a14:hiddenLine xmlns="" xmlns:a14="http://schemas.microsoft.com/office/drawing/2010/main" w="9525">
+                  <a14:hiddenLine xmlns:a14="http://schemas.microsoft.com/office/drawing/2010/main" xmlns="" w="9525">
                     <a:solidFill>
                       <a:srgbClr val="000000"/>
                     </a:solidFill>
@@ -10420,7 +10456,7 @@
               </a:ln>
               <a:extLst>
                 <a:ext uri="{91240B29-F687-4f45-9708-019B960494DF}">
-                  <a14:hiddenLine xmlns="" xmlns:a14="http://schemas.microsoft.com/office/drawing/2010/main" w="9525">
+                  <a14:hiddenLine xmlns:a14="http://schemas.microsoft.com/office/drawing/2010/main" xmlns="" w="9525">
                     <a:solidFill>
                       <a:srgbClr val="000000"/>
                     </a:solidFill>
@@ -10510,7 +10546,7 @@
               </a:ln>
               <a:extLst>
                 <a:ext uri="{91240B29-F687-4f45-9708-019B960494DF}">
-                  <a14:hiddenLine xmlns="" xmlns:a14="http://schemas.microsoft.com/office/drawing/2010/main" w="9525">
+                  <a14:hiddenLine xmlns:a14="http://schemas.microsoft.com/office/drawing/2010/main" xmlns="" w="9525">
                     <a:solidFill>
                       <a:srgbClr val="000000"/>
                     </a:solidFill>
@@ -10575,7 +10611,7 @@
               </a:ln>
               <a:extLst>
                 <a:ext uri="{91240B29-F687-4f45-9708-019B960494DF}">
-                  <a14:hiddenLine xmlns="" xmlns:a14="http://schemas.microsoft.com/office/drawing/2010/main" w="9525">
+                  <a14:hiddenLine xmlns:a14="http://schemas.microsoft.com/office/drawing/2010/main" xmlns="" w="9525">
                     <a:solidFill>
                       <a:srgbClr val="000000"/>
                     </a:solidFill>
@@ -10637,7 +10673,7 @@
               </a:ln>
               <a:extLst>
                 <a:ext uri="{91240B29-F687-4f45-9708-019B960494DF}">
-                  <a14:hiddenLine xmlns="" xmlns:a14="http://schemas.microsoft.com/office/drawing/2010/main" w="9525">
+                  <a14:hiddenLine xmlns:a14="http://schemas.microsoft.com/office/drawing/2010/main" xmlns="" w="9525">
                     <a:solidFill>
                       <a:srgbClr val="000000"/>
                     </a:solidFill>
@@ -10727,7 +10763,7 @@
               </a:ln>
               <a:extLst>
                 <a:ext uri="{91240B29-F687-4f45-9708-019B960494DF}">
-                  <a14:hiddenLine xmlns="" xmlns:a14="http://schemas.microsoft.com/office/drawing/2010/main" w="9525">
+                  <a14:hiddenLine xmlns:a14="http://schemas.microsoft.com/office/drawing/2010/main" xmlns="" w="9525">
                     <a:solidFill>
                       <a:srgbClr val="000000"/>
                     </a:solidFill>
@@ -10817,7 +10853,7 @@
               </a:ln>
               <a:extLst>
                 <a:ext uri="{91240B29-F687-4f45-9708-019B960494DF}">
-                  <a14:hiddenLine xmlns="" xmlns:a14="http://schemas.microsoft.com/office/drawing/2010/main" w="9525">
+                  <a14:hiddenLine xmlns:a14="http://schemas.microsoft.com/office/drawing/2010/main" xmlns="" w="9525">
                     <a:solidFill>
                       <a:srgbClr val="000000"/>
                     </a:solidFill>
@@ -10882,7 +10918,7 @@
               </a:ln>
               <a:extLst>
                 <a:ext uri="{91240B29-F687-4f45-9708-019B960494DF}">
-                  <a14:hiddenLine xmlns="" xmlns:a14="http://schemas.microsoft.com/office/drawing/2010/main" w="9525">
+                  <a14:hiddenLine xmlns:a14="http://schemas.microsoft.com/office/drawing/2010/main" xmlns="" w="9525">
                     <a:solidFill>
                       <a:srgbClr val="000000"/>
                     </a:solidFill>
@@ -11002,7 +11038,7 @@
               </a:ln>
               <a:extLst>
                 <a:ext uri="{91240B29-F687-4f45-9708-019B960494DF}">
-                  <a14:hiddenLine xmlns="" xmlns:a14="http://schemas.microsoft.com/office/drawing/2010/main" w="9525">
+                  <a14:hiddenLine xmlns:a14="http://schemas.microsoft.com/office/drawing/2010/main" xmlns="" w="9525">
                     <a:solidFill>
                       <a:srgbClr val="000000"/>
                     </a:solidFill>
@@ -11083,7 +11119,7 @@
               </a:ln>
               <a:extLst>
                 <a:ext uri="{91240B29-F687-4f45-9708-019B960494DF}">
-                  <a14:hiddenLine xmlns="" xmlns:a14="http://schemas.microsoft.com/office/drawing/2010/main" w="9525">
+                  <a14:hiddenLine xmlns:a14="http://schemas.microsoft.com/office/drawing/2010/main" xmlns="" w="9525">
                     <a:solidFill>
                       <a:srgbClr val="000000"/>
                     </a:solidFill>
@@ -11198,7 +11234,7 @@
               </a:ln>
               <a:extLst>
                 <a:ext uri="{91240B29-F687-4f45-9708-019B960494DF}">
-                  <a14:hiddenLine xmlns="" xmlns:a14="http://schemas.microsoft.com/office/drawing/2010/main" w="9525">
+                  <a14:hiddenLine xmlns:a14="http://schemas.microsoft.com/office/drawing/2010/main" xmlns="" w="9525">
                     <a:solidFill>
                       <a:srgbClr val="000000"/>
                     </a:solidFill>
@@ -11288,7 +11324,7 @@
               </a:ln>
               <a:extLst>
                 <a:ext uri="{91240B29-F687-4f45-9708-019B960494DF}">
-                  <a14:hiddenLine xmlns="" xmlns:a14="http://schemas.microsoft.com/office/drawing/2010/main" w="9525">
+                  <a14:hiddenLine xmlns:a14="http://schemas.microsoft.com/office/drawing/2010/main" xmlns="" w="9525">
                     <a:solidFill>
                       <a:srgbClr val="000000"/>
                     </a:solidFill>
@@ -11353,7 +11389,7 @@
               </a:ln>
               <a:extLst>
                 <a:ext uri="{91240B29-F687-4f45-9708-019B960494DF}">
-                  <a14:hiddenLine xmlns="" xmlns:a14="http://schemas.microsoft.com/office/drawing/2010/main" w="9525">
+                  <a14:hiddenLine xmlns:a14="http://schemas.microsoft.com/office/drawing/2010/main" xmlns="" w="9525">
                     <a:solidFill>
                       <a:srgbClr val="000000"/>
                     </a:solidFill>
@@ -11443,7 +11479,7 @@
               </a:ln>
               <a:extLst>
                 <a:ext uri="{91240B29-F687-4f45-9708-019B960494DF}">
-                  <a14:hiddenLine xmlns="" xmlns:a14="http://schemas.microsoft.com/office/drawing/2010/main" w="9525">
+                  <a14:hiddenLine xmlns:a14="http://schemas.microsoft.com/office/drawing/2010/main" xmlns="" w="9525">
                     <a:solidFill>
                       <a:srgbClr val="000000"/>
                     </a:solidFill>
@@ -11511,7 +11547,7 @@
               </a:ln>
               <a:extLst>
                 <a:ext uri="{91240B29-F687-4f45-9708-019B960494DF}">
-                  <a14:hiddenLine xmlns="" xmlns:a14="http://schemas.microsoft.com/office/drawing/2010/main" w="9525">
+                  <a14:hiddenLine xmlns:a14="http://schemas.microsoft.com/office/drawing/2010/main" xmlns="" w="9525">
                     <a:solidFill>
                       <a:srgbClr val="000000"/>
                     </a:solidFill>
@@ -11601,7 +11637,7 @@
               </a:ln>
               <a:extLst>
                 <a:ext uri="{91240B29-F687-4f45-9708-019B960494DF}">
-                  <a14:hiddenLine xmlns="" xmlns:a14="http://schemas.microsoft.com/office/drawing/2010/main" w="9525">
+                  <a14:hiddenLine xmlns:a14="http://schemas.microsoft.com/office/drawing/2010/main" xmlns="" w="9525">
                     <a:solidFill>
                       <a:srgbClr val="000000"/>
                     </a:solidFill>
@@ -11669,7 +11705,7 @@
               </a:ln>
               <a:extLst>
                 <a:ext uri="{91240B29-F687-4f45-9708-019B960494DF}">
-                  <a14:hiddenLine xmlns="" xmlns:a14="http://schemas.microsoft.com/office/drawing/2010/main" w="9525">
+                  <a14:hiddenLine xmlns:a14="http://schemas.microsoft.com/office/drawing/2010/main" xmlns="" w="9525">
                     <a:solidFill>
                       <a:srgbClr val="000000"/>
                     </a:solidFill>
@@ -11759,7 +11795,7 @@
               </a:ln>
               <a:extLst>
                 <a:ext uri="{91240B29-F687-4f45-9708-019B960494DF}">
-                  <a14:hiddenLine xmlns="" xmlns:a14="http://schemas.microsoft.com/office/drawing/2010/main" w="9525">
+                  <a14:hiddenLine xmlns:a14="http://schemas.microsoft.com/office/drawing/2010/main" xmlns="" w="9525">
                     <a:solidFill>
                       <a:srgbClr val="000000"/>
                     </a:solidFill>
@@ -11793,7 +11829,7 @@
               </a:ln>
               <a:extLst>
                 <a:ext uri="{91240B29-F687-4f45-9708-019B960494DF}">
-                  <a14:hiddenLine xmlns="" xmlns:a14="http://schemas.microsoft.com/office/drawing/2010/main" w="9525">
+                  <a14:hiddenLine xmlns:a14="http://schemas.microsoft.com/office/drawing/2010/main" xmlns="" w="9525">
                     <a:solidFill>
                       <a:srgbClr val="000000"/>
                     </a:solidFill>
@@ -11934,7 +11970,7 @@
             <a:fld id="{48A87A34-81AB-432B-8DAE-1953F412C126}" type="datetimeFigureOut">
               <a:rPr lang="en-US" dirty="0"/>
               <a:pPr/>
-              <a:t>2/25/2019</a:t>
+              <a:t>2/26/19</a:t>
             </a:fld>
             <a:endParaRPr lang="en-US" dirty="0"/>
           </a:p>
@@ -12366,7 +12402,12 @@
             <p:ph type="ctrTitle"/>
           </p:nvPr>
         </p:nvSpPr>
-        <p:spPr/>
+        <p:spPr>
+          <a:xfrm>
+            <a:off x="1876424" y="1648835"/>
+            <a:ext cx="9004012" cy="2387600"/>
+          </a:xfrm>
+        </p:spPr>
         <p:txBody>
           <a:bodyPr/>
           <a:lstStyle/>
@@ -12410,7 +12451,11 @@
           <a:bodyPr/>
           <a:lstStyle/>
           <a:p>
-            <a:endParaRPr lang="en-US" dirty="0"/>
+            <a:endParaRPr lang="en-US" dirty="0">
+              <a:solidFill>
+                <a:schemeClr val="tx1"/>
+              </a:solidFill>
+            </a:endParaRPr>
           </a:p>
         </p:txBody>
       </p:sp>
@@ -12427,7 +12472,7 @@
 </p:sld>
 </file>
 
-<file path=ppt/slides/slide2.xml><?xml version="1.0" encoding="utf-8"?>
+<file path=ppt/slides/slide10.xml><?xml version="1.0" encoding="utf-8"?>
 <p:sld xmlns:a="http://schemas.openxmlformats.org/drawingml/2006/main" xmlns:r="http://schemas.openxmlformats.org/officeDocument/2006/relationships" xmlns:p="http://schemas.openxmlformats.org/presentationml/2006/main">
   <p:cSld>
     <p:spTree>
@@ -12444,40 +12489,76 @@
           <a:chExt cx="0" cy="0"/>
         </a:xfrm>
       </p:grpSpPr>
-      <p:pic>
-        <p:nvPicPr>
-          <p:cNvPr id="2" name="Picture 1">
+      <p:sp>
+        <p:nvSpPr>
+          <p:cNvPr id="2" name="Title 1">
             <a:extLst>
               <a:ext uri="{FF2B5EF4-FFF2-40B4-BE49-F238E27FC236}">
-                <a16:creationId xmlns:a16="http://schemas.microsoft.com/office/drawing/2014/main" id="{4CFE540B-482A-4DBB-983B-87BB1859AE1C}"/>
+                <a16:creationId xmlns:a16="http://schemas.microsoft.com/office/drawing/2014/main" id="{D8D38AC5-B81D-446B-A261-9FD8AAE15732}"/>
               </a:ext>
             </a:extLst>
           </p:cNvPr>
-          <p:cNvPicPr>
-            <a:picLocks noChangeAspect="1"/>
-          </p:cNvPicPr>
-          <p:nvPr/>
-        </p:nvPicPr>
-        <p:blipFill>
-          <a:blip r:embed="rId2"/>
-          <a:stretch>
-            <a:fillRect/>
-          </a:stretch>
-        </p:blipFill>
-        <p:spPr>
-          <a:xfrm>
-            <a:off x="1106795" y="709753"/>
-            <a:ext cx="9978409" cy="5438494"/>
-          </a:xfrm>
-          <a:prstGeom prst="rect">
-            <a:avLst/>
-          </a:prstGeom>
-        </p:spPr>
-      </p:pic>
+          <p:cNvSpPr>
+            <a:spLocks noGrp="1"/>
+          </p:cNvSpPr>
+          <p:nvPr>
+            <p:ph type="ctrTitle"/>
+          </p:nvPr>
+        </p:nvSpPr>
+        <p:spPr/>
+        <p:txBody>
+          <a:bodyPr>
+            <a:normAutofit/>
+          </a:bodyPr>
+          <a:lstStyle/>
+          <a:p>
+            <a:pPr algn="ctr"/>
+            <a:r>
+              <a:rPr lang="en-US" dirty="0"/>
+              <a:t>Thank you</a:t>
+            </a:r>
+          </a:p>
+        </p:txBody>
+      </p:sp>
+      <p:sp>
+        <p:nvSpPr>
+          <p:cNvPr id="3" name="Subtitle 2">
+            <a:extLst>
+              <a:ext uri="{FF2B5EF4-FFF2-40B4-BE49-F238E27FC236}">
+                <a16:creationId xmlns:a16="http://schemas.microsoft.com/office/drawing/2014/main" id="{2D491A02-8833-49EA-B41F-0D0953F41A3A}"/>
+              </a:ext>
+            </a:extLst>
+          </p:cNvPr>
+          <p:cNvSpPr>
+            <a:spLocks noGrp="1"/>
+          </p:cNvSpPr>
+          <p:nvPr>
+            <p:ph type="subTitle" idx="1"/>
+          </p:nvPr>
+        </p:nvSpPr>
+        <p:spPr/>
+        <p:txBody>
+          <a:bodyPr>
+            <a:normAutofit/>
+          </a:bodyPr>
+          <a:lstStyle/>
+          <a:p>
+            <a:pPr algn="ctr"/>
+            <a:r>
+              <a:rPr lang="en-US" sz="2800" dirty="0">
+                <a:solidFill>
+                  <a:schemeClr val="tx1"/>
+                </a:solidFill>
+              </a:rPr>
+              <a:t>Any questions?</a:t>
+            </a:r>
+          </a:p>
+        </p:txBody>
+      </p:sp>
     </p:spTree>
     <p:extLst>
       <p:ext uri="{BB962C8B-B14F-4D97-AF65-F5344CB8AC3E}">
-        <p14:creationId xmlns:p14="http://schemas.microsoft.com/office/powerpoint/2010/main" val="1998124610"/>
+        <p14:creationId xmlns:p14="http://schemas.microsoft.com/office/powerpoint/2010/main" val="1580018914"/>
       </p:ext>
     </p:extLst>
   </p:cSld>
@@ -12487,7 +12568,7 @@
 </p:sld>
 </file>
 
-<file path=ppt/slides/slide3.xml><?xml version="1.0" encoding="utf-8"?>
+<file path=ppt/slides/slide2.xml><?xml version="1.0" encoding="utf-8"?>
 <p:sld xmlns:a="http://schemas.openxmlformats.org/drawingml/2006/main" xmlns:r="http://schemas.openxmlformats.org/officeDocument/2006/relationships" xmlns:p="http://schemas.openxmlformats.org/presentationml/2006/main">
   <p:cSld>
     <p:spTree>
@@ -12520,7 +12601,12 @@
             <p:ph type="title"/>
           </p:nvPr>
         </p:nvSpPr>
-        <p:spPr/>
+        <p:spPr>
+          <a:xfrm>
+            <a:off x="1353850" y="491293"/>
+            <a:ext cx="9905998" cy="1478570"/>
+          </a:xfrm>
+        </p:spPr>
         <p:txBody>
           <a:bodyPr/>
           <a:lstStyle/>
@@ -12548,7 +12634,12 @@
             <p:ph sz="half" idx="1"/>
           </p:nvPr>
         </p:nvSpPr>
-        <p:spPr/>
+        <p:spPr>
+          <a:xfrm>
+            <a:off x="1428460" y="1956845"/>
+            <a:ext cx="4878389" cy="3541714"/>
+          </a:xfrm>
+        </p:spPr>
         <p:txBody>
           <a:bodyPr/>
           <a:lstStyle/>
@@ -12611,7 +12702,12 @@
             <p:ph sz="half" idx="2"/>
           </p:nvPr>
         </p:nvSpPr>
-        <p:spPr/>
+        <p:spPr>
+          <a:xfrm>
+            <a:off x="6459247" y="1956845"/>
+            <a:ext cx="4875211" cy="3541714"/>
+          </a:xfrm>
+        </p:spPr>
         <p:txBody>
           <a:bodyPr/>
           <a:lstStyle/>
@@ -12658,10 +12754,142 @@
           </a:p>
         </p:txBody>
       </p:sp>
+      <p:cxnSp>
+        <p:nvCxnSpPr>
+          <p:cNvPr id="6" name="Straight Connector 5"/>
+          <p:cNvCxnSpPr/>
+          <p:nvPr/>
+        </p:nvCxnSpPr>
+        <p:spPr>
+          <a:xfrm flipV="1">
+            <a:off x="1030574" y="1802132"/>
+            <a:ext cx="10099244" cy="64656"/>
+          </a:xfrm>
+          <a:prstGeom prst="line">
+            <a:avLst/>
+          </a:prstGeom>
+          <a:ln w="28575">
+            <a:solidFill>
+              <a:schemeClr val="tx1"/>
+            </a:solidFill>
+          </a:ln>
+        </p:spPr>
+        <p:style>
+          <a:lnRef idx="1">
+            <a:schemeClr val="accent1"/>
+          </a:lnRef>
+          <a:fillRef idx="0">
+            <a:schemeClr val="accent1"/>
+          </a:fillRef>
+          <a:effectRef idx="0">
+            <a:schemeClr val="accent1"/>
+          </a:effectRef>
+          <a:fontRef idx="minor">
+            <a:schemeClr val="tx1"/>
+          </a:fontRef>
+        </p:style>
+      </p:cxnSp>
+      <p:cxnSp>
+        <p:nvCxnSpPr>
+          <p:cNvPr id="16" name="Straight Connector 15"/>
+          <p:cNvCxnSpPr>
+            <a:cxnSpLocks/>
+          </p:cNvCxnSpPr>
+          <p:nvPr/>
+        </p:nvCxnSpPr>
+        <p:spPr>
+          <a:xfrm flipH="1">
+            <a:off x="5851632" y="1866788"/>
+            <a:ext cx="1" cy="3631771"/>
+          </a:xfrm>
+          <a:prstGeom prst="line">
+            <a:avLst/>
+          </a:prstGeom>
+          <a:ln w="38100">
+            <a:solidFill>
+              <a:schemeClr val="tx1"/>
+            </a:solidFill>
+          </a:ln>
+        </p:spPr>
+        <p:style>
+          <a:lnRef idx="1">
+            <a:schemeClr val="accent1"/>
+          </a:lnRef>
+          <a:fillRef idx="0">
+            <a:schemeClr val="accent1"/>
+          </a:fillRef>
+          <a:effectRef idx="0">
+            <a:schemeClr val="accent1"/>
+          </a:effectRef>
+          <a:fontRef idx="minor">
+            <a:schemeClr val="tx1"/>
+          </a:fontRef>
+        </p:style>
+      </p:cxnSp>
     </p:spTree>
     <p:extLst>
       <p:ext uri="{BB962C8B-B14F-4D97-AF65-F5344CB8AC3E}">
         <p14:creationId xmlns:p14="http://schemas.microsoft.com/office/powerpoint/2010/main" val="341036827"/>
+      </p:ext>
+    </p:extLst>
+  </p:cSld>
+  <p:clrMapOvr>
+    <a:masterClrMapping/>
+  </p:clrMapOvr>
+</p:sld>
+</file>
+
+<file path=ppt/slides/slide3.xml><?xml version="1.0" encoding="utf-8"?>
+<p:sld xmlns:a="http://schemas.openxmlformats.org/drawingml/2006/main" xmlns:r="http://schemas.openxmlformats.org/officeDocument/2006/relationships" xmlns:p="http://schemas.openxmlformats.org/presentationml/2006/main">
+  <p:cSld>
+    <p:spTree>
+      <p:nvGrpSpPr>
+        <p:cNvPr id="1" name=""/>
+        <p:cNvGrpSpPr/>
+        <p:nvPr/>
+      </p:nvGrpSpPr>
+      <p:grpSpPr>
+        <a:xfrm>
+          <a:off x="0" y="0"/>
+          <a:ext cx="0" cy="0"/>
+          <a:chOff x="0" y="0"/>
+          <a:chExt cx="0" cy="0"/>
+        </a:xfrm>
+      </p:grpSpPr>
+      <p:pic>
+        <p:nvPicPr>
+          <p:cNvPr id="2" name="Picture 1">
+            <a:extLst>
+              <a:ext uri="{FF2B5EF4-FFF2-40B4-BE49-F238E27FC236}">
+                <a16:creationId xmlns:a16="http://schemas.microsoft.com/office/drawing/2014/main" id="{4CFE540B-482A-4DBB-983B-87BB1859AE1C}"/>
+              </a:ext>
+            </a:extLst>
+          </p:cNvPr>
+          <p:cNvPicPr>
+            <a:picLocks noChangeAspect="1"/>
+          </p:cNvPicPr>
+          <p:nvPr/>
+        </p:nvPicPr>
+        <p:blipFill>
+          <a:blip r:embed="rId2"/>
+          <a:stretch>
+            <a:fillRect/>
+          </a:stretch>
+        </p:blipFill>
+        <p:spPr>
+          <a:xfrm>
+            <a:off x="489528" y="503593"/>
+            <a:ext cx="10794622" cy="5883352"/>
+          </a:xfrm>
+          <a:prstGeom prst="rect">
+            <a:avLst/>
+          </a:prstGeom>
+        </p:spPr>
+      </p:pic>
+    </p:spTree>
+    <p:extLst>
+      <p:ext uri="{BB962C8B-B14F-4D97-AF65-F5344CB8AC3E}">
+        <p14:creationId xmlns:p14="http://schemas.microsoft.com/office/powerpoint/2010/main" val="1998124610"/>
       </p:ext>
     </p:extLst>
   </p:cSld>
@@ -12704,9 +12932,16 @@
             <p:ph type="title"/>
           </p:nvPr>
         </p:nvSpPr>
-        <p:spPr/>
+        <p:spPr>
+          <a:xfrm>
+            <a:off x="1063622" y="40165"/>
+            <a:ext cx="10564960" cy="1478570"/>
+          </a:xfrm>
+        </p:spPr>
         <p:txBody>
-          <a:bodyPr/>
+          <a:bodyPr>
+            <a:normAutofit/>
+          </a:bodyPr>
           <a:lstStyle/>
           <a:p>
             <a:r>
@@ -12734,7 +12969,7 @@
         </p:nvSpPr>
         <p:spPr>
           <a:xfrm>
-            <a:off x="1141410" y="2249486"/>
+            <a:off x="1030574" y="1271474"/>
             <a:ext cx="4878389" cy="798514"/>
           </a:xfrm>
         </p:spPr>
@@ -12744,8 +12979,11 @@
           </a:bodyPr>
           <a:lstStyle/>
           <a:p>
+            <a:pPr marL="0" indent="0">
+              <a:buNone/>
+            </a:pPr>
             <a:r>
-              <a:rPr lang="en-US" dirty="0"/>
+              <a:rPr lang="en-US" sz="2800" u="sng" dirty="0"/>
               <a:t>Top 6</a:t>
             </a:r>
           </a:p>
@@ -12769,7 +13007,7 @@
         </p:nvSpPr>
         <p:spPr>
           <a:xfrm>
-            <a:off x="1141410" y="4368760"/>
+            <a:off x="1063622" y="3788139"/>
             <a:ext cx="4875211" cy="1104107"/>
           </a:xfrm>
         </p:spPr>
@@ -12779,8 +13017,11 @@
           </a:bodyPr>
           <a:lstStyle/>
           <a:p>
+            <a:pPr marL="0" indent="0">
+              <a:buNone/>
+            </a:pPr>
             <a:r>
-              <a:rPr lang="en-US" dirty="0"/>
+              <a:rPr lang="en-US" sz="2800" u="sng" dirty="0"/>
               <a:t>Bottom 6</a:t>
             </a:r>
           </a:p>
@@ -12788,7 +13029,7 @@
             <a:pPr marL="457200" lvl="1" indent="0">
               <a:buNone/>
             </a:pPr>
-            <a:endParaRPr lang="en-US" dirty="0"/>
+            <a:endParaRPr lang="en-US" sz="3200" b="1" u="sng" dirty="0"/>
           </a:p>
         </p:txBody>
       </p:sp>
@@ -12807,13 +13048,13 @@
           <p:nvPr>
             <p:extLst>
               <p:ext uri="{D42A27DB-BD31-4B8C-83A1-F6EECF244321}">
-                <p14:modId xmlns:p14="http://schemas.microsoft.com/office/powerpoint/2010/main" val="3483525794"/>
+                <p14:modId xmlns:p14="http://schemas.microsoft.com/office/powerpoint/2010/main" val="1139332218"/>
               </p:ext>
             </p:extLst>
           </p:nvPr>
         </p:nvGraphicFramePr>
         <p:xfrm>
-          <a:off x="1203533" y="2918400"/>
+          <a:off x="1063622" y="1992417"/>
           <a:ext cx="6515099" cy="1333500"/>
         </p:xfrm>
         <a:graphic>
@@ -14236,13 +14477,13 @@
           <p:nvPr>
             <p:extLst>
               <p:ext uri="{D42A27DB-BD31-4B8C-83A1-F6EECF244321}">
-                <p14:modId xmlns:p14="http://schemas.microsoft.com/office/powerpoint/2010/main" val="68414021"/>
+                <p14:modId xmlns:p14="http://schemas.microsoft.com/office/powerpoint/2010/main" val="1618661973"/>
               </p:ext>
             </p:extLst>
           </p:nvPr>
         </p:nvGraphicFramePr>
         <p:xfrm>
-          <a:off x="1203533" y="4937922"/>
+          <a:off x="1092697" y="4494577"/>
           <a:ext cx="7873999" cy="1333500"/>
         </p:xfrm>
         <a:graphic>
@@ -15650,6 +15891,41 @@
           </a:graphicData>
         </a:graphic>
       </p:graphicFrame>
+      <p:cxnSp>
+        <p:nvCxnSpPr>
+          <p:cNvPr id="7" name="Straight Connector 6"/>
+          <p:cNvCxnSpPr/>
+          <p:nvPr/>
+        </p:nvCxnSpPr>
+        <p:spPr>
+          <a:xfrm flipV="1">
+            <a:off x="1030574" y="1145309"/>
+            <a:ext cx="10099244" cy="64656"/>
+          </a:xfrm>
+          <a:prstGeom prst="line">
+            <a:avLst/>
+          </a:prstGeom>
+          <a:ln w="28575">
+            <a:solidFill>
+              <a:schemeClr val="tx1"/>
+            </a:solidFill>
+          </a:ln>
+        </p:spPr>
+        <p:style>
+          <a:lnRef idx="1">
+            <a:schemeClr val="accent1"/>
+          </a:lnRef>
+          <a:fillRef idx="0">
+            <a:schemeClr val="accent1"/>
+          </a:fillRef>
+          <a:effectRef idx="0">
+            <a:schemeClr val="accent1"/>
+          </a:effectRef>
+          <a:fontRef idx="minor">
+            <a:schemeClr val="tx1"/>
+          </a:fontRef>
+        </p:style>
+      </p:cxnSp>
     </p:spTree>
     <p:extLst>
       <p:ext uri="{BB962C8B-B14F-4D97-AF65-F5344CB8AC3E}">
@@ -15696,9 +15972,16 @@
             <p:ph type="title"/>
           </p:nvPr>
         </p:nvSpPr>
-        <p:spPr/>
+        <p:spPr>
+          <a:xfrm>
+            <a:off x="1335376" y="406216"/>
+            <a:ext cx="9905998" cy="1478570"/>
+          </a:xfrm>
+        </p:spPr>
         <p:txBody>
-          <a:bodyPr/>
+          <a:bodyPr>
+            <a:normAutofit/>
+          </a:bodyPr>
           <a:lstStyle/>
           <a:p>
             <a:r>
@@ -15708,12 +15991,47 @@
           </a:p>
         </p:txBody>
       </p:sp>
+      <p:cxnSp>
+        <p:nvCxnSpPr>
+          <p:cNvPr id="4" name="Straight Connector 3"/>
+          <p:cNvCxnSpPr/>
+          <p:nvPr/>
+        </p:nvCxnSpPr>
+        <p:spPr>
+          <a:xfrm>
+            <a:off x="1087581" y="1631326"/>
+            <a:ext cx="10016837" cy="9235"/>
+          </a:xfrm>
+          <a:prstGeom prst="line">
+            <a:avLst/>
+          </a:prstGeom>
+          <a:ln w="28575">
+            <a:solidFill>
+              <a:schemeClr val="tx1"/>
+            </a:solidFill>
+          </a:ln>
+        </p:spPr>
+        <p:style>
+          <a:lnRef idx="1">
+            <a:schemeClr val="accent1"/>
+          </a:lnRef>
+          <a:fillRef idx="0">
+            <a:schemeClr val="accent1"/>
+          </a:fillRef>
+          <a:effectRef idx="0">
+            <a:schemeClr val="accent1"/>
+          </a:effectRef>
+          <a:fontRef idx="minor">
+            <a:schemeClr val="tx1"/>
+          </a:fontRef>
+        </p:style>
+      </p:cxnSp>
       <p:sp>
         <p:nvSpPr>
-          <p:cNvPr id="3" name="Content Placeholder 2">
+          <p:cNvPr id="9" name="Content Placeholder 2">
             <a:extLst>
               <a:ext uri="{FF2B5EF4-FFF2-40B4-BE49-F238E27FC236}">
-                <a16:creationId xmlns:a16="http://schemas.microsoft.com/office/drawing/2014/main" id="{1B37AE2E-EF0F-4E86-BBCE-E5E75C27C5D1}"/>
+                <a16:creationId xmlns:a16="http://schemas.microsoft.com/office/drawing/2014/main" id="{63A6E4AB-5729-7345-AB04-F1929EBE0BC6}"/>
               </a:ext>
             </a:extLst>
           </p:cNvPr>
@@ -15731,7 +16049,7 @@
           <a:p>
             <a:r>
               <a:rPr lang="en-US" dirty="0"/>
-              <a:t>The data set shows the following NA values per column:</a:t>
+              <a:t>The data set shows the following columns with the number of NA values:</a:t>
             </a:r>
           </a:p>
           <a:p>
@@ -15808,12 +16126,14 @@
         </p:nvSpPr>
         <p:spPr>
           <a:xfrm>
-            <a:off x="1143001" y="0"/>
+            <a:off x="1326138" y="-240145"/>
             <a:ext cx="9905998" cy="1478570"/>
           </a:xfrm>
         </p:spPr>
         <p:txBody>
-          <a:bodyPr/>
+          <a:bodyPr>
+            <a:normAutofit/>
+          </a:bodyPr>
           <a:lstStyle/>
           <a:p>
             <a:r>
@@ -15852,24 +16172,130 @@
         </p:blipFill>
         <p:spPr bwMode="auto">
           <a:xfrm>
-            <a:off x="2232891" y="1106054"/>
+            <a:off x="756361" y="1114264"/>
             <a:ext cx="7726218" cy="5518727"/>
           </a:xfrm>
           <a:prstGeom prst="rect">
             <a:avLst/>
           </a:prstGeom>
-          <a:noFill/>
-          <a:extLst>
-            <a:ext uri="{909E8E84-426E-40DD-AFC4-6F175D3DCCD1}">
-              <a14:hiddenFill xmlns:a14="http://schemas.microsoft.com/office/drawing/2010/main">
-                <a:solidFill>
-                  <a:srgbClr val="FFFFFF"/>
-                </a:solidFill>
-              </a14:hiddenFill>
-            </a:ext>
-          </a:extLst>
+          <a:solidFill>
+            <a:srgbClr val="FFFFFF">
+              <a:shade val="85000"/>
+            </a:srgbClr>
+          </a:solidFill>
+          <a:ln w="88900" cap="sq">
+            <a:solidFill>
+              <a:srgbClr val="FFFFFF"/>
+            </a:solidFill>
+            <a:miter lim="800000"/>
+          </a:ln>
+          <a:effectLst>
+            <a:outerShdw blurRad="55000" dist="18000" dir="5400000" algn="tl" rotWithShape="0">
+              <a:srgbClr val="000000">
+                <a:alpha val="40000"/>
+              </a:srgbClr>
+            </a:outerShdw>
+          </a:effectLst>
+          <a:scene3d>
+            <a:camera prst="orthographicFront"/>
+            <a:lightRig rig="twoPt" dir="t">
+              <a:rot lat="0" lon="0" rev="7200000"/>
+            </a:lightRig>
+          </a:scene3d>
+          <a:sp3d>
+            <a:bevelT w="25400" h="19050"/>
+            <a:contourClr>
+              <a:srgbClr val="FFFFFF"/>
+            </a:contourClr>
+          </a:sp3d>
+          <a:extLst/>
         </p:spPr>
       </p:pic>
+      <p:cxnSp>
+        <p:nvCxnSpPr>
+          <p:cNvPr id="4" name="Straight Connector 3"/>
+          <p:cNvCxnSpPr/>
+          <p:nvPr/>
+        </p:nvCxnSpPr>
+        <p:spPr>
+          <a:xfrm flipV="1">
+            <a:off x="1132892" y="803564"/>
+            <a:ext cx="10099244" cy="64656"/>
+          </a:xfrm>
+          <a:prstGeom prst="line">
+            <a:avLst/>
+          </a:prstGeom>
+          <a:ln w="28575">
+            <a:solidFill>
+              <a:schemeClr val="tx1"/>
+            </a:solidFill>
+          </a:ln>
+        </p:spPr>
+        <p:style>
+          <a:lnRef idx="1">
+            <a:schemeClr val="accent1"/>
+          </a:lnRef>
+          <a:fillRef idx="0">
+            <a:schemeClr val="accent1"/>
+          </a:fillRef>
+          <a:effectRef idx="0">
+            <a:schemeClr val="accent1"/>
+          </a:effectRef>
+          <a:fontRef idx="minor">
+            <a:schemeClr val="tx1"/>
+          </a:fontRef>
+        </p:style>
+      </p:cxnSp>
+      <p:sp>
+        <p:nvSpPr>
+          <p:cNvPr id="3" name="TextBox 2">
+            <a:extLst>
+              <a:ext uri="{FF2B5EF4-FFF2-40B4-BE49-F238E27FC236}">
+                <a16:creationId xmlns:a16="http://schemas.microsoft.com/office/drawing/2014/main" id="{C78914A2-F02A-9B42-A2EE-D5150D8D8197}"/>
+              </a:ext>
+            </a:extLst>
+          </p:cNvPr>
+          <p:cNvSpPr txBox="1"/>
+          <p:nvPr/>
+        </p:nvSpPr>
+        <p:spPr>
+          <a:xfrm>
+            <a:off x="8743284" y="2534799"/>
+            <a:ext cx="2788046" cy="2677656"/>
+          </a:xfrm>
+          <a:prstGeom prst="rect">
+            <a:avLst/>
+          </a:prstGeom>
+          <a:noFill/>
+        </p:spPr>
+        <p:txBody>
+          <a:bodyPr wrap="square" rtlCol="0">
+            <a:spAutoFit/>
+          </a:bodyPr>
+          <a:lstStyle/>
+          <a:p>
+            <a:r>
+              <a:rPr lang="en-US" sz="2400" dirty="0"/>
+              <a:t>States with the highest alcoholic beer:</a:t>
+            </a:r>
+          </a:p>
+          <a:p>
+            <a:endParaRPr lang="en-US" sz="2400" dirty="0"/>
+          </a:p>
+          <a:p>
+            <a:r>
+              <a:rPr lang="en-US" sz="2400" dirty="0"/>
+              <a:t>Kentucky and Washington DC</a:t>
+            </a:r>
+          </a:p>
+          <a:p>
+            <a:r>
+              <a:rPr lang="en-US" sz="2400" dirty="0"/>
+              <a:t>6.25% ABV</a:t>
+            </a:r>
+          </a:p>
+        </p:txBody>
+      </p:sp>
     </p:spTree>
     <p:extLst>
       <p:ext uri="{BB962C8B-B14F-4D97-AF65-F5344CB8AC3E}">
@@ -15918,12 +16344,14 @@
         </p:nvSpPr>
         <p:spPr>
           <a:xfrm>
-            <a:off x="1143001" y="0"/>
-            <a:ext cx="9905998" cy="1478570"/>
+            <a:off x="1163781" y="-249382"/>
+            <a:ext cx="9869413" cy="1376221"/>
           </a:xfrm>
         </p:spPr>
         <p:txBody>
-          <a:bodyPr/>
+          <a:bodyPr>
+            <a:normAutofit/>
+          </a:bodyPr>
           <a:lstStyle/>
           <a:p>
             <a:r>
@@ -15962,28 +16390,3940 @@
         </p:blipFill>
         <p:spPr bwMode="auto">
           <a:xfrm>
-            <a:off x="2341417" y="1069108"/>
-            <a:ext cx="7790873" cy="5564909"/>
+            <a:off x="649875" y="985980"/>
+            <a:ext cx="7966365" cy="5690260"/>
+          </a:xfrm>
+          <a:prstGeom prst="rect">
+            <a:avLst/>
+          </a:prstGeom>
+          <a:solidFill>
+            <a:srgbClr val="FFFFFF">
+              <a:shade val="85000"/>
+            </a:srgbClr>
+          </a:solidFill>
+          <a:ln w="88900" cap="sq">
+            <a:solidFill>
+              <a:srgbClr val="FFFFFF"/>
+            </a:solidFill>
+            <a:miter lim="800000"/>
+          </a:ln>
+          <a:effectLst>
+            <a:outerShdw blurRad="55000" dist="18000" dir="5400000" algn="tl" rotWithShape="0">
+              <a:srgbClr val="000000">
+                <a:alpha val="40000"/>
+              </a:srgbClr>
+            </a:outerShdw>
+          </a:effectLst>
+          <a:scene3d>
+            <a:camera prst="orthographicFront"/>
+            <a:lightRig rig="twoPt" dir="t">
+              <a:rot lat="0" lon="0" rev="7200000"/>
+            </a:lightRig>
+          </a:scene3d>
+          <a:sp3d>
+            <a:bevelT w="25400" h="19050"/>
+            <a:contourClr>
+              <a:srgbClr val="FFFFFF"/>
+            </a:contourClr>
+          </a:sp3d>
+          <a:extLst/>
+        </p:spPr>
+      </p:pic>
+      <p:cxnSp>
+        <p:nvCxnSpPr>
+          <p:cNvPr id="4" name="Straight Connector 3"/>
+          <p:cNvCxnSpPr/>
+          <p:nvPr/>
+        </p:nvCxnSpPr>
+        <p:spPr>
+          <a:xfrm flipV="1">
+            <a:off x="933950" y="720440"/>
+            <a:ext cx="10099244" cy="64656"/>
+          </a:xfrm>
+          <a:prstGeom prst="line">
+            <a:avLst/>
+          </a:prstGeom>
+          <a:ln w="28575">
+            <a:solidFill>
+              <a:schemeClr val="tx1"/>
+            </a:solidFill>
+          </a:ln>
+        </p:spPr>
+        <p:style>
+          <a:lnRef idx="1">
+            <a:schemeClr val="accent1"/>
+          </a:lnRef>
+          <a:fillRef idx="0">
+            <a:schemeClr val="accent1"/>
+          </a:fillRef>
+          <a:effectRef idx="0">
+            <a:schemeClr val="accent1"/>
+          </a:effectRef>
+          <a:fontRef idx="minor">
+            <a:schemeClr val="tx1"/>
+          </a:fontRef>
+        </p:style>
+      </p:cxnSp>
+      <p:sp>
+        <p:nvSpPr>
+          <p:cNvPr id="3" name="TextBox 2">
+            <a:extLst>
+              <a:ext uri="{FF2B5EF4-FFF2-40B4-BE49-F238E27FC236}">
+                <a16:creationId xmlns:a16="http://schemas.microsoft.com/office/drawing/2014/main" id="{7967BA8C-F2EA-E549-B8BE-499319E385A4}"/>
+              </a:ext>
+            </a:extLst>
+          </p:cNvPr>
+          <p:cNvSpPr txBox="1"/>
+          <p:nvPr/>
+        </p:nvSpPr>
+        <p:spPr>
+          <a:xfrm>
+            <a:off x="8984276" y="2676948"/>
+            <a:ext cx="2866201" cy="2308324"/>
           </a:xfrm>
           <a:prstGeom prst="rect">
             <a:avLst/>
           </a:prstGeom>
           <a:noFill/>
-          <a:extLst>
-            <a:ext uri="{909E8E84-426E-40DD-AFC4-6F175D3DCCD1}">
-              <a14:hiddenFill xmlns:a14="http://schemas.microsoft.com/office/drawing/2010/main">
-                <a:solidFill>
-                  <a:srgbClr val="FFFFFF"/>
-                </a:solidFill>
-              </a14:hiddenFill>
-            </a:ext>
-          </a:extLst>
         </p:spPr>
-      </p:pic>
+        <p:txBody>
+          <a:bodyPr wrap="square" rtlCol="0">
+            <a:spAutoFit/>
+          </a:bodyPr>
+          <a:lstStyle/>
+          <a:p>
+            <a:r>
+              <a:rPr lang="en-US" sz="2400" dirty="0"/>
+              <a:t>State that has the most bitter beer:</a:t>
+            </a:r>
+          </a:p>
+          <a:p>
+            <a:endParaRPr lang="en-US" sz="2400" dirty="0"/>
+          </a:p>
+          <a:p>
+            <a:r>
+              <a:rPr lang="en-US" sz="2400" dirty="0"/>
+              <a:t>Maine</a:t>
+            </a:r>
+          </a:p>
+          <a:p>
+            <a:r>
+              <a:rPr lang="en-US" sz="2400" dirty="0"/>
+              <a:t>61 IBU</a:t>
+            </a:r>
+          </a:p>
+          <a:p>
+            <a:endParaRPr lang="en-US" sz="2400" dirty="0"/>
+          </a:p>
+        </p:txBody>
+      </p:sp>
     </p:spTree>
     <p:extLst>
       <p:ext uri="{BB962C8B-B14F-4D97-AF65-F5344CB8AC3E}">
         <p14:creationId xmlns:p14="http://schemas.microsoft.com/office/powerpoint/2010/main" val="2301199530"/>
+      </p:ext>
+    </p:extLst>
+  </p:cSld>
+  <p:clrMapOvr>
+    <a:masterClrMapping/>
+  </p:clrMapOvr>
+</p:sld>
+</file>
+
+<file path=ppt/slides/slide8.xml><?xml version="1.0" encoding="utf-8"?>
+<p:sld xmlns:a="http://schemas.openxmlformats.org/drawingml/2006/main" xmlns:r="http://schemas.openxmlformats.org/officeDocument/2006/relationships" xmlns:p="http://schemas.openxmlformats.org/presentationml/2006/main">
+  <p:cSld>
+    <p:bg>
+      <p:bgPr>
+        <a:gradFill rotWithShape="1">
+          <a:gsLst>
+            <a:gs pos="0">
+              <a:schemeClr val="bg2">
+                <a:tint val="98000"/>
+                <a:hueMod val="94000"/>
+                <a:satMod val="148000"/>
+                <a:lumMod val="150000"/>
+              </a:schemeClr>
+            </a:gs>
+            <a:gs pos="100000">
+              <a:schemeClr val="bg2">
+                <a:shade val="92000"/>
+                <a:hueMod val="104000"/>
+                <a:satMod val="140000"/>
+                <a:lumMod val="68000"/>
+              </a:schemeClr>
+            </a:gs>
+          </a:gsLst>
+          <a:lin ang="5040000" scaled="0"/>
+        </a:gradFill>
+        <a:effectLst/>
+      </p:bgPr>
+    </p:bg>
+    <p:spTree>
+      <p:nvGrpSpPr>
+        <p:cNvPr id="1" name=""/>
+        <p:cNvGrpSpPr/>
+        <p:nvPr/>
+      </p:nvGrpSpPr>
+      <p:grpSpPr>
+        <a:xfrm>
+          <a:off x="0" y="0"/>
+          <a:ext cx="0" cy="0"/>
+          <a:chOff x="0" y="0"/>
+          <a:chExt cx="0" cy="0"/>
+        </a:xfrm>
+      </p:grpSpPr>
+      <p:sp useBgFill="1">
+        <p:nvSpPr>
+          <p:cNvPr id="128" name="Rectangle 7">
+            <a:extLst>
+              <a:ext uri="{FF2B5EF4-FFF2-40B4-BE49-F238E27FC236}">
+                <a16:creationId xmlns:a16="http://schemas.microsoft.com/office/drawing/2014/main" id="{E978A47D-4F17-40FE-AB70-7AF78A9575EB}"/>
+              </a:ext>
+              <a:ext uri="{C183D7F6-B498-43B3-948B-1728B52AA6E4}">
+                <adec:decorative xmlns:adec="http://schemas.microsoft.com/office/drawing/2017/decorative" val="1"/>
+              </a:ext>
+            </a:extLst>
+          </p:cNvPr>
+          <p:cNvSpPr>
+            <a:spLocks noGrp="1" noRot="1" noChangeAspect="1" noMove="1" noResize="1" noEditPoints="1" noAdjustHandles="1" noChangeArrowheads="1" noChangeShapeType="1" noTextEdit="1"/>
+          </p:cNvSpPr>
+          <p:nvPr>
+            <p:extLst>
+              <p:ext uri="{386F3935-93C4-4BCD-93E2-E3B085C9AB24}">
+                <p16:designElem xmlns:p16="http://schemas.microsoft.com/office/powerpoint/2015/main" val="1"/>
+              </p:ext>
+            </p:extLst>
+          </p:nvPr>
+        </p:nvSpPr>
+        <p:spPr>
+          <a:xfrm>
+            <a:off x="25400" y="-14287"/>
+            <a:ext cx="12192000" cy="6858000"/>
+          </a:xfrm>
+          <a:prstGeom prst="rect">
+            <a:avLst/>
+          </a:prstGeom>
+          <a:ln>
+            <a:noFill/>
+          </a:ln>
+        </p:spPr>
+        <p:style>
+          <a:lnRef idx="2">
+            <a:schemeClr val="accent1">
+              <a:shade val="50000"/>
+            </a:schemeClr>
+          </a:lnRef>
+          <a:fillRef idx="1">
+            <a:schemeClr val="accent1"/>
+          </a:fillRef>
+          <a:effectRef idx="0">
+            <a:schemeClr val="accent1"/>
+          </a:effectRef>
+          <a:fontRef idx="minor">
+            <a:schemeClr val="lt1"/>
+          </a:fontRef>
+        </p:style>
+        <p:txBody>
+          <a:bodyPr rtlCol="0" anchor="ctr"/>
+          <a:lstStyle/>
+          <a:p>
+            <a:pPr algn="ctr"/>
+            <a:endParaRPr lang="en-US"/>
+          </a:p>
+        </p:txBody>
+      </p:sp>
+      <p:grpSp>
+        <p:nvGrpSpPr>
+          <p:cNvPr id="129" name="Group 9">
+            <a:extLst>
+              <a:ext uri="{FF2B5EF4-FFF2-40B4-BE49-F238E27FC236}">
+                <a16:creationId xmlns:a16="http://schemas.microsoft.com/office/drawing/2014/main" id="{85BE3A7E-6A3F-401E-A025-BBB8FDB8DD30}"/>
+              </a:ext>
+              <a:ext uri="{C183D7F6-B498-43B3-948B-1728B52AA6E4}">
+                <adec:decorative xmlns:adec="http://schemas.microsoft.com/office/drawing/2017/decorative" val="1"/>
+              </a:ext>
+            </a:extLst>
+          </p:cNvPr>
+          <p:cNvGrpSpPr>
+            <a:grpSpLocks noGrp="1" noUngrp="1" noRot="1" noChangeAspect="1" noMove="1" noResize="1"/>
+          </p:cNvGrpSpPr>
+          <p:nvPr>
+            <p:extLst>
+              <p:ext uri="{386F3935-93C4-4BCD-93E2-E3B085C9AB24}">
+                <p16:designElem xmlns:p16="http://schemas.microsoft.com/office/powerpoint/2015/main" val="1"/>
+              </p:ext>
+            </p:extLst>
+          </p:nvPr>
+        </p:nvGrpSpPr>
+        <p:grpSpPr>
+          <a:xfrm>
+            <a:off x="-14288" y="0"/>
+            <a:ext cx="1220788" cy="6858001"/>
+            <a:chOff x="-14288" y="0"/>
+            <a:chExt cx="1220788" cy="6858001"/>
+          </a:xfrm>
+          <a:solidFill>
+            <a:schemeClr val="tx1">
+              <a:alpha val="60000"/>
+            </a:schemeClr>
+          </a:solidFill>
+        </p:grpSpPr>
+        <p:sp>
+          <p:nvSpPr>
+            <p:cNvPr id="11" name="Rectangle 5">
+              <a:extLst>
+                <a:ext uri="{FF2B5EF4-FFF2-40B4-BE49-F238E27FC236}">
+                  <a16:creationId xmlns:a16="http://schemas.microsoft.com/office/drawing/2014/main" id="{41EE9036-817C-476C-BD59-B5184F9A3E35}"/>
+                </a:ext>
+                <a:ext uri="{C183D7F6-B498-43B3-948B-1728B52AA6E4}">
+                  <adec:decorative xmlns:adec="http://schemas.microsoft.com/office/drawing/2017/decorative" val="1"/>
+                </a:ext>
+              </a:extLst>
+            </p:cNvPr>
+            <p:cNvSpPr>
+              <a:spLocks noChangeArrowheads="1"/>
+            </p:cNvSpPr>
+            <p:nvPr>
+              <p:extLst>
+                <p:ext uri="{386F3935-93C4-4BCD-93E2-E3B085C9AB24}">
+                  <p16:designElem xmlns:p16="http://schemas.microsoft.com/office/powerpoint/2015/main" val="1"/>
+                </p:ext>
+              </p:extLst>
+            </p:nvPr>
+          </p:nvSpPr>
+          <p:spPr bwMode="auto">
+            <a:xfrm>
+              <a:off x="114300" y="4763"/>
+              <a:ext cx="23813" cy="2181225"/>
+            </a:xfrm>
+            <a:prstGeom prst="rect">
+              <a:avLst/>
+            </a:prstGeom>
+            <a:grpFill/>
+            <a:ln>
+              <a:noFill/>
+            </a:ln>
+            <a:extLst>
+              <a:ext uri="{91240B29-F687-4f45-9708-019B960494DF}">
+                <a14:hiddenLine xmlns="" xmlns:a14="http://schemas.microsoft.com/office/drawing/2010/main" xmlns:p14="http://schemas.microsoft.com/office/powerpoint/2010/main" xmlns:a16="http://schemas.microsoft.com/office/drawing/2014/main" w="9525">
+                  <a:solidFill>
+                    <a:srgbClr val="000000"/>
+                  </a:solidFill>
+                  <a:miter lim="800000"/>
+                  <a:headEnd/>
+                  <a:tailEnd/>
+                </a14:hiddenLine>
+              </a:ext>
+            </a:extLst>
+          </p:spPr>
+        </p:sp>
+        <p:sp>
+          <p:nvSpPr>
+            <p:cNvPr id="12" name="Freeform 6">
+              <a:extLst>
+                <a:ext uri="{FF2B5EF4-FFF2-40B4-BE49-F238E27FC236}">
+                  <a16:creationId xmlns:a16="http://schemas.microsoft.com/office/drawing/2014/main" id="{F098087A-B4E4-4300-A841-44988BD88E2F}"/>
+                </a:ext>
+                <a:ext uri="{C183D7F6-B498-43B3-948B-1728B52AA6E4}">
+                  <adec:decorative xmlns:adec="http://schemas.microsoft.com/office/drawing/2017/decorative" val="1"/>
+                </a:ext>
+              </a:extLst>
+            </p:cNvPr>
+            <p:cNvSpPr>
+              <a:spLocks noEditPoints="1"/>
+            </p:cNvSpPr>
+            <p:nvPr>
+              <p:extLst>
+                <p:ext uri="{386F3935-93C4-4BCD-93E2-E3B085C9AB24}">
+                  <p16:designElem xmlns:p16="http://schemas.microsoft.com/office/powerpoint/2015/main" val="1"/>
+                </p:ext>
+              </p:extLst>
+            </p:nvPr>
+          </p:nvSpPr>
+          <p:spPr bwMode="auto">
+            <a:xfrm>
+              <a:off x="33337" y="2176463"/>
+              <a:ext cx="190500" cy="190500"/>
+            </a:xfrm>
+            <a:custGeom>
+              <a:avLst/>
+              <a:gdLst/>
+              <a:ahLst/>
+              <a:cxnLst/>
+              <a:rect l="0" t="0" r="r" b="b"/>
+              <a:pathLst>
+                <a:path w="40" h="40">
+                  <a:moveTo>
+                    <a:pt x="20" y="40"/>
+                  </a:moveTo>
+                  <a:cubicBezTo>
+                    <a:pt x="9" y="40"/>
+                    <a:pt x="0" y="31"/>
+                    <a:pt x="0" y="20"/>
+                  </a:cubicBezTo>
+                  <a:cubicBezTo>
+                    <a:pt x="0" y="9"/>
+                    <a:pt x="9" y="0"/>
+                    <a:pt x="20" y="0"/>
+                  </a:cubicBezTo>
+                  <a:cubicBezTo>
+                    <a:pt x="31" y="0"/>
+                    <a:pt x="40" y="9"/>
+                    <a:pt x="40" y="20"/>
+                  </a:cubicBezTo>
+                  <a:cubicBezTo>
+                    <a:pt x="40" y="31"/>
+                    <a:pt x="31" y="40"/>
+                    <a:pt x="20" y="40"/>
+                  </a:cubicBezTo>
+                  <a:close/>
+                  <a:moveTo>
+                    <a:pt x="20" y="4"/>
+                  </a:moveTo>
+                  <a:cubicBezTo>
+                    <a:pt x="11" y="4"/>
+                    <a:pt x="4" y="11"/>
+                    <a:pt x="4" y="20"/>
+                  </a:cubicBezTo>
+                  <a:cubicBezTo>
+                    <a:pt x="4" y="29"/>
+                    <a:pt x="11" y="36"/>
+                    <a:pt x="20" y="36"/>
+                  </a:cubicBezTo>
+                  <a:cubicBezTo>
+                    <a:pt x="28" y="36"/>
+                    <a:pt x="36" y="29"/>
+                    <a:pt x="36" y="20"/>
+                  </a:cubicBezTo>
+                  <a:cubicBezTo>
+                    <a:pt x="36" y="11"/>
+                    <a:pt x="28" y="4"/>
+                    <a:pt x="20" y="4"/>
+                  </a:cubicBezTo>
+                  <a:close/>
+                </a:path>
+              </a:pathLst>
+            </a:custGeom>
+            <a:grpFill/>
+            <a:ln>
+              <a:noFill/>
+            </a:ln>
+            <a:extLst>
+              <a:ext uri="{91240B29-F687-4f45-9708-019B960494DF}">
+                <a14:hiddenLine xmlns="" xmlns:a14="http://schemas.microsoft.com/office/drawing/2010/main" xmlns:p14="http://schemas.microsoft.com/office/powerpoint/2010/main" xmlns:a16="http://schemas.microsoft.com/office/drawing/2014/main" w="9525">
+                  <a:solidFill>
+                    <a:srgbClr val="000000"/>
+                  </a:solidFill>
+                  <a:round/>
+                  <a:headEnd/>
+                  <a:tailEnd/>
+                </a14:hiddenLine>
+              </a:ext>
+            </a:extLst>
+          </p:spPr>
+        </p:sp>
+        <p:sp>
+          <p:nvSpPr>
+            <p:cNvPr id="13" name="Freeform 7">
+              <a:extLst>
+                <a:ext uri="{FF2B5EF4-FFF2-40B4-BE49-F238E27FC236}">
+                  <a16:creationId xmlns:a16="http://schemas.microsoft.com/office/drawing/2014/main" id="{F5BD5F4B-A39C-4DF9-84E4-A4D33F30E6EE}"/>
+                </a:ext>
+                <a:ext uri="{C183D7F6-B498-43B3-948B-1728B52AA6E4}">
+                  <adec:decorative xmlns:adec="http://schemas.microsoft.com/office/drawing/2017/decorative" val="1"/>
+                </a:ext>
+              </a:extLst>
+            </p:cNvPr>
+            <p:cNvSpPr>
+              <a:spLocks noEditPoints="1"/>
+            </p:cNvSpPr>
+            <p:nvPr>
+              <p:extLst>
+                <p:ext uri="{386F3935-93C4-4BCD-93E2-E3B085C9AB24}">
+                  <p16:designElem xmlns:p16="http://schemas.microsoft.com/office/powerpoint/2015/main" val="1"/>
+                </p:ext>
+              </p:extLst>
+            </p:nvPr>
+          </p:nvSpPr>
+          <p:spPr bwMode="auto">
+            <a:xfrm>
+              <a:off x="28575" y="4021138"/>
+              <a:ext cx="190500" cy="188913"/>
+            </a:xfrm>
+            <a:custGeom>
+              <a:avLst/>
+              <a:gdLst/>
+              <a:ahLst/>
+              <a:cxnLst/>
+              <a:rect l="0" t="0" r="r" b="b"/>
+              <a:pathLst>
+                <a:path w="40" h="40">
+                  <a:moveTo>
+                    <a:pt x="20" y="40"/>
+                  </a:moveTo>
+                  <a:cubicBezTo>
+                    <a:pt x="9" y="40"/>
+                    <a:pt x="0" y="31"/>
+                    <a:pt x="0" y="20"/>
+                  </a:cubicBezTo>
+                  <a:cubicBezTo>
+                    <a:pt x="0" y="9"/>
+                    <a:pt x="9" y="0"/>
+                    <a:pt x="20" y="0"/>
+                  </a:cubicBezTo>
+                  <a:cubicBezTo>
+                    <a:pt x="31" y="0"/>
+                    <a:pt x="40" y="9"/>
+                    <a:pt x="40" y="20"/>
+                  </a:cubicBezTo>
+                  <a:cubicBezTo>
+                    <a:pt x="40" y="31"/>
+                    <a:pt x="31" y="40"/>
+                    <a:pt x="20" y="40"/>
+                  </a:cubicBezTo>
+                  <a:close/>
+                  <a:moveTo>
+                    <a:pt x="20" y="4"/>
+                  </a:moveTo>
+                  <a:cubicBezTo>
+                    <a:pt x="12" y="4"/>
+                    <a:pt x="4" y="11"/>
+                    <a:pt x="4" y="20"/>
+                  </a:cubicBezTo>
+                  <a:cubicBezTo>
+                    <a:pt x="4" y="29"/>
+                    <a:pt x="12" y="36"/>
+                    <a:pt x="20" y="36"/>
+                  </a:cubicBezTo>
+                  <a:cubicBezTo>
+                    <a:pt x="29" y="36"/>
+                    <a:pt x="36" y="29"/>
+                    <a:pt x="36" y="20"/>
+                  </a:cubicBezTo>
+                  <a:cubicBezTo>
+                    <a:pt x="36" y="11"/>
+                    <a:pt x="29" y="4"/>
+                    <a:pt x="20" y="4"/>
+                  </a:cubicBezTo>
+                  <a:close/>
+                </a:path>
+              </a:pathLst>
+            </a:custGeom>
+            <a:grpFill/>
+            <a:ln>
+              <a:noFill/>
+            </a:ln>
+            <a:extLst>
+              <a:ext uri="{91240B29-F687-4f45-9708-019B960494DF}">
+                <a14:hiddenLine xmlns="" xmlns:a14="http://schemas.microsoft.com/office/drawing/2010/main" xmlns:p14="http://schemas.microsoft.com/office/powerpoint/2010/main" xmlns:a16="http://schemas.microsoft.com/office/drawing/2014/main" w="9525">
+                  <a:solidFill>
+                    <a:srgbClr val="000000"/>
+                  </a:solidFill>
+                  <a:round/>
+                  <a:headEnd/>
+                  <a:tailEnd/>
+                </a14:hiddenLine>
+              </a:ext>
+            </a:extLst>
+          </p:spPr>
+        </p:sp>
+        <p:sp>
+          <p:nvSpPr>
+            <p:cNvPr id="14" name="Freeform 8">
+              <a:extLst>
+                <a:ext uri="{FF2B5EF4-FFF2-40B4-BE49-F238E27FC236}">
+                  <a16:creationId xmlns:a16="http://schemas.microsoft.com/office/drawing/2014/main" id="{D7FA9858-BFA0-4D5B-AF72-B1B65EB0699C}"/>
+                </a:ext>
+                <a:ext uri="{C183D7F6-B498-43B3-948B-1728B52AA6E4}">
+                  <adec:decorative xmlns:adec="http://schemas.microsoft.com/office/drawing/2017/decorative" val="1"/>
+                </a:ext>
+              </a:extLst>
+            </p:cNvPr>
+            <p:cNvSpPr/>
+            <p:nvPr>
+              <p:extLst>
+                <p:ext uri="{386F3935-93C4-4BCD-93E2-E3B085C9AB24}">
+                  <p16:designElem xmlns:p16="http://schemas.microsoft.com/office/powerpoint/2015/main" val="1"/>
+                </p:ext>
+              </p:extLst>
+            </p:nvPr>
+          </p:nvSpPr>
+          <p:spPr bwMode="auto">
+            <a:xfrm>
+              <a:off x="200025" y="4763"/>
+              <a:ext cx="369888" cy="1811338"/>
+            </a:xfrm>
+            <a:custGeom>
+              <a:avLst/>
+              <a:gdLst/>
+              <a:ahLst/>
+              <a:cxnLst/>
+              <a:rect l="0" t="0" r="r" b="b"/>
+              <a:pathLst>
+                <a:path w="233" h="1141">
+                  <a:moveTo>
+                    <a:pt x="218" y="1141"/>
+                  </a:moveTo>
+                  <a:lnTo>
+                    <a:pt x="0" y="626"/>
+                  </a:lnTo>
+                  <a:lnTo>
+                    <a:pt x="0" y="0"/>
+                  </a:lnTo>
+                  <a:lnTo>
+                    <a:pt x="15" y="0"/>
+                  </a:lnTo>
+                  <a:lnTo>
+                    <a:pt x="15" y="623"/>
+                  </a:lnTo>
+                  <a:lnTo>
+                    <a:pt x="233" y="1135"/>
+                  </a:lnTo>
+                  <a:lnTo>
+                    <a:pt x="218" y="1141"/>
+                  </a:lnTo>
+                  <a:close/>
+                </a:path>
+              </a:pathLst>
+            </a:custGeom>
+            <a:grpFill/>
+            <a:ln>
+              <a:noFill/>
+            </a:ln>
+            <a:extLst>
+              <a:ext uri="{91240B29-F687-4f45-9708-019B960494DF}">
+                <a14:hiddenLine xmlns="" xmlns:a14="http://schemas.microsoft.com/office/drawing/2010/main" xmlns:p14="http://schemas.microsoft.com/office/powerpoint/2010/main" xmlns:a16="http://schemas.microsoft.com/office/drawing/2014/main" w="9525">
+                  <a:solidFill>
+                    <a:srgbClr val="000000"/>
+                  </a:solidFill>
+                  <a:round/>
+                  <a:headEnd/>
+                  <a:tailEnd/>
+                </a14:hiddenLine>
+              </a:ext>
+            </a:extLst>
+          </p:spPr>
+        </p:sp>
+        <p:sp>
+          <p:nvSpPr>
+            <p:cNvPr id="15" name="Freeform 9">
+              <a:extLst>
+                <a:ext uri="{FF2B5EF4-FFF2-40B4-BE49-F238E27FC236}">
+                  <a16:creationId xmlns:a16="http://schemas.microsoft.com/office/drawing/2014/main" id="{A508A5F3-AFE0-4750-A9C2-B51A514FFC4C}"/>
+                </a:ext>
+                <a:ext uri="{C183D7F6-B498-43B3-948B-1728B52AA6E4}">
+                  <adec:decorative xmlns:adec="http://schemas.microsoft.com/office/drawing/2017/decorative" val="1"/>
+                </a:ext>
+              </a:extLst>
+            </p:cNvPr>
+            <p:cNvSpPr>
+              <a:spLocks noEditPoints="1"/>
+            </p:cNvSpPr>
+            <p:nvPr>
+              <p:extLst>
+                <p:ext uri="{386F3935-93C4-4BCD-93E2-E3B085C9AB24}">
+                  <p16:designElem xmlns:p16="http://schemas.microsoft.com/office/powerpoint/2015/main" val="1"/>
+                </p:ext>
+              </p:extLst>
+            </p:nvPr>
+          </p:nvSpPr>
+          <p:spPr bwMode="auto">
+            <a:xfrm>
+              <a:off x="503237" y="1801813"/>
+              <a:ext cx="190500" cy="188913"/>
+            </a:xfrm>
+            <a:custGeom>
+              <a:avLst/>
+              <a:gdLst/>
+              <a:ahLst/>
+              <a:cxnLst/>
+              <a:rect l="0" t="0" r="r" b="b"/>
+              <a:pathLst>
+                <a:path w="40" h="40">
+                  <a:moveTo>
+                    <a:pt x="20" y="40"/>
+                  </a:moveTo>
+                  <a:cubicBezTo>
+                    <a:pt x="9" y="40"/>
+                    <a:pt x="0" y="31"/>
+                    <a:pt x="0" y="20"/>
+                  </a:cubicBezTo>
+                  <a:cubicBezTo>
+                    <a:pt x="0" y="9"/>
+                    <a:pt x="9" y="0"/>
+                    <a:pt x="20" y="0"/>
+                  </a:cubicBezTo>
+                  <a:cubicBezTo>
+                    <a:pt x="33" y="0"/>
+                    <a:pt x="40" y="6"/>
+                    <a:pt x="40" y="20"/>
+                  </a:cubicBezTo>
+                  <a:cubicBezTo>
+                    <a:pt x="40" y="31"/>
+                    <a:pt x="31" y="40"/>
+                    <a:pt x="20" y="40"/>
+                  </a:cubicBezTo>
+                  <a:close/>
+                  <a:moveTo>
+                    <a:pt x="20" y="4"/>
+                  </a:moveTo>
+                  <a:cubicBezTo>
+                    <a:pt x="11" y="4"/>
+                    <a:pt x="4" y="11"/>
+                    <a:pt x="4" y="20"/>
+                  </a:cubicBezTo>
+                  <a:cubicBezTo>
+                    <a:pt x="4" y="29"/>
+                    <a:pt x="11" y="36"/>
+                    <a:pt x="20" y="36"/>
+                  </a:cubicBezTo>
+                  <a:cubicBezTo>
+                    <a:pt x="28" y="36"/>
+                    <a:pt x="36" y="29"/>
+                    <a:pt x="36" y="20"/>
+                  </a:cubicBezTo>
+                  <a:cubicBezTo>
+                    <a:pt x="36" y="9"/>
+                    <a:pt x="31" y="4"/>
+                    <a:pt x="20" y="4"/>
+                  </a:cubicBezTo>
+                  <a:close/>
+                </a:path>
+              </a:pathLst>
+            </a:custGeom>
+            <a:grpFill/>
+            <a:ln>
+              <a:noFill/>
+            </a:ln>
+            <a:extLst>
+              <a:ext uri="{91240B29-F687-4f45-9708-019B960494DF}">
+                <a14:hiddenLine xmlns="" xmlns:a14="http://schemas.microsoft.com/office/drawing/2010/main" xmlns:p14="http://schemas.microsoft.com/office/powerpoint/2010/main" xmlns:a16="http://schemas.microsoft.com/office/drawing/2014/main" w="9525">
+                  <a:solidFill>
+                    <a:srgbClr val="000000"/>
+                  </a:solidFill>
+                  <a:round/>
+                  <a:headEnd/>
+                  <a:tailEnd/>
+                </a14:hiddenLine>
+              </a:ext>
+            </a:extLst>
+          </p:spPr>
+        </p:sp>
+        <p:sp>
+          <p:nvSpPr>
+            <p:cNvPr id="16" name="Freeform 10">
+              <a:extLst>
+                <a:ext uri="{FF2B5EF4-FFF2-40B4-BE49-F238E27FC236}">
+                  <a16:creationId xmlns:a16="http://schemas.microsoft.com/office/drawing/2014/main" id="{92B4AAEB-ABF4-42A7-BE52-0B442190D16A}"/>
+                </a:ext>
+                <a:ext uri="{C183D7F6-B498-43B3-948B-1728B52AA6E4}">
+                  <adec:decorative xmlns:adec="http://schemas.microsoft.com/office/drawing/2017/decorative" val="1"/>
+                </a:ext>
+              </a:extLst>
+            </p:cNvPr>
+            <p:cNvSpPr/>
+            <p:nvPr>
+              <p:extLst>
+                <p:ext uri="{386F3935-93C4-4BCD-93E2-E3B085C9AB24}">
+                  <p16:designElem xmlns:p16="http://schemas.microsoft.com/office/powerpoint/2015/main" val="1"/>
+                </p:ext>
+              </p:extLst>
+            </p:nvPr>
+          </p:nvSpPr>
+          <p:spPr bwMode="auto">
+            <a:xfrm>
+              <a:off x="285750" y="4763"/>
+              <a:ext cx="369888" cy="1430338"/>
+            </a:xfrm>
+            <a:custGeom>
+              <a:avLst/>
+              <a:gdLst/>
+              <a:ahLst/>
+              <a:cxnLst/>
+              <a:rect l="0" t="0" r="r" b="b"/>
+              <a:pathLst>
+                <a:path w="233" h="901">
+                  <a:moveTo>
+                    <a:pt x="221" y="901"/>
+                  </a:moveTo>
+                  <a:lnTo>
+                    <a:pt x="0" y="383"/>
+                  </a:lnTo>
+                  <a:lnTo>
+                    <a:pt x="0" y="0"/>
+                  </a:lnTo>
+                  <a:lnTo>
+                    <a:pt x="18" y="0"/>
+                  </a:lnTo>
+                  <a:lnTo>
+                    <a:pt x="18" y="380"/>
+                  </a:lnTo>
+                  <a:lnTo>
+                    <a:pt x="233" y="895"/>
+                  </a:lnTo>
+                  <a:lnTo>
+                    <a:pt x="221" y="901"/>
+                  </a:lnTo>
+                  <a:close/>
+                </a:path>
+              </a:pathLst>
+            </a:custGeom>
+            <a:grpFill/>
+            <a:ln>
+              <a:noFill/>
+            </a:ln>
+            <a:extLst>
+              <a:ext uri="{91240B29-F687-4f45-9708-019B960494DF}">
+                <a14:hiddenLine xmlns="" xmlns:a14="http://schemas.microsoft.com/office/drawing/2010/main" xmlns:p14="http://schemas.microsoft.com/office/powerpoint/2010/main" xmlns:a16="http://schemas.microsoft.com/office/drawing/2014/main" w="9525">
+                  <a:solidFill>
+                    <a:srgbClr val="000000"/>
+                  </a:solidFill>
+                  <a:round/>
+                  <a:headEnd/>
+                  <a:tailEnd/>
+                </a14:hiddenLine>
+              </a:ext>
+            </a:extLst>
+          </p:spPr>
+        </p:sp>
+        <p:sp>
+          <p:nvSpPr>
+            <p:cNvPr id="17" name="Freeform 11">
+              <a:extLst>
+                <a:ext uri="{FF2B5EF4-FFF2-40B4-BE49-F238E27FC236}">
+                  <a16:creationId xmlns:a16="http://schemas.microsoft.com/office/drawing/2014/main" id="{3767C370-4A42-4376-8CAE-606C4BC8F450}"/>
+                </a:ext>
+                <a:ext uri="{C183D7F6-B498-43B3-948B-1728B52AA6E4}">
+                  <adec:decorative xmlns:adec="http://schemas.microsoft.com/office/drawing/2017/decorative" val="1"/>
+                </a:ext>
+              </a:extLst>
+            </p:cNvPr>
+            <p:cNvSpPr/>
+            <p:nvPr>
+              <p:extLst>
+                <p:ext uri="{386F3935-93C4-4BCD-93E2-E3B085C9AB24}">
+                  <p16:designElem xmlns:p16="http://schemas.microsoft.com/office/powerpoint/2015/main" val="1"/>
+                </p:ext>
+              </p:extLst>
+            </p:nvPr>
+          </p:nvSpPr>
+          <p:spPr bwMode="auto">
+            <a:xfrm>
+              <a:off x="546100" y="0"/>
+              <a:ext cx="152400" cy="912813"/>
+            </a:xfrm>
+            <a:custGeom>
+              <a:avLst/>
+              <a:gdLst/>
+              <a:ahLst/>
+              <a:cxnLst/>
+              <a:rect l="0" t="0" r="r" b="b"/>
+              <a:pathLst>
+                <a:path w="96" h="575">
+                  <a:moveTo>
+                    <a:pt x="96" y="575"/>
+                  </a:moveTo>
+                  <a:lnTo>
+                    <a:pt x="78" y="575"/>
+                  </a:lnTo>
+                  <a:lnTo>
+                    <a:pt x="78" y="192"/>
+                  </a:lnTo>
+                  <a:lnTo>
+                    <a:pt x="0" y="6"/>
+                  </a:lnTo>
+                  <a:lnTo>
+                    <a:pt x="15" y="0"/>
+                  </a:lnTo>
+                  <a:lnTo>
+                    <a:pt x="96" y="189"/>
+                  </a:lnTo>
+                  <a:lnTo>
+                    <a:pt x="96" y="575"/>
+                  </a:lnTo>
+                  <a:close/>
+                </a:path>
+              </a:pathLst>
+            </a:custGeom>
+            <a:grpFill/>
+            <a:ln>
+              <a:noFill/>
+            </a:ln>
+            <a:extLst>
+              <a:ext uri="{91240B29-F687-4f45-9708-019B960494DF}">
+                <a14:hiddenLine xmlns="" xmlns:a14="http://schemas.microsoft.com/office/drawing/2010/main" xmlns:p14="http://schemas.microsoft.com/office/powerpoint/2010/main" xmlns:a16="http://schemas.microsoft.com/office/drawing/2014/main" w="9525">
+                  <a:solidFill>
+                    <a:srgbClr val="000000"/>
+                  </a:solidFill>
+                  <a:round/>
+                  <a:headEnd/>
+                  <a:tailEnd/>
+                </a14:hiddenLine>
+              </a:ext>
+            </a:extLst>
+          </p:spPr>
+        </p:sp>
+        <p:sp>
+          <p:nvSpPr>
+            <p:cNvPr id="18" name="Freeform 12">
+              <a:extLst>
+                <a:ext uri="{FF2B5EF4-FFF2-40B4-BE49-F238E27FC236}">
+                  <a16:creationId xmlns:a16="http://schemas.microsoft.com/office/drawing/2014/main" id="{36205F53-9C95-4954-B97C-1625BB8A350F}"/>
+                </a:ext>
+                <a:ext uri="{C183D7F6-B498-43B3-948B-1728B52AA6E4}">
+                  <adec:decorative xmlns:adec="http://schemas.microsoft.com/office/drawing/2017/decorative" val="1"/>
+                </a:ext>
+              </a:extLst>
+            </p:cNvPr>
+            <p:cNvSpPr>
+              <a:spLocks noEditPoints="1"/>
+            </p:cNvSpPr>
+            <p:nvPr>
+              <p:extLst>
+                <p:ext uri="{386F3935-93C4-4BCD-93E2-E3B085C9AB24}">
+                  <p16:designElem xmlns:p16="http://schemas.microsoft.com/office/powerpoint/2015/main" val="1"/>
+                </p:ext>
+              </p:extLst>
+            </p:nvPr>
+          </p:nvSpPr>
+          <p:spPr bwMode="auto">
+            <a:xfrm>
+              <a:off x="588962" y="1420813"/>
+              <a:ext cx="190500" cy="190500"/>
+            </a:xfrm>
+            <a:custGeom>
+              <a:avLst/>
+              <a:gdLst/>
+              <a:ahLst/>
+              <a:cxnLst/>
+              <a:rect l="0" t="0" r="r" b="b"/>
+              <a:pathLst>
+                <a:path w="40" h="40">
+                  <a:moveTo>
+                    <a:pt x="20" y="40"/>
+                  </a:moveTo>
+                  <a:cubicBezTo>
+                    <a:pt x="9" y="40"/>
+                    <a:pt x="0" y="31"/>
+                    <a:pt x="0" y="20"/>
+                  </a:cubicBezTo>
+                  <a:cubicBezTo>
+                    <a:pt x="0" y="9"/>
+                    <a:pt x="9" y="0"/>
+                    <a:pt x="20" y="0"/>
+                  </a:cubicBezTo>
+                  <a:cubicBezTo>
+                    <a:pt x="33" y="0"/>
+                    <a:pt x="40" y="7"/>
+                    <a:pt x="40" y="20"/>
+                  </a:cubicBezTo>
+                  <a:cubicBezTo>
+                    <a:pt x="40" y="31"/>
+                    <a:pt x="31" y="40"/>
+                    <a:pt x="20" y="40"/>
+                  </a:cubicBezTo>
+                  <a:close/>
+                  <a:moveTo>
+                    <a:pt x="20" y="4"/>
+                  </a:moveTo>
+                  <a:cubicBezTo>
+                    <a:pt x="11" y="4"/>
+                    <a:pt x="4" y="11"/>
+                    <a:pt x="4" y="20"/>
+                  </a:cubicBezTo>
+                  <a:cubicBezTo>
+                    <a:pt x="4" y="29"/>
+                    <a:pt x="11" y="36"/>
+                    <a:pt x="20" y="36"/>
+                  </a:cubicBezTo>
+                  <a:cubicBezTo>
+                    <a:pt x="29" y="36"/>
+                    <a:pt x="36" y="29"/>
+                    <a:pt x="36" y="20"/>
+                  </a:cubicBezTo>
+                  <a:cubicBezTo>
+                    <a:pt x="36" y="9"/>
+                    <a:pt x="31" y="4"/>
+                    <a:pt x="20" y="4"/>
+                  </a:cubicBezTo>
+                  <a:close/>
+                </a:path>
+              </a:pathLst>
+            </a:custGeom>
+            <a:grpFill/>
+            <a:ln>
+              <a:noFill/>
+            </a:ln>
+            <a:extLst>
+              <a:ext uri="{91240B29-F687-4f45-9708-019B960494DF}">
+                <a14:hiddenLine xmlns="" xmlns:a14="http://schemas.microsoft.com/office/drawing/2010/main" xmlns:p14="http://schemas.microsoft.com/office/powerpoint/2010/main" xmlns:a16="http://schemas.microsoft.com/office/drawing/2014/main" w="9525">
+                  <a:solidFill>
+                    <a:srgbClr val="000000"/>
+                  </a:solidFill>
+                  <a:round/>
+                  <a:headEnd/>
+                  <a:tailEnd/>
+                </a14:hiddenLine>
+              </a:ext>
+            </a:extLst>
+          </p:spPr>
+        </p:sp>
+        <p:sp>
+          <p:nvSpPr>
+            <p:cNvPr id="19" name="Freeform 13">
+              <a:extLst>
+                <a:ext uri="{FF2B5EF4-FFF2-40B4-BE49-F238E27FC236}">
+                  <a16:creationId xmlns:a16="http://schemas.microsoft.com/office/drawing/2014/main" id="{DC80B58E-3469-43E9-96FC-D747B6983030}"/>
+                </a:ext>
+                <a:ext uri="{C183D7F6-B498-43B3-948B-1728B52AA6E4}">
+                  <adec:decorative xmlns:adec="http://schemas.microsoft.com/office/drawing/2017/decorative" val="1"/>
+                </a:ext>
+              </a:extLst>
+            </p:cNvPr>
+            <p:cNvSpPr>
+              <a:spLocks noEditPoints="1"/>
+            </p:cNvSpPr>
+            <p:nvPr>
+              <p:extLst>
+                <p:ext uri="{386F3935-93C4-4BCD-93E2-E3B085C9AB24}">
+                  <p16:designElem xmlns:p16="http://schemas.microsoft.com/office/powerpoint/2015/main" val="1"/>
+                </p:ext>
+              </p:extLst>
+            </p:nvPr>
+          </p:nvSpPr>
+          <p:spPr bwMode="auto">
+            <a:xfrm>
+              <a:off x="588962" y="903288"/>
+              <a:ext cx="190500" cy="190500"/>
+            </a:xfrm>
+            <a:custGeom>
+              <a:avLst/>
+              <a:gdLst/>
+              <a:ahLst/>
+              <a:cxnLst/>
+              <a:rect l="0" t="0" r="r" b="b"/>
+              <a:pathLst>
+                <a:path w="40" h="40">
+                  <a:moveTo>
+                    <a:pt x="20" y="40"/>
+                  </a:moveTo>
+                  <a:cubicBezTo>
+                    <a:pt x="9" y="40"/>
+                    <a:pt x="0" y="31"/>
+                    <a:pt x="0" y="20"/>
+                  </a:cubicBezTo>
+                  <a:cubicBezTo>
+                    <a:pt x="0" y="9"/>
+                    <a:pt x="9" y="0"/>
+                    <a:pt x="20" y="0"/>
+                  </a:cubicBezTo>
+                  <a:cubicBezTo>
+                    <a:pt x="31" y="0"/>
+                    <a:pt x="40" y="9"/>
+                    <a:pt x="40" y="20"/>
+                  </a:cubicBezTo>
+                  <a:cubicBezTo>
+                    <a:pt x="40" y="31"/>
+                    <a:pt x="31" y="40"/>
+                    <a:pt x="20" y="40"/>
+                  </a:cubicBezTo>
+                  <a:close/>
+                  <a:moveTo>
+                    <a:pt x="20" y="4"/>
+                  </a:moveTo>
+                  <a:cubicBezTo>
+                    <a:pt x="11" y="4"/>
+                    <a:pt x="4" y="11"/>
+                    <a:pt x="4" y="20"/>
+                  </a:cubicBezTo>
+                  <a:cubicBezTo>
+                    <a:pt x="4" y="29"/>
+                    <a:pt x="11" y="36"/>
+                    <a:pt x="20" y="36"/>
+                  </a:cubicBezTo>
+                  <a:cubicBezTo>
+                    <a:pt x="29" y="36"/>
+                    <a:pt x="36" y="29"/>
+                    <a:pt x="36" y="20"/>
+                  </a:cubicBezTo>
+                  <a:cubicBezTo>
+                    <a:pt x="36" y="11"/>
+                    <a:pt x="29" y="4"/>
+                    <a:pt x="20" y="4"/>
+                  </a:cubicBezTo>
+                  <a:close/>
+                </a:path>
+              </a:pathLst>
+            </a:custGeom>
+            <a:grpFill/>
+            <a:ln>
+              <a:noFill/>
+            </a:ln>
+            <a:extLst>
+              <a:ext uri="{91240B29-F687-4f45-9708-019B960494DF}">
+                <a14:hiddenLine xmlns="" xmlns:a14="http://schemas.microsoft.com/office/drawing/2010/main" xmlns:p14="http://schemas.microsoft.com/office/powerpoint/2010/main" xmlns:a16="http://schemas.microsoft.com/office/drawing/2014/main" w="9525">
+                  <a:solidFill>
+                    <a:srgbClr val="000000"/>
+                  </a:solidFill>
+                  <a:round/>
+                  <a:headEnd/>
+                  <a:tailEnd/>
+                </a14:hiddenLine>
+              </a:ext>
+            </a:extLst>
+          </p:spPr>
+        </p:sp>
+        <p:sp>
+          <p:nvSpPr>
+            <p:cNvPr id="20" name="Freeform 14">
+              <a:extLst>
+                <a:ext uri="{FF2B5EF4-FFF2-40B4-BE49-F238E27FC236}">
+                  <a16:creationId xmlns:a16="http://schemas.microsoft.com/office/drawing/2014/main" id="{E17A4ED2-DDD7-4B4D-A39C-9B0121C88622}"/>
+                </a:ext>
+                <a:ext uri="{C183D7F6-B498-43B3-948B-1728B52AA6E4}">
+                  <adec:decorative xmlns:adec="http://schemas.microsoft.com/office/drawing/2017/decorative" val="1"/>
+                </a:ext>
+              </a:extLst>
+            </p:cNvPr>
+            <p:cNvSpPr/>
+            <p:nvPr>
+              <p:extLst>
+                <p:ext uri="{386F3935-93C4-4BCD-93E2-E3B085C9AB24}">
+                  <p16:designElem xmlns:p16="http://schemas.microsoft.com/office/powerpoint/2015/main" val="1"/>
+                </p:ext>
+              </p:extLst>
+            </p:nvPr>
+          </p:nvSpPr>
+          <p:spPr bwMode="auto">
+            <a:xfrm>
+              <a:off x="641350" y="0"/>
+              <a:ext cx="422275" cy="527050"/>
+            </a:xfrm>
+            <a:custGeom>
+              <a:avLst/>
+              <a:gdLst/>
+              <a:ahLst/>
+              <a:cxnLst/>
+              <a:rect l="0" t="0" r="r" b="b"/>
+              <a:pathLst>
+                <a:path w="266" h="332">
+                  <a:moveTo>
+                    <a:pt x="257" y="332"/>
+                  </a:moveTo>
+                  <a:lnTo>
+                    <a:pt x="48" y="123"/>
+                  </a:lnTo>
+                  <a:lnTo>
+                    <a:pt x="0" y="6"/>
+                  </a:lnTo>
+                  <a:lnTo>
+                    <a:pt x="15" y="0"/>
+                  </a:lnTo>
+                  <a:lnTo>
+                    <a:pt x="63" y="114"/>
+                  </a:lnTo>
+                  <a:lnTo>
+                    <a:pt x="266" y="320"/>
+                  </a:lnTo>
+                  <a:lnTo>
+                    <a:pt x="257" y="332"/>
+                  </a:lnTo>
+                  <a:close/>
+                </a:path>
+              </a:pathLst>
+            </a:custGeom>
+            <a:grpFill/>
+            <a:ln>
+              <a:noFill/>
+            </a:ln>
+            <a:extLst>
+              <a:ext uri="{91240B29-F687-4f45-9708-019B960494DF}">
+                <a14:hiddenLine xmlns="" xmlns:a14="http://schemas.microsoft.com/office/drawing/2010/main" xmlns:p14="http://schemas.microsoft.com/office/powerpoint/2010/main" xmlns:a16="http://schemas.microsoft.com/office/drawing/2014/main" w="9525">
+                  <a:solidFill>
+                    <a:srgbClr val="000000"/>
+                  </a:solidFill>
+                  <a:round/>
+                  <a:headEnd/>
+                  <a:tailEnd/>
+                </a14:hiddenLine>
+              </a:ext>
+            </a:extLst>
+          </p:spPr>
+        </p:sp>
+        <p:sp>
+          <p:nvSpPr>
+            <p:cNvPr id="21" name="Freeform 15">
+              <a:extLst>
+                <a:ext uri="{FF2B5EF4-FFF2-40B4-BE49-F238E27FC236}">
+                  <a16:creationId xmlns:a16="http://schemas.microsoft.com/office/drawing/2014/main" id="{A2C14A85-E7A9-4E1D-809F-20F5CFA788BE}"/>
+                </a:ext>
+                <a:ext uri="{C183D7F6-B498-43B3-948B-1728B52AA6E4}">
+                  <adec:decorative xmlns:adec="http://schemas.microsoft.com/office/drawing/2017/decorative" val="1"/>
+                </a:ext>
+              </a:extLst>
+            </p:cNvPr>
+            <p:cNvSpPr>
+              <a:spLocks noEditPoints="1"/>
+            </p:cNvSpPr>
+            <p:nvPr>
+              <p:extLst>
+                <p:ext uri="{386F3935-93C4-4BCD-93E2-E3B085C9AB24}">
+                  <p16:designElem xmlns:p16="http://schemas.microsoft.com/office/powerpoint/2015/main" val="1"/>
+                </p:ext>
+              </p:extLst>
+            </p:nvPr>
+          </p:nvSpPr>
+          <p:spPr bwMode="auto">
+            <a:xfrm>
+              <a:off x="1020762" y="488950"/>
+              <a:ext cx="161925" cy="147638"/>
+            </a:xfrm>
+            <a:custGeom>
+              <a:avLst/>
+              <a:gdLst/>
+              <a:ahLst/>
+              <a:cxnLst/>
+              <a:rect l="0" t="0" r="r" b="b"/>
+              <a:pathLst>
+                <a:path w="34" h="31">
+                  <a:moveTo>
+                    <a:pt x="17" y="31"/>
+                  </a:moveTo>
+                  <a:cubicBezTo>
+                    <a:pt x="13" y="31"/>
+                    <a:pt x="9" y="30"/>
+                    <a:pt x="6" y="27"/>
+                  </a:cubicBezTo>
+                  <a:cubicBezTo>
+                    <a:pt x="0" y="20"/>
+                    <a:pt x="0" y="10"/>
+                    <a:pt x="6" y="4"/>
+                  </a:cubicBezTo>
+                  <a:cubicBezTo>
+                    <a:pt x="9" y="1"/>
+                    <a:pt x="13" y="0"/>
+                    <a:pt x="17" y="0"/>
+                  </a:cubicBezTo>
+                  <a:cubicBezTo>
+                    <a:pt x="21" y="0"/>
+                    <a:pt x="25" y="1"/>
+                    <a:pt x="28" y="4"/>
+                  </a:cubicBezTo>
+                  <a:cubicBezTo>
+                    <a:pt x="34" y="10"/>
+                    <a:pt x="34" y="20"/>
+                    <a:pt x="28" y="27"/>
+                  </a:cubicBezTo>
+                  <a:cubicBezTo>
+                    <a:pt x="25" y="30"/>
+                    <a:pt x="21" y="31"/>
+                    <a:pt x="17" y="31"/>
+                  </a:cubicBezTo>
+                  <a:close/>
+                  <a:moveTo>
+                    <a:pt x="17" y="4"/>
+                  </a:moveTo>
+                  <a:cubicBezTo>
+                    <a:pt x="14" y="4"/>
+                    <a:pt x="11" y="5"/>
+                    <a:pt x="9" y="7"/>
+                  </a:cubicBezTo>
+                  <a:cubicBezTo>
+                    <a:pt x="4" y="12"/>
+                    <a:pt x="4" y="19"/>
+                    <a:pt x="9" y="24"/>
+                  </a:cubicBezTo>
+                  <a:cubicBezTo>
+                    <a:pt x="11" y="26"/>
+                    <a:pt x="14" y="27"/>
+                    <a:pt x="17" y="27"/>
+                  </a:cubicBezTo>
+                  <a:cubicBezTo>
+                    <a:pt x="20" y="27"/>
+                    <a:pt x="23" y="26"/>
+                    <a:pt x="25" y="24"/>
+                  </a:cubicBezTo>
+                  <a:cubicBezTo>
+                    <a:pt x="30" y="19"/>
+                    <a:pt x="30" y="12"/>
+                    <a:pt x="25" y="7"/>
+                  </a:cubicBezTo>
+                  <a:cubicBezTo>
+                    <a:pt x="23" y="5"/>
+                    <a:pt x="20" y="4"/>
+                    <a:pt x="17" y="4"/>
+                  </a:cubicBezTo>
+                  <a:close/>
+                </a:path>
+              </a:pathLst>
+            </a:custGeom>
+            <a:grpFill/>
+            <a:ln>
+              <a:noFill/>
+            </a:ln>
+            <a:extLst>
+              <a:ext uri="{91240B29-F687-4f45-9708-019B960494DF}">
+                <a14:hiddenLine xmlns="" xmlns:a14="http://schemas.microsoft.com/office/drawing/2010/main" xmlns:p14="http://schemas.microsoft.com/office/powerpoint/2010/main" xmlns:a16="http://schemas.microsoft.com/office/drawing/2014/main" w="9525">
+                  <a:solidFill>
+                    <a:srgbClr val="000000"/>
+                  </a:solidFill>
+                  <a:round/>
+                  <a:headEnd/>
+                  <a:tailEnd/>
+                </a14:hiddenLine>
+              </a:ext>
+            </a:extLst>
+          </p:spPr>
+        </p:sp>
+        <p:sp>
+          <p:nvSpPr>
+            <p:cNvPr id="22" name="Line 16">
+              <a:extLst>
+                <a:ext uri="{FF2B5EF4-FFF2-40B4-BE49-F238E27FC236}">
+                  <a16:creationId xmlns:a16="http://schemas.microsoft.com/office/drawing/2014/main" id="{F3D51E32-9399-4B7F-8D91-BF9A068B834B}"/>
+                </a:ext>
+                <a:ext uri="{C183D7F6-B498-43B3-948B-1728B52AA6E4}">
+                  <adec:decorative xmlns:adec="http://schemas.microsoft.com/office/drawing/2017/decorative" val="1"/>
+                </a:ext>
+              </a:extLst>
+            </p:cNvPr>
+            <p:cNvSpPr>
+              <a:spLocks noChangeShapeType="1"/>
+            </p:cNvSpPr>
+            <p:nvPr>
+              <p:extLst>
+                <p:ext uri="{386F3935-93C4-4BCD-93E2-E3B085C9AB24}">
+                  <p16:designElem xmlns:p16="http://schemas.microsoft.com/office/powerpoint/2015/main" val="1"/>
+                </p:ext>
+              </p:extLst>
+            </p:nvPr>
+          </p:nvSpPr>
+          <p:spPr bwMode="auto">
+            <a:xfrm>
+              <a:off x="-4763" y="9525"/>
+              <a:ext cx="0" cy="0"/>
+            </a:xfrm>
+            <a:prstGeom prst="line">
+              <a:avLst/>
+            </a:prstGeom>
+            <a:grpFill/>
+            <a:ln w="15" cap="flat">
+              <a:solidFill>
+                <a:srgbClr val="FFFFFF"/>
+              </a:solidFill>
+              <a:prstDash val="solid"/>
+              <a:miter lim="800000"/>
+              <a:headEnd/>
+              <a:tailEnd/>
+            </a:ln>
+          </p:spPr>
+        </p:sp>
+        <p:sp>
+          <p:nvSpPr>
+            <p:cNvPr id="23" name="Freeform 17">
+              <a:extLst>
+                <a:ext uri="{FF2B5EF4-FFF2-40B4-BE49-F238E27FC236}">
+                  <a16:creationId xmlns:a16="http://schemas.microsoft.com/office/drawing/2014/main" id="{9969F9D2-502D-4C1D-ABA5-02B1BF2A0013}"/>
+                </a:ext>
+                <a:ext uri="{C183D7F6-B498-43B3-948B-1728B52AA6E4}">
+                  <adec:decorative xmlns:adec="http://schemas.microsoft.com/office/drawing/2017/decorative" val="1"/>
+                </a:ext>
+              </a:extLst>
+            </p:cNvPr>
+            <p:cNvSpPr/>
+            <p:nvPr>
+              <p:extLst>
+                <p:ext uri="{386F3935-93C4-4BCD-93E2-E3B085C9AB24}">
+                  <p16:designElem xmlns:p16="http://schemas.microsoft.com/office/powerpoint/2015/main" val="1"/>
+                </p:ext>
+              </p:extLst>
+            </p:nvPr>
+          </p:nvSpPr>
+          <p:spPr bwMode="auto">
+            <a:xfrm>
+              <a:off x="9525" y="1801813"/>
+              <a:ext cx="123825" cy="127000"/>
+            </a:xfrm>
+            <a:custGeom>
+              <a:avLst/>
+              <a:gdLst/>
+              <a:ahLst/>
+              <a:cxnLst/>
+              <a:rect l="0" t="0" r="r" b="b"/>
+              <a:pathLst>
+                <a:path w="78" h="80">
+                  <a:moveTo>
+                    <a:pt x="6" y="80"/>
+                  </a:moveTo>
+                  <a:lnTo>
+                    <a:pt x="0" y="71"/>
+                  </a:lnTo>
+                  <a:lnTo>
+                    <a:pt x="69" y="0"/>
+                  </a:lnTo>
+                  <a:lnTo>
+                    <a:pt x="78" y="9"/>
+                  </a:lnTo>
+                  <a:lnTo>
+                    <a:pt x="6" y="80"/>
+                  </a:lnTo>
+                  <a:close/>
+                </a:path>
+              </a:pathLst>
+            </a:custGeom>
+            <a:grpFill/>
+            <a:ln>
+              <a:noFill/>
+            </a:ln>
+            <a:extLst>
+              <a:ext uri="{91240B29-F687-4f45-9708-019B960494DF}">
+                <a14:hiddenLine xmlns="" xmlns:a14="http://schemas.microsoft.com/office/drawing/2010/main" xmlns:p14="http://schemas.microsoft.com/office/powerpoint/2010/main" xmlns:a16="http://schemas.microsoft.com/office/drawing/2014/main" w="9525">
+                  <a:solidFill>
+                    <a:srgbClr val="000000"/>
+                  </a:solidFill>
+                  <a:round/>
+                  <a:headEnd/>
+                  <a:tailEnd/>
+                </a14:hiddenLine>
+              </a:ext>
+            </a:extLst>
+          </p:spPr>
+        </p:sp>
+        <p:sp>
+          <p:nvSpPr>
+            <p:cNvPr id="24" name="Freeform 18">
+              <a:extLst>
+                <a:ext uri="{FF2B5EF4-FFF2-40B4-BE49-F238E27FC236}">
+                  <a16:creationId xmlns:a16="http://schemas.microsoft.com/office/drawing/2014/main" id="{4AE555C6-5623-478A-BF35-63E9929A3A23}"/>
+                </a:ext>
+                <a:ext uri="{C183D7F6-B498-43B3-948B-1728B52AA6E4}">
+                  <adec:decorative xmlns:adec="http://schemas.microsoft.com/office/drawing/2017/decorative" val="1"/>
+                </a:ext>
+              </a:extLst>
+            </p:cNvPr>
+            <p:cNvSpPr/>
+            <p:nvPr>
+              <p:extLst>
+                <p:ext uri="{386F3935-93C4-4BCD-93E2-E3B085C9AB24}">
+                  <p16:designElem xmlns:p16="http://schemas.microsoft.com/office/powerpoint/2015/main" val="1"/>
+                </p:ext>
+              </p:extLst>
+            </p:nvPr>
+          </p:nvSpPr>
+          <p:spPr bwMode="auto">
+            <a:xfrm>
+              <a:off x="-9525" y="3549650"/>
+              <a:ext cx="147638" cy="481013"/>
+            </a:xfrm>
+            <a:custGeom>
+              <a:avLst/>
+              <a:gdLst/>
+              <a:ahLst/>
+              <a:cxnLst/>
+              <a:rect l="0" t="0" r="r" b="b"/>
+              <a:pathLst>
+                <a:path w="93" h="303">
+                  <a:moveTo>
+                    <a:pt x="93" y="303"/>
+                  </a:moveTo>
+                  <a:lnTo>
+                    <a:pt x="78" y="303"/>
+                  </a:lnTo>
+                  <a:lnTo>
+                    <a:pt x="78" y="78"/>
+                  </a:lnTo>
+                  <a:lnTo>
+                    <a:pt x="0" y="12"/>
+                  </a:lnTo>
+                  <a:lnTo>
+                    <a:pt x="12" y="0"/>
+                  </a:lnTo>
+                  <a:lnTo>
+                    <a:pt x="93" y="69"/>
+                  </a:lnTo>
+                  <a:lnTo>
+                    <a:pt x="93" y="303"/>
+                  </a:lnTo>
+                  <a:close/>
+                </a:path>
+              </a:pathLst>
+            </a:custGeom>
+            <a:grpFill/>
+            <a:ln>
+              <a:noFill/>
+            </a:ln>
+            <a:extLst>
+              <a:ext uri="{91240B29-F687-4f45-9708-019B960494DF}">
+                <a14:hiddenLine xmlns="" xmlns:a14="http://schemas.microsoft.com/office/drawing/2010/main" xmlns:p14="http://schemas.microsoft.com/office/powerpoint/2010/main" xmlns:a16="http://schemas.microsoft.com/office/drawing/2014/main" w="9525">
+                  <a:solidFill>
+                    <a:srgbClr val="000000"/>
+                  </a:solidFill>
+                  <a:round/>
+                  <a:headEnd/>
+                  <a:tailEnd/>
+                </a14:hiddenLine>
+              </a:ext>
+            </a:extLst>
+          </p:spPr>
+        </p:sp>
+        <p:sp>
+          <p:nvSpPr>
+            <p:cNvPr id="25" name="Freeform 19">
+              <a:extLst>
+                <a:ext uri="{FF2B5EF4-FFF2-40B4-BE49-F238E27FC236}">
+                  <a16:creationId xmlns:a16="http://schemas.microsoft.com/office/drawing/2014/main" id="{A3D3AED4-A69E-4301-9BB4-436DC5F0C95D}"/>
+                </a:ext>
+                <a:ext uri="{C183D7F6-B498-43B3-948B-1728B52AA6E4}">
+                  <adec:decorative xmlns:adec="http://schemas.microsoft.com/office/drawing/2017/decorative" val="1"/>
+                </a:ext>
+              </a:extLst>
+            </p:cNvPr>
+            <p:cNvSpPr/>
+            <p:nvPr>
+              <p:extLst>
+                <p:ext uri="{386F3935-93C4-4BCD-93E2-E3B085C9AB24}">
+                  <p16:designElem xmlns:p16="http://schemas.microsoft.com/office/powerpoint/2015/main" val="1"/>
+                </p:ext>
+              </p:extLst>
+            </p:nvPr>
+          </p:nvSpPr>
+          <p:spPr bwMode="auto">
+            <a:xfrm>
+              <a:off x="128587" y="1382713"/>
+              <a:ext cx="142875" cy="476250"/>
+            </a:xfrm>
+            <a:custGeom>
+              <a:avLst/>
+              <a:gdLst/>
+              <a:ahLst/>
+              <a:cxnLst/>
+              <a:rect l="0" t="0" r="r" b="b"/>
+              <a:pathLst>
+                <a:path w="90" h="300">
+                  <a:moveTo>
+                    <a:pt x="90" y="300"/>
+                  </a:moveTo>
+                  <a:lnTo>
+                    <a:pt x="78" y="300"/>
+                  </a:lnTo>
+                  <a:lnTo>
+                    <a:pt x="78" y="84"/>
+                  </a:lnTo>
+                  <a:lnTo>
+                    <a:pt x="0" y="9"/>
+                  </a:lnTo>
+                  <a:lnTo>
+                    <a:pt x="9" y="0"/>
+                  </a:lnTo>
+                  <a:lnTo>
+                    <a:pt x="90" y="81"/>
+                  </a:lnTo>
+                  <a:lnTo>
+                    <a:pt x="90" y="300"/>
+                  </a:lnTo>
+                  <a:close/>
+                </a:path>
+              </a:pathLst>
+            </a:custGeom>
+            <a:grpFill/>
+            <a:ln>
+              <a:noFill/>
+            </a:ln>
+            <a:extLst>
+              <a:ext uri="{91240B29-F687-4f45-9708-019B960494DF}">
+                <a14:hiddenLine xmlns="" xmlns:a14="http://schemas.microsoft.com/office/drawing/2010/main" xmlns:p14="http://schemas.microsoft.com/office/powerpoint/2010/main" xmlns:a16="http://schemas.microsoft.com/office/drawing/2014/main" w="9525">
+                  <a:solidFill>
+                    <a:srgbClr val="000000"/>
+                  </a:solidFill>
+                  <a:round/>
+                  <a:headEnd/>
+                  <a:tailEnd/>
+                </a14:hiddenLine>
+              </a:ext>
+            </a:extLst>
+          </p:spPr>
+        </p:sp>
+        <p:sp>
+          <p:nvSpPr>
+            <p:cNvPr id="26" name="Freeform 20">
+              <a:extLst>
+                <a:ext uri="{FF2B5EF4-FFF2-40B4-BE49-F238E27FC236}">
+                  <a16:creationId xmlns:a16="http://schemas.microsoft.com/office/drawing/2014/main" id="{C3B8082C-2D81-48D7-8B45-85B7C892963C}"/>
+                </a:ext>
+                <a:ext uri="{C183D7F6-B498-43B3-948B-1728B52AA6E4}">
+                  <adec:decorative xmlns:adec="http://schemas.microsoft.com/office/drawing/2017/decorative" val="1"/>
+                </a:ext>
+              </a:extLst>
+            </p:cNvPr>
+            <p:cNvSpPr>
+              <a:spLocks noEditPoints="1"/>
+            </p:cNvSpPr>
+            <p:nvPr>
+              <p:extLst>
+                <p:ext uri="{386F3935-93C4-4BCD-93E2-E3B085C9AB24}">
+                  <p16:designElem xmlns:p16="http://schemas.microsoft.com/office/powerpoint/2015/main" val="1"/>
+                </p:ext>
+              </p:extLst>
+            </p:nvPr>
+          </p:nvSpPr>
+          <p:spPr bwMode="auto">
+            <a:xfrm>
+              <a:off x="204787" y="1849438"/>
+              <a:ext cx="114300" cy="107950"/>
+            </a:xfrm>
+            <a:custGeom>
+              <a:avLst/>
+              <a:gdLst/>
+              <a:ahLst/>
+              <a:cxnLst/>
+              <a:rect l="0" t="0" r="r" b="b"/>
+              <a:pathLst>
+                <a:path w="24" h="23">
+                  <a:moveTo>
+                    <a:pt x="12" y="23"/>
+                  </a:moveTo>
+                  <a:cubicBezTo>
+                    <a:pt x="6" y="23"/>
+                    <a:pt x="0" y="18"/>
+                    <a:pt x="0" y="12"/>
+                  </a:cubicBezTo>
+                  <a:cubicBezTo>
+                    <a:pt x="0" y="5"/>
+                    <a:pt x="6" y="0"/>
+                    <a:pt x="12" y="0"/>
+                  </a:cubicBezTo>
+                  <a:cubicBezTo>
+                    <a:pt x="18" y="0"/>
+                    <a:pt x="24" y="5"/>
+                    <a:pt x="24" y="12"/>
+                  </a:cubicBezTo>
+                  <a:cubicBezTo>
+                    <a:pt x="24" y="18"/>
+                    <a:pt x="18" y="23"/>
+                    <a:pt x="12" y="23"/>
+                  </a:cubicBezTo>
+                  <a:close/>
+                  <a:moveTo>
+                    <a:pt x="12" y="4"/>
+                  </a:moveTo>
+                  <a:cubicBezTo>
+                    <a:pt x="8" y="4"/>
+                    <a:pt x="4" y="8"/>
+                    <a:pt x="4" y="12"/>
+                  </a:cubicBezTo>
+                  <a:cubicBezTo>
+                    <a:pt x="4" y="16"/>
+                    <a:pt x="8" y="19"/>
+                    <a:pt x="12" y="19"/>
+                  </a:cubicBezTo>
+                  <a:cubicBezTo>
+                    <a:pt x="16" y="19"/>
+                    <a:pt x="20" y="16"/>
+                    <a:pt x="20" y="12"/>
+                  </a:cubicBezTo>
+                  <a:cubicBezTo>
+                    <a:pt x="20" y="8"/>
+                    <a:pt x="16" y="4"/>
+                    <a:pt x="12" y="4"/>
+                  </a:cubicBezTo>
+                  <a:close/>
+                </a:path>
+              </a:pathLst>
+            </a:custGeom>
+            <a:grpFill/>
+            <a:ln>
+              <a:noFill/>
+            </a:ln>
+            <a:extLst>
+              <a:ext uri="{91240B29-F687-4f45-9708-019B960494DF}">
+                <a14:hiddenLine xmlns="" xmlns:a14="http://schemas.microsoft.com/office/drawing/2010/main" xmlns:p14="http://schemas.microsoft.com/office/powerpoint/2010/main" xmlns:a16="http://schemas.microsoft.com/office/drawing/2014/main" w="9525">
+                  <a:solidFill>
+                    <a:srgbClr val="000000"/>
+                  </a:solidFill>
+                  <a:round/>
+                  <a:headEnd/>
+                  <a:tailEnd/>
+                </a14:hiddenLine>
+              </a:ext>
+            </a:extLst>
+          </p:spPr>
+        </p:sp>
+        <p:sp>
+          <p:nvSpPr>
+            <p:cNvPr id="27" name="Rectangle 21">
+              <a:extLst>
+                <a:ext uri="{FF2B5EF4-FFF2-40B4-BE49-F238E27FC236}">
+                  <a16:creationId xmlns:a16="http://schemas.microsoft.com/office/drawing/2014/main" id="{9AD35461-BA86-408B-8A29-244EB2F2FB55}"/>
+                </a:ext>
+                <a:ext uri="{C183D7F6-B498-43B3-948B-1728B52AA6E4}">
+                  <adec:decorative xmlns:adec="http://schemas.microsoft.com/office/drawing/2017/decorative" val="1"/>
+                </a:ext>
+              </a:extLst>
+            </p:cNvPr>
+            <p:cNvSpPr>
+              <a:spLocks noChangeArrowheads="1"/>
+            </p:cNvSpPr>
+            <p:nvPr>
+              <p:extLst>
+                <p:ext uri="{386F3935-93C4-4BCD-93E2-E3B085C9AB24}">
+                  <p16:designElem xmlns:p16="http://schemas.microsoft.com/office/powerpoint/2015/main" val="1"/>
+                </p:ext>
+              </p:extLst>
+            </p:nvPr>
+          </p:nvSpPr>
+          <p:spPr bwMode="auto">
+            <a:xfrm>
+              <a:off x="133350" y="4662488"/>
+              <a:ext cx="23813" cy="2181225"/>
+            </a:xfrm>
+            <a:prstGeom prst="rect">
+              <a:avLst/>
+            </a:prstGeom>
+            <a:grpFill/>
+            <a:ln>
+              <a:noFill/>
+            </a:ln>
+            <a:extLst>
+              <a:ext uri="{91240B29-F687-4f45-9708-019B960494DF}">
+                <a14:hiddenLine xmlns="" xmlns:a14="http://schemas.microsoft.com/office/drawing/2010/main" xmlns:p14="http://schemas.microsoft.com/office/powerpoint/2010/main" xmlns:a16="http://schemas.microsoft.com/office/drawing/2014/main" w="9525">
+                  <a:solidFill>
+                    <a:srgbClr val="000000"/>
+                  </a:solidFill>
+                  <a:miter lim="800000"/>
+                  <a:headEnd/>
+                  <a:tailEnd/>
+                </a14:hiddenLine>
+              </a:ext>
+            </a:extLst>
+          </p:spPr>
+        </p:sp>
+        <p:sp>
+          <p:nvSpPr>
+            <p:cNvPr id="28" name="Freeform 22">
+              <a:extLst>
+                <a:ext uri="{FF2B5EF4-FFF2-40B4-BE49-F238E27FC236}">
+                  <a16:creationId xmlns:a16="http://schemas.microsoft.com/office/drawing/2014/main" id="{F238E495-B6C6-4857-899B-CDD584831201}"/>
+                </a:ext>
+                <a:ext uri="{C183D7F6-B498-43B3-948B-1728B52AA6E4}">
+                  <adec:decorative xmlns:adec="http://schemas.microsoft.com/office/drawing/2017/decorative" val="1"/>
+                </a:ext>
+              </a:extLst>
+            </p:cNvPr>
+            <p:cNvSpPr/>
+            <p:nvPr>
+              <p:extLst>
+                <p:ext uri="{386F3935-93C4-4BCD-93E2-E3B085C9AB24}">
+                  <p16:designElem xmlns:p16="http://schemas.microsoft.com/office/powerpoint/2015/main" val="1"/>
+                </p:ext>
+              </p:extLst>
+            </p:nvPr>
+          </p:nvSpPr>
+          <p:spPr bwMode="auto">
+            <a:xfrm>
+              <a:off x="223837" y="5041900"/>
+              <a:ext cx="369888" cy="1801813"/>
+            </a:xfrm>
+            <a:custGeom>
+              <a:avLst/>
+              <a:gdLst/>
+              <a:ahLst/>
+              <a:cxnLst/>
+              <a:rect l="0" t="0" r="r" b="b"/>
+              <a:pathLst>
+                <a:path w="233" h="1135">
+                  <a:moveTo>
+                    <a:pt x="15" y="1135"/>
+                  </a:moveTo>
+                  <a:lnTo>
+                    <a:pt x="0" y="1135"/>
+                  </a:lnTo>
+                  <a:lnTo>
+                    <a:pt x="0" y="515"/>
+                  </a:lnTo>
+                  <a:lnTo>
+                    <a:pt x="0" y="512"/>
+                  </a:lnTo>
+                  <a:lnTo>
+                    <a:pt x="218" y="0"/>
+                  </a:lnTo>
+                  <a:lnTo>
+                    <a:pt x="233" y="6"/>
+                  </a:lnTo>
+                  <a:lnTo>
+                    <a:pt x="15" y="518"/>
+                  </a:lnTo>
+                  <a:lnTo>
+                    <a:pt x="15" y="1135"/>
+                  </a:lnTo>
+                  <a:close/>
+                </a:path>
+              </a:pathLst>
+            </a:custGeom>
+            <a:grpFill/>
+            <a:ln>
+              <a:noFill/>
+            </a:ln>
+            <a:extLst>
+              <a:ext uri="{91240B29-F687-4f45-9708-019B960494DF}">
+                <a14:hiddenLine xmlns="" xmlns:a14="http://schemas.microsoft.com/office/drawing/2010/main" xmlns:p14="http://schemas.microsoft.com/office/powerpoint/2010/main" xmlns:a16="http://schemas.microsoft.com/office/drawing/2014/main" w="9525">
+                  <a:solidFill>
+                    <a:srgbClr val="000000"/>
+                  </a:solidFill>
+                  <a:round/>
+                  <a:headEnd/>
+                  <a:tailEnd/>
+                </a14:hiddenLine>
+              </a:ext>
+            </a:extLst>
+          </p:spPr>
+        </p:sp>
+        <p:sp>
+          <p:nvSpPr>
+            <p:cNvPr id="29" name="Freeform 23">
+              <a:extLst>
+                <a:ext uri="{FF2B5EF4-FFF2-40B4-BE49-F238E27FC236}">
+                  <a16:creationId xmlns:a16="http://schemas.microsoft.com/office/drawing/2014/main" id="{E20A751E-054C-4EC2-8DA3-0EC923A65888}"/>
+                </a:ext>
+                <a:ext uri="{C183D7F6-B498-43B3-948B-1728B52AA6E4}">
+                  <adec:decorative xmlns:adec="http://schemas.microsoft.com/office/drawing/2017/decorative" val="1"/>
+                </a:ext>
+              </a:extLst>
+            </p:cNvPr>
+            <p:cNvSpPr>
+              <a:spLocks noEditPoints="1"/>
+            </p:cNvSpPr>
+            <p:nvPr>
+              <p:extLst>
+                <p:ext uri="{386F3935-93C4-4BCD-93E2-E3B085C9AB24}">
+                  <p16:designElem xmlns:p16="http://schemas.microsoft.com/office/powerpoint/2015/main" val="1"/>
+                </p:ext>
+              </p:extLst>
+            </p:nvPr>
+          </p:nvSpPr>
+          <p:spPr bwMode="auto">
+            <a:xfrm>
+              <a:off x="52387" y="4481513"/>
+              <a:ext cx="190500" cy="190500"/>
+            </a:xfrm>
+            <a:custGeom>
+              <a:avLst/>
+              <a:gdLst/>
+              <a:ahLst/>
+              <a:cxnLst/>
+              <a:rect l="0" t="0" r="r" b="b"/>
+              <a:pathLst>
+                <a:path w="40" h="40">
+                  <a:moveTo>
+                    <a:pt x="20" y="40"/>
+                  </a:moveTo>
+                  <a:cubicBezTo>
+                    <a:pt x="9" y="40"/>
+                    <a:pt x="0" y="31"/>
+                    <a:pt x="0" y="20"/>
+                  </a:cubicBezTo>
+                  <a:cubicBezTo>
+                    <a:pt x="0" y="9"/>
+                    <a:pt x="9" y="0"/>
+                    <a:pt x="20" y="0"/>
+                  </a:cubicBezTo>
+                  <a:cubicBezTo>
+                    <a:pt x="31" y="0"/>
+                    <a:pt x="40" y="9"/>
+                    <a:pt x="40" y="20"/>
+                  </a:cubicBezTo>
+                  <a:cubicBezTo>
+                    <a:pt x="40" y="31"/>
+                    <a:pt x="31" y="40"/>
+                    <a:pt x="20" y="40"/>
+                  </a:cubicBezTo>
+                  <a:close/>
+                  <a:moveTo>
+                    <a:pt x="20" y="4"/>
+                  </a:moveTo>
+                  <a:cubicBezTo>
+                    <a:pt x="11" y="4"/>
+                    <a:pt x="4" y="11"/>
+                    <a:pt x="4" y="20"/>
+                  </a:cubicBezTo>
+                  <a:cubicBezTo>
+                    <a:pt x="4" y="29"/>
+                    <a:pt x="11" y="36"/>
+                    <a:pt x="20" y="36"/>
+                  </a:cubicBezTo>
+                  <a:cubicBezTo>
+                    <a:pt x="28" y="36"/>
+                    <a:pt x="36" y="29"/>
+                    <a:pt x="36" y="20"/>
+                  </a:cubicBezTo>
+                  <a:cubicBezTo>
+                    <a:pt x="36" y="11"/>
+                    <a:pt x="28" y="4"/>
+                    <a:pt x="20" y="4"/>
+                  </a:cubicBezTo>
+                  <a:close/>
+                </a:path>
+              </a:pathLst>
+            </a:custGeom>
+            <a:grpFill/>
+            <a:ln>
+              <a:noFill/>
+            </a:ln>
+            <a:extLst>
+              <a:ext uri="{91240B29-F687-4f45-9708-019B960494DF}">
+                <a14:hiddenLine xmlns="" xmlns:a14="http://schemas.microsoft.com/office/drawing/2010/main" xmlns:p14="http://schemas.microsoft.com/office/powerpoint/2010/main" xmlns:a16="http://schemas.microsoft.com/office/drawing/2014/main" w="9525">
+                  <a:solidFill>
+                    <a:srgbClr val="000000"/>
+                  </a:solidFill>
+                  <a:round/>
+                  <a:headEnd/>
+                  <a:tailEnd/>
+                </a14:hiddenLine>
+              </a:ext>
+            </a:extLst>
+          </p:spPr>
+        </p:sp>
+        <p:sp>
+          <p:nvSpPr>
+            <p:cNvPr id="30" name="Freeform 24">
+              <a:extLst>
+                <a:ext uri="{FF2B5EF4-FFF2-40B4-BE49-F238E27FC236}">
+                  <a16:creationId xmlns:a16="http://schemas.microsoft.com/office/drawing/2014/main" id="{B6E8E701-3D21-4E5C-AB6E-9A7404697066}"/>
+                </a:ext>
+                <a:ext uri="{C183D7F6-B498-43B3-948B-1728B52AA6E4}">
+                  <adec:decorative xmlns:adec="http://schemas.microsoft.com/office/drawing/2017/decorative" val="1"/>
+                </a:ext>
+              </a:extLst>
+            </p:cNvPr>
+            <p:cNvSpPr/>
+            <p:nvPr>
+              <p:extLst>
+                <p:ext uri="{386F3935-93C4-4BCD-93E2-E3B085C9AB24}">
+                  <p16:designElem xmlns:p16="http://schemas.microsoft.com/office/powerpoint/2015/main" val="1"/>
+                </p:ext>
+              </p:extLst>
+            </p:nvPr>
+          </p:nvSpPr>
+          <p:spPr bwMode="auto">
+            <a:xfrm>
+              <a:off x="-14288" y="5627688"/>
+              <a:ext cx="85725" cy="1216025"/>
+            </a:xfrm>
+            <a:custGeom>
+              <a:avLst/>
+              <a:gdLst/>
+              <a:ahLst/>
+              <a:cxnLst/>
+              <a:rect l="0" t="0" r="r" b="b"/>
+              <a:pathLst>
+                <a:path w="54" h="766">
+                  <a:moveTo>
+                    <a:pt x="54" y="766"/>
+                  </a:moveTo>
+                  <a:lnTo>
+                    <a:pt x="36" y="766"/>
+                  </a:lnTo>
+                  <a:lnTo>
+                    <a:pt x="36" y="149"/>
+                  </a:lnTo>
+                  <a:lnTo>
+                    <a:pt x="0" y="3"/>
+                  </a:lnTo>
+                  <a:lnTo>
+                    <a:pt x="18" y="0"/>
+                  </a:lnTo>
+                  <a:lnTo>
+                    <a:pt x="54" y="146"/>
+                  </a:lnTo>
+                  <a:lnTo>
+                    <a:pt x="54" y="766"/>
+                  </a:lnTo>
+                  <a:close/>
+                </a:path>
+              </a:pathLst>
+            </a:custGeom>
+            <a:grpFill/>
+            <a:ln>
+              <a:noFill/>
+            </a:ln>
+            <a:extLst>
+              <a:ext uri="{91240B29-F687-4f45-9708-019B960494DF}">
+                <a14:hiddenLine xmlns="" xmlns:a14="http://schemas.microsoft.com/office/drawing/2010/main" xmlns:p14="http://schemas.microsoft.com/office/powerpoint/2010/main" xmlns:a16="http://schemas.microsoft.com/office/drawing/2014/main" w="9525">
+                  <a:solidFill>
+                    <a:srgbClr val="000000"/>
+                  </a:solidFill>
+                  <a:round/>
+                  <a:headEnd/>
+                  <a:tailEnd/>
+                </a14:hiddenLine>
+              </a:ext>
+            </a:extLst>
+          </p:spPr>
+        </p:sp>
+        <p:sp>
+          <p:nvSpPr>
+            <p:cNvPr id="31" name="Freeform 25">
+              <a:extLst>
+                <a:ext uri="{FF2B5EF4-FFF2-40B4-BE49-F238E27FC236}">
+                  <a16:creationId xmlns:a16="http://schemas.microsoft.com/office/drawing/2014/main" id="{431BDA41-D09D-4984-B888-756F5F81B49E}"/>
+                </a:ext>
+                <a:ext uri="{C183D7F6-B498-43B3-948B-1728B52AA6E4}">
+                  <adec:decorative xmlns:adec="http://schemas.microsoft.com/office/drawing/2017/decorative" val="1"/>
+                </a:ext>
+              </a:extLst>
+            </p:cNvPr>
+            <p:cNvSpPr>
+              <a:spLocks noEditPoints="1"/>
+            </p:cNvSpPr>
+            <p:nvPr>
+              <p:extLst>
+                <p:ext uri="{386F3935-93C4-4BCD-93E2-E3B085C9AB24}">
+                  <p16:designElem xmlns:p16="http://schemas.microsoft.com/office/powerpoint/2015/main" val="1"/>
+                </p:ext>
+              </p:extLst>
+            </p:nvPr>
+          </p:nvSpPr>
+          <p:spPr bwMode="auto">
+            <a:xfrm>
+              <a:off x="527050" y="4867275"/>
+              <a:ext cx="190500" cy="188913"/>
+            </a:xfrm>
+            <a:custGeom>
+              <a:avLst/>
+              <a:gdLst/>
+              <a:ahLst/>
+              <a:cxnLst/>
+              <a:rect l="0" t="0" r="r" b="b"/>
+              <a:pathLst>
+                <a:path w="40" h="40">
+                  <a:moveTo>
+                    <a:pt x="20" y="40"/>
+                  </a:moveTo>
+                  <a:cubicBezTo>
+                    <a:pt x="9" y="40"/>
+                    <a:pt x="0" y="31"/>
+                    <a:pt x="0" y="20"/>
+                  </a:cubicBezTo>
+                  <a:cubicBezTo>
+                    <a:pt x="0" y="9"/>
+                    <a:pt x="9" y="0"/>
+                    <a:pt x="20" y="0"/>
+                  </a:cubicBezTo>
+                  <a:cubicBezTo>
+                    <a:pt x="31" y="0"/>
+                    <a:pt x="40" y="9"/>
+                    <a:pt x="40" y="20"/>
+                  </a:cubicBezTo>
+                  <a:cubicBezTo>
+                    <a:pt x="40" y="31"/>
+                    <a:pt x="31" y="40"/>
+                    <a:pt x="20" y="40"/>
+                  </a:cubicBezTo>
+                  <a:close/>
+                  <a:moveTo>
+                    <a:pt x="20" y="4"/>
+                  </a:moveTo>
+                  <a:cubicBezTo>
+                    <a:pt x="11" y="4"/>
+                    <a:pt x="4" y="11"/>
+                    <a:pt x="4" y="20"/>
+                  </a:cubicBezTo>
+                  <a:cubicBezTo>
+                    <a:pt x="4" y="29"/>
+                    <a:pt x="11" y="36"/>
+                    <a:pt x="20" y="36"/>
+                  </a:cubicBezTo>
+                  <a:cubicBezTo>
+                    <a:pt x="29" y="36"/>
+                    <a:pt x="36" y="29"/>
+                    <a:pt x="36" y="20"/>
+                  </a:cubicBezTo>
+                  <a:cubicBezTo>
+                    <a:pt x="36" y="11"/>
+                    <a:pt x="29" y="4"/>
+                    <a:pt x="20" y="4"/>
+                  </a:cubicBezTo>
+                  <a:close/>
+                </a:path>
+              </a:pathLst>
+            </a:custGeom>
+            <a:grpFill/>
+            <a:ln>
+              <a:noFill/>
+            </a:ln>
+            <a:extLst>
+              <a:ext uri="{91240B29-F687-4f45-9708-019B960494DF}">
+                <a14:hiddenLine xmlns="" xmlns:a14="http://schemas.microsoft.com/office/drawing/2010/main" xmlns:p14="http://schemas.microsoft.com/office/powerpoint/2010/main" xmlns:a16="http://schemas.microsoft.com/office/drawing/2014/main" w="9525">
+                  <a:solidFill>
+                    <a:srgbClr val="000000"/>
+                  </a:solidFill>
+                  <a:round/>
+                  <a:headEnd/>
+                  <a:tailEnd/>
+                </a14:hiddenLine>
+              </a:ext>
+            </a:extLst>
+          </p:spPr>
+        </p:sp>
+        <p:sp>
+          <p:nvSpPr>
+            <p:cNvPr id="32" name="Freeform 26">
+              <a:extLst>
+                <a:ext uri="{FF2B5EF4-FFF2-40B4-BE49-F238E27FC236}">
+                  <a16:creationId xmlns:a16="http://schemas.microsoft.com/office/drawing/2014/main" id="{0DC943D2-20E4-4C00-82D2-D405A7C00BBE}"/>
+                </a:ext>
+                <a:ext uri="{C183D7F6-B498-43B3-948B-1728B52AA6E4}">
+                  <adec:decorative xmlns:adec="http://schemas.microsoft.com/office/drawing/2017/decorative" val="1"/>
+                </a:ext>
+              </a:extLst>
+            </p:cNvPr>
+            <p:cNvSpPr/>
+            <p:nvPr>
+              <p:extLst>
+                <p:ext uri="{386F3935-93C4-4BCD-93E2-E3B085C9AB24}">
+                  <p16:designElem xmlns:p16="http://schemas.microsoft.com/office/powerpoint/2015/main" val="1"/>
+                </p:ext>
+              </p:extLst>
+            </p:nvPr>
+          </p:nvSpPr>
+          <p:spPr bwMode="auto">
+            <a:xfrm>
+              <a:off x="309562" y="5422900"/>
+              <a:ext cx="374650" cy="1425575"/>
+            </a:xfrm>
+            <a:custGeom>
+              <a:avLst/>
+              <a:gdLst/>
+              <a:ahLst/>
+              <a:cxnLst/>
+              <a:rect l="0" t="0" r="r" b="b"/>
+              <a:pathLst>
+                <a:path w="236" h="898">
+                  <a:moveTo>
+                    <a:pt x="18" y="898"/>
+                  </a:moveTo>
+                  <a:lnTo>
+                    <a:pt x="0" y="898"/>
+                  </a:lnTo>
+                  <a:lnTo>
+                    <a:pt x="0" y="515"/>
+                  </a:lnTo>
+                  <a:lnTo>
+                    <a:pt x="3" y="512"/>
+                  </a:lnTo>
+                  <a:lnTo>
+                    <a:pt x="221" y="0"/>
+                  </a:lnTo>
+                  <a:lnTo>
+                    <a:pt x="236" y="6"/>
+                  </a:lnTo>
+                  <a:lnTo>
+                    <a:pt x="18" y="518"/>
+                  </a:lnTo>
+                  <a:lnTo>
+                    <a:pt x="18" y="898"/>
+                  </a:lnTo>
+                  <a:close/>
+                </a:path>
+              </a:pathLst>
+            </a:custGeom>
+            <a:grpFill/>
+            <a:ln>
+              <a:noFill/>
+            </a:ln>
+            <a:extLst>
+              <a:ext uri="{91240B29-F687-4f45-9708-019B960494DF}">
+                <a14:hiddenLine xmlns="" xmlns:a14="http://schemas.microsoft.com/office/drawing/2010/main" xmlns:p14="http://schemas.microsoft.com/office/powerpoint/2010/main" xmlns:a16="http://schemas.microsoft.com/office/drawing/2014/main" w="9525">
+                  <a:solidFill>
+                    <a:srgbClr val="000000"/>
+                  </a:solidFill>
+                  <a:round/>
+                  <a:headEnd/>
+                  <a:tailEnd/>
+                </a14:hiddenLine>
+              </a:ext>
+            </a:extLst>
+          </p:spPr>
+        </p:sp>
+        <p:sp>
+          <p:nvSpPr>
+            <p:cNvPr id="33" name="Freeform 27">
+              <a:extLst>
+                <a:ext uri="{FF2B5EF4-FFF2-40B4-BE49-F238E27FC236}">
+                  <a16:creationId xmlns:a16="http://schemas.microsoft.com/office/drawing/2014/main" id="{4BC34A74-80A2-4DE1-8ADC-BBD1709035BA}"/>
+                </a:ext>
+                <a:ext uri="{C183D7F6-B498-43B3-948B-1728B52AA6E4}">
+                  <adec:decorative xmlns:adec="http://schemas.microsoft.com/office/drawing/2017/decorative" val="1"/>
+                </a:ext>
+              </a:extLst>
+            </p:cNvPr>
+            <p:cNvSpPr/>
+            <p:nvPr>
+              <p:extLst>
+                <p:ext uri="{386F3935-93C4-4BCD-93E2-E3B085C9AB24}">
+                  <p16:designElem xmlns:p16="http://schemas.microsoft.com/office/powerpoint/2015/main" val="1"/>
+                </p:ext>
+              </p:extLst>
+            </p:nvPr>
+          </p:nvSpPr>
+          <p:spPr bwMode="auto">
+            <a:xfrm>
+              <a:off x="569912" y="5945188"/>
+              <a:ext cx="152400" cy="912813"/>
+            </a:xfrm>
+            <a:custGeom>
+              <a:avLst/>
+              <a:gdLst/>
+              <a:ahLst/>
+              <a:cxnLst/>
+              <a:rect l="0" t="0" r="r" b="b"/>
+              <a:pathLst>
+                <a:path w="96" h="575">
+                  <a:moveTo>
+                    <a:pt x="15" y="575"/>
+                  </a:moveTo>
+                  <a:lnTo>
+                    <a:pt x="0" y="569"/>
+                  </a:lnTo>
+                  <a:lnTo>
+                    <a:pt x="81" y="383"/>
+                  </a:lnTo>
+                  <a:lnTo>
+                    <a:pt x="81" y="0"/>
+                  </a:lnTo>
+                  <a:lnTo>
+                    <a:pt x="96" y="0"/>
+                  </a:lnTo>
+                  <a:lnTo>
+                    <a:pt x="96" y="386"/>
+                  </a:lnTo>
+                  <a:lnTo>
+                    <a:pt x="15" y="575"/>
+                  </a:lnTo>
+                  <a:close/>
+                </a:path>
+              </a:pathLst>
+            </a:custGeom>
+            <a:grpFill/>
+            <a:ln>
+              <a:noFill/>
+            </a:ln>
+            <a:extLst>
+              <a:ext uri="{91240B29-F687-4f45-9708-019B960494DF}">
+                <a14:hiddenLine xmlns="" xmlns:a14="http://schemas.microsoft.com/office/drawing/2010/main" xmlns:p14="http://schemas.microsoft.com/office/powerpoint/2010/main" xmlns:a16="http://schemas.microsoft.com/office/drawing/2014/main" w="9525">
+                  <a:solidFill>
+                    <a:srgbClr val="000000"/>
+                  </a:solidFill>
+                  <a:round/>
+                  <a:headEnd/>
+                  <a:tailEnd/>
+                </a14:hiddenLine>
+              </a:ext>
+            </a:extLst>
+          </p:spPr>
+        </p:sp>
+        <p:sp>
+          <p:nvSpPr>
+            <p:cNvPr id="34" name="Freeform 28">
+              <a:extLst>
+                <a:ext uri="{FF2B5EF4-FFF2-40B4-BE49-F238E27FC236}">
+                  <a16:creationId xmlns:a16="http://schemas.microsoft.com/office/drawing/2014/main" id="{C6C3CA25-431F-4E26-952D-4AA9C4C725CF}"/>
+                </a:ext>
+                <a:ext uri="{C183D7F6-B498-43B3-948B-1728B52AA6E4}">
+                  <adec:decorative xmlns:adec="http://schemas.microsoft.com/office/drawing/2017/decorative" val="1"/>
+                </a:ext>
+              </a:extLst>
+            </p:cNvPr>
+            <p:cNvSpPr>
+              <a:spLocks noEditPoints="1"/>
+            </p:cNvSpPr>
+            <p:nvPr>
+              <p:extLst>
+                <p:ext uri="{386F3935-93C4-4BCD-93E2-E3B085C9AB24}">
+                  <p16:designElem xmlns:p16="http://schemas.microsoft.com/office/powerpoint/2015/main" val="1"/>
+                </p:ext>
+              </p:extLst>
+            </p:nvPr>
+          </p:nvSpPr>
+          <p:spPr bwMode="auto">
+            <a:xfrm>
+              <a:off x="612775" y="5246688"/>
+              <a:ext cx="190500" cy="190500"/>
+            </a:xfrm>
+            <a:custGeom>
+              <a:avLst/>
+              <a:gdLst/>
+              <a:ahLst/>
+              <a:cxnLst/>
+              <a:rect l="0" t="0" r="r" b="b"/>
+              <a:pathLst>
+                <a:path w="40" h="40">
+                  <a:moveTo>
+                    <a:pt x="20" y="40"/>
+                  </a:moveTo>
+                  <a:cubicBezTo>
+                    <a:pt x="9" y="40"/>
+                    <a:pt x="0" y="31"/>
+                    <a:pt x="0" y="20"/>
+                  </a:cubicBezTo>
+                  <a:cubicBezTo>
+                    <a:pt x="0" y="9"/>
+                    <a:pt x="9" y="0"/>
+                    <a:pt x="20" y="0"/>
+                  </a:cubicBezTo>
+                  <a:cubicBezTo>
+                    <a:pt x="31" y="0"/>
+                    <a:pt x="40" y="9"/>
+                    <a:pt x="40" y="20"/>
+                  </a:cubicBezTo>
+                  <a:cubicBezTo>
+                    <a:pt x="40" y="31"/>
+                    <a:pt x="31" y="40"/>
+                    <a:pt x="20" y="40"/>
+                  </a:cubicBezTo>
+                  <a:close/>
+                  <a:moveTo>
+                    <a:pt x="20" y="4"/>
+                  </a:moveTo>
+                  <a:cubicBezTo>
+                    <a:pt x="12" y="4"/>
+                    <a:pt x="4" y="11"/>
+                    <a:pt x="4" y="20"/>
+                  </a:cubicBezTo>
+                  <a:cubicBezTo>
+                    <a:pt x="4" y="29"/>
+                    <a:pt x="12" y="36"/>
+                    <a:pt x="20" y="36"/>
+                  </a:cubicBezTo>
+                  <a:cubicBezTo>
+                    <a:pt x="29" y="36"/>
+                    <a:pt x="36" y="29"/>
+                    <a:pt x="36" y="20"/>
+                  </a:cubicBezTo>
+                  <a:cubicBezTo>
+                    <a:pt x="36" y="11"/>
+                    <a:pt x="29" y="4"/>
+                    <a:pt x="20" y="4"/>
+                  </a:cubicBezTo>
+                  <a:close/>
+                </a:path>
+              </a:pathLst>
+            </a:custGeom>
+            <a:grpFill/>
+            <a:ln>
+              <a:noFill/>
+            </a:ln>
+            <a:extLst>
+              <a:ext uri="{91240B29-F687-4f45-9708-019B960494DF}">
+                <a14:hiddenLine xmlns="" xmlns:a14="http://schemas.microsoft.com/office/drawing/2010/main" xmlns:p14="http://schemas.microsoft.com/office/powerpoint/2010/main" xmlns:a16="http://schemas.microsoft.com/office/drawing/2014/main" w="9525">
+                  <a:solidFill>
+                    <a:srgbClr val="000000"/>
+                  </a:solidFill>
+                  <a:round/>
+                  <a:headEnd/>
+                  <a:tailEnd/>
+                </a14:hiddenLine>
+              </a:ext>
+            </a:extLst>
+          </p:spPr>
+        </p:sp>
+        <p:sp>
+          <p:nvSpPr>
+            <p:cNvPr id="35" name="Freeform 29">
+              <a:extLst>
+                <a:ext uri="{FF2B5EF4-FFF2-40B4-BE49-F238E27FC236}">
+                  <a16:creationId xmlns:a16="http://schemas.microsoft.com/office/drawing/2014/main" id="{776D1836-82AE-40EF-9829-C6B8D2CF0258}"/>
+                </a:ext>
+                <a:ext uri="{C183D7F6-B498-43B3-948B-1728B52AA6E4}">
+                  <adec:decorative xmlns:adec="http://schemas.microsoft.com/office/drawing/2017/decorative" val="1"/>
+                </a:ext>
+              </a:extLst>
+            </p:cNvPr>
+            <p:cNvSpPr>
+              <a:spLocks noEditPoints="1"/>
+            </p:cNvSpPr>
+            <p:nvPr>
+              <p:extLst>
+                <p:ext uri="{386F3935-93C4-4BCD-93E2-E3B085C9AB24}">
+                  <p16:designElem xmlns:p16="http://schemas.microsoft.com/office/powerpoint/2015/main" val="1"/>
+                </p:ext>
+              </p:extLst>
+            </p:nvPr>
+          </p:nvSpPr>
+          <p:spPr bwMode="auto">
+            <a:xfrm>
+              <a:off x="612775" y="5764213"/>
+              <a:ext cx="190500" cy="190500"/>
+            </a:xfrm>
+            <a:custGeom>
+              <a:avLst/>
+              <a:gdLst/>
+              <a:ahLst/>
+              <a:cxnLst/>
+              <a:rect l="0" t="0" r="r" b="b"/>
+              <a:pathLst>
+                <a:path w="40" h="40">
+                  <a:moveTo>
+                    <a:pt x="20" y="40"/>
+                  </a:moveTo>
+                  <a:cubicBezTo>
+                    <a:pt x="9" y="40"/>
+                    <a:pt x="0" y="31"/>
+                    <a:pt x="0" y="20"/>
+                  </a:cubicBezTo>
+                  <a:cubicBezTo>
+                    <a:pt x="0" y="9"/>
+                    <a:pt x="9" y="0"/>
+                    <a:pt x="20" y="0"/>
+                  </a:cubicBezTo>
+                  <a:cubicBezTo>
+                    <a:pt x="31" y="0"/>
+                    <a:pt x="40" y="9"/>
+                    <a:pt x="40" y="20"/>
+                  </a:cubicBezTo>
+                  <a:cubicBezTo>
+                    <a:pt x="40" y="31"/>
+                    <a:pt x="31" y="40"/>
+                    <a:pt x="20" y="40"/>
+                  </a:cubicBezTo>
+                  <a:close/>
+                  <a:moveTo>
+                    <a:pt x="20" y="4"/>
+                  </a:moveTo>
+                  <a:cubicBezTo>
+                    <a:pt x="12" y="4"/>
+                    <a:pt x="4" y="11"/>
+                    <a:pt x="4" y="20"/>
+                  </a:cubicBezTo>
+                  <a:cubicBezTo>
+                    <a:pt x="4" y="29"/>
+                    <a:pt x="12" y="36"/>
+                    <a:pt x="20" y="36"/>
+                  </a:cubicBezTo>
+                  <a:cubicBezTo>
+                    <a:pt x="29" y="36"/>
+                    <a:pt x="36" y="29"/>
+                    <a:pt x="36" y="20"/>
+                  </a:cubicBezTo>
+                  <a:cubicBezTo>
+                    <a:pt x="36" y="11"/>
+                    <a:pt x="29" y="4"/>
+                    <a:pt x="20" y="4"/>
+                  </a:cubicBezTo>
+                  <a:close/>
+                </a:path>
+              </a:pathLst>
+            </a:custGeom>
+            <a:grpFill/>
+            <a:ln>
+              <a:noFill/>
+            </a:ln>
+            <a:extLst>
+              <a:ext uri="{91240B29-F687-4f45-9708-019B960494DF}">
+                <a14:hiddenLine xmlns="" xmlns:a14="http://schemas.microsoft.com/office/drawing/2010/main" xmlns:p14="http://schemas.microsoft.com/office/powerpoint/2010/main" xmlns:a16="http://schemas.microsoft.com/office/drawing/2014/main" w="9525">
+                  <a:solidFill>
+                    <a:srgbClr val="000000"/>
+                  </a:solidFill>
+                  <a:round/>
+                  <a:headEnd/>
+                  <a:tailEnd/>
+                </a14:hiddenLine>
+              </a:ext>
+            </a:extLst>
+          </p:spPr>
+        </p:sp>
+        <p:sp>
+          <p:nvSpPr>
+            <p:cNvPr id="36" name="Freeform 30">
+              <a:extLst>
+                <a:ext uri="{FF2B5EF4-FFF2-40B4-BE49-F238E27FC236}">
+                  <a16:creationId xmlns:a16="http://schemas.microsoft.com/office/drawing/2014/main" id="{9A8E397E-ADF9-45C1-98F4-3F5A86378B6F}"/>
+                </a:ext>
+                <a:ext uri="{C183D7F6-B498-43B3-948B-1728B52AA6E4}">
+                  <adec:decorative xmlns:adec="http://schemas.microsoft.com/office/drawing/2017/decorative" val="1"/>
+                </a:ext>
+              </a:extLst>
+            </p:cNvPr>
+            <p:cNvSpPr/>
+            <p:nvPr>
+              <p:extLst>
+                <p:ext uri="{386F3935-93C4-4BCD-93E2-E3B085C9AB24}">
+                  <p16:designElem xmlns:p16="http://schemas.microsoft.com/office/powerpoint/2015/main" val="1"/>
+                </p:ext>
+              </p:extLst>
+            </p:nvPr>
+          </p:nvSpPr>
+          <p:spPr bwMode="auto">
+            <a:xfrm>
+              <a:off x="669925" y="6330950"/>
+              <a:ext cx="417513" cy="517525"/>
+            </a:xfrm>
+            <a:custGeom>
+              <a:avLst/>
+              <a:gdLst/>
+              <a:ahLst/>
+              <a:cxnLst/>
+              <a:rect l="0" t="0" r="r" b="b"/>
+              <a:pathLst>
+                <a:path w="263" h="326">
+                  <a:moveTo>
+                    <a:pt x="15" y="326"/>
+                  </a:moveTo>
+                  <a:lnTo>
+                    <a:pt x="0" y="320"/>
+                  </a:lnTo>
+                  <a:lnTo>
+                    <a:pt x="45" y="206"/>
+                  </a:lnTo>
+                  <a:lnTo>
+                    <a:pt x="48" y="206"/>
+                  </a:lnTo>
+                  <a:lnTo>
+                    <a:pt x="254" y="0"/>
+                  </a:lnTo>
+                  <a:lnTo>
+                    <a:pt x="263" y="12"/>
+                  </a:lnTo>
+                  <a:lnTo>
+                    <a:pt x="60" y="215"/>
+                  </a:lnTo>
+                  <a:lnTo>
+                    <a:pt x="15" y="326"/>
+                  </a:lnTo>
+                  <a:close/>
+                </a:path>
+              </a:pathLst>
+            </a:custGeom>
+            <a:grpFill/>
+            <a:ln>
+              <a:noFill/>
+            </a:ln>
+            <a:extLst>
+              <a:ext uri="{91240B29-F687-4f45-9708-019B960494DF}">
+                <a14:hiddenLine xmlns="" xmlns:a14="http://schemas.microsoft.com/office/drawing/2010/main" xmlns:p14="http://schemas.microsoft.com/office/powerpoint/2010/main" xmlns:a16="http://schemas.microsoft.com/office/drawing/2014/main" w="9525">
+                  <a:solidFill>
+                    <a:srgbClr val="000000"/>
+                  </a:solidFill>
+                  <a:round/>
+                  <a:headEnd/>
+                  <a:tailEnd/>
+                </a14:hiddenLine>
+              </a:ext>
+            </a:extLst>
+          </p:spPr>
+        </p:sp>
+        <p:sp>
+          <p:nvSpPr>
+            <p:cNvPr id="37" name="Freeform 31">
+              <a:extLst>
+                <a:ext uri="{FF2B5EF4-FFF2-40B4-BE49-F238E27FC236}">
+                  <a16:creationId xmlns:a16="http://schemas.microsoft.com/office/drawing/2014/main" id="{DE07CFD9-357F-40BC-A792-CE874BFE5094}"/>
+                </a:ext>
+                <a:ext uri="{C183D7F6-B498-43B3-948B-1728B52AA6E4}">
+                  <adec:decorative xmlns:adec="http://schemas.microsoft.com/office/drawing/2017/decorative" val="1"/>
+                </a:ext>
+              </a:extLst>
+            </p:cNvPr>
+            <p:cNvSpPr>
+              <a:spLocks noEditPoints="1"/>
+            </p:cNvSpPr>
+            <p:nvPr>
+              <p:extLst>
+                <p:ext uri="{386F3935-93C4-4BCD-93E2-E3B085C9AB24}">
+                  <p16:designElem xmlns:p16="http://schemas.microsoft.com/office/powerpoint/2015/main" val="1"/>
+                </p:ext>
+              </p:extLst>
+            </p:nvPr>
+          </p:nvSpPr>
+          <p:spPr bwMode="auto">
+            <a:xfrm>
+              <a:off x="1049337" y="6221413"/>
+              <a:ext cx="157163" cy="147638"/>
+            </a:xfrm>
+            <a:custGeom>
+              <a:avLst/>
+              <a:gdLst/>
+              <a:ahLst/>
+              <a:cxnLst/>
+              <a:rect l="0" t="0" r="r" b="b"/>
+              <a:pathLst>
+                <a:path w="33" h="31">
+                  <a:moveTo>
+                    <a:pt x="16" y="31"/>
+                  </a:moveTo>
+                  <a:cubicBezTo>
+                    <a:pt x="12" y="31"/>
+                    <a:pt x="8" y="29"/>
+                    <a:pt x="5" y="26"/>
+                  </a:cubicBezTo>
+                  <a:cubicBezTo>
+                    <a:pt x="2" y="24"/>
+                    <a:pt x="0" y="20"/>
+                    <a:pt x="0" y="15"/>
+                  </a:cubicBezTo>
+                  <a:cubicBezTo>
+                    <a:pt x="0" y="11"/>
+                    <a:pt x="2" y="7"/>
+                    <a:pt x="5" y="4"/>
+                  </a:cubicBezTo>
+                  <a:cubicBezTo>
+                    <a:pt x="8" y="1"/>
+                    <a:pt x="12" y="0"/>
+                    <a:pt x="16" y="0"/>
+                  </a:cubicBezTo>
+                  <a:cubicBezTo>
+                    <a:pt x="20" y="0"/>
+                    <a:pt x="24" y="1"/>
+                    <a:pt x="27" y="4"/>
+                  </a:cubicBezTo>
+                  <a:cubicBezTo>
+                    <a:pt x="33" y="10"/>
+                    <a:pt x="33" y="20"/>
+                    <a:pt x="27" y="26"/>
+                  </a:cubicBezTo>
+                  <a:cubicBezTo>
+                    <a:pt x="24" y="29"/>
+                    <a:pt x="20" y="31"/>
+                    <a:pt x="16" y="31"/>
+                  </a:cubicBezTo>
+                  <a:close/>
+                  <a:moveTo>
+                    <a:pt x="16" y="4"/>
+                  </a:moveTo>
+                  <a:cubicBezTo>
+                    <a:pt x="13" y="4"/>
+                    <a:pt x="10" y="5"/>
+                    <a:pt x="8" y="7"/>
+                  </a:cubicBezTo>
+                  <a:cubicBezTo>
+                    <a:pt x="6" y="9"/>
+                    <a:pt x="4" y="12"/>
+                    <a:pt x="4" y="15"/>
+                  </a:cubicBezTo>
+                  <a:cubicBezTo>
+                    <a:pt x="4" y="19"/>
+                    <a:pt x="6" y="21"/>
+                    <a:pt x="8" y="24"/>
+                  </a:cubicBezTo>
+                  <a:cubicBezTo>
+                    <a:pt x="10" y="26"/>
+                    <a:pt x="13" y="27"/>
+                    <a:pt x="16" y="27"/>
+                  </a:cubicBezTo>
+                  <a:cubicBezTo>
+                    <a:pt x="19" y="27"/>
+                    <a:pt x="22" y="26"/>
+                    <a:pt x="24" y="24"/>
+                  </a:cubicBezTo>
+                  <a:cubicBezTo>
+                    <a:pt x="29" y="19"/>
+                    <a:pt x="29" y="12"/>
+                    <a:pt x="24" y="7"/>
+                  </a:cubicBezTo>
+                  <a:cubicBezTo>
+                    <a:pt x="22" y="5"/>
+                    <a:pt x="19" y="4"/>
+                    <a:pt x="16" y="4"/>
+                  </a:cubicBezTo>
+                  <a:close/>
+                </a:path>
+              </a:pathLst>
+            </a:custGeom>
+            <a:grpFill/>
+            <a:ln>
+              <a:noFill/>
+            </a:ln>
+            <a:extLst>
+              <a:ext uri="{91240B29-F687-4f45-9708-019B960494DF}">
+                <a14:hiddenLine xmlns="" xmlns:a14="http://schemas.microsoft.com/office/drawing/2010/main" xmlns:p14="http://schemas.microsoft.com/office/powerpoint/2010/main" xmlns:a16="http://schemas.microsoft.com/office/drawing/2014/main" w="9525">
+                  <a:solidFill>
+                    <a:srgbClr val="000000"/>
+                  </a:solidFill>
+                  <a:round/>
+                  <a:headEnd/>
+                  <a:tailEnd/>
+                </a14:hiddenLine>
+              </a:ext>
+            </a:extLst>
+          </p:spPr>
+        </p:sp>
+      </p:grpSp>
+      <p:sp>
+        <p:nvSpPr>
+          <p:cNvPr id="2" name="Title 1">
+            <a:extLst>
+              <a:ext uri="{FF2B5EF4-FFF2-40B4-BE49-F238E27FC236}">
+                <a16:creationId xmlns:a16="http://schemas.microsoft.com/office/drawing/2014/main" id="{9C898CA9-A4DB-466C-B2D1-AFC839E37EB7}"/>
+              </a:ext>
+            </a:extLst>
+          </p:cNvPr>
+          <p:cNvSpPr>
+            <a:spLocks noGrp="1"/>
+          </p:cNvSpPr>
+          <p:nvPr>
+            <p:ph type="title"/>
+          </p:nvPr>
+        </p:nvSpPr>
+        <p:spPr>
+          <a:xfrm>
+            <a:off x="1141413" y="1082673"/>
+            <a:ext cx="2869416" cy="4708528"/>
+          </a:xfrm>
+        </p:spPr>
+        <p:txBody>
+          <a:bodyPr>
+            <a:normAutofit/>
+          </a:bodyPr>
+          <a:lstStyle/>
+          <a:p>
+            <a:pPr algn="r"/>
+            <a:r>
+              <a:rPr lang="en-US" sz="4000" dirty="0"/>
+              <a:t>Alcohol by volume summary</a:t>
+            </a:r>
+          </a:p>
+        </p:txBody>
+      </p:sp>
+      <p:cxnSp>
+        <p:nvCxnSpPr>
+          <p:cNvPr id="39" name="Straight Connector 38">
+            <a:extLst>
+              <a:ext uri="{FF2B5EF4-FFF2-40B4-BE49-F238E27FC236}">
+                <a16:creationId xmlns:a16="http://schemas.microsoft.com/office/drawing/2014/main" id="{085ECEC0-FF5D-4348-92C7-1EA7C61E770C}"/>
+              </a:ext>
+              <a:ext uri="{C183D7F6-B498-43B3-948B-1728B52AA6E4}">
+                <adec:decorative xmlns:adec="http://schemas.microsoft.com/office/drawing/2017/decorative" val="1"/>
+              </a:ext>
+            </a:extLst>
+          </p:cNvPr>
+          <p:cNvCxnSpPr>
+            <a:cxnSpLocks noGrp="1" noRot="1" noChangeAspect="1" noMove="1" noResize="1" noEditPoints="1" noAdjustHandles="1" noChangeArrowheads="1" noChangeShapeType="1"/>
+          </p:cNvCxnSpPr>
+          <p:nvPr>
+            <p:extLst>
+              <p:ext uri="{386F3935-93C4-4BCD-93E2-E3B085C9AB24}">
+                <p16:designElem xmlns:p16="http://schemas.microsoft.com/office/powerpoint/2015/main" val="1"/>
+              </p:ext>
+            </p:extLst>
+          </p:nvPr>
+        </p:nvCxnSpPr>
+        <p:spPr>
+          <a:xfrm>
+            <a:off x="4654296" y="1454684"/>
+            <a:ext cx="0" cy="3649129"/>
+          </a:xfrm>
+          <a:prstGeom prst="line">
+            <a:avLst/>
+          </a:prstGeom>
+          <a:ln w="25400">
+            <a:solidFill>
+              <a:schemeClr val="tx1">
+                <a:alpha val="70000"/>
+              </a:schemeClr>
+            </a:solidFill>
+          </a:ln>
+        </p:spPr>
+        <p:style>
+          <a:lnRef idx="1">
+            <a:schemeClr val="accent1"/>
+          </a:lnRef>
+          <a:fillRef idx="0">
+            <a:schemeClr val="accent1"/>
+          </a:fillRef>
+          <a:effectRef idx="0">
+            <a:schemeClr val="accent1"/>
+          </a:effectRef>
+          <a:fontRef idx="minor">
+            <a:schemeClr val="tx1"/>
+          </a:fontRef>
+        </p:style>
+      </p:cxnSp>
+      <p:sp>
+        <p:nvSpPr>
+          <p:cNvPr id="3" name="Content Placeholder 2">
+            <a:extLst>
+              <a:ext uri="{FF2B5EF4-FFF2-40B4-BE49-F238E27FC236}">
+                <a16:creationId xmlns:a16="http://schemas.microsoft.com/office/drawing/2014/main" id="{C2C116D3-995E-4827-99AB-3FDF379BD261}"/>
+              </a:ext>
+            </a:extLst>
+          </p:cNvPr>
+          <p:cNvSpPr>
+            <a:spLocks noGrp="1"/>
+          </p:cNvSpPr>
+          <p:nvPr>
+            <p:ph idx="1"/>
+          </p:nvPr>
+        </p:nvSpPr>
+        <p:spPr>
+          <a:xfrm>
+            <a:off x="5297763" y="1082673"/>
+            <a:ext cx="5751237" cy="4708528"/>
+          </a:xfrm>
+        </p:spPr>
+        <p:txBody>
+          <a:bodyPr anchor="ctr">
+            <a:normAutofit/>
+          </a:bodyPr>
+          <a:lstStyle/>
+          <a:p>
+            <a:r>
+              <a:rPr lang="en-US" dirty="0"/>
+              <a:t>Mean of 0.0598</a:t>
+            </a:r>
+          </a:p>
+          <a:p>
+            <a:r>
+              <a:rPr lang="en-US" dirty="0"/>
+              <a:t>Median of 0.067</a:t>
+            </a:r>
+          </a:p>
+          <a:p>
+            <a:r>
+              <a:rPr lang="en-US" dirty="0"/>
+              <a:t>Minimum of 0.001</a:t>
+            </a:r>
+          </a:p>
+          <a:p>
+            <a:r>
+              <a:rPr lang="en-US" dirty="0"/>
+              <a:t>Maximum of 0.128</a:t>
+            </a:r>
+          </a:p>
+        </p:txBody>
+      </p:sp>
+      <p:grpSp>
+        <p:nvGrpSpPr>
+          <p:cNvPr id="41" name="Group 40">
+            <a:extLst>
+              <a:ext uri="{FF2B5EF4-FFF2-40B4-BE49-F238E27FC236}">
+                <a16:creationId xmlns:a16="http://schemas.microsoft.com/office/drawing/2014/main" id="{F4E035BE-9FF4-43D3-BC25-CF582D7FF85E}"/>
+              </a:ext>
+              <a:ext uri="{C183D7F6-B498-43B3-948B-1728B52AA6E4}">
+                <adec:decorative xmlns:adec="http://schemas.microsoft.com/office/drawing/2017/decorative" val="1"/>
+              </a:ext>
+            </a:extLst>
+          </p:cNvPr>
+          <p:cNvGrpSpPr>
+            <a:grpSpLocks noGrp="1" noUngrp="1" noRot="1" noChangeAspect="1" noMove="1" noResize="1"/>
+          </p:cNvGrpSpPr>
+          <p:nvPr>
+            <p:extLst>
+              <p:ext uri="{386F3935-93C4-4BCD-93E2-E3B085C9AB24}">
+                <p16:designElem xmlns:p16="http://schemas.microsoft.com/office/powerpoint/2015/main" val="1"/>
+              </p:ext>
+            </p:extLst>
+          </p:nvPr>
+        </p:nvGrpSpPr>
+        <p:grpSpPr>
+          <a:xfrm>
+            <a:off x="11364912" y="0"/>
+            <a:ext cx="674688" cy="6848476"/>
+            <a:chOff x="11364912" y="0"/>
+            <a:chExt cx="674688" cy="6848476"/>
+          </a:xfrm>
+          <a:solidFill>
+            <a:schemeClr val="tx1">
+              <a:alpha val="60000"/>
+            </a:schemeClr>
+          </a:solidFill>
+        </p:grpSpPr>
+        <p:sp>
+          <p:nvSpPr>
+            <p:cNvPr id="42" name="Freeform 32">
+              <a:extLst>
+                <a:ext uri="{FF2B5EF4-FFF2-40B4-BE49-F238E27FC236}">
+                  <a16:creationId xmlns:a16="http://schemas.microsoft.com/office/drawing/2014/main" id="{F98BCEB2-EC20-4E84-A994-0AC37292C8B2}"/>
+                </a:ext>
+                <a:ext uri="{C183D7F6-B498-43B3-948B-1728B52AA6E4}">
+                  <adec:decorative xmlns:adec="http://schemas.microsoft.com/office/drawing/2017/decorative" val="1"/>
+                </a:ext>
+              </a:extLst>
+            </p:cNvPr>
+            <p:cNvSpPr/>
+            <p:nvPr>
+              <p:extLst>
+                <p:ext uri="{386F3935-93C4-4BCD-93E2-E3B085C9AB24}">
+                  <p16:designElem xmlns:p16="http://schemas.microsoft.com/office/powerpoint/2015/main" val="1"/>
+                </p:ext>
+              </p:extLst>
+            </p:nvPr>
+          </p:nvSpPr>
+          <p:spPr bwMode="auto">
+            <a:xfrm>
+              <a:off x="11483975" y="0"/>
+              <a:ext cx="417513" cy="512763"/>
+            </a:xfrm>
+            <a:custGeom>
+              <a:avLst/>
+              <a:gdLst/>
+              <a:ahLst/>
+              <a:cxnLst/>
+              <a:rect l="0" t="0" r="r" b="b"/>
+              <a:pathLst>
+                <a:path w="263" h="323">
+                  <a:moveTo>
+                    <a:pt x="12" y="323"/>
+                  </a:moveTo>
+                  <a:lnTo>
+                    <a:pt x="0" y="314"/>
+                  </a:lnTo>
+                  <a:lnTo>
+                    <a:pt x="203" y="108"/>
+                  </a:lnTo>
+                  <a:lnTo>
+                    <a:pt x="248" y="0"/>
+                  </a:lnTo>
+                  <a:lnTo>
+                    <a:pt x="263" y="6"/>
+                  </a:lnTo>
+                  <a:lnTo>
+                    <a:pt x="218" y="117"/>
+                  </a:lnTo>
+                  <a:lnTo>
+                    <a:pt x="218" y="117"/>
+                  </a:lnTo>
+                  <a:lnTo>
+                    <a:pt x="12" y="323"/>
+                  </a:lnTo>
+                  <a:close/>
+                </a:path>
+              </a:pathLst>
+            </a:custGeom>
+            <a:grpFill/>
+            <a:ln>
+              <a:noFill/>
+            </a:ln>
+            <a:extLst>
+              <a:ext uri="{91240B29-F687-4f45-9708-019B960494DF}">
+                <a14:hiddenLine xmlns="" xmlns:a14="http://schemas.microsoft.com/office/drawing/2010/main" xmlns:p14="http://schemas.microsoft.com/office/powerpoint/2010/main" xmlns:a16="http://schemas.microsoft.com/office/drawing/2014/main" w="9525">
+                  <a:solidFill>
+                    <a:srgbClr val="000000"/>
+                  </a:solidFill>
+                  <a:round/>
+                  <a:headEnd/>
+                  <a:tailEnd/>
+                </a14:hiddenLine>
+              </a:ext>
+            </a:extLst>
+          </p:spPr>
+        </p:sp>
+        <p:sp>
+          <p:nvSpPr>
+            <p:cNvPr id="43" name="Freeform 33">
+              <a:extLst>
+                <a:ext uri="{FF2B5EF4-FFF2-40B4-BE49-F238E27FC236}">
+                  <a16:creationId xmlns:a16="http://schemas.microsoft.com/office/drawing/2014/main" id="{7A2E1821-AEDF-417E-9F17-83379E9C0941}"/>
+                </a:ext>
+                <a:ext uri="{C183D7F6-B498-43B3-948B-1728B52AA6E4}">
+                  <adec:decorative xmlns:adec="http://schemas.microsoft.com/office/drawing/2017/decorative" val="1"/>
+                </a:ext>
+              </a:extLst>
+            </p:cNvPr>
+            <p:cNvSpPr>
+              <a:spLocks noEditPoints="1"/>
+            </p:cNvSpPr>
+            <p:nvPr>
+              <p:extLst>
+                <p:ext uri="{386F3935-93C4-4BCD-93E2-E3B085C9AB24}">
+                  <p16:designElem xmlns:p16="http://schemas.microsoft.com/office/powerpoint/2015/main" val="1"/>
+                </p:ext>
+              </p:extLst>
+            </p:nvPr>
+          </p:nvSpPr>
+          <p:spPr bwMode="auto">
+            <a:xfrm>
+              <a:off x="11364912" y="474663"/>
+              <a:ext cx="157163" cy="152400"/>
+            </a:xfrm>
+            <a:custGeom>
+              <a:avLst/>
+              <a:gdLst/>
+              <a:ahLst/>
+              <a:cxnLst/>
+              <a:rect l="0" t="0" r="r" b="b"/>
+              <a:pathLst>
+                <a:path w="33" h="32">
+                  <a:moveTo>
+                    <a:pt x="17" y="32"/>
+                  </a:moveTo>
+                  <a:cubicBezTo>
+                    <a:pt x="13" y="32"/>
+                    <a:pt x="9" y="30"/>
+                    <a:pt x="6" y="27"/>
+                  </a:cubicBezTo>
+                  <a:cubicBezTo>
+                    <a:pt x="0" y="21"/>
+                    <a:pt x="0" y="11"/>
+                    <a:pt x="6" y="5"/>
+                  </a:cubicBezTo>
+                  <a:cubicBezTo>
+                    <a:pt x="9" y="2"/>
+                    <a:pt x="13" y="0"/>
+                    <a:pt x="17" y="0"/>
+                  </a:cubicBezTo>
+                  <a:cubicBezTo>
+                    <a:pt x="21" y="0"/>
+                    <a:pt x="25" y="2"/>
+                    <a:pt x="28" y="5"/>
+                  </a:cubicBezTo>
+                  <a:cubicBezTo>
+                    <a:pt x="31" y="8"/>
+                    <a:pt x="33" y="12"/>
+                    <a:pt x="33" y="16"/>
+                  </a:cubicBezTo>
+                  <a:cubicBezTo>
+                    <a:pt x="33" y="20"/>
+                    <a:pt x="31" y="24"/>
+                    <a:pt x="28" y="27"/>
+                  </a:cubicBezTo>
+                  <a:cubicBezTo>
+                    <a:pt x="25" y="30"/>
+                    <a:pt x="21" y="32"/>
+                    <a:pt x="17" y="32"/>
+                  </a:cubicBezTo>
+                  <a:close/>
+                  <a:moveTo>
+                    <a:pt x="17" y="4"/>
+                  </a:moveTo>
+                  <a:cubicBezTo>
+                    <a:pt x="14" y="4"/>
+                    <a:pt x="11" y="6"/>
+                    <a:pt x="9" y="8"/>
+                  </a:cubicBezTo>
+                  <a:cubicBezTo>
+                    <a:pt x="4" y="12"/>
+                    <a:pt x="4" y="20"/>
+                    <a:pt x="9" y="24"/>
+                  </a:cubicBezTo>
+                  <a:cubicBezTo>
+                    <a:pt x="11" y="27"/>
+                    <a:pt x="14" y="28"/>
+                    <a:pt x="17" y="28"/>
+                  </a:cubicBezTo>
+                  <a:cubicBezTo>
+                    <a:pt x="20" y="28"/>
+                    <a:pt x="23" y="27"/>
+                    <a:pt x="26" y="24"/>
+                  </a:cubicBezTo>
+                  <a:cubicBezTo>
+                    <a:pt x="30" y="20"/>
+                    <a:pt x="30" y="12"/>
+                    <a:pt x="26" y="8"/>
+                  </a:cubicBezTo>
+                  <a:cubicBezTo>
+                    <a:pt x="23" y="6"/>
+                    <a:pt x="20" y="4"/>
+                    <a:pt x="17" y="4"/>
+                  </a:cubicBezTo>
+                  <a:close/>
+                </a:path>
+              </a:pathLst>
+            </a:custGeom>
+            <a:grpFill/>
+            <a:ln>
+              <a:noFill/>
+            </a:ln>
+            <a:extLst>
+              <a:ext uri="{91240B29-F687-4f45-9708-019B960494DF}">
+                <a14:hiddenLine xmlns="" xmlns:a14="http://schemas.microsoft.com/office/drawing/2010/main" xmlns:p14="http://schemas.microsoft.com/office/powerpoint/2010/main" xmlns:a16="http://schemas.microsoft.com/office/drawing/2014/main" w="9525">
+                  <a:solidFill>
+                    <a:srgbClr val="000000"/>
+                  </a:solidFill>
+                  <a:round/>
+                  <a:headEnd/>
+                  <a:tailEnd/>
+                </a14:hiddenLine>
+              </a:ext>
+            </a:extLst>
+          </p:spPr>
+        </p:sp>
+        <p:sp>
+          <p:nvSpPr>
+            <p:cNvPr id="44" name="Freeform 34">
+              <a:extLst>
+                <a:ext uri="{FF2B5EF4-FFF2-40B4-BE49-F238E27FC236}">
+                  <a16:creationId xmlns:a16="http://schemas.microsoft.com/office/drawing/2014/main" id="{CB3734E2-8292-4B47-B6AB-0E5A058DE95A}"/>
+                </a:ext>
+                <a:ext uri="{C183D7F6-B498-43B3-948B-1728B52AA6E4}">
+                  <adec:decorative xmlns:adec="http://schemas.microsoft.com/office/drawing/2017/decorative" val="1"/>
+                </a:ext>
+              </a:extLst>
+            </p:cNvPr>
+            <p:cNvSpPr>
+              <a:spLocks noEditPoints="1"/>
+            </p:cNvSpPr>
+            <p:nvPr>
+              <p:extLst>
+                <p:ext uri="{386F3935-93C4-4BCD-93E2-E3B085C9AB24}">
+                  <p16:designElem xmlns:p16="http://schemas.microsoft.com/office/powerpoint/2015/main" val="1"/>
+                </p:ext>
+              </p:extLst>
+            </p:nvPr>
+          </p:nvSpPr>
+          <p:spPr bwMode="auto">
+            <a:xfrm>
+              <a:off x="11631612" y="1539875"/>
+              <a:ext cx="188913" cy="190500"/>
+            </a:xfrm>
+            <a:custGeom>
+              <a:avLst/>
+              <a:gdLst/>
+              <a:ahLst/>
+              <a:cxnLst/>
+              <a:rect l="0" t="0" r="r" b="b"/>
+              <a:pathLst>
+                <a:path w="40" h="40">
+                  <a:moveTo>
+                    <a:pt x="20" y="40"/>
+                  </a:moveTo>
+                  <a:cubicBezTo>
+                    <a:pt x="9" y="40"/>
+                    <a:pt x="0" y="31"/>
+                    <a:pt x="0" y="20"/>
+                  </a:cubicBezTo>
+                  <a:cubicBezTo>
+                    <a:pt x="0" y="9"/>
+                    <a:pt x="9" y="0"/>
+                    <a:pt x="20" y="0"/>
+                  </a:cubicBezTo>
+                  <a:cubicBezTo>
+                    <a:pt x="31" y="0"/>
+                    <a:pt x="40" y="9"/>
+                    <a:pt x="40" y="20"/>
+                  </a:cubicBezTo>
+                  <a:cubicBezTo>
+                    <a:pt x="40" y="31"/>
+                    <a:pt x="31" y="40"/>
+                    <a:pt x="20" y="40"/>
+                  </a:cubicBezTo>
+                  <a:close/>
+                  <a:moveTo>
+                    <a:pt x="20" y="4"/>
+                  </a:moveTo>
+                  <a:cubicBezTo>
+                    <a:pt x="11" y="4"/>
+                    <a:pt x="4" y="11"/>
+                    <a:pt x="4" y="20"/>
+                  </a:cubicBezTo>
+                  <a:cubicBezTo>
+                    <a:pt x="4" y="29"/>
+                    <a:pt x="11" y="36"/>
+                    <a:pt x="20" y="36"/>
+                  </a:cubicBezTo>
+                  <a:cubicBezTo>
+                    <a:pt x="29" y="36"/>
+                    <a:pt x="36" y="29"/>
+                    <a:pt x="36" y="20"/>
+                  </a:cubicBezTo>
+                  <a:cubicBezTo>
+                    <a:pt x="36" y="11"/>
+                    <a:pt x="29" y="4"/>
+                    <a:pt x="20" y="4"/>
+                  </a:cubicBezTo>
+                  <a:close/>
+                </a:path>
+              </a:pathLst>
+            </a:custGeom>
+            <a:grpFill/>
+            <a:ln>
+              <a:noFill/>
+            </a:ln>
+            <a:extLst>
+              <a:ext uri="{91240B29-F687-4f45-9708-019B960494DF}">
+                <a14:hiddenLine xmlns="" xmlns:a14="http://schemas.microsoft.com/office/drawing/2010/main" xmlns:p14="http://schemas.microsoft.com/office/powerpoint/2010/main" xmlns:a16="http://schemas.microsoft.com/office/drawing/2014/main" w="9525">
+                  <a:solidFill>
+                    <a:srgbClr val="000000"/>
+                  </a:solidFill>
+                  <a:round/>
+                  <a:headEnd/>
+                  <a:tailEnd/>
+                </a14:hiddenLine>
+              </a:ext>
+            </a:extLst>
+          </p:spPr>
+        </p:sp>
+        <p:sp>
+          <p:nvSpPr>
+            <p:cNvPr id="45" name="Freeform 35">
+              <a:extLst>
+                <a:ext uri="{FF2B5EF4-FFF2-40B4-BE49-F238E27FC236}">
+                  <a16:creationId xmlns:a16="http://schemas.microsoft.com/office/drawing/2014/main" id="{A0B09C51-29AB-45C0-B707-CCFB9DF280B1}"/>
+                </a:ext>
+                <a:ext uri="{C183D7F6-B498-43B3-948B-1728B52AA6E4}">
+                  <adec:decorative xmlns:adec="http://schemas.microsoft.com/office/drawing/2017/decorative" val="1"/>
+                </a:ext>
+              </a:extLst>
+            </p:cNvPr>
+            <p:cNvSpPr/>
+            <p:nvPr>
+              <p:extLst>
+                <p:ext uri="{386F3935-93C4-4BCD-93E2-E3B085C9AB24}">
+                  <p16:designElem xmlns:p16="http://schemas.microsoft.com/office/powerpoint/2015/main" val="1"/>
+                </p:ext>
+              </p:extLst>
+            </p:nvPr>
+          </p:nvSpPr>
+          <p:spPr bwMode="auto">
+            <a:xfrm>
+              <a:off x="11531600" y="5694363"/>
+              <a:ext cx="298450" cy="1154113"/>
+            </a:xfrm>
+            <a:custGeom>
+              <a:avLst/>
+              <a:gdLst/>
+              <a:ahLst/>
+              <a:cxnLst/>
+              <a:rect l="0" t="0" r="r" b="b"/>
+              <a:pathLst>
+                <a:path w="188" h="727">
+                  <a:moveTo>
+                    <a:pt x="15" y="727"/>
+                  </a:moveTo>
+                  <a:lnTo>
+                    <a:pt x="0" y="727"/>
+                  </a:lnTo>
+                  <a:lnTo>
+                    <a:pt x="0" y="407"/>
+                  </a:lnTo>
+                  <a:lnTo>
+                    <a:pt x="0" y="407"/>
+                  </a:lnTo>
+                  <a:lnTo>
+                    <a:pt x="176" y="0"/>
+                  </a:lnTo>
+                  <a:lnTo>
+                    <a:pt x="188" y="6"/>
+                  </a:lnTo>
+                  <a:lnTo>
+                    <a:pt x="15" y="410"/>
+                  </a:lnTo>
+                  <a:lnTo>
+                    <a:pt x="15" y="727"/>
+                  </a:lnTo>
+                  <a:close/>
+                </a:path>
+              </a:pathLst>
+            </a:custGeom>
+            <a:grpFill/>
+            <a:ln>
+              <a:noFill/>
+            </a:ln>
+            <a:extLst>
+              <a:ext uri="{91240B29-F687-4f45-9708-019B960494DF}">
+                <a14:hiddenLine xmlns="" xmlns:a14="http://schemas.microsoft.com/office/drawing/2010/main" xmlns:p14="http://schemas.microsoft.com/office/powerpoint/2010/main" xmlns:a16="http://schemas.microsoft.com/office/drawing/2014/main" w="9525">
+                  <a:solidFill>
+                    <a:srgbClr val="000000"/>
+                  </a:solidFill>
+                  <a:round/>
+                  <a:headEnd/>
+                  <a:tailEnd/>
+                </a14:hiddenLine>
+              </a:ext>
+            </a:extLst>
+          </p:spPr>
+        </p:sp>
+        <p:sp>
+          <p:nvSpPr>
+            <p:cNvPr id="46" name="Freeform 36">
+              <a:extLst>
+                <a:ext uri="{FF2B5EF4-FFF2-40B4-BE49-F238E27FC236}">
+                  <a16:creationId xmlns:a16="http://schemas.microsoft.com/office/drawing/2014/main" id="{510C0CED-AE1B-45AE-B5E1-57521E589D27}"/>
+                </a:ext>
+                <a:ext uri="{C183D7F6-B498-43B3-948B-1728B52AA6E4}">
+                  <adec:decorative xmlns:adec="http://schemas.microsoft.com/office/drawing/2017/decorative" val="1"/>
+                </a:ext>
+              </a:extLst>
+            </p:cNvPr>
+            <p:cNvSpPr>
+              <a:spLocks noEditPoints="1"/>
+            </p:cNvSpPr>
+            <p:nvPr>
+              <p:extLst>
+                <p:ext uri="{386F3935-93C4-4BCD-93E2-E3B085C9AB24}">
+                  <p16:designElem xmlns:p16="http://schemas.microsoft.com/office/powerpoint/2015/main" val="1"/>
+                </p:ext>
+              </p:extLst>
+            </p:nvPr>
+          </p:nvSpPr>
+          <p:spPr bwMode="auto">
+            <a:xfrm>
+              <a:off x="11772900" y="5551488"/>
+              <a:ext cx="157163" cy="155575"/>
+            </a:xfrm>
+            <a:custGeom>
+              <a:avLst/>
+              <a:gdLst/>
+              <a:ahLst/>
+              <a:cxnLst/>
+              <a:rect l="0" t="0" r="r" b="b"/>
+              <a:pathLst>
+                <a:path w="33" h="33">
+                  <a:moveTo>
+                    <a:pt x="17" y="33"/>
+                  </a:moveTo>
+                  <a:cubicBezTo>
+                    <a:pt x="8" y="33"/>
+                    <a:pt x="0" y="25"/>
+                    <a:pt x="0" y="16"/>
+                  </a:cubicBezTo>
+                  <a:cubicBezTo>
+                    <a:pt x="0" y="7"/>
+                    <a:pt x="8" y="0"/>
+                    <a:pt x="17" y="0"/>
+                  </a:cubicBezTo>
+                  <a:cubicBezTo>
+                    <a:pt x="26" y="0"/>
+                    <a:pt x="33" y="7"/>
+                    <a:pt x="33" y="16"/>
+                  </a:cubicBezTo>
+                  <a:cubicBezTo>
+                    <a:pt x="33" y="25"/>
+                    <a:pt x="26" y="33"/>
+                    <a:pt x="17" y="33"/>
+                  </a:cubicBezTo>
+                  <a:close/>
+                  <a:moveTo>
+                    <a:pt x="17" y="4"/>
+                  </a:moveTo>
+                  <a:cubicBezTo>
+                    <a:pt x="10" y="4"/>
+                    <a:pt x="4" y="9"/>
+                    <a:pt x="4" y="16"/>
+                  </a:cubicBezTo>
+                  <a:cubicBezTo>
+                    <a:pt x="4" y="23"/>
+                    <a:pt x="10" y="29"/>
+                    <a:pt x="17" y="29"/>
+                  </a:cubicBezTo>
+                  <a:cubicBezTo>
+                    <a:pt x="23" y="29"/>
+                    <a:pt x="29" y="23"/>
+                    <a:pt x="29" y="16"/>
+                  </a:cubicBezTo>
+                  <a:cubicBezTo>
+                    <a:pt x="29" y="9"/>
+                    <a:pt x="23" y="4"/>
+                    <a:pt x="17" y="4"/>
+                  </a:cubicBezTo>
+                  <a:close/>
+                </a:path>
+              </a:pathLst>
+            </a:custGeom>
+            <a:grpFill/>
+            <a:ln>
+              <a:noFill/>
+            </a:ln>
+            <a:extLst>
+              <a:ext uri="{91240B29-F687-4f45-9708-019B960494DF}">
+                <a14:hiddenLine xmlns="" xmlns:a14="http://schemas.microsoft.com/office/drawing/2010/main" xmlns:p14="http://schemas.microsoft.com/office/powerpoint/2010/main" xmlns:a16="http://schemas.microsoft.com/office/drawing/2014/main" w="9525">
+                  <a:solidFill>
+                    <a:srgbClr val="000000"/>
+                  </a:solidFill>
+                  <a:round/>
+                  <a:headEnd/>
+                  <a:tailEnd/>
+                </a14:hiddenLine>
+              </a:ext>
+            </a:extLst>
+          </p:spPr>
+        </p:sp>
+        <p:sp>
+          <p:nvSpPr>
+            <p:cNvPr id="47" name="Freeform 37">
+              <a:extLst>
+                <a:ext uri="{FF2B5EF4-FFF2-40B4-BE49-F238E27FC236}">
+                  <a16:creationId xmlns:a16="http://schemas.microsoft.com/office/drawing/2014/main" id="{591F2327-4B45-41AA-B41C-7404B6A1E4F2}"/>
+                </a:ext>
+                <a:ext uri="{C183D7F6-B498-43B3-948B-1728B52AA6E4}">
+                  <adec:decorative xmlns:adec="http://schemas.microsoft.com/office/drawing/2017/decorative" val="1"/>
+                </a:ext>
+              </a:extLst>
+            </p:cNvPr>
+            <p:cNvSpPr/>
+            <p:nvPr>
+              <p:extLst>
+                <p:ext uri="{386F3935-93C4-4BCD-93E2-E3B085C9AB24}">
+                  <p16:designElem xmlns:p16="http://schemas.microsoft.com/office/powerpoint/2015/main" val="1"/>
+                </p:ext>
+              </p:extLst>
+            </p:nvPr>
+          </p:nvSpPr>
+          <p:spPr bwMode="auto">
+            <a:xfrm>
+              <a:off x="11710987" y="4763"/>
+              <a:ext cx="304800" cy="1544638"/>
+            </a:xfrm>
+            <a:custGeom>
+              <a:avLst/>
+              <a:gdLst/>
+              <a:ahLst/>
+              <a:cxnLst/>
+              <a:rect l="0" t="0" r="r" b="b"/>
+              <a:pathLst>
+                <a:path w="192" h="973">
+                  <a:moveTo>
+                    <a:pt x="15" y="973"/>
+                  </a:moveTo>
+                  <a:lnTo>
+                    <a:pt x="0" y="973"/>
+                  </a:lnTo>
+                  <a:lnTo>
+                    <a:pt x="0" y="790"/>
+                  </a:lnTo>
+                  <a:lnTo>
+                    <a:pt x="174" y="614"/>
+                  </a:lnTo>
+                  <a:lnTo>
+                    <a:pt x="174" y="0"/>
+                  </a:lnTo>
+                  <a:lnTo>
+                    <a:pt x="192" y="0"/>
+                  </a:lnTo>
+                  <a:lnTo>
+                    <a:pt x="192" y="620"/>
+                  </a:lnTo>
+                  <a:lnTo>
+                    <a:pt x="15" y="796"/>
+                  </a:lnTo>
+                  <a:lnTo>
+                    <a:pt x="15" y="973"/>
+                  </a:lnTo>
+                  <a:close/>
+                </a:path>
+              </a:pathLst>
+            </a:custGeom>
+            <a:grpFill/>
+            <a:ln>
+              <a:noFill/>
+            </a:ln>
+            <a:extLst>
+              <a:ext uri="{91240B29-F687-4f45-9708-019B960494DF}">
+                <a14:hiddenLine xmlns="" xmlns:a14="http://schemas.microsoft.com/office/drawing/2010/main" xmlns:p14="http://schemas.microsoft.com/office/powerpoint/2010/main" xmlns:a16="http://schemas.microsoft.com/office/drawing/2014/main" w="9525">
+                  <a:solidFill>
+                    <a:srgbClr val="000000"/>
+                  </a:solidFill>
+                  <a:round/>
+                  <a:headEnd/>
+                  <a:tailEnd/>
+                </a14:hiddenLine>
+              </a:ext>
+            </a:extLst>
+          </p:spPr>
+        </p:sp>
+        <p:sp>
+          <p:nvSpPr>
+            <p:cNvPr id="48" name="Freeform 38">
+              <a:extLst>
+                <a:ext uri="{FF2B5EF4-FFF2-40B4-BE49-F238E27FC236}">
+                  <a16:creationId xmlns:a16="http://schemas.microsoft.com/office/drawing/2014/main" id="{5A63224C-41A0-42C0-96F6-0B2BE99A1353}"/>
+                </a:ext>
+                <a:ext uri="{C183D7F6-B498-43B3-948B-1728B52AA6E4}">
+                  <adec:decorative xmlns:adec="http://schemas.microsoft.com/office/drawing/2017/decorative" val="1"/>
+                </a:ext>
+              </a:extLst>
+            </p:cNvPr>
+            <p:cNvSpPr>
+              <a:spLocks noEditPoints="1"/>
+            </p:cNvSpPr>
+            <p:nvPr>
+              <p:extLst>
+                <p:ext uri="{386F3935-93C4-4BCD-93E2-E3B085C9AB24}">
+                  <p16:designElem xmlns:p16="http://schemas.microsoft.com/office/powerpoint/2015/main" val="1"/>
+                </p:ext>
+              </p:extLst>
+            </p:nvPr>
+          </p:nvSpPr>
+          <p:spPr bwMode="auto">
+            <a:xfrm>
+              <a:off x="11636375" y="4867275"/>
+              <a:ext cx="188913" cy="188913"/>
+            </a:xfrm>
+            <a:custGeom>
+              <a:avLst/>
+              <a:gdLst/>
+              <a:ahLst/>
+              <a:cxnLst/>
+              <a:rect l="0" t="0" r="r" b="b"/>
+              <a:pathLst>
+                <a:path w="40" h="40">
+                  <a:moveTo>
+                    <a:pt x="20" y="40"/>
+                  </a:moveTo>
+                  <a:cubicBezTo>
+                    <a:pt x="9" y="40"/>
+                    <a:pt x="0" y="31"/>
+                    <a:pt x="0" y="20"/>
+                  </a:cubicBezTo>
+                  <a:cubicBezTo>
+                    <a:pt x="0" y="9"/>
+                    <a:pt x="9" y="0"/>
+                    <a:pt x="20" y="0"/>
+                  </a:cubicBezTo>
+                  <a:cubicBezTo>
+                    <a:pt x="31" y="0"/>
+                    <a:pt x="40" y="9"/>
+                    <a:pt x="40" y="20"/>
+                  </a:cubicBezTo>
+                  <a:cubicBezTo>
+                    <a:pt x="40" y="31"/>
+                    <a:pt x="31" y="40"/>
+                    <a:pt x="20" y="40"/>
+                  </a:cubicBezTo>
+                  <a:close/>
+                  <a:moveTo>
+                    <a:pt x="20" y="4"/>
+                  </a:moveTo>
+                  <a:cubicBezTo>
+                    <a:pt x="11" y="4"/>
+                    <a:pt x="4" y="11"/>
+                    <a:pt x="4" y="20"/>
+                  </a:cubicBezTo>
+                  <a:cubicBezTo>
+                    <a:pt x="4" y="29"/>
+                    <a:pt x="11" y="36"/>
+                    <a:pt x="20" y="36"/>
+                  </a:cubicBezTo>
+                  <a:cubicBezTo>
+                    <a:pt x="29" y="36"/>
+                    <a:pt x="36" y="29"/>
+                    <a:pt x="36" y="20"/>
+                  </a:cubicBezTo>
+                  <a:cubicBezTo>
+                    <a:pt x="36" y="11"/>
+                    <a:pt x="29" y="4"/>
+                    <a:pt x="20" y="4"/>
+                  </a:cubicBezTo>
+                  <a:close/>
+                </a:path>
+              </a:pathLst>
+            </a:custGeom>
+            <a:grpFill/>
+            <a:ln>
+              <a:noFill/>
+            </a:ln>
+            <a:extLst>
+              <a:ext uri="{91240B29-F687-4f45-9708-019B960494DF}">
+                <a14:hiddenLine xmlns="" xmlns:a14="http://schemas.microsoft.com/office/drawing/2010/main" xmlns:p14="http://schemas.microsoft.com/office/powerpoint/2010/main" xmlns:a16="http://schemas.microsoft.com/office/drawing/2014/main" w="9525">
+                  <a:solidFill>
+                    <a:srgbClr val="000000"/>
+                  </a:solidFill>
+                  <a:round/>
+                  <a:headEnd/>
+                  <a:tailEnd/>
+                </a14:hiddenLine>
+              </a:ext>
+            </a:extLst>
+          </p:spPr>
+        </p:sp>
+        <p:sp>
+          <p:nvSpPr>
+            <p:cNvPr id="49" name="Freeform 39">
+              <a:extLst>
+                <a:ext uri="{FF2B5EF4-FFF2-40B4-BE49-F238E27FC236}">
+                  <a16:creationId xmlns:a16="http://schemas.microsoft.com/office/drawing/2014/main" id="{A7C00B9F-C253-4776-9935-EC02254A4F2F}"/>
+                </a:ext>
+                <a:ext uri="{C183D7F6-B498-43B3-948B-1728B52AA6E4}">
+                  <adec:decorative xmlns:adec="http://schemas.microsoft.com/office/drawing/2017/decorative" val="1"/>
+                </a:ext>
+              </a:extLst>
+            </p:cNvPr>
+            <p:cNvSpPr/>
+            <p:nvPr>
+              <p:extLst>
+                <p:ext uri="{386F3935-93C4-4BCD-93E2-E3B085C9AB24}">
+                  <p16:designElem xmlns:p16="http://schemas.microsoft.com/office/powerpoint/2015/main" val="1"/>
+                </p:ext>
+              </p:extLst>
+            </p:nvPr>
+          </p:nvSpPr>
+          <p:spPr bwMode="auto">
+            <a:xfrm>
+              <a:off x="11441112" y="5046663"/>
+              <a:ext cx="307975" cy="1801813"/>
+            </a:xfrm>
+            <a:custGeom>
+              <a:avLst/>
+              <a:gdLst/>
+              <a:ahLst/>
+              <a:cxnLst/>
+              <a:rect l="0" t="0" r="r" b="b"/>
+              <a:pathLst>
+                <a:path w="194" h="1135">
+                  <a:moveTo>
+                    <a:pt x="18" y="1135"/>
+                  </a:moveTo>
+                  <a:lnTo>
+                    <a:pt x="0" y="1135"/>
+                  </a:lnTo>
+                  <a:lnTo>
+                    <a:pt x="0" y="354"/>
+                  </a:lnTo>
+                  <a:lnTo>
+                    <a:pt x="176" y="177"/>
+                  </a:lnTo>
+                  <a:lnTo>
+                    <a:pt x="176" y="0"/>
+                  </a:lnTo>
+                  <a:lnTo>
+                    <a:pt x="194" y="0"/>
+                  </a:lnTo>
+                  <a:lnTo>
+                    <a:pt x="194" y="183"/>
+                  </a:lnTo>
+                  <a:lnTo>
+                    <a:pt x="18" y="360"/>
+                  </a:lnTo>
+                  <a:lnTo>
+                    <a:pt x="18" y="1135"/>
+                  </a:lnTo>
+                  <a:close/>
+                </a:path>
+              </a:pathLst>
+            </a:custGeom>
+            <a:grpFill/>
+            <a:ln>
+              <a:noFill/>
+            </a:ln>
+            <a:extLst>
+              <a:ext uri="{91240B29-F687-4f45-9708-019B960494DF}">
+                <a14:hiddenLine xmlns="" xmlns:a14="http://schemas.microsoft.com/office/drawing/2010/main" xmlns:p14="http://schemas.microsoft.com/office/powerpoint/2010/main" xmlns:a16="http://schemas.microsoft.com/office/drawing/2014/main" w="9525">
+                  <a:solidFill>
+                    <a:srgbClr val="000000"/>
+                  </a:solidFill>
+                  <a:round/>
+                  <a:headEnd/>
+                  <a:tailEnd/>
+                </a14:hiddenLine>
+              </a:ext>
+            </a:extLst>
+          </p:spPr>
+        </p:sp>
+        <p:sp>
+          <p:nvSpPr>
+            <p:cNvPr id="50" name="Freeform 40">
+              <a:extLst>
+                <a:ext uri="{FF2B5EF4-FFF2-40B4-BE49-F238E27FC236}">
+                  <a16:creationId xmlns:a16="http://schemas.microsoft.com/office/drawing/2014/main" id="{5062D4AA-13F3-4064-8440-FFE8562D8540}"/>
+                </a:ext>
+                <a:ext uri="{C183D7F6-B498-43B3-948B-1728B52AA6E4}">
+                  <adec:decorative xmlns:adec="http://schemas.microsoft.com/office/drawing/2017/decorative" val="1"/>
+                </a:ext>
+              </a:extLst>
+            </p:cNvPr>
+            <p:cNvSpPr>
+              <a:spLocks noEditPoints="1"/>
+            </p:cNvSpPr>
+            <p:nvPr>
+              <p:extLst>
+                <p:ext uri="{386F3935-93C4-4BCD-93E2-E3B085C9AB24}">
+                  <p16:designElem xmlns:p16="http://schemas.microsoft.com/office/powerpoint/2015/main" val="1"/>
+                </p:ext>
+              </p:extLst>
+            </p:nvPr>
+          </p:nvSpPr>
+          <p:spPr bwMode="auto">
+            <a:xfrm>
+              <a:off x="11849100" y="6416675"/>
+              <a:ext cx="190500" cy="188913"/>
+            </a:xfrm>
+            <a:custGeom>
+              <a:avLst/>
+              <a:gdLst/>
+              <a:ahLst/>
+              <a:cxnLst/>
+              <a:rect l="0" t="0" r="r" b="b"/>
+              <a:pathLst>
+                <a:path w="40" h="40">
+                  <a:moveTo>
+                    <a:pt x="20" y="40"/>
+                  </a:moveTo>
+                  <a:cubicBezTo>
+                    <a:pt x="9" y="40"/>
+                    <a:pt x="0" y="31"/>
+                    <a:pt x="0" y="20"/>
+                  </a:cubicBezTo>
+                  <a:cubicBezTo>
+                    <a:pt x="0" y="9"/>
+                    <a:pt x="9" y="0"/>
+                    <a:pt x="20" y="0"/>
+                  </a:cubicBezTo>
+                  <a:cubicBezTo>
+                    <a:pt x="31" y="0"/>
+                    <a:pt x="40" y="9"/>
+                    <a:pt x="40" y="20"/>
+                  </a:cubicBezTo>
+                  <a:cubicBezTo>
+                    <a:pt x="40" y="31"/>
+                    <a:pt x="31" y="40"/>
+                    <a:pt x="20" y="40"/>
+                  </a:cubicBezTo>
+                  <a:close/>
+                  <a:moveTo>
+                    <a:pt x="20" y="4"/>
+                  </a:moveTo>
+                  <a:cubicBezTo>
+                    <a:pt x="12" y="4"/>
+                    <a:pt x="4" y="11"/>
+                    <a:pt x="4" y="20"/>
+                  </a:cubicBezTo>
+                  <a:cubicBezTo>
+                    <a:pt x="4" y="29"/>
+                    <a:pt x="12" y="36"/>
+                    <a:pt x="20" y="36"/>
+                  </a:cubicBezTo>
+                  <a:cubicBezTo>
+                    <a:pt x="29" y="36"/>
+                    <a:pt x="36" y="29"/>
+                    <a:pt x="36" y="20"/>
+                  </a:cubicBezTo>
+                  <a:cubicBezTo>
+                    <a:pt x="36" y="11"/>
+                    <a:pt x="29" y="4"/>
+                    <a:pt x="20" y="4"/>
+                  </a:cubicBezTo>
+                  <a:close/>
+                </a:path>
+              </a:pathLst>
+            </a:custGeom>
+            <a:grpFill/>
+            <a:ln>
+              <a:noFill/>
+            </a:ln>
+            <a:extLst>
+              <a:ext uri="{91240B29-F687-4f45-9708-019B960494DF}">
+                <a14:hiddenLine xmlns="" xmlns:a14="http://schemas.microsoft.com/office/drawing/2010/main" xmlns:p14="http://schemas.microsoft.com/office/powerpoint/2010/main" xmlns:a16="http://schemas.microsoft.com/office/drawing/2014/main" w="9525">
+                  <a:solidFill>
+                    <a:srgbClr val="000000"/>
+                  </a:solidFill>
+                  <a:round/>
+                  <a:headEnd/>
+                  <a:tailEnd/>
+                </a14:hiddenLine>
+              </a:ext>
+            </a:extLst>
+          </p:spPr>
+        </p:sp>
+        <p:sp>
+          <p:nvSpPr>
+            <p:cNvPr id="51" name="Rectangle 41">
+              <a:extLst>
+                <a:ext uri="{FF2B5EF4-FFF2-40B4-BE49-F238E27FC236}">
+                  <a16:creationId xmlns:a16="http://schemas.microsoft.com/office/drawing/2014/main" id="{3E143B27-CB82-440B-879B-D25C1891C191}"/>
+                </a:ext>
+                <a:ext uri="{C183D7F6-B498-43B3-948B-1728B52AA6E4}">
+                  <adec:decorative xmlns:adec="http://schemas.microsoft.com/office/drawing/2017/decorative" val="1"/>
+                </a:ext>
+              </a:extLst>
+            </p:cNvPr>
+            <p:cNvSpPr>
+              <a:spLocks noChangeArrowheads="1"/>
+            </p:cNvSpPr>
+            <p:nvPr>
+              <p:extLst>
+                <p:ext uri="{386F3935-93C4-4BCD-93E2-E3B085C9AB24}">
+                  <p16:designElem xmlns:p16="http://schemas.microsoft.com/office/powerpoint/2015/main" val="1"/>
+                </p:ext>
+              </p:extLst>
+            </p:nvPr>
+          </p:nvSpPr>
+          <p:spPr bwMode="auto">
+            <a:xfrm>
+              <a:off x="11939587" y="6596063"/>
+              <a:ext cx="23813" cy="252413"/>
+            </a:xfrm>
+            <a:prstGeom prst="rect">
+              <a:avLst/>
+            </a:prstGeom>
+            <a:grpFill/>
+            <a:ln>
+              <a:noFill/>
+            </a:ln>
+            <a:extLst>
+              <a:ext uri="{91240B29-F687-4f45-9708-019B960494DF}">
+                <a14:hiddenLine xmlns="" xmlns:a14="http://schemas.microsoft.com/office/drawing/2010/main" xmlns:p14="http://schemas.microsoft.com/office/powerpoint/2010/main" xmlns:a16="http://schemas.microsoft.com/office/drawing/2014/main" w="9525">
+                  <a:solidFill>
+                    <a:srgbClr val="000000"/>
+                  </a:solidFill>
+                  <a:miter lim="800000"/>
+                  <a:headEnd/>
+                  <a:tailEnd/>
+                </a14:hiddenLine>
+              </a:ext>
+            </a:extLst>
+          </p:spPr>
+        </p:sp>
+      </p:grpSp>
+    </p:spTree>
+    <p:extLst>
+      <p:ext uri="{BB962C8B-B14F-4D97-AF65-F5344CB8AC3E}">
+        <p14:creationId xmlns:p14="http://schemas.microsoft.com/office/powerpoint/2010/main" val="4105462127"/>
+      </p:ext>
+    </p:extLst>
+  </p:cSld>
+  <p:clrMapOvr>
+    <a:masterClrMapping/>
+  </p:clrMapOvr>
+</p:sld>
+</file>
+
+<file path=ppt/slides/slide9.xml><?xml version="1.0" encoding="utf-8"?>
+<p:sld xmlns:a="http://schemas.openxmlformats.org/drawingml/2006/main" xmlns:r="http://schemas.openxmlformats.org/officeDocument/2006/relationships" xmlns:p="http://schemas.openxmlformats.org/presentationml/2006/main">
+  <p:cSld>
+    <p:spTree>
+      <p:nvGrpSpPr>
+        <p:cNvPr id="1" name=""/>
+        <p:cNvGrpSpPr/>
+        <p:nvPr/>
+      </p:nvGrpSpPr>
+      <p:grpSpPr>
+        <a:xfrm>
+          <a:off x="0" y="0"/>
+          <a:ext cx="0" cy="0"/>
+          <a:chOff x="0" y="0"/>
+          <a:chExt cx="0" cy="0"/>
+        </a:xfrm>
+      </p:grpSpPr>
+      <p:sp>
+        <p:nvSpPr>
+          <p:cNvPr id="2" name="Title 1">
+            <a:extLst>
+              <a:ext uri="{FF2B5EF4-FFF2-40B4-BE49-F238E27FC236}">
+                <a16:creationId xmlns:a16="http://schemas.microsoft.com/office/drawing/2014/main" id="{D9B5B0A9-F36B-49A4-9626-9394F16FC8ED}"/>
+              </a:ext>
+            </a:extLst>
+          </p:cNvPr>
+          <p:cNvSpPr>
+            <a:spLocks noGrp="1"/>
+          </p:cNvSpPr>
+          <p:nvPr>
+            <p:ph type="title"/>
+          </p:nvPr>
+        </p:nvSpPr>
+        <p:spPr>
+          <a:xfrm>
+            <a:off x="818140" y="0"/>
+            <a:ext cx="11078296" cy="1478570"/>
+          </a:xfrm>
+        </p:spPr>
+        <p:txBody>
+          <a:bodyPr>
+            <a:normAutofit/>
+          </a:bodyPr>
+          <a:lstStyle/>
+          <a:p>
+            <a:r>
+              <a:rPr lang="en-US" dirty="0"/>
+              <a:t>Relationship between abv and </a:t>
+            </a:r>
+            <a:r>
+              <a:rPr lang="en-US" dirty="0" err="1"/>
+              <a:t>ibu</a:t>
+            </a:r>
+            <a:endParaRPr lang="en-US" dirty="0"/>
+          </a:p>
+        </p:txBody>
+      </p:sp>
+      <p:pic>
+        <p:nvPicPr>
+          <p:cNvPr id="5" name="Content Placeholder 4">
+            <a:extLst>
+              <a:ext uri="{FF2B5EF4-FFF2-40B4-BE49-F238E27FC236}">
+                <a16:creationId xmlns:a16="http://schemas.microsoft.com/office/drawing/2014/main" id="{DBDD860C-B768-4447-A4B6-CD89A37802E8}"/>
+              </a:ext>
+            </a:extLst>
+          </p:cNvPr>
+          <p:cNvPicPr>
+            <a:picLocks noGrp="1" noChangeAspect="1"/>
+          </p:cNvPicPr>
+          <p:nvPr>
+            <p:ph idx="1"/>
+          </p:nvPr>
+        </p:nvPicPr>
+        <p:blipFill>
+          <a:blip r:embed="rId2"/>
+          <a:stretch>
+            <a:fillRect/>
+          </a:stretch>
+        </p:blipFill>
+        <p:spPr>
+          <a:xfrm>
+            <a:off x="1754910" y="1385888"/>
+            <a:ext cx="8275781" cy="5152081"/>
+          </a:xfrm>
+          <a:prstGeom prst="rect">
+            <a:avLst/>
+          </a:prstGeom>
+          <a:solidFill>
+            <a:srgbClr val="FFFFFF">
+              <a:shade val="85000"/>
+            </a:srgbClr>
+          </a:solidFill>
+          <a:ln w="88900" cap="sq">
+            <a:solidFill>
+              <a:srgbClr val="FFFFFF"/>
+            </a:solidFill>
+            <a:miter lim="800000"/>
+          </a:ln>
+          <a:effectLst>
+            <a:outerShdw blurRad="55000" dist="18000" dir="5400000" algn="tl" rotWithShape="0">
+              <a:srgbClr val="000000">
+                <a:alpha val="40000"/>
+              </a:srgbClr>
+            </a:outerShdw>
+          </a:effectLst>
+          <a:scene3d>
+            <a:camera prst="orthographicFront"/>
+            <a:lightRig rig="twoPt" dir="t">
+              <a:rot lat="0" lon="0" rev="7200000"/>
+            </a:lightRig>
+          </a:scene3d>
+          <a:sp3d>
+            <a:bevelT w="25400" h="19050"/>
+            <a:contourClr>
+              <a:srgbClr val="FFFFFF"/>
+            </a:contourClr>
+          </a:sp3d>
+        </p:spPr>
+      </p:pic>
+      <p:cxnSp>
+        <p:nvCxnSpPr>
+          <p:cNvPr id="4" name="Straight Connector 3"/>
+          <p:cNvCxnSpPr/>
+          <p:nvPr/>
+        </p:nvCxnSpPr>
+        <p:spPr>
+          <a:xfrm flipV="1">
+            <a:off x="1030574" y="1062183"/>
+            <a:ext cx="10099244" cy="64656"/>
+          </a:xfrm>
+          <a:prstGeom prst="line">
+            <a:avLst/>
+          </a:prstGeom>
+          <a:ln w="28575">
+            <a:solidFill>
+              <a:schemeClr val="tx1"/>
+            </a:solidFill>
+          </a:ln>
+        </p:spPr>
+        <p:style>
+          <a:lnRef idx="1">
+            <a:schemeClr val="accent1"/>
+          </a:lnRef>
+          <a:fillRef idx="0">
+            <a:schemeClr val="accent1"/>
+          </a:fillRef>
+          <a:effectRef idx="0">
+            <a:schemeClr val="accent1"/>
+          </a:effectRef>
+          <a:fontRef idx="minor">
+            <a:schemeClr val="tx1"/>
+          </a:fontRef>
+        </p:style>
+      </p:cxnSp>
+    </p:spTree>
+    <p:extLst>
+      <p:ext uri="{BB962C8B-B14F-4D97-AF65-F5344CB8AC3E}">
+        <p14:creationId xmlns:p14="http://schemas.microsoft.com/office/powerpoint/2010/main" val="1743056594"/>
       </p:ext>
     </p:extLst>
   </p:cSld>

--- a/CaseStudy1 Presentation.pptx
+++ b/CaseStudy1 Presentation.pptx
@@ -211,7 +211,7 @@
           <a:noFill/>
           <a:extLst>
             <a:ext uri="{909E8E84-426E-40dd-AFC4-6F175D3DCCD1}">
-              <a14:hiddenFill xmlns:a14="http://schemas.microsoft.com/office/drawing/2010/main" xmlns="">
+              <a14:hiddenFill xmlns="" xmlns:a14="http://schemas.microsoft.com/office/drawing/2010/main">
                 <a:solidFill>
                   <a:srgbClr val="FFFFFF"/>
                 </a:solidFill>
@@ -270,7 +270,7 @@
             </a:ln>
             <a:extLst>
               <a:ext uri="{91240B29-F687-4f45-9708-019B960494DF}">
-                <a14:hiddenLine xmlns:a14="http://schemas.microsoft.com/office/drawing/2010/main" xmlns="" w="9525">
+                <a14:hiddenLine xmlns="" xmlns:a14="http://schemas.microsoft.com/office/drawing/2010/main" w="9525">
                   <a:solidFill>
                     <a:srgbClr val="000000"/>
                   </a:solidFill>
@@ -360,7 +360,7 @@
             </a:ln>
             <a:extLst>
               <a:ext uri="{91240B29-F687-4f45-9708-019B960494DF}">
-                <a14:hiddenLine xmlns:a14="http://schemas.microsoft.com/office/drawing/2010/main" xmlns="" w="9525">
+                <a14:hiddenLine xmlns="" xmlns:a14="http://schemas.microsoft.com/office/drawing/2010/main" w="9525">
                   <a:solidFill>
                     <a:srgbClr val="000000"/>
                   </a:solidFill>
@@ -450,7 +450,7 @@
             </a:ln>
             <a:extLst>
               <a:ext uri="{91240B29-F687-4f45-9708-019B960494DF}">
-                <a14:hiddenLine xmlns:a14="http://schemas.microsoft.com/office/drawing/2010/main" xmlns="" w="9525">
+                <a14:hiddenLine xmlns="" xmlns:a14="http://schemas.microsoft.com/office/drawing/2010/main" w="9525">
                   <a:solidFill>
                     <a:srgbClr val="000000"/>
                   </a:solidFill>
@@ -484,7 +484,7 @@
             </a:ln>
             <a:extLst>
               <a:ext uri="{91240B29-F687-4f45-9708-019B960494DF}">
-                <a14:hiddenLine xmlns:a14="http://schemas.microsoft.com/office/drawing/2010/main" xmlns="" w="9525">
+                <a14:hiddenLine xmlns="" xmlns:a14="http://schemas.microsoft.com/office/drawing/2010/main" w="9525">
                   <a:solidFill>
                     <a:srgbClr val="000000"/>
                   </a:solidFill>
@@ -574,7 +574,7 @@
             </a:ln>
             <a:extLst>
               <a:ext uri="{91240B29-F687-4f45-9708-019B960494DF}">
-                <a14:hiddenLine xmlns:a14="http://schemas.microsoft.com/office/drawing/2010/main" xmlns="" w="9525">
+                <a14:hiddenLine xmlns="" xmlns:a14="http://schemas.microsoft.com/office/drawing/2010/main" w="9525">
                   <a:solidFill>
                     <a:srgbClr val="000000"/>
                   </a:solidFill>
@@ -636,7 +636,7 @@
             </a:ln>
             <a:extLst>
               <a:ext uri="{91240B29-F687-4f45-9708-019B960494DF}">
-                <a14:hiddenLine xmlns:a14="http://schemas.microsoft.com/office/drawing/2010/main" xmlns="" w="9525">
+                <a14:hiddenLine xmlns="" xmlns:a14="http://schemas.microsoft.com/office/drawing/2010/main" w="9525">
                   <a:solidFill>
                     <a:srgbClr val="000000"/>
                   </a:solidFill>
@@ -698,7 +698,7 @@
             </a:ln>
             <a:extLst>
               <a:ext uri="{91240B29-F687-4f45-9708-019B960494DF}">
-                <a14:hiddenLine xmlns:a14="http://schemas.microsoft.com/office/drawing/2010/main" xmlns="" w="9525">
+                <a14:hiddenLine xmlns="" xmlns:a14="http://schemas.microsoft.com/office/drawing/2010/main" w="9525">
                   <a:solidFill>
                     <a:srgbClr val="000000"/>
                   </a:solidFill>
@@ -788,7 +788,7 @@
             </a:ln>
             <a:extLst>
               <a:ext uri="{91240B29-F687-4f45-9708-019B960494DF}">
-                <a14:hiddenLine xmlns:a14="http://schemas.microsoft.com/office/drawing/2010/main" xmlns="" w="9525">
+                <a14:hiddenLine xmlns="" xmlns:a14="http://schemas.microsoft.com/office/drawing/2010/main" w="9525">
                   <a:solidFill>
                     <a:srgbClr val="000000"/>
                   </a:solidFill>
@@ -850,7 +850,7 @@
             </a:ln>
             <a:extLst>
               <a:ext uri="{91240B29-F687-4f45-9708-019B960494DF}">
-                <a14:hiddenLine xmlns:a14="http://schemas.microsoft.com/office/drawing/2010/main" xmlns="" w="9525">
+                <a14:hiddenLine xmlns="" xmlns:a14="http://schemas.microsoft.com/office/drawing/2010/main" w="9525">
                   <a:solidFill>
                     <a:srgbClr val="000000"/>
                   </a:solidFill>
@@ -912,7 +912,7 @@
             </a:ln>
             <a:extLst>
               <a:ext uri="{91240B29-F687-4f45-9708-019B960494DF}">
-                <a14:hiddenLine xmlns:a14="http://schemas.microsoft.com/office/drawing/2010/main" xmlns="" w="9525">
+                <a14:hiddenLine xmlns="" xmlns:a14="http://schemas.microsoft.com/office/drawing/2010/main" w="9525">
                   <a:solidFill>
                     <a:srgbClr val="000000"/>
                   </a:solidFill>
@@ -1002,7 +1002,7 @@
             </a:ln>
             <a:extLst>
               <a:ext uri="{91240B29-F687-4f45-9708-019B960494DF}">
-                <a14:hiddenLine xmlns:a14="http://schemas.microsoft.com/office/drawing/2010/main" xmlns="" w="9525">
+                <a14:hiddenLine xmlns="" xmlns:a14="http://schemas.microsoft.com/office/drawing/2010/main" w="9525">
                   <a:solidFill>
                     <a:srgbClr val="000000"/>
                   </a:solidFill>
@@ -1092,7 +1092,7 @@
             </a:ln>
             <a:extLst>
               <a:ext uri="{91240B29-F687-4f45-9708-019B960494DF}">
-                <a14:hiddenLine xmlns:a14="http://schemas.microsoft.com/office/drawing/2010/main" xmlns="" w="9525">
+                <a14:hiddenLine xmlns="" xmlns:a14="http://schemas.microsoft.com/office/drawing/2010/main" w="9525">
                   <a:solidFill>
                     <a:srgbClr val="000000"/>
                   </a:solidFill>
@@ -1154,7 +1154,7 @@
             </a:ln>
             <a:extLst>
               <a:ext uri="{91240B29-F687-4f45-9708-019B960494DF}">
-                <a14:hiddenLine xmlns:a14="http://schemas.microsoft.com/office/drawing/2010/main" xmlns="" w="9525">
+                <a14:hiddenLine xmlns="" xmlns:a14="http://schemas.microsoft.com/office/drawing/2010/main" w="9525">
                   <a:solidFill>
                     <a:srgbClr val="000000"/>
                   </a:solidFill>
@@ -1264,7 +1264,7 @@
             </a:ln>
             <a:extLst>
               <a:ext uri="{91240B29-F687-4f45-9708-019B960494DF}">
-                <a14:hiddenLine xmlns:a14="http://schemas.microsoft.com/office/drawing/2010/main" xmlns="" w="9525">
+                <a14:hiddenLine xmlns="" xmlns:a14="http://schemas.microsoft.com/office/drawing/2010/main" w="9525">
                   <a:solidFill>
                     <a:srgbClr val="000000"/>
                   </a:solidFill>
@@ -1326,7 +1326,7 @@
             </a:ln>
             <a:extLst>
               <a:ext uri="{91240B29-F687-4f45-9708-019B960494DF}">
-                <a14:hiddenLine xmlns:a14="http://schemas.microsoft.com/office/drawing/2010/main" xmlns="" w="9525">
+                <a14:hiddenLine xmlns="" xmlns:a14="http://schemas.microsoft.com/office/drawing/2010/main" w="9525">
                   <a:solidFill>
                     <a:srgbClr val="000000"/>
                   </a:solidFill>
@@ -1416,7 +1416,7 @@
             </a:ln>
             <a:extLst>
               <a:ext uri="{91240B29-F687-4f45-9708-019B960494DF}">
-                <a14:hiddenLine xmlns:a14="http://schemas.microsoft.com/office/drawing/2010/main" xmlns="" w="9525">
+                <a14:hiddenLine xmlns="" xmlns:a14="http://schemas.microsoft.com/office/drawing/2010/main" w="9525">
                   <a:solidFill>
                     <a:srgbClr val="000000"/>
                   </a:solidFill>
@@ -1506,7 +1506,7 @@
             </a:ln>
             <a:extLst>
               <a:ext uri="{91240B29-F687-4f45-9708-019B960494DF}">
-                <a14:hiddenLine xmlns:a14="http://schemas.microsoft.com/office/drawing/2010/main" xmlns="" w="9525">
+                <a14:hiddenLine xmlns="" xmlns:a14="http://schemas.microsoft.com/office/drawing/2010/main" w="9525">
                   <a:solidFill>
                     <a:srgbClr val="000000"/>
                   </a:solidFill>
@@ -1568,7 +1568,7 @@
             </a:ln>
             <a:extLst>
               <a:ext uri="{91240B29-F687-4f45-9708-019B960494DF}">
-                <a14:hiddenLine xmlns:a14="http://schemas.microsoft.com/office/drawing/2010/main" xmlns="" w="9525">
+                <a14:hiddenLine xmlns="" xmlns:a14="http://schemas.microsoft.com/office/drawing/2010/main" w="9525">
                   <a:solidFill>
                     <a:srgbClr val="000000"/>
                   </a:solidFill>
@@ -1658,7 +1658,7 @@
             </a:ln>
             <a:extLst>
               <a:ext uri="{91240B29-F687-4f45-9708-019B960494DF}">
-                <a14:hiddenLine xmlns:a14="http://schemas.microsoft.com/office/drawing/2010/main" xmlns="" w="9525">
+                <a14:hiddenLine xmlns="" xmlns:a14="http://schemas.microsoft.com/office/drawing/2010/main" w="9525">
                   <a:solidFill>
                     <a:srgbClr val="000000"/>
                   </a:solidFill>
@@ -1748,7 +1748,7 @@
             </a:ln>
             <a:extLst>
               <a:ext uri="{91240B29-F687-4f45-9708-019B960494DF}">
-                <a14:hiddenLine xmlns:a14="http://schemas.microsoft.com/office/drawing/2010/main" xmlns="" w="9525">
+                <a14:hiddenLine xmlns="" xmlns:a14="http://schemas.microsoft.com/office/drawing/2010/main" w="9525">
                   <a:solidFill>
                     <a:srgbClr val="000000"/>
                   </a:solidFill>
@@ -1804,7 +1804,7 @@
             </a:ln>
             <a:extLst>
               <a:ext uri="{91240B29-F687-4f45-9708-019B960494DF}">
-                <a14:hiddenLine xmlns:a14="http://schemas.microsoft.com/office/drawing/2010/main" xmlns="" w="9525">
+                <a14:hiddenLine xmlns="" xmlns:a14="http://schemas.microsoft.com/office/drawing/2010/main" w="9525">
                   <a:solidFill>
                     <a:srgbClr val="000000"/>
                   </a:solidFill>
@@ -1894,7 +1894,7 @@
             </a:ln>
             <a:extLst>
               <a:ext uri="{91240B29-F687-4f45-9708-019B960494DF}">
-                <a14:hiddenLine xmlns:a14="http://schemas.microsoft.com/office/drawing/2010/main" xmlns="" w="9525">
+                <a14:hiddenLine xmlns="" xmlns:a14="http://schemas.microsoft.com/office/drawing/2010/main" w="9525">
                   <a:solidFill>
                     <a:srgbClr val="000000"/>
                   </a:solidFill>
@@ -1950,7 +1950,7 @@
             </a:ln>
             <a:extLst>
               <a:ext uri="{91240B29-F687-4f45-9708-019B960494DF}">
-                <a14:hiddenLine xmlns:a14="http://schemas.microsoft.com/office/drawing/2010/main" xmlns="" w="9525">
+                <a14:hiddenLine xmlns="" xmlns:a14="http://schemas.microsoft.com/office/drawing/2010/main" w="9525">
                   <a:solidFill>
                     <a:srgbClr val="000000"/>
                   </a:solidFill>
@@ -2040,7 +2040,7 @@
             </a:ln>
             <a:extLst>
               <a:ext uri="{91240B29-F687-4f45-9708-019B960494DF}">
-                <a14:hiddenLine xmlns:a14="http://schemas.microsoft.com/office/drawing/2010/main" xmlns="" w="9525">
+                <a14:hiddenLine xmlns="" xmlns:a14="http://schemas.microsoft.com/office/drawing/2010/main" w="9525">
                   <a:solidFill>
                     <a:srgbClr val="000000"/>
                   </a:solidFill>
@@ -2108,7 +2108,7 @@
             </a:ln>
             <a:extLst>
               <a:ext uri="{91240B29-F687-4f45-9708-019B960494DF}">
-                <a14:hiddenLine xmlns:a14="http://schemas.microsoft.com/office/drawing/2010/main" xmlns="" w="9525">
+                <a14:hiddenLine xmlns="" xmlns:a14="http://schemas.microsoft.com/office/drawing/2010/main" w="9525">
                   <a:solidFill>
                     <a:srgbClr val="000000"/>
                   </a:solidFill>
@@ -2198,7 +2198,7 @@
             </a:ln>
             <a:extLst>
               <a:ext uri="{91240B29-F687-4f45-9708-019B960494DF}">
-                <a14:hiddenLine xmlns:a14="http://schemas.microsoft.com/office/drawing/2010/main" xmlns="" w="9525">
+                <a14:hiddenLine xmlns="" xmlns:a14="http://schemas.microsoft.com/office/drawing/2010/main" w="9525">
                   <a:solidFill>
                     <a:srgbClr val="000000"/>
                   </a:solidFill>
@@ -2266,7 +2266,7 @@
             </a:ln>
             <a:extLst>
               <a:ext uri="{91240B29-F687-4f45-9708-019B960494DF}">
-                <a14:hiddenLine xmlns:a14="http://schemas.microsoft.com/office/drawing/2010/main" xmlns="" w="9525">
+                <a14:hiddenLine xmlns="" xmlns:a14="http://schemas.microsoft.com/office/drawing/2010/main" w="9525">
                   <a:solidFill>
                     <a:srgbClr val="000000"/>
                   </a:solidFill>
@@ -2356,7 +2356,7 @@
             </a:ln>
             <a:extLst>
               <a:ext uri="{91240B29-F687-4f45-9708-019B960494DF}">
-                <a14:hiddenLine xmlns:a14="http://schemas.microsoft.com/office/drawing/2010/main" xmlns="" w="9525">
+                <a14:hiddenLine xmlns="" xmlns:a14="http://schemas.microsoft.com/office/drawing/2010/main" w="9525">
                   <a:solidFill>
                     <a:srgbClr val="000000"/>
                   </a:solidFill>
@@ -2390,7 +2390,7 @@
             </a:ln>
             <a:extLst>
               <a:ext uri="{91240B29-F687-4f45-9708-019B960494DF}">
-                <a14:hiddenLine xmlns:a14="http://schemas.microsoft.com/office/drawing/2010/main" xmlns="" w="9525">
+                <a14:hiddenLine xmlns="" xmlns:a14="http://schemas.microsoft.com/office/drawing/2010/main" w="9525">
                   <a:solidFill>
                     <a:srgbClr val="000000"/>
                   </a:solidFill>
@@ -2480,7 +2480,7 @@
             </a:ln>
             <a:extLst>
               <a:ext uri="{91240B29-F687-4f45-9708-019B960494DF}">
-                <a14:hiddenLine xmlns:a14="http://schemas.microsoft.com/office/drawing/2010/main" xmlns="" w="9525">
+                <a14:hiddenLine xmlns="" xmlns:a14="http://schemas.microsoft.com/office/drawing/2010/main" w="9525">
                   <a:solidFill>
                     <a:srgbClr val="000000"/>
                   </a:solidFill>
@@ -2542,7 +2542,7 @@
             </a:ln>
             <a:extLst>
               <a:ext uri="{91240B29-F687-4f45-9708-019B960494DF}">
-                <a14:hiddenLine xmlns:a14="http://schemas.microsoft.com/office/drawing/2010/main" xmlns="" w="9525">
+                <a14:hiddenLine xmlns="" xmlns:a14="http://schemas.microsoft.com/office/drawing/2010/main" w="9525">
                   <a:solidFill>
                     <a:srgbClr val="000000"/>
                   </a:solidFill>
@@ -2604,7 +2604,7 @@
             </a:ln>
             <a:extLst>
               <a:ext uri="{91240B29-F687-4f45-9708-019B960494DF}">
-                <a14:hiddenLine xmlns:a14="http://schemas.microsoft.com/office/drawing/2010/main" xmlns="" w="9525">
+                <a14:hiddenLine xmlns="" xmlns:a14="http://schemas.microsoft.com/office/drawing/2010/main" w="9525">
                   <a:solidFill>
                     <a:srgbClr val="000000"/>
                   </a:solidFill>
@@ -2694,7 +2694,7 @@
             </a:ln>
             <a:extLst>
               <a:ext uri="{91240B29-F687-4f45-9708-019B960494DF}">
-                <a14:hiddenLine xmlns:a14="http://schemas.microsoft.com/office/drawing/2010/main" xmlns="" w="9525">
+                <a14:hiddenLine xmlns="" xmlns:a14="http://schemas.microsoft.com/office/drawing/2010/main" w="9525">
                   <a:solidFill>
                     <a:srgbClr val="000000"/>
                   </a:solidFill>
@@ -2762,7 +2762,7 @@
             </a:ln>
             <a:extLst>
               <a:ext uri="{91240B29-F687-4f45-9708-019B960494DF}">
-                <a14:hiddenLine xmlns:a14="http://schemas.microsoft.com/office/drawing/2010/main" xmlns="" w="9525">
+                <a14:hiddenLine xmlns="" xmlns:a14="http://schemas.microsoft.com/office/drawing/2010/main" w="9525">
                   <a:solidFill>
                     <a:srgbClr val="000000"/>
                   </a:solidFill>
@@ -2824,7 +2824,7 @@
             </a:ln>
             <a:extLst>
               <a:ext uri="{91240B29-F687-4f45-9708-019B960494DF}">
-                <a14:hiddenLine xmlns:a14="http://schemas.microsoft.com/office/drawing/2010/main" xmlns="" w="9525">
+                <a14:hiddenLine xmlns="" xmlns:a14="http://schemas.microsoft.com/office/drawing/2010/main" w="9525">
                   <a:solidFill>
                     <a:srgbClr val="000000"/>
                   </a:solidFill>
@@ -2914,7 +2914,7 @@
             </a:ln>
             <a:extLst>
               <a:ext uri="{91240B29-F687-4f45-9708-019B960494DF}">
-                <a14:hiddenLine xmlns:a14="http://schemas.microsoft.com/office/drawing/2010/main" xmlns="" w="9525">
+                <a14:hiddenLine xmlns="" xmlns:a14="http://schemas.microsoft.com/office/drawing/2010/main" w="9525">
                   <a:solidFill>
                     <a:srgbClr val="000000"/>
                   </a:solidFill>
@@ -2976,7 +2976,7 @@
             </a:ln>
             <a:extLst>
               <a:ext uri="{91240B29-F687-4f45-9708-019B960494DF}">
-                <a14:hiddenLine xmlns:a14="http://schemas.microsoft.com/office/drawing/2010/main" xmlns="" w="9525">
+                <a14:hiddenLine xmlns="" xmlns:a14="http://schemas.microsoft.com/office/drawing/2010/main" w="9525">
                   <a:solidFill>
                     <a:srgbClr val="000000"/>
                   </a:solidFill>
@@ -3066,7 +3066,7 @@
             </a:ln>
             <a:extLst>
               <a:ext uri="{91240B29-F687-4f45-9708-019B960494DF}">
-                <a14:hiddenLine xmlns:a14="http://schemas.microsoft.com/office/drawing/2010/main" xmlns="" w="9525">
+                <a14:hiddenLine xmlns="" xmlns:a14="http://schemas.microsoft.com/office/drawing/2010/main" w="9525">
                   <a:solidFill>
                     <a:srgbClr val="000000"/>
                   </a:solidFill>
@@ -3128,7 +3128,7 @@
             </a:ln>
             <a:extLst>
               <a:ext uri="{91240B29-F687-4f45-9708-019B960494DF}">
-                <a14:hiddenLine xmlns:a14="http://schemas.microsoft.com/office/drawing/2010/main" xmlns="" w="9525">
+                <a14:hiddenLine xmlns="" xmlns:a14="http://schemas.microsoft.com/office/drawing/2010/main" w="9525">
                   <a:solidFill>
                     <a:srgbClr val="000000"/>
                   </a:solidFill>
@@ -3218,7 +3218,7 @@
             </a:ln>
             <a:extLst>
               <a:ext uri="{91240B29-F687-4f45-9708-019B960494DF}">
-                <a14:hiddenLine xmlns:a14="http://schemas.microsoft.com/office/drawing/2010/main" xmlns="" w="9525">
+                <a14:hiddenLine xmlns="" xmlns:a14="http://schemas.microsoft.com/office/drawing/2010/main" w="9525">
                   <a:solidFill>
                     <a:srgbClr val="000000"/>
                   </a:solidFill>
@@ -3252,7 +3252,7 @@
             </a:ln>
             <a:extLst>
               <a:ext uri="{91240B29-F687-4f45-9708-019B960494DF}">
-                <a14:hiddenLine xmlns:a14="http://schemas.microsoft.com/office/drawing/2010/main" xmlns="" w="9525">
+                <a14:hiddenLine xmlns="" xmlns:a14="http://schemas.microsoft.com/office/drawing/2010/main" w="9525">
                   <a:solidFill>
                     <a:srgbClr val="000000"/>
                   </a:solidFill>
@@ -3317,7 +3317,7 @@
             </a:ln>
             <a:extLst>
               <a:ext uri="{91240B29-F687-4f45-9708-019B960494DF}">
-                <a14:hiddenLine xmlns:a14="http://schemas.microsoft.com/office/drawing/2010/main" xmlns="" w="9525">
+                <a14:hiddenLine xmlns="" xmlns:a14="http://schemas.microsoft.com/office/drawing/2010/main" w="9525">
                   <a:solidFill>
                     <a:srgbClr val="000000"/>
                   </a:solidFill>
@@ -3407,7 +3407,7 @@
             </a:ln>
             <a:extLst>
               <a:ext uri="{91240B29-F687-4f45-9708-019B960494DF}">
-                <a14:hiddenLine xmlns:a14="http://schemas.microsoft.com/office/drawing/2010/main" xmlns="" w="9525">
+                <a14:hiddenLine xmlns="" xmlns:a14="http://schemas.microsoft.com/office/drawing/2010/main" w="9525">
                   <a:solidFill>
                     <a:srgbClr val="000000"/>
                   </a:solidFill>
@@ -3469,7 +3469,7 @@
             </a:ln>
             <a:extLst>
               <a:ext uri="{91240B29-F687-4f45-9708-019B960494DF}">
-                <a14:hiddenLine xmlns:a14="http://schemas.microsoft.com/office/drawing/2010/main" xmlns="" w="9525">
+                <a14:hiddenLine xmlns="" xmlns:a14="http://schemas.microsoft.com/office/drawing/2010/main" w="9525">
                   <a:solidFill>
                     <a:srgbClr val="000000"/>
                   </a:solidFill>
@@ -3559,7 +3559,7 @@
             </a:ln>
             <a:extLst>
               <a:ext uri="{91240B29-F687-4f45-9708-019B960494DF}">
-                <a14:hiddenLine xmlns:a14="http://schemas.microsoft.com/office/drawing/2010/main" xmlns="" w="9525">
+                <a14:hiddenLine xmlns="" xmlns:a14="http://schemas.microsoft.com/office/drawing/2010/main" w="9525">
                   <a:solidFill>
                     <a:srgbClr val="000000"/>
                   </a:solidFill>
@@ -3649,7 +3649,7 @@
             </a:ln>
             <a:extLst>
               <a:ext uri="{91240B29-F687-4f45-9708-019B960494DF}">
-                <a14:hiddenLine xmlns:a14="http://schemas.microsoft.com/office/drawing/2010/main" xmlns="" w="9525">
+                <a14:hiddenLine xmlns="" xmlns:a14="http://schemas.microsoft.com/office/drawing/2010/main" w="9525">
                   <a:solidFill>
                     <a:srgbClr val="000000"/>
                   </a:solidFill>
@@ -3714,7 +3714,7 @@
             </a:ln>
             <a:extLst>
               <a:ext uri="{91240B29-F687-4f45-9708-019B960494DF}">
-                <a14:hiddenLine xmlns:a14="http://schemas.microsoft.com/office/drawing/2010/main" xmlns="" w="9525">
+                <a14:hiddenLine xmlns="" xmlns:a14="http://schemas.microsoft.com/office/drawing/2010/main" w="9525">
                   <a:solidFill>
                     <a:srgbClr val="000000"/>
                   </a:solidFill>
@@ -3776,7 +3776,7 @@
             </a:ln>
             <a:extLst>
               <a:ext uri="{91240B29-F687-4f45-9708-019B960494DF}">
-                <a14:hiddenLine xmlns:a14="http://schemas.microsoft.com/office/drawing/2010/main" xmlns="" w="9525">
+                <a14:hiddenLine xmlns="" xmlns:a14="http://schemas.microsoft.com/office/drawing/2010/main" w="9525">
                   <a:solidFill>
                     <a:srgbClr val="000000"/>
                   </a:solidFill>
@@ -3866,7 +3866,7 @@
             </a:ln>
             <a:extLst>
               <a:ext uri="{91240B29-F687-4f45-9708-019B960494DF}">
-                <a14:hiddenLine xmlns:a14="http://schemas.microsoft.com/office/drawing/2010/main" xmlns="" w="9525">
+                <a14:hiddenLine xmlns="" xmlns:a14="http://schemas.microsoft.com/office/drawing/2010/main" w="9525">
                   <a:solidFill>
                     <a:srgbClr val="000000"/>
                   </a:solidFill>
@@ -3956,7 +3956,7 @@
             </a:ln>
             <a:extLst>
               <a:ext uri="{91240B29-F687-4f45-9708-019B960494DF}">
-                <a14:hiddenLine xmlns:a14="http://schemas.microsoft.com/office/drawing/2010/main" xmlns="" w="9525">
+                <a14:hiddenLine xmlns="" xmlns:a14="http://schemas.microsoft.com/office/drawing/2010/main" w="9525">
                   <a:solidFill>
                     <a:srgbClr val="000000"/>
                   </a:solidFill>
@@ -4018,7 +4018,7 @@
             </a:ln>
             <a:extLst>
               <a:ext uri="{91240B29-F687-4f45-9708-019B960494DF}">
-                <a14:hiddenLine xmlns:a14="http://schemas.microsoft.com/office/drawing/2010/main" xmlns="" w="9525">
+                <a14:hiddenLine xmlns="" xmlns:a14="http://schemas.microsoft.com/office/drawing/2010/main" w="9525">
                   <a:solidFill>
                     <a:srgbClr val="000000"/>
                   </a:solidFill>
@@ -4138,7 +4138,7 @@
             </a:ln>
             <a:extLst>
               <a:ext uri="{91240B29-F687-4f45-9708-019B960494DF}">
-                <a14:hiddenLine xmlns:a14="http://schemas.microsoft.com/office/drawing/2010/main" xmlns="" w="9525">
+                <a14:hiddenLine xmlns="" xmlns:a14="http://schemas.microsoft.com/office/drawing/2010/main" w="9525">
                   <a:solidFill>
                     <a:srgbClr val="000000"/>
                   </a:solidFill>
@@ -4206,7 +4206,7 @@
             </a:ln>
             <a:extLst>
               <a:ext uri="{91240B29-F687-4f45-9708-019B960494DF}">
-                <a14:hiddenLine xmlns:a14="http://schemas.microsoft.com/office/drawing/2010/main" xmlns="" w="9525">
+                <a14:hiddenLine xmlns="" xmlns:a14="http://schemas.microsoft.com/office/drawing/2010/main" w="9525">
                   <a:solidFill>
                     <a:srgbClr val="000000"/>
                   </a:solidFill>
@@ -4296,7 +4296,7 @@
             </a:ln>
             <a:extLst>
               <a:ext uri="{91240B29-F687-4f45-9708-019B960494DF}">
-                <a14:hiddenLine xmlns:a14="http://schemas.microsoft.com/office/drawing/2010/main" xmlns="" w="9525">
+                <a14:hiddenLine xmlns="" xmlns:a14="http://schemas.microsoft.com/office/drawing/2010/main" w="9525">
                   <a:solidFill>
                     <a:srgbClr val="000000"/>
                   </a:solidFill>
@@ -4436,7 +4436,7 @@
           <a:p>
             <a:fld id="{48A87A34-81AB-432B-8DAE-1953F412C126}" type="datetimeFigureOut">
               <a:rPr lang="en-US" dirty="0"/>
-              <a:t>2/26/19</a:t>
+              <a:t>2/27/2019</a:t>
             </a:fld>
             <a:endParaRPr lang="en-US" dirty="0"/>
           </a:p>
@@ -4698,7 +4698,7 @@
           <a:p>
             <a:fld id="{48A87A34-81AB-432B-8DAE-1953F412C126}" type="datetimeFigureOut">
               <a:rPr lang="en-US" dirty="0"/>
-              <a:t>2/26/19</a:t>
+              <a:t>2/27/2019</a:t>
             </a:fld>
             <a:endParaRPr lang="en-US" dirty="0"/>
           </a:p>
@@ -4889,7 +4889,7 @@
           <a:p>
             <a:fld id="{48A87A34-81AB-432B-8DAE-1953F412C126}" type="datetimeFigureOut">
               <a:rPr lang="en-US" dirty="0"/>
-              <a:t>2/26/19</a:t>
+              <a:t>2/27/2019</a:t>
             </a:fld>
             <a:endParaRPr lang="en-US" dirty="0"/>
           </a:p>
@@ -5147,7 +5147,7 @@
           <a:p>
             <a:fld id="{48A87A34-81AB-432B-8DAE-1953F412C126}" type="datetimeFigureOut">
               <a:rPr lang="en-US" dirty="0"/>
-              <a:t>2/26/19</a:t>
+              <a:t>2/27/2019</a:t>
             </a:fld>
             <a:endParaRPr lang="en-US" dirty="0"/>
           </a:p>
@@ -5576,7 +5576,7 @@
           <a:p>
             <a:fld id="{48A87A34-81AB-432B-8DAE-1953F412C126}" type="datetimeFigureOut">
               <a:rPr lang="en-US" dirty="0"/>
-              <a:t>2/26/19</a:t>
+              <a:t>2/27/2019</a:t>
             </a:fld>
             <a:endParaRPr lang="en-US" dirty="0"/>
           </a:p>
@@ -6117,7 +6117,7 @@
           <a:p>
             <a:fld id="{48A87A34-81AB-432B-8DAE-1953F412C126}" type="datetimeFigureOut">
               <a:rPr lang="en-US" dirty="0"/>
-              <a:t>2/26/19</a:t>
+              <a:t>2/27/2019</a:t>
             </a:fld>
             <a:endParaRPr lang="en-US" dirty="0"/>
           </a:p>
@@ -6832,7 +6832,7 @@
           <a:p>
             <a:fld id="{48A87A34-81AB-432B-8DAE-1953F412C126}" type="datetimeFigureOut">
               <a:rPr lang="en-US" dirty="0"/>
-              <a:t>2/26/19</a:t>
+              <a:t>2/27/2019</a:t>
             </a:fld>
             <a:endParaRPr lang="en-US" dirty="0"/>
           </a:p>
@@ -6997,7 +6997,7 @@
           <a:p>
             <a:fld id="{48A87A34-81AB-432B-8DAE-1953F412C126}" type="datetimeFigureOut">
               <a:rPr lang="en-US" dirty="0"/>
-              <a:t>2/26/19</a:t>
+              <a:t>2/27/2019</a:t>
             </a:fld>
             <a:endParaRPr lang="en-US" dirty="0"/>
           </a:p>
@@ -7172,7 +7172,7 @@
           <a:p>
             <a:fld id="{48A87A34-81AB-432B-8DAE-1953F412C126}" type="datetimeFigureOut">
               <a:rPr lang="en-US" dirty="0"/>
-              <a:t>2/26/19</a:t>
+              <a:t>2/27/2019</a:t>
             </a:fld>
             <a:endParaRPr lang="en-US" dirty="0"/>
           </a:p>
@@ -7337,7 +7337,7 @@
           <a:p>
             <a:fld id="{48A87A34-81AB-432B-8DAE-1953F412C126}" type="datetimeFigureOut">
               <a:rPr lang="en-US" dirty="0"/>
-              <a:t>2/26/19</a:t>
+              <a:t>2/27/2019</a:t>
             </a:fld>
             <a:endParaRPr lang="en-US" dirty="0"/>
           </a:p>
@@ -7582,7 +7582,7 @@
           <a:p>
             <a:fld id="{48A87A34-81AB-432B-8DAE-1953F412C126}" type="datetimeFigureOut">
               <a:rPr lang="en-US" dirty="0"/>
-              <a:t>2/26/19</a:t>
+              <a:t>2/27/2019</a:t>
             </a:fld>
             <a:endParaRPr lang="en-US" dirty="0"/>
           </a:p>
@@ -7809,7 +7809,7 @@
           <a:p>
             <a:fld id="{48A87A34-81AB-432B-8DAE-1953F412C126}" type="datetimeFigureOut">
               <a:rPr lang="en-US" dirty="0"/>
-              <a:t>2/26/19</a:t>
+              <a:t>2/27/2019</a:t>
             </a:fld>
             <a:endParaRPr lang="en-US" dirty="0"/>
           </a:p>
@@ -8185,7 +8185,7 @@
           <a:p>
             <a:fld id="{48A87A34-81AB-432B-8DAE-1953F412C126}" type="datetimeFigureOut">
               <a:rPr lang="en-US" dirty="0"/>
-              <a:t>2/26/19</a:t>
+              <a:t>2/27/2019</a:t>
             </a:fld>
             <a:endParaRPr lang="en-US" dirty="0"/>
           </a:p>
@@ -8298,7 +8298,7 @@
           <a:p>
             <a:fld id="{48A87A34-81AB-432B-8DAE-1953F412C126}" type="datetimeFigureOut">
               <a:rPr lang="en-US" dirty="0"/>
-              <a:t>2/26/19</a:t>
+              <a:t>2/27/2019</a:t>
             </a:fld>
             <a:endParaRPr lang="en-US" dirty="0"/>
           </a:p>
@@ -8388,7 +8388,7 @@
           <a:p>
             <a:fld id="{48A87A34-81AB-432B-8DAE-1953F412C126}" type="datetimeFigureOut">
               <a:rPr lang="en-US" dirty="0"/>
-              <a:t>2/26/19</a:t>
+              <a:t>2/27/2019</a:t>
             </a:fld>
             <a:endParaRPr lang="en-US" dirty="0"/>
           </a:p>
@@ -8632,7 +8632,7 @@
           <a:p>
             <a:fld id="{48A87A34-81AB-432B-8DAE-1953F412C126}" type="datetimeFigureOut">
               <a:rPr lang="en-US" dirty="0"/>
-              <a:t>2/26/19</a:t>
+              <a:t>2/27/2019</a:t>
             </a:fld>
             <a:endParaRPr lang="en-US" dirty="0"/>
           </a:p>
@@ -8907,7 +8907,7 @@
           <a:p>
             <a:fld id="{48A87A34-81AB-432B-8DAE-1953F412C126}" type="datetimeFigureOut">
               <a:rPr lang="en-US" dirty="0"/>
-              <a:t>2/26/19</a:t>
+              <a:t>2/27/2019</a:t>
             </a:fld>
             <a:endParaRPr lang="en-US" dirty="0"/>
           </a:p>
@@ -9025,7 +9025,7 @@
           <a:noFill/>
           <a:extLst>
             <a:ext uri="{909E8E84-426E-40dd-AFC4-6F175D3DCCD1}">
-              <a14:hiddenFill xmlns:a14="http://schemas.microsoft.com/office/drawing/2010/main" xmlns="">
+              <a14:hiddenFill xmlns="" xmlns:a14="http://schemas.microsoft.com/office/drawing/2010/main">
                 <a:solidFill>
                   <a:srgbClr val="FFFFFF"/>
                 </a:solidFill>
@@ -9099,7 +9099,7 @@
               </a:ln>
               <a:extLst>
                 <a:ext uri="{91240B29-F687-4f45-9708-019B960494DF}">
-                  <a14:hiddenLine xmlns:a14="http://schemas.microsoft.com/office/drawing/2010/main" xmlns="" w="9525">
+                  <a14:hiddenLine xmlns="" xmlns:a14="http://schemas.microsoft.com/office/drawing/2010/main" w="9525">
                     <a:solidFill>
                       <a:srgbClr val="000000"/>
                     </a:solidFill>
@@ -9189,7 +9189,7 @@
               </a:ln>
               <a:extLst>
                 <a:ext uri="{91240B29-F687-4f45-9708-019B960494DF}">
-                  <a14:hiddenLine xmlns:a14="http://schemas.microsoft.com/office/drawing/2010/main" xmlns="" w="9525">
+                  <a14:hiddenLine xmlns="" xmlns:a14="http://schemas.microsoft.com/office/drawing/2010/main" w="9525">
                     <a:solidFill>
                       <a:srgbClr val="000000"/>
                     </a:solidFill>
@@ -9279,7 +9279,7 @@
               </a:ln>
               <a:extLst>
                 <a:ext uri="{91240B29-F687-4f45-9708-019B960494DF}">
-                  <a14:hiddenLine xmlns:a14="http://schemas.microsoft.com/office/drawing/2010/main" xmlns="" w="9525">
+                  <a14:hiddenLine xmlns="" xmlns:a14="http://schemas.microsoft.com/office/drawing/2010/main" w="9525">
                     <a:solidFill>
                       <a:srgbClr val="000000"/>
                     </a:solidFill>
@@ -9341,7 +9341,7 @@
               </a:ln>
               <a:extLst>
                 <a:ext uri="{91240B29-F687-4f45-9708-019B960494DF}">
-                  <a14:hiddenLine xmlns:a14="http://schemas.microsoft.com/office/drawing/2010/main" xmlns="" w="9525">
+                  <a14:hiddenLine xmlns="" xmlns:a14="http://schemas.microsoft.com/office/drawing/2010/main" w="9525">
                     <a:solidFill>
                       <a:srgbClr val="000000"/>
                     </a:solidFill>
@@ -9431,7 +9431,7 @@
               </a:ln>
               <a:extLst>
                 <a:ext uri="{91240B29-F687-4f45-9708-019B960494DF}">
-                  <a14:hiddenLine xmlns:a14="http://schemas.microsoft.com/office/drawing/2010/main" xmlns="" w="9525">
+                  <a14:hiddenLine xmlns="" xmlns:a14="http://schemas.microsoft.com/office/drawing/2010/main" w="9525">
                     <a:solidFill>
                       <a:srgbClr val="000000"/>
                     </a:solidFill>
@@ -9493,7 +9493,7 @@
               </a:ln>
               <a:extLst>
                 <a:ext uri="{91240B29-F687-4f45-9708-019B960494DF}">
-                  <a14:hiddenLine xmlns:a14="http://schemas.microsoft.com/office/drawing/2010/main" xmlns="" w="9525">
+                  <a14:hiddenLine xmlns="" xmlns:a14="http://schemas.microsoft.com/office/drawing/2010/main" w="9525">
                     <a:solidFill>
                       <a:srgbClr val="000000"/>
                     </a:solidFill>
@@ -9555,7 +9555,7 @@
               </a:ln>
               <a:extLst>
                 <a:ext uri="{91240B29-F687-4f45-9708-019B960494DF}">
-                  <a14:hiddenLine xmlns:a14="http://schemas.microsoft.com/office/drawing/2010/main" xmlns="" w="9525">
+                  <a14:hiddenLine xmlns="" xmlns:a14="http://schemas.microsoft.com/office/drawing/2010/main" w="9525">
                     <a:solidFill>
                       <a:srgbClr val="000000"/>
                     </a:solidFill>
@@ -9645,7 +9645,7 @@
               </a:ln>
               <a:extLst>
                 <a:ext uri="{91240B29-F687-4f45-9708-019B960494DF}">
-                  <a14:hiddenLine xmlns:a14="http://schemas.microsoft.com/office/drawing/2010/main" xmlns="" w="9525">
+                  <a14:hiddenLine xmlns="" xmlns:a14="http://schemas.microsoft.com/office/drawing/2010/main" w="9525">
                     <a:solidFill>
                       <a:srgbClr val="000000"/>
                     </a:solidFill>
@@ -9735,7 +9735,7 @@
               </a:ln>
               <a:extLst>
                 <a:ext uri="{91240B29-F687-4f45-9708-019B960494DF}">
-                  <a14:hiddenLine xmlns:a14="http://schemas.microsoft.com/office/drawing/2010/main" xmlns="" w="9525">
+                  <a14:hiddenLine xmlns="" xmlns:a14="http://schemas.microsoft.com/office/drawing/2010/main" w="9525">
                     <a:solidFill>
                       <a:srgbClr val="000000"/>
                     </a:solidFill>
@@ -9797,7 +9797,7 @@
               </a:ln>
               <a:extLst>
                 <a:ext uri="{91240B29-F687-4f45-9708-019B960494DF}">
-                  <a14:hiddenLine xmlns:a14="http://schemas.microsoft.com/office/drawing/2010/main" xmlns="" w="9525">
+                  <a14:hiddenLine xmlns="" xmlns:a14="http://schemas.microsoft.com/office/drawing/2010/main" w="9525">
                     <a:solidFill>
                       <a:srgbClr val="000000"/>
                     </a:solidFill>
@@ -9907,7 +9907,7 @@
               </a:ln>
               <a:extLst>
                 <a:ext uri="{91240B29-F687-4f45-9708-019B960494DF}">
-                  <a14:hiddenLine xmlns:a14="http://schemas.microsoft.com/office/drawing/2010/main" xmlns="" w="9525">
+                  <a14:hiddenLine xmlns="" xmlns:a14="http://schemas.microsoft.com/office/drawing/2010/main" w="9525">
                     <a:solidFill>
                       <a:srgbClr val="000000"/>
                     </a:solidFill>
@@ -9991,7 +9991,7 @@
               </a:ln>
               <a:extLst>
                 <a:ext uri="{91240B29-F687-4f45-9708-019B960494DF}">
-                  <a14:hiddenLine xmlns:a14="http://schemas.microsoft.com/office/drawing/2010/main" xmlns="" w="9525">
+                  <a14:hiddenLine xmlns="" xmlns:a14="http://schemas.microsoft.com/office/drawing/2010/main" w="9525">
                     <a:solidFill>
                       <a:srgbClr val="000000"/>
                     </a:solidFill>
@@ -10053,7 +10053,7 @@
               </a:ln>
               <a:extLst>
                 <a:ext uri="{91240B29-F687-4f45-9708-019B960494DF}">
-                  <a14:hiddenLine xmlns:a14="http://schemas.microsoft.com/office/drawing/2010/main" xmlns="" w="9525">
+                  <a14:hiddenLine xmlns="" xmlns:a14="http://schemas.microsoft.com/office/drawing/2010/main" w="9525">
                     <a:solidFill>
                       <a:srgbClr val="000000"/>
                     </a:solidFill>
@@ -10115,7 +10115,7 @@
               </a:ln>
               <a:extLst>
                 <a:ext uri="{91240B29-F687-4f45-9708-019B960494DF}">
-                  <a14:hiddenLine xmlns:a14="http://schemas.microsoft.com/office/drawing/2010/main" xmlns="" w="9525">
+                  <a14:hiddenLine xmlns="" xmlns:a14="http://schemas.microsoft.com/office/drawing/2010/main" w="9525">
                     <a:solidFill>
                       <a:srgbClr val="000000"/>
                     </a:solidFill>
@@ -10205,7 +10205,7 @@
               </a:ln>
               <a:extLst>
                 <a:ext uri="{91240B29-F687-4f45-9708-019B960494DF}">
-                  <a14:hiddenLine xmlns:a14="http://schemas.microsoft.com/office/drawing/2010/main" xmlns="" w="9525">
+                  <a14:hiddenLine xmlns="" xmlns:a14="http://schemas.microsoft.com/office/drawing/2010/main" w="9525">
                     <a:solidFill>
                       <a:srgbClr val="000000"/>
                     </a:solidFill>
@@ -10239,7 +10239,7 @@
               </a:ln>
               <a:extLst>
                 <a:ext uri="{91240B29-F687-4f45-9708-019B960494DF}">
-                  <a14:hiddenLine xmlns:a14="http://schemas.microsoft.com/office/drawing/2010/main" xmlns="" w="9525">
+                  <a14:hiddenLine xmlns="" xmlns:a14="http://schemas.microsoft.com/office/drawing/2010/main" w="9525">
                     <a:solidFill>
                       <a:srgbClr val="000000"/>
                     </a:solidFill>
@@ -10304,7 +10304,7 @@
               </a:ln>
               <a:extLst>
                 <a:ext uri="{91240B29-F687-4f45-9708-019B960494DF}">
-                  <a14:hiddenLine xmlns:a14="http://schemas.microsoft.com/office/drawing/2010/main" xmlns="" w="9525">
+                  <a14:hiddenLine xmlns="" xmlns:a14="http://schemas.microsoft.com/office/drawing/2010/main" w="9525">
                     <a:solidFill>
                       <a:srgbClr val="000000"/>
                     </a:solidFill>
@@ -10394,7 +10394,7 @@
               </a:ln>
               <a:extLst>
                 <a:ext uri="{91240B29-F687-4f45-9708-019B960494DF}">
-                  <a14:hiddenLine xmlns:a14="http://schemas.microsoft.com/office/drawing/2010/main" xmlns="" w="9525">
+                  <a14:hiddenLine xmlns="" xmlns:a14="http://schemas.microsoft.com/office/drawing/2010/main" w="9525">
                     <a:solidFill>
                       <a:srgbClr val="000000"/>
                     </a:solidFill>
@@ -10456,7 +10456,7 @@
               </a:ln>
               <a:extLst>
                 <a:ext uri="{91240B29-F687-4f45-9708-019B960494DF}">
-                  <a14:hiddenLine xmlns:a14="http://schemas.microsoft.com/office/drawing/2010/main" xmlns="" w="9525">
+                  <a14:hiddenLine xmlns="" xmlns:a14="http://schemas.microsoft.com/office/drawing/2010/main" w="9525">
                     <a:solidFill>
                       <a:srgbClr val="000000"/>
                     </a:solidFill>
@@ -10546,7 +10546,7 @@
               </a:ln>
               <a:extLst>
                 <a:ext uri="{91240B29-F687-4f45-9708-019B960494DF}">
-                  <a14:hiddenLine xmlns:a14="http://schemas.microsoft.com/office/drawing/2010/main" xmlns="" w="9525">
+                  <a14:hiddenLine xmlns="" xmlns:a14="http://schemas.microsoft.com/office/drawing/2010/main" w="9525">
                     <a:solidFill>
                       <a:srgbClr val="000000"/>
                     </a:solidFill>
@@ -10611,7 +10611,7 @@
               </a:ln>
               <a:extLst>
                 <a:ext uri="{91240B29-F687-4f45-9708-019B960494DF}">
-                  <a14:hiddenLine xmlns:a14="http://schemas.microsoft.com/office/drawing/2010/main" xmlns="" w="9525">
+                  <a14:hiddenLine xmlns="" xmlns:a14="http://schemas.microsoft.com/office/drawing/2010/main" w="9525">
                     <a:solidFill>
                       <a:srgbClr val="000000"/>
                     </a:solidFill>
@@ -10673,7 +10673,7 @@
               </a:ln>
               <a:extLst>
                 <a:ext uri="{91240B29-F687-4f45-9708-019B960494DF}">
-                  <a14:hiddenLine xmlns:a14="http://schemas.microsoft.com/office/drawing/2010/main" xmlns="" w="9525">
+                  <a14:hiddenLine xmlns="" xmlns:a14="http://schemas.microsoft.com/office/drawing/2010/main" w="9525">
                     <a:solidFill>
                       <a:srgbClr val="000000"/>
                     </a:solidFill>
@@ -10763,7 +10763,7 @@
               </a:ln>
               <a:extLst>
                 <a:ext uri="{91240B29-F687-4f45-9708-019B960494DF}">
-                  <a14:hiddenLine xmlns:a14="http://schemas.microsoft.com/office/drawing/2010/main" xmlns="" w="9525">
+                  <a14:hiddenLine xmlns="" xmlns:a14="http://schemas.microsoft.com/office/drawing/2010/main" w="9525">
                     <a:solidFill>
                       <a:srgbClr val="000000"/>
                     </a:solidFill>
@@ -10853,7 +10853,7 @@
               </a:ln>
               <a:extLst>
                 <a:ext uri="{91240B29-F687-4f45-9708-019B960494DF}">
-                  <a14:hiddenLine xmlns:a14="http://schemas.microsoft.com/office/drawing/2010/main" xmlns="" w="9525">
+                  <a14:hiddenLine xmlns="" xmlns:a14="http://schemas.microsoft.com/office/drawing/2010/main" w="9525">
                     <a:solidFill>
                       <a:srgbClr val="000000"/>
                     </a:solidFill>
@@ -10918,7 +10918,7 @@
               </a:ln>
               <a:extLst>
                 <a:ext uri="{91240B29-F687-4f45-9708-019B960494DF}">
-                  <a14:hiddenLine xmlns:a14="http://schemas.microsoft.com/office/drawing/2010/main" xmlns="" w="9525">
+                  <a14:hiddenLine xmlns="" xmlns:a14="http://schemas.microsoft.com/office/drawing/2010/main" w="9525">
                     <a:solidFill>
                       <a:srgbClr val="000000"/>
                     </a:solidFill>
@@ -11038,7 +11038,7 @@
               </a:ln>
               <a:extLst>
                 <a:ext uri="{91240B29-F687-4f45-9708-019B960494DF}">
-                  <a14:hiddenLine xmlns:a14="http://schemas.microsoft.com/office/drawing/2010/main" xmlns="" w="9525">
+                  <a14:hiddenLine xmlns="" xmlns:a14="http://schemas.microsoft.com/office/drawing/2010/main" w="9525">
                     <a:solidFill>
                       <a:srgbClr val="000000"/>
                     </a:solidFill>
@@ -11119,7 +11119,7 @@
               </a:ln>
               <a:extLst>
                 <a:ext uri="{91240B29-F687-4f45-9708-019B960494DF}">
-                  <a14:hiddenLine xmlns:a14="http://schemas.microsoft.com/office/drawing/2010/main" xmlns="" w="9525">
+                  <a14:hiddenLine xmlns="" xmlns:a14="http://schemas.microsoft.com/office/drawing/2010/main" w="9525">
                     <a:solidFill>
                       <a:srgbClr val="000000"/>
                     </a:solidFill>
@@ -11234,7 +11234,7 @@
               </a:ln>
               <a:extLst>
                 <a:ext uri="{91240B29-F687-4f45-9708-019B960494DF}">
-                  <a14:hiddenLine xmlns:a14="http://schemas.microsoft.com/office/drawing/2010/main" xmlns="" w="9525">
+                  <a14:hiddenLine xmlns="" xmlns:a14="http://schemas.microsoft.com/office/drawing/2010/main" w="9525">
                     <a:solidFill>
                       <a:srgbClr val="000000"/>
                     </a:solidFill>
@@ -11324,7 +11324,7 @@
               </a:ln>
               <a:extLst>
                 <a:ext uri="{91240B29-F687-4f45-9708-019B960494DF}">
-                  <a14:hiddenLine xmlns:a14="http://schemas.microsoft.com/office/drawing/2010/main" xmlns="" w="9525">
+                  <a14:hiddenLine xmlns="" xmlns:a14="http://schemas.microsoft.com/office/drawing/2010/main" w="9525">
                     <a:solidFill>
                       <a:srgbClr val="000000"/>
                     </a:solidFill>
@@ -11389,7 +11389,7 @@
               </a:ln>
               <a:extLst>
                 <a:ext uri="{91240B29-F687-4f45-9708-019B960494DF}">
-                  <a14:hiddenLine xmlns:a14="http://schemas.microsoft.com/office/drawing/2010/main" xmlns="" w="9525">
+                  <a14:hiddenLine xmlns="" xmlns:a14="http://schemas.microsoft.com/office/drawing/2010/main" w="9525">
                     <a:solidFill>
                       <a:srgbClr val="000000"/>
                     </a:solidFill>
@@ -11479,7 +11479,7 @@
               </a:ln>
               <a:extLst>
                 <a:ext uri="{91240B29-F687-4f45-9708-019B960494DF}">
-                  <a14:hiddenLine xmlns:a14="http://schemas.microsoft.com/office/drawing/2010/main" xmlns="" w="9525">
+                  <a14:hiddenLine xmlns="" xmlns:a14="http://schemas.microsoft.com/office/drawing/2010/main" w="9525">
                     <a:solidFill>
                       <a:srgbClr val="000000"/>
                     </a:solidFill>
@@ -11547,7 +11547,7 @@
               </a:ln>
               <a:extLst>
                 <a:ext uri="{91240B29-F687-4f45-9708-019B960494DF}">
-                  <a14:hiddenLine xmlns:a14="http://schemas.microsoft.com/office/drawing/2010/main" xmlns="" w="9525">
+                  <a14:hiddenLine xmlns="" xmlns:a14="http://schemas.microsoft.com/office/drawing/2010/main" w="9525">
                     <a:solidFill>
                       <a:srgbClr val="000000"/>
                     </a:solidFill>
@@ -11637,7 +11637,7 @@
               </a:ln>
               <a:extLst>
                 <a:ext uri="{91240B29-F687-4f45-9708-019B960494DF}">
-                  <a14:hiddenLine xmlns:a14="http://schemas.microsoft.com/office/drawing/2010/main" xmlns="" w="9525">
+                  <a14:hiddenLine xmlns="" xmlns:a14="http://schemas.microsoft.com/office/drawing/2010/main" w="9525">
                     <a:solidFill>
                       <a:srgbClr val="000000"/>
                     </a:solidFill>
@@ -11705,7 +11705,7 @@
               </a:ln>
               <a:extLst>
                 <a:ext uri="{91240B29-F687-4f45-9708-019B960494DF}">
-                  <a14:hiddenLine xmlns:a14="http://schemas.microsoft.com/office/drawing/2010/main" xmlns="" w="9525">
+                  <a14:hiddenLine xmlns="" xmlns:a14="http://schemas.microsoft.com/office/drawing/2010/main" w="9525">
                     <a:solidFill>
                       <a:srgbClr val="000000"/>
                     </a:solidFill>
@@ -11795,7 +11795,7 @@
               </a:ln>
               <a:extLst>
                 <a:ext uri="{91240B29-F687-4f45-9708-019B960494DF}">
-                  <a14:hiddenLine xmlns:a14="http://schemas.microsoft.com/office/drawing/2010/main" xmlns="" w="9525">
+                  <a14:hiddenLine xmlns="" xmlns:a14="http://schemas.microsoft.com/office/drawing/2010/main" w="9525">
                     <a:solidFill>
                       <a:srgbClr val="000000"/>
                     </a:solidFill>
@@ -11829,7 +11829,7 @@
               </a:ln>
               <a:extLst>
                 <a:ext uri="{91240B29-F687-4f45-9708-019B960494DF}">
-                  <a14:hiddenLine xmlns:a14="http://schemas.microsoft.com/office/drawing/2010/main" xmlns="" w="9525">
+                  <a14:hiddenLine xmlns="" xmlns:a14="http://schemas.microsoft.com/office/drawing/2010/main" w="9525">
                     <a:solidFill>
                       <a:srgbClr val="000000"/>
                     </a:solidFill>
@@ -11970,7 +11970,7 @@
             <a:fld id="{48A87A34-81AB-432B-8DAE-1953F412C126}" type="datetimeFigureOut">
               <a:rPr lang="en-US" dirty="0"/>
               <a:pPr/>
-              <a:t>2/26/19</a:t>
+              <a:t>2/27/2019</a:t>
             </a:fld>
             <a:endParaRPr lang="en-US" dirty="0"/>
           </a:p>
@@ -12886,6 +12886,406 @@
           </a:prstGeom>
         </p:spPr>
       </p:pic>
+      <p:cxnSp>
+        <p:nvCxnSpPr>
+          <p:cNvPr id="5" name="Straight Arrow Connector 4">
+            <a:extLst>
+              <a:ext uri="{FF2B5EF4-FFF2-40B4-BE49-F238E27FC236}">
+                <a16:creationId xmlns:a16="http://schemas.microsoft.com/office/drawing/2014/main" id="{22704B14-36BB-4A5F-89C5-71DE2E1F40BE}"/>
+              </a:ext>
+            </a:extLst>
+          </p:cNvPr>
+          <p:cNvCxnSpPr>
+            <a:cxnSpLocks/>
+          </p:cNvCxnSpPr>
+          <p:nvPr/>
+        </p:nvCxnSpPr>
+        <p:spPr>
+          <a:xfrm flipV="1">
+            <a:off x="9684688" y="874645"/>
+            <a:ext cx="0" cy="246489"/>
+          </a:xfrm>
+          <a:prstGeom prst="straightConnector1">
+            <a:avLst/>
+          </a:prstGeom>
+          <a:ln>
+            <a:tailEnd type="triangle"/>
+          </a:ln>
+        </p:spPr>
+        <p:style>
+          <a:lnRef idx="1">
+            <a:schemeClr val="dk1"/>
+          </a:lnRef>
+          <a:fillRef idx="0">
+            <a:schemeClr val="dk1"/>
+          </a:fillRef>
+          <a:effectRef idx="0">
+            <a:schemeClr val="dk1"/>
+          </a:effectRef>
+          <a:fontRef idx="minor">
+            <a:schemeClr val="tx1"/>
+          </a:fontRef>
+        </p:style>
+      </p:cxnSp>
+      <p:cxnSp>
+        <p:nvCxnSpPr>
+          <p:cNvPr id="8" name="Straight Arrow Connector 7">
+            <a:extLst>
+              <a:ext uri="{FF2B5EF4-FFF2-40B4-BE49-F238E27FC236}">
+                <a16:creationId xmlns:a16="http://schemas.microsoft.com/office/drawing/2014/main" id="{62F05304-31AE-4959-B594-52F28ED9D967}"/>
+              </a:ext>
+            </a:extLst>
+          </p:cNvPr>
+          <p:cNvCxnSpPr>
+            <a:cxnSpLocks/>
+          </p:cNvCxnSpPr>
+          <p:nvPr/>
+        </p:nvCxnSpPr>
+        <p:spPr>
+          <a:xfrm flipV="1">
+            <a:off x="8230925" y="997889"/>
+            <a:ext cx="0" cy="246489"/>
+          </a:xfrm>
+          <a:prstGeom prst="straightConnector1">
+            <a:avLst/>
+          </a:prstGeom>
+          <a:ln>
+            <a:tailEnd type="triangle"/>
+          </a:ln>
+        </p:spPr>
+        <p:style>
+          <a:lnRef idx="1">
+            <a:schemeClr val="dk1"/>
+          </a:lnRef>
+          <a:fillRef idx="0">
+            <a:schemeClr val="dk1"/>
+          </a:fillRef>
+          <a:effectRef idx="0">
+            <a:schemeClr val="dk1"/>
+          </a:effectRef>
+          <a:fontRef idx="minor">
+            <a:schemeClr val="tx1"/>
+          </a:fontRef>
+        </p:style>
+      </p:cxnSp>
+      <p:cxnSp>
+        <p:nvCxnSpPr>
+          <p:cNvPr id="9" name="Straight Arrow Connector 8">
+            <a:extLst>
+              <a:ext uri="{FF2B5EF4-FFF2-40B4-BE49-F238E27FC236}">
+                <a16:creationId xmlns:a16="http://schemas.microsoft.com/office/drawing/2014/main" id="{8C55DDCE-EAA7-443B-8DDB-69354AFE48B9}"/>
+              </a:ext>
+            </a:extLst>
+          </p:cNvPr>
+          <p:cNvCxnSpPr>
+            <a:cxnSpLocks/>
+          </p:cNvCxnSpPr>
+          <p:nvPr/>
+        </p:nvCxnSpPr>
+        <p:spPr>
+          <a:xfrm flipV="1">
+            <a:off x="6998473" y="1094630"/>
+            <a:ext cx="0" cy="246489"/>
+          </a:xfrm>
+          <a:prstGeom prst="straightConnector1">
+            <a:avLst/>
+          </a:prstGeom>
+          <a:ln>
+            <a:tailEnd type="triangle"/>
+          </a:ln>
+        </p:spPr>
+        <p:style>
+          <a:lnRef idx="1">
+            <a:schemeClr val="dk1"/>
+          </a:lnRef>
+          <a:fillRef idx="0">
+            <a:schemeClr val="dk1"/>
+          </a:fillRef>
+          <a:effectRef idx="0">
+            <a:schemeClr val="dk1"/>
+          </a:effectRef>
+          <a:fontRef idx="minor">
+            <a:schemeClr val="tx1"/>
+          </a:fontRef>
+        </p:style>
+      </p:cxnSp>
+      <p:cxnSp>
+        <p:nvCxnSpPr>
+          <p:cNvPr id="10" name="Straight Arrow Connector 9">
+            <a:extLst>
+              <a:ext uri="{FF2B5EF4-FFF2-40B4-BE49-F238E27FC236}">
+                <a16:creationId xmlns:a16="http://schemas.microsoft.com/office/drawing/2014/main" id="{571F7282-60F6-40ED-9972-FF7CAC1341AB}"/>
+              </a:ext>
+            </a:extLst>
+          </p:cNvPr>
+          <p:cNvCxnSpPr>
+            <a:cxnSpLocks/>
+          </p:cNvCxnSpPr>
+          <p:nvPr/>
+        </p:nvCxnSpPr>
+        <p:spPr>
+          <a:xfrm flipV="1">
+            <a:off x="6346465" y="1207274"/>
+            <a:ext cx="0" cy="246489"/>
+          </a:xfrm>
+          <a:prstGeom prst="straightConnector1">
+            <a:avLst/>
+          </a:prstGeom>
+          <a:ln>
+            <a:tailEnd type="triangle"/>
+          </a:ln>
+        </p:spPr>
+        <p:style>
+          <a:lnRef idx="1">
+            <a:schemeClr val="dk1"/>
+          </a:lnRef>
+          <a:fillRef idx="0">
+            <a:schemeClr val="dk1"/>
+          </a:fillRef>
+          <a:effectRef idx="0">
+            <a:schemeClr val="dk1"/>
+          </a:effectRef>
+          <a:fontRef idx="minor">
+            <a:schemeClr val="tx1"/>
+          </a:fontRef>
+        </p:style>
+      </p:cxnSp>
+      <p:cxnSp>
+        <p:nvCxnSpPr>
+          <p:cNvPr id="11" name="Straight Arrow Connector 10">
+            <a:extLst>
+              <a:ext uri="{FF2B5EF4-FFF2-40B4-BE49-F238E27FC236}">
+                <a16:creationId xmlns:a16="http://schemas.microsoft.com/office/drawing/2014/main" id="{D9F74891-139A-4CDD-9618-2DCE2CE78688}"/>
+              </a:ext>
+            </a:extLst>
+          </p:cNvPr>
+          <p:cNvCxnSpPr>
+            <a:cxnSpLocks/>
+          </p:cNvCxnSpPr>
+          <p:nvPr/>
+        </p:nvCxnSpPr>
+        <p:spPr>
+          <a:xfrm flipV="1">
+            <a:off x="6195390" y="1341119"/>
+            <a:ext cx="0" cy="246489"/>
+          </a:xfrm>
+          <a:prstGeom prst="straightConnector1">
+            <a:avLst/>
+          </a:prstGeom>
+          <a:ln>
+            <a:tailEnd type="triangle"/>
+          </a:ln>
+        </p:spPr>
+        <p:style>
+          <a:lnRef idx="1">
+            <a:schemeClr val="dk1"/>
+          </a:lnRef>
+          <a:fillRef idx="0">
+            <a:schemeClr val="dk1"/>
+          </a:fillRef>
+          <a:effectRef idx="0">
+            <a:schemeClr val="dk1"/>
+          </a:effectRef>
+          <a:fontRef idx="minor">
+            <a:schemeClr val="tx1"/>
+          </a:fontRef>
+        </p:style>
+      </p:cxnSp>
+      <p:cxnSp>
+        <p:nvCxnSpPr>
+          <p:cNvPr id="13" name="Straight Arrow Connector 12">
+            <a:extLst>
+              <a:ext uri="{FF2B5EF4-FFF2-40B4-BE49-F238E27FC236}">
+                <a16:creationId xmlns:a16="http://schemas.microsoft.com/office/drawing/2014/main" id="{F2FEB7E7-5D1D-48B9-B844-6D46DB6C1B03}"/>
+              </a:ext>
+            </a:extLst>
+          </p:cNvPr>
+          <p:cNvCxnSpPr/>
+          <p:nvPr/>
+        </p:nvCxnSpPr>
+        <p:spPr>
+          <a:xfrm flipH="1">
+            <a:off x="1383527" y="6058894"/>
+            <a:ext cx="151075" cy="0"/>
+          </a:xfrm>
+          <a:prstGeom prst="straightConnector1">
+            <a:avLst/>
+          </a:prstGeom>
+          <a:ln>
+            <a:tailEnd type="triangle"/>
+          </a:ln>
+        </p:spPr>
+        <p:style>
+          <a:lnRef idx="1">
+            <a:schemeClr val="dk1"/>
+          </a:lnRef>
+          <a:fillRef idx="0">
+            <a:schemeClr val="dk1"/>
+          </a:fillRef>
+          <a:effectRef idx="0">
+            <a:schemeClr val="dk1"/>
+          </a:effectRef>
+          <a:fontRef idx="minor">
+            <a:schemeClr val="tx1"/>
+          </a:fontRef>
+        </p:style>
+      </p:cxnSp>
+      <p:cxnSp>
+        <p:nvCxnSpPr>
+          <p:cNvPr id="14" name="Straight Arrow Connector 13">
+            <a:extLst>
+              <a:ext uri="{FF2B5EF4-FFF2-40B4-BE49-F238E27FC236}">
+                <a16:creationId xmlns:a16="http://schemas.microsoft.com/office/drawing/2014/main" id="{FF290AFB-4623-454E-9F05-961345839BAE}"/>
+              </a:ext>
+            </a:extLst>
+          </p:cNvPr>
+          <p:cNvCxnSpPr/>
+          <p:nvPr/>
+        </p:nvCxnSpPr>
+        <p:spPr>
+          <a:xfrm flipH="1">
+            <a:off x="1296103" y="5980747"/>
+            <a:ext cx="151075" cy="0"/>
+          </a:xfrm>
+          <a:prstGeom prst="straightConnector1">
+            <a:avLst/>
+          </a:prstGeom>
+          <a:ln>
+            <a:tailEnd type="triangle"/>
+          </a:ln>
+        </p:spPr>
+        <p:style>
+          <a:lnRef idx="1">
+            <a:schemeClr val="dk1"/>
+          </a:lnRef>
+          <a:fillRef idx="0">
+            <a:schemeClr val="dk1"/>
+          </a:fillRef>
+          <a:effectRef idx="0">
+            <a:schemeClr val="dk1"/>
+          </a:effectRef>
+          <a:fontRef idx="minor">
+            <a:schemeClr val="tx1"/>
+          </a:fontRef>
+        </p:style>
+      </p:cxnSp>
+      <p:cxnSp>
+        <p:nvCxnSpPr>
+          <p:cNvPr id="15" name="Straight Arrow Connector 14">
+            <a:extLst>
+              <a:ext uri="{FF2B5EF4-FFF2-40B4-BE49-F238E27FC236}">
+                <a16:creationId xmlns:a16="http://schemas.microsoft.com/office/drawing/2014/main" id="{C97B424C-98F1-4365-A7E2-A9BEAD84A371}"/>
+              </a:ext>
+            </a:extLst>
+          </p:cNvPr>
+          <p:cNvCxnSpPr/>
+          <p:nvPr/>
+        </p:nvCxnSpPr>
+        <p:spPr>
+          <a:xfrm flipH="1">
+            <a:off x="1307989" y="5858869"/>
+            <a:ext cx="151075" cy="0"/>
+          </a:xfrm>
+          <a:prstGeom prst="straightConnector1">
+            <a:avLst/>
+          </a:prstGeom>
+          <a:ln>
+            <a:tailEnd type="triangle"/>
+          </a:ln>
+        </p:spPr>
+        <p:style>
+          <a:lnRef idx="1">
+            <a:schemeClr val="dk1"/>
+          </a:lnRef>
+          <a:fillRef idx="0">
+            <a:schemeClr val="dk1"/>
+          </a:fillRef>
+          <a:effectRef idx="0">
+            <a:schemeClr val="dk1"/>
+          </a:effectRef>
+          <a:fontRef idx="minor">
+            <a:schemeClr val="tx1"/>
+          </a:fontRef>
+        </p:style>
+      </p:cxnSp>
+      <p:cxnSp>
+        <p:nvCxnSpPr>
+          <p:cNvPr id="16" name="Straight Arrow Connector 15">
+            <a:extLst>
+              <a:ext uri="{FF2B5EF4-FFF2-40B4-BE49-F238E27FC236}">
+                <a16:creationId xmlns:a16="http://schemas.microsoft.com/office/drawing/2014/main" id="{68187017-987A-4505-AA46-1CE7C03F5249}"/>
+              </a:ext>
+            </a:extLst>
+          </p:cNvPr>
+          <p:cNvCxnSpPr/>
+          <p:nvPr/>
+        </p:nvCxnSpPr>
+        <p:spPr>
+          <a:xfrm flipH="1">
+            <a:off x="1307989" y="5744569"/>
+            <a:ext cx="151075" cy="0"/>
+          </a:xfrm>
+          <a:prstGeom prst="straightConnector1">
+            <a:avLst/>
+          </a:prstGeom>
+          <a:ln>
+            <a:tailEnd type="triangle"/>
+          </a:ln>
+        </p:spPr>
+        <p:style>
+          <a:lnRef idx="1">
+            <a:schemeClr val="dk1"/>
+          </a:lnRef>
+          <a:fillRef idx="0">
+            <a:schemeClr val="dk1"/>
+          </a:fillRef>
+          <a:effectRef idx="0">
+            <a:schemeClr val="dk1"/>
+          </a:effectRef>
+          <a:fontRef idx="minor">
+            <a:schemeClr val="tx1"/>
+          </a:fontRef>
+        </p:style>
+      </p:cxnSp>
+      <p:cxnSp>
+        <p:nvCxnSpPr>
+          <p:cNvPr id="17" name="Straight Arrow Connector 16">
+            <a:extLst>
+              <a:ext uri="{FF2B5EF4-FFF2-40B4-BE49-F238E27FC236}">
+                <a16:creationId xmlns:a16="http://schemas.microsoft.com/office/drawing/2014/main" id="{E7F93676-B783-4AA0-8E6A-9D6FD91FB9D2}"/>
+              </a:ext>
+            </a:extLst>
+          </p:cNvPr>
+          <p:cNvCxnSpPr/>
+          <p:nvPr/>
+        </p:nvCxnSpPr>
+        <p:spPr>
+          <a:xfrm flipH="1">
+            <a:off x="1459064" y="5630269"/>
+            <a:ext cx="151075" cy="0"/>
+          </a:xfrm>
+          <a:prstGeom prst="straightConnector1">
+            <a:avLst/>
+          </a:prstGeom>
+          <a:ln>
+            <a:tailEnd type="triangle"/>
+          </a:ln>
+        </p:spPr>
+        <p:style>
+          <a:lnRef idx="1">
+            <a:schemeClr val="dk1"/>
+          </a:lnRef>
+          <a:fillRef idx="0">
+            <a:schemeClr val="dk1"/>
+          </a:fillRef>
+          <a:effectRef idx="0">
+            <a:schemeClr val="dk1"/>
+          </a:effectRef>
+          <a:fontRef idx="minor">
+            <a:schemeClr val="tx1"/>
+          </a:fontRef>
+        </p:style>
+      </p:cxnSp>
     </p:spTree>
     <p:extLst>
       <p:ext uri="{BB962C8B-B14F-4D97-AF65-F5344CB8AC3E}">
@@ -12896,6 +13296,342 @@
   <p:clrMapOvr>
     <a:masterClrMapping/>
   </p:clrMapOvr>
+  <p:timing>
+    <p:tnLst>
+      <p:par>
+        <p:cTn id="1" dur="indefinite" restart="never" nodeType="tmRoot">
+          <p:childTnLst>
+            <p:seq concurrent="1" nextAc="seek">
+              <p:cTn id="2" dur="indefinite" nodeType="mainSeq">
+                <p:childTnLst>
+                  <p:par>
+                    <p:cTn id="3" fill="hold">
+                      <p:stCondLst>
+                        <p:cond delay="indefinite"/>
+                      </p:stCondLst>
+                      <p:childTnLst>
+                        <p:par>
+                          <p:cTn id="4" fill="hold">
+                            <p:stCondLst>
+                              <p:cond delay="0"/>
+                            </p:stCondLst>
+                            <p:childTnLst>
+                              <p:par>
+                                <p:cTn id="5" presetID="1" presetClass="entr" presetSubtype="0" fill="hold" nodeType="clickEffect">
+                                  <p:stCondLst>
+                                    <p:cond delay="0"/>
+                                  </p:stCondLst>
+                                  <p:childTnLst>
+                                    <p:set>
+                                      <p:cBhvr>
+                                        <p:cTn id="6" dur="1" fill="hold">
+                                          <p:stCondLst>
+                                            <p:cond delay="0"/>
+                                          </p:stCondLst>
+                                        </p:cTn>
+                                        <p:tgtEl>
+                                          <p:spTgt spid="8"/>
+                                        </p:tgtEl>
+                                        <p:attrNameLst>
+                                          <p:attrName>style.visibility</p:attrName>
+                                        </p:attrNameLst>
+                                      </p:cBhvr>
+                                      <p:to>
+                                        <p:strVal val="visible"/>
+                                      </p:to>
+                                    </p:set>
+                                  </p:childTnLst>
+                                </p:cTn>
+                              </p:par>
+                              <p:par>
+                                <p:cTn id="7" presetID="1" presetClass="entr" presetSubtype="0" fill="hold" nodeType="withEffect">
+                                  <p:stCondLst>
+                                    <p:cond delay="0"/>
+                                  </p:stCondLst>
+                                  <p:childTnLst>
+                                    <p:set>
+                                      <p:cBhvr>
+                                        <p:cTn id="8" dur="1" fill="hold">
+                                          <p:stCondLst>
+                                            <p:cond delay="0"/>
+                                          </p:stCondLst>
+                                        </p:cTn>
+                                        <p:tgtEl>
+                                          <p:spTgt spid="9"/>
+                                        </p:tgtEl>
+                                        <p:attrNameLst>
+                                          <p:attrName>style.visibility</p:attrName>
+                                        </p:attrNameLst>
+                                      </p:cBhvr>
+                                      <p:to>
+                                        <p:strVal val="visible"/>
+                                      </p:to>
+                                    </p:set>
+                                  </p:childTnLst>
+                                </p:cTn>
+                              </p:par>
+                              <p:par>
+                                <p:cTn id="9" presetID="1" presetClass="entr" presetSubtype="0" fill="hold" nodeType="withEffect">
+                                  <p:stCondLst>
+                                    <p:cond delay="0"/>
+                                  </p:stCondLst>
+                                  <p:childTnLst>
+                                    <p:set>
+                                      <p:cBhvr>
+                                        <p:cTn id="10" dur="1" fill="hold">
+                                          <p:stCondLst>
+                                            <p:cond delay="0"/>
+                                          </p:stCondLst>
+                                        </p:cTn>
+                                        <p:tgtEl>
+                                          <p:spTgt spid="10"/>
+                                        </p:tgtEl>
+                                        <p:attrNameLst>
+                                          <p:attrName>style.visibility</p:attrName>
+                                        </p:attrNameLst>
+                                      </p:cBhvr>
+                                      <p:to>
+                                        <p:strVal val="visible"/>
+                                      </p:to>
+                                    </p:set>
+                                  </p:childTnLst>
+                                </p:cTn>
+                              </p:par>
+                              <p:par>
+                                <p:cTn id="11" presetID="1" presetClass="entr" presetSubtype="0" fill="hold" nodeType="withEffect">
+                                  <p:stCondLst>
+                                    <p:cond delay="0"/>
+                                  </p:stCondLst>
+                                  <p:childTnLst>
+                                    <p:set>
+                                      <p:cBhvr>
+                                        <p:cTn id="12" dur="1" fill="hold">
+                                          <p:stCondLst>
+                                            <p:cond delay="0"/>
+                                          </p:stCondLst>
+                                        </p:cTn>
+                                        <p:tgtEl>
+                                          <p:spTgt spid="11"/>
+                                        </p:tgtEl>
+                                        <p:attrNameLst>
+                                          <p:attrName>style.visibility</p:attrName>
+                                        </p:attrNameLst>
+                                      </p:cBhvr>
+                                      <p:to>
+                                        <p:strVal val="visible"/>
+                                      </p:to>
+                                    </p:set>
+                                  </p:childTnLst>
+                                </p:cTn>
+                              </p:par>
+                              <p:par>
+                                <p:cTn id="13" presetID="1" presetClass="entr" presetSubtype="0" fill="hold" nodeType="withEffect">
+                                  <p:stCondLst>
+                                    <p:cond delay="0"/>
+                                  </p:stCondLst>
+                                  <p:childTnLst>
+                                    <p:set>
+                                      <p:cBhvr>
+                                        <p:cTn id="14" dur="1" fill="hold">
+                                          <p:stCondLst>
+                                            <p:cond delay="0"/>
+                                          </p:stCondLst>
+                                        </p:cTn>
+                                        <p:tgtEl>
+                                          <p:spTgt spid="5"/>
+                                        </p:tgtEl>
+                                        <p:attrNameLst>
+                                          <p:attrName>style.visibility</p:attrName>
+                                        </p:attrNameLst>
+                                      </p:cBhvr>
+                                      <p:to>
+                                        <p:strVal val="visible"/>
+                                      </p:to>
+                                    </p:set>
+                                  </p:childTnLst>
+                                </p:cTn>
+                              </p:par>
+                            </p:childTnLst>
+                          </p:cTn>
+                        </p:par>
+                      </p:childTnLst>
+                    </p:cTn>
+                  </p:par>
+                  <p:par>
+                    <p:cTn id="15" fill="hold">
+                      <p:stCondLst>
+                        <p:cond delay="indefinite"/>
+                      </p:stCondLst>
+                      <p:childTnLst>
+                        <p:par>
+                          <p:cTn id="16" fill="hold">
+                            <p:stCondLst>
+                              <p:cond delay="0"/>
+                            </p:stCondLst>
+                            <p:childTnLst>
+                              <p:par>
+                                <p:cTn id="17" presetID="1" presetClass="entr" presetSubtype="0" fill="hold" nodeType="clickEffect">
+                                  <p:stCondLst>
+                                    <p:cond delay="0"/>
+                                  </p:stCondLst>
+                                  <p:childTnLst>
+                                    <p:set>
+                                      <p:cBhvr>
+                                        <p:cTn id="18" dur="1" fill="hold">
+                                          <p:stCondLst>
+                                            <p:cond delay="0"/>
+                                          </p:stCondLst>
+                                        </p:cTn>
+                                        <p:tgtEl>
+                                          <p:spTgt spid="13"/>
+                                        </p:tgtEl>
+                                        <p:attrNameLst>
+                                          <p:attrName>style.visibility</p:attrName>
+                                        </p:attrNameLst>
+                                      </p:cBhvr>
+                                      <p:to>
+                                        <p:strVal val="visible"/>
+                                      </p:to>
+                                    </p:set>
+                                  </p:childTnLst>
+                                </p:cTn>
+                              </p:par>
+                              <p:par>
+                                <p:cTn id="19" presetID="1" presetClass="entr" presetSubtype="0" fill="hold" nodeType="withEffect">
+                                  <p:stCondLst>
+                                    <p:cond delay="0"/>
+                                  </p:stCondLst>
+                                  <p:childTnLst>
+                                    <p:set>
+                                      <p:cBhvr>
+                                        <p:cTn id="20" dur="1" fill="hold">
+                                          <p:stCondLst>
+                                            <p:cond delay="0"/>
+                                          </p:stCondLst>
+                                        </p:cTn>
+                                        <p:tgtEl>
+                                          <p:spTgt spid="14"/>
+                                        </p:tgtEl>
+                                        <p:attrNameLst>
+                                          <p:attrName>style.visibility</p:attrName>
+                                        </p:attrNameLst>
+                                      </p:cBhvr>
+                                      <p:to>
+                                        <p:strVal val="visible"/>
+                                      </p:to>
+                                    </p:set>
+                                  </p:childTnLst>
+                                </p:cTn>
+                              </p:par>
+                              <p:par>
+                                <p:cTn id="21" presetID="1" presetClass="entr" presetSubtype="0" fill="hold" nodeType="withEffect">
+                                  <p:stCondLst>
+                                    <p:cond delay="0"/>
+                                  </p:stCondLst>
+                                  <p:childTnLst>
+                                    <p:set>
+                                      <p:cBhvr>
+                                        <p:cTn id="22" dur="1" fill="hold">
+                                          <p:stCondLst>
+                                            <p:cond delay="0"/>
+                                          </p:stCondLst>
+                                        </p:cTn>
+                                        <p:tgtEl>
+                                          <p:spTgt spid="15"/>
+                                        </p:tgtEl>
+                                        <p:attrNameLst>
+                                          <p:attrName>style.visibility</p:attrName>
+                                        </p:attrNameLst>
+                                      </p:cBhvr>
+                                      <p:to>
+                                        <p:strVal val="visible"/>
+                                      </p:to>
+                                    </p:set>
+                                  </p:childTnLst>
+                                </p:cTn>
+                              </p:par>
+                              <p:par>
+                                <p:cTn id="23" presetID="1" presetClass="entr" presetSubtype="0" fill="hold" nodeType="withEffect">
+                                  <p:stCondLst>
+                                    <p:cond delay="0"/>
+                                  </p:stCondLst>
+                                  <p:childTnLst>
+                                    <p:set>
+                                      <p:cBhvr>
+                                        <p:cTn id="24" dur="1" fill="hold">
+                                          <p:stCondLst>
+                                            <p:cond delay="0"/>
+                                          </p:stCondLst>
+                                        </p:cTn>
+                                        <p:tgtEl>
+                                          <p:spTgt spid="16"/>
+                                        </p:tgtEl>
+                                        <p:attrNameLst>
+                                          <p:attrName>style.visibility</p:attrName>
+                                        </p:attrNameLst>
+                                      </p:cBhvr>
+                                      <p:to>
+                                        <p:strVal val="visible"/>
+                                      </p:to>
+                                    </p:set>
+                                  </p:childTnLst>
+                                </p:cTn>
+                              </p:par>
+                              <p:par>
+                                <p:cTn id="25" presetID="1" presetClass="entr" presetSubtype="0" fill="hold" nodeType="withEffect">
+                                  <p:stCondLst>
+                                    <p:cond delay="0"/>
+                                  </p:stCondLst>
+                                  <p:childTnLst>
+                                    <p:set>
+                                      <p:cBhvr>
+                                        <p:cTn id="26" dur="1" fill="hold">
+                                          <p:stCondLst>
+                                            <p:cond delay="0"/>
+                                          </p:stCondLst>
+                                        </p:cTn>
+                                        <p:tgtEl>
+                                          <p:spTgt spid="17"/>
+                                        </p:tgtEl>
+                                        <p:attrNameLst>
+                                          <p:attrName>style.visibility</p:attrName>
+                                        </p:attrNameLst>
+                                      </p:cBhvr>
+                                      <p:to>
+                                        <p:strVal val="visible"/>
+                                      </p:to>
+                                    </p:set>
+                                  </p:childTnLst>
+                                </p:cTn>
+                              </p:par>
+                            </p:childTnLst>
+                          </p:cTn>
+                        </p:par>
+                      </p:childTnLst>
+                    </p:cTn>
+                  </p:par>
+                </p:childTnLst>
+              </p:cTn>
+              <p:prevCondLst>
+                <p:cond evt="onPrev" delay="0">
+                  <p:tgtEl>
+                    <p:sldTgt/>
+                  </p:tgtEl>
+                </p:cond>
+              </p:prevCondLst>
+              <p:nextCondLst>
+                <p:cond evt="onNext" delay="0">
+                  <p:tgtEl>
+                    <p:sldTgt/>
+                  </p:tgtEl>
+                </p:cond>
+              </p:nextCondLst>
+            </p:seq>
+          </p:childTnLst>
+        </p:cTn>
+      </p:par>
+    </p:tnLst>
+  </p:timing>
 </p:sld>
 </file>
 
@@ -16296,6 +17032,84 @@
           </a:p>
         </p:txBody>
       </p:sp>
+      <p:cxnSp>
+        <p:nvCxnSpPr>
+          <p:cNvPr id="9" name="Straight Arrow Connector 8">
+            <a:extLst>
+              <a:ext uri="{FF2B5EF4-FFF2-40B4-BE49-F238E27FC236}">
+                <a16:creationId xmlns:a16="http://schemas.microsoft.com/office/drawing/2014/main" id="{A141CA27-2EAD-4742-B5EF-A5455F031E4E}"/>
+              </a:ext>
+            </a:extLst>
+          </p:cNvPr>
+          <p:cNvCxnSpPr/>
+          <p:nvPr/>
+        </p:nvCxnSpPr>
+        <p:spPr>
+          <a:xfrm>
+            <a:off x="846468" y="6011890"/>
+            <a:ext cx="190500" cy="0"/>
+          </a:xfrm>
+          <a:prstGeom prst="straightConnector1">
+            <a:avLst/>
+          </a:prstGeom>
+          <a:ln>
+            <a:tailEnd type="triangle"/>
+          </a:ln>
+        </p:spPr>
+        <p:style>
+          <a:lnRef idx="1">
+            <a:schemeClr val="dk1"/>
+          </a:lnRef>
+          <a:fillRef idx="0">
+            <a:schemeClr val="dk1"/>
+          </a:fillRef>
+          <a:effectRef idx="0">
+            <a:schemeClr val="dk1"/>
+          </a:effectRef>
+          <a:fontRef idx="minor">
+            <a:schemeClr val="tx1"/>
+          </a:fontRef>
+        </p:style>
+      </p:cxnSp>
+      <p:cxnSp>
+        <p:nvCxnSpPr>
+          <p:cNvPr id="11" name="Straight Arrow Connector 10">
+            <a:extLst>
+              <a:ext uri="{FF2B5EF4-FFF2-40B4-BE49-F238E27FC236}">
+                <a16:creationId xmlns:a16="http://schemas.microsoft.com/office/drawing/2014/main" id="{E24A1B23-C1BF-4716-B249-2759055232CE}"/>
+              </a:ext>
+            </a:extLst>
+          </p:cNvPr>
+          <p:cNvCxnSpPr/>
+          <p:nvPr/>
+        </p:nvCxnSpPr>
+        <p:spPr>
+          <a:xfrm>
+            <a:off x="846468" y="6088381"/>
+            <a:ext cx="190500" cy="0"/>
+          </a:xfrm>
+          <a:prstGeom prst="straightConnector1">
+            <a:avLst/>
+          </a:prstGeom>
+          <a:ln>
+            <a:tailEnd type="triangle"/>
+          </a:ln>
+        </p:spPr>
+        <p:style>
+          <a:lnRef idx="1">
+            <a:schemeClr val="dk1"/>
+          </a:lnRef>
+          <a:fillRef idx="0">
+            <a:schemeClr val="dk1"/>
+          </a:fillRef>
+          <a:effectRef idx="0">
+            <a:schemeClr val="dk1"/>
+          </a:effectRef>
+          <a:fontRef idx="minor">
+            <a:schemeClr val="tx1"/>
+          </a:fontRef>
+        </p:style>
+      </p:cxnSp>
     </p:spTree>
     <p:extLst>
       <p:ext uri="{BB962C8B-B14F-4D97-AF65-F5344CB8AC3E}">
@@ -16306,6 +17120,108 @@
   <p:clrMapOvr>
     <a:masterClrMapping/>
   </p:clrMapOvr>
+  <p:timing>
+    <p:tnLst>
+      <p:par>
+        <p:cTn id="1" dur="indefinite" restart="never" nodeType="tmRoot">
+          <p:childTnLst>
+            <p:seq concurrent="1" nextAc="seek">
+              <p:cTn id="2" dur="indefinite" nodeType="mainSeq">
+                <p:childTnLst>
+                  <p:par>
+                    <p:cTn id="3" fill="hold">
+                      <p:stCondLst>
+                        <p:cond delay="indefinite"/>
+                      </p:stCondLst>
+                      <p:childTnLst>
+                        <p:par>
+                          <p:cTn id="4" fill="hold">
+                            <p:stCondLst>
+                              <p:cond delay="0"/>
+                            </p:stCondLst>
+                            <p:childTnLst>
+                              <p:par>
+                                <p:cTn id="5" presetID="1" presetClass="entr" presetSubtype="0" fill="hold" nodeType="clickEffect">
+                                  <p:stCondLst>
+                                    <p:cond delay="0"/>
+                                  </p:stCondLst>
+                                  <p:childTnLst>
+                                    <p:set>
+                                      <p:cBhvr>
+                                        <p:cTn id="6" dur="1" fill="hold">
+                                          <p:stCondLst>
+                                            <p:cond delay="0"/>
+                                          </p:stCondLst>
+                                        </p:cTn>
+                                        <p:tgtEl>
+                                          <p:spTgt spid="9"/>
+                                        </p:tgtEl>
+                                        <p:attrNameLst>
+                                          <p:attrName>style.visibility</p:attrName>
+                                        </p:attrNameLst>
+                                      </p:cBhvr>
+                                      <p:to>
+                                        <p:strVal val="visible"/>
+                                      </p:to>
+                                    </p:set>
+                                  </p:childTnLst>
+                                </p:cTn>
+                              </p:par>
+                              <p:par>
+                                <p:cTn id="7" presetID="1" presetClass="entr" presetSubtype="0" fill="hold" nodeType="withEffect">
+                                  <p:stCondLst>
+                                    <p:cond delay="0"/>
+                                  </p:stCondLst>
+                                  <p:childTnLst>
+                                    <p:set>
+                                      <p:cBhvr>
+                                        <p:cTn id="8" dur="1" fill="hold">
+                                          <p:stCondLst>
+                                            <p:cond delay="0"/>
+                                          </p:stCondLst>
+                                        </p:cTn>
+                                        <p:tgtEl>
+                                          <p:spTgt spid="11"/>
+                                        </p:tgtEl>
+                                        <p:attrNameLst>
+                                          <p:attrName>style.visibility</p:attrName>
+                                        </p:attrNameLst>
+                                      </p:cBhvr>
+                                      <p:to>
+                                        <p:strVal val="visible"/>
+                                      </p:to>
+                                    </p:set>
+                                  </p:childTnLst>
+                                </p:cTn>
+                              </p:par>
+                            </p:childTnLst>
+                          </p:cTn>
+                        </p:par>
+                      </p:childTnLst>
+                    </p:cTn>
+                  </p:par>
+                </p:childTnLst>
+              </p:cTn>
+              <p:prevCondLst>
+                <p:cond evt="onPrev" delay="0">
+                  <p:tgtEl>
+                    <p:sldTgt/>
+                  </p:tgtEl>
+                </p:cond>
+              </p:prevCondLst>
+              <p:nextCondLst>
+                <p:cond evt="onNext" delay="0">
+                  <p:tgtEl>
+                    <p:sldTgt/>
+                  </p:tgtEl>
+                </p:cond>
+              </p:nextCondLst>
+            </p:seq>
+          </p:childTnLst>
+        </p:cTn>
+      </p:par>
+    </p:tnLst>
+  </p:timing>
 </p:sld>
 </file>
 
@@ -16517,6 +17433,133 @@
           </a:p>
         </p:txBody>
       </p:sp>
+      <p:cxnSp>
+        <p:nvCxnSpPr>
+          <p:cNvPr id="6" name="Straight Arrow Connector 5">
+            <a:extLst>
+              <a:ext uri="{FF2B5EF4-FFF2-40B4-BE49-F238E27FC236}">
+                <a16:creationId xmlns:a16="http://schemas.microsoft.com/office/drawing/2014/main" id="{206CF37A-A1C9-4402-A247-A7A4A26CBF2B}"/>
+              </a:ext>
+            </a:extLst>
+          </p:cNvPr>
+          <p:cNvCxnSpPr/>
+          <p:nvPr/>
+        </p:nvCxnSpPr>
+        <p:spPr>
+          <a:xfrm>
+            <a:off x="751070" y="6121510"/>
+            <a:ext cx="182880" cy="0"/>
+          </a:xfrm>
+          <a:prstGeom prst="straightConnector1">
+            <a:avLst/>
+          </a:prstGeom>
+          <a:ln>
+            <a:tailEnd type="triangle"/>
+          </a:ln>
+        </p:spPr>
+        <p:style>
+          <a:lnRef idx="1">
+            <a:schemeClr val="dk1"/>
+          </a:lnRef>
+          <a:fillRef idx="0">
+            <a:schemeClr val="dk1"/>
+          </a:fillRef>
+          <a:effectRef idx="0">
+            <a:schemeClr val="dk1"/>
+          </a:effectRef>
+          <a:fontRef idx="minor">
+            <a:schemeClr val="tx1"/>
+          </a:fontRef>
+        </p:style>
+      </p:cxnSp>
+      <p:cxnSp>
+        <p:nvCxnSpPr>
+          <p:cNvPr id="8" name="Straight Arrow Connector 7">
+            <a:extLst>
+              <a:ext uri="{FF2B5EF4-FFF2-40B4-BE49-F238E27FC236}">
+                <a16:creationId xmlns:a16="http://schemas.microsoft.com/office/drawing/2014/main" id="{48823947-7BF7-4DC7-9BFB-069A0660DE5E}"/>
+              </a:ext>
+            </a:extLst>
+          </p:cNvPr>
+          <p:cNvCxnSpPr/>
+          <p:nvPr/>
+        </p:nvCxnSpPr>
+        <p:spPr>
+          <a:xfrm>
+            <a:off x="751070" y="2844910"/>
+            <a:ext cx="182880" cy="0"/>
+          </a:xfrm>
+          <a:prstGeom prst="straightConnector1">
+            <a:avLst/>
+          </a:prstGeom>
+          <a:ln>
+            <a:solidFill>
+              <a:schemeClr val="tx2">
+                <a:lumMod val="75000"/>
+              </a:schemeClr>
+            </a:solidFill>
+            <a:tailEnd type="triangle"/>
+          </a:ln>
+        </p:spPr>
+        <p:style>
+          <a:lnRef idx="1">
+            <a:schemeClr val="dk1"/>
+          </a:lnRef>
+          <a:fillRef idx="0">
+            <a:schemeClr val="dk1"/>
+          </a:fillRef>
+          <a:effectRef idx="0">
+            <a:schemeClr val="dk1"/>
+          </a:effectRef>
+          <a:fontRef idx="minor">
+            <a:schemeClr val="tx1"/>
+          </a:fontRef>
+        </p:style>
+      </p:cxnSp>
+      <p:cxnSp>
+        <p:nvCxnSpPr>
+          <p:cNvPr id="9" name="Straight Arrow Connector 8">
+            <a:extLst>
+              <a:ext uri="{FF2B5EF4-FFF2-40B4-BE49-F238E27FC236}">
+                <a16:creationId xmlns:a16="http://schemas.microsoft.com/office/drawing/2014/main" id="{3D6840C9-E54B-4BE7-B9DC-9F882D4393B0}"/>
+              </a:ext>
+            </a:extLst>
+          </p:cNvPr>
+          <p:cNvCxnSpPr/>
+          <p:nvPr/>
+        </p:nvCxnSpPr>
+        <p:spPr>
+          <a:xfrm>
+            <a:off x="751070" y="5443330"/>
+            <a:ext cx="182880" cy="0"/>
+          </a:xfrm>
+          <a:prstGeom prst="straightConnector1">
+            <a:avLst/>
+          </a:prstGeom>
+          <a:ln>
+            <a:solidFill>
+              <a:schemeClr val="tx2">
+                <a:lumMod val="75000"/>
+              </a:schemeClr>
+            </a:solidFill>
+            <a:tailEnd type="triangle"/>
+          </a:ln>
+        </p:spPr>
+        <p:style>
+          <a:lnRef idx="1">
+            <a:schemeClr val="dk1"/>
+          </a:lnRef>
+          <a:fillRef idx="0">
+            <a:schemeClr val="dk1"/>
+          </a:fillRef>
+          <a:effectRef idx="0">
+            <a:schemeClr val="dk1"/>
+          </a:effectRef>
+          <a:fontRef idx="minor">
+            <a:schemeClr val="tx1"/>
+          </a:fontRef>
+        </p:style>
+      </p:cxnSp>
     </p:spTree>
     <p:extLst>
       <p:ext uri="{BB962C8B-B14F-4D97-AF65-F5344CB8AC3E}">
@@ -16527,6 +17570,153 @@
   <p:clrMapOvr>
     <a:masterClrMapping/>
   </p:clrMapOvr>
+  <p:timing>
+    <p:tnLst>
+      <p:par>
+        <p:cTn id="1" dur="indefinite" restart="never" nodeType="tmRoot">
+          <p:childTnLst>
+            <p:seq concurrent="1" nextAc="seek">
+              <p:cTn id="2" dur="indefinite" nodeType="mainSeq">
+                <p:childTnLst>
+                  <p:par>
+                    <p:cTn id="3" fill="hold">
+                      <p:stCondLst>
+                        <p:cond delay="indefinite"/>
+                      </p:stCondLst>
+                      <p:childTnLst>
+                        <p:par>
+                          <p:cTn id="4" fill="hold">
+                            <p:stCondLst>
+                              <p:cond delay="0"/>
+                            </p:stCondLst>
+                            <p:childTnLst>
+                              <p:par>
+                                <p:cTn id="5" presetID="1" presetClass="entr" presetSubtype="0" fill="hold" nodeType="clickEffect">
+                                  <p:stCondLst>
+                                    <p:cond delay="0"/>
+                                  </p:stCondLst>
+                                  <p:childTnLst>
+                                    <p:set>
+                                      <p:cBhvr>
+                                        <p:cTn id="6" dur="1" fill="hold">
+                                          <p:stCondLst>
+                                            <p:cond delay="0"/>
+                                          </p:stCondLst>
+                                        </p:cTn>
+                                        <p:tgtEl>
+                                          <p:spTgt spid="6"/>
+                                        </p:tgtEl>
+                                        <p:attrNameLst>
+                                          <p:attrName>style.visibility</p:attrName>
+                                        </p:attrNameLst>
+                                      </p:cBhvr>
+                                      <p:to>
+                                        <p:strVal val="visible"/>
+                                      </p:to>
+                                    </p:set>
+                                  </p:childTnLst>
+                                </p:cTn>
+                              </p:par>
+                            </p:childTnLst>
+                          </p:cTn>
+                        </p:par>
+                      </p:childTnLst>
+                    </p:cTn>
+                  </p:par>
+                  <p:par>
+                    <p:cTn id="7" fill="hold">
+                      <p:stCondLst>
+                        <p:cond delay="indefinite"/>
+                      </p:stCondLst>
+                      <p:childTnLst>
+                        <p:par>
+                          <p:cTn id="8" fill="hold">
+                            <p:stCondLst>
+                              <p:cond delay="0"/>
+                            </p:stCondLst>
+                            <p:childTnLst>
+                              <p:par>
+                                <p:cTn id="9" presetID="1" presetClass="entr" presetSubtype="0" fill="hold" nodeType="clickEffect">
+                                  <p:stCondLst>
+                                    <p:cond delay="0"/>
+                                  </p:stCondLst>
+                                  <p:childTnLst>
+                                    <p:set>
+                                      <p:cBhvr>
+                                        <p:cTn id="10" dur="1" fill="hold">
+                                          <p:stCondLst>
+                                            <p:cond delay="0"/>
+                                          </p:stCondLst>
+                                        </p:cTn>
+                                        <p:tgtEl>
+                                          <p:spTgt spid="8"/>
+                                        </p:tgtEl>
+                                        <p:attrNameLst>
+                                          <p:attrName>style.visibility</p:attrName>
+                                        </p:attrNameLst>
+                                      </p:cBhvr>
+                                      <p:to>
+                                        <p:strVal val="visible"/>
+                                      </p:to>
+                                    </p:set>
+                                  </p:childTnLst>
+                                </p:cTn>
+                              </p:par>
+                              <p:par>
+                                <p:cTn id="11" presetID="1" presetClass="entr" presetSubtype="0" fill="hold" nodeType="withEffect">
+                                  <p:stCondLst>
+                                    <p:cond delay="0"/>
+                                  </p:stCondLst>
+                                  <p:childTnLst>
+                                    <p:set>
+                                      <p:cBhvr>
+                                        <p:cTn id="12" dur="1" fill="hold">
+                                          <p:stCondLst>
+                                            <p:cond delay="0"/>
+                                          </p:stCondLst>
+                                        </p:cTn>
+                                        <p:tgtEl>
+                                          <p:spTgt spid="9"/>
+                                        </p:tgtEl>
+                                        <p:attrNameLst>
+                                          <p:attrName>style.visibility</p:attrName>
+                                        </p:attrNameLst>
+                                      </p:cBhvr>
+                                      <p:to>
+                                        <p:strVal val="visible"/>
+                                      </p:to>
+                                    </p:set>
+                                  </p:childTnLst>
+                                </p:cTn>
+                              </p:par>
+                            </p:childTnLst>
+                          </p:cTn>
+                        </p:par>
+                      </p:childTnLst>
+                    </p:cTn>
+                  </p:par>
+                </p:childTnLst>
+              </p:cTn>
+              <p:prevCondLst>
+                <p:cond evt="onPrev" delay="0">
+                  <p:tgtEl>
+                    <p:sldTgt/>
+                  </p:tgtEl>
+                </p:cond>
+              </p:prevCondLst>
+              <p:nextCondLst>
+                <p:cond evt="onNext" delay="0">
+                  <p:tgtEl>
+                    <p:sldTgt/>
+                  </p:tgtEl>
+                </p:cond>
+              </p:nextCondLst>
+            </p:seq>
+          </p:childTnLst>
+        </p:cTn>
+      </p:par>
+    </p:tnLst>
+  </p:timing>
 </p:sld>
 </file>
 
@@ -16706,7 +17896,7 @@
             </a:ln>
             <a:extLst>
               <a:ext uri="{91240B29-F687-4f45-9708-019B960494DF}">
-                <a14:hiddenLine xmlns="" xmlns:a14="http://schemas.microsoft.com/office/drawing/2010/main" xmlns:p14="http://schemas.microsoft.com/office/powerpoint/2010/main" xmlns:a16="http://schemas.microsoft.com/office/drawing/2014/main" w="9525">
+                <a14:hiddenLine xmlns:a16="http://schemas.microsoft.com/office/drawing/2014/main" xmlns:p14="http://schemas.microsoft.com/office/powerpoint/2010/main" xmlns:a14="http://schemas.microsoft.com/office/drawing/2010/main" xmlns="" w="9525">
                   <a:solidFill>
                     <a:srgbClr val="000000"/>
                   </a:solidFill>
@@ -16811,7 +18001,7 @@
             </a:ln>
             <a:extLst>
               <a:ext uri="{91240B29-F687-4f45-9708-019B960494DF}">
-                <a14:hiddenLine xmlns="" xmlns:a14="http://schemas.microsoft.com/office/drawing/2010/main" xmlns:p14="http://schemas.microsoft.com/office/powerpoint/2010/main" xmlns:a16="http://schemas.microsoft.com/office/drawing/2014/main" w="9525">
+                <a14:hiddenLine xmlns:a16="http://schemas.microsoft.com/office/drawing/2014/main" xmlns:p14="http://schemas.microsoft.com/office/powerpoint/2010/main" xmlns:a14="http://schemas.microsoft.com/office/drawing/2010/main" xmlns="" w="9525">
                   <a:solidFill>
                     <a:srgbClr val="000000"/>
                   </a:solidFill>
@@ -16916,7 +18106,7 @@
             </a:ln>
             <a:extLst>
               <a:ext uri="{91240B29-F687-4f45-9708-019B960494DF}">
-                <a14:hiddenLine xmlns="" xmlns:a14="http://schemas.microsoft.com/office/drawing/2010/main" xmlns:p14="http://schemas.microsoft.com/office/powerpoint/2010/main" xmlns:a16="http://schemas.microsoft.com/office/drawing/2014/main" w="9525">
+                <a14:hiddenLine xmlns:a16="http://schemas.microsoft.com/office/drawing/2014/main" xmlns:p14="http://schemas.microsoft.com/office/powerpoint/2010/main" xmlns:a14="http://schemas.microsoft.com/office/drawing/2010/main" xmlns="" w="9525">
                   <a:solidFill>
                     <a:srgbClr val="000000"/>
                   </a:solidFill>
@@ -16993,7 +18183,7 @@
             </a:ln>
             <a:extLst>
               <a:ext uri="{91240B29-F687-4f45-9708-019B960494DF}">
-                <a14:hiddenLine xmlns="" xmlns:a14="http://schemas.microsoft.com/office/drawing/2010/main" xmlns:p14="http://schemas.microsoft.com/office/powerpoint/2010/main" xmlns:a16="http://schemas.microsoft.com/office/drawing/2014/main" w="9525">
+                <a14:hiddenLine xmlns:a16="http://schemas.microsoft.com/office/drawing/2014/main" xmlns:p14="http://schemas.microsoft.com/office/powerpoint/2010/main" xmlns:a14="http://schemas.microsoft.com/office/drawing/2010/main" xmlns="" w="9525">
                   <a:solidFill>
                     <a:srgbClr val="000000"/>
                   </a:solidFill>
@@ -17098,7 +18288,7 @@
             </a:ln>
             <a:extLst>
               <a:ext uri="{91240B29-F687-4f45-9708-019B960494DF}">
-                <a14:hiddenLine xmlns="" xmlns:a14="http://schemas.microsoft.com/office/drawing/2010/main" xmlns:p14="http://schemas.microsoft.com/office/powerpoint/2010/main" xmlns:a16="http://schemas.microsoft.com/office/drawing/2014/main" w="9525">
+                <a14:hiddenLine xmlns:a16="http://schemas.microsoft.com/office/drawing/2014/main" xmlns:p14="http://schemas.microsoft.com/office/powerpoint/2010/main" xmlns:a14="http://schemas.microsoft.com/office/drawing/2010/main" xmlns="" w="9525">
                   <a:solidFill>
                     <a:srgbClr val="000000"/>
                   </a:solidFill>
@@ -17175,7 +18365,7 @@
             </a:ln>
             <a:extLst>
               <a:ext uri="{91240B29-F687-4f45-9708-019B960494DF}">
-                <a14:hiddenLine xmlns="" xmlns:a14="http://schemas.microsoft.com/office/drawing/2010/main" xmlns:p14="http://schemas.microsoft.com/office/powerpoint/2010/main" xmlns:a16="http://schemas.microsoft.com/office/drawing/2014/main" w="9525">
+                <a14:hiddenLine xmlns:a16="http://schemas.microsoft.com/office/drawing/2014/main" xmlns:p14="http://schemas.microsoft.com/office/powerpoint/2010/main" xmlns:a14="http://schemas.microsoft.com/office/drawing/2010/main" xmlns="" w="9525">
                   <a:solidFill>
                     <a:srgbClr val="000000"/>
                   </a:solidFill>
@@ -17252,7 +18442,7 @@
             </a:ln>
             <a:extLst>
               <a:ext uri="{91240B29-F687-4f45-9708-019B960494DF}">
-                <a14:hiddenLine xmlns="" xmlns:a14="http://schemas.microsoft.com/office/drawing/2010/main" xmlns:p14="http://schemas.microsoft.com/office/powerpoint/2010/main" xmlns:a16="http://schemas.microsoft.com/office/drawing/2014/main" w="9525">
+                <a14:hiddenLine xmlns:a16="http://schemas.microsoft.com/office/drawing/2014/main" xmlns:p14="http://schemas.microsoft.com/office/powerpoint/2010/main" xmlns:a14="http://schemas.microsoft.com/office/drawing/2010/main" xmlns="" w="9525">
                   <a:solidFill>
                     <a:srgbClr val="000000"/>
                   </a:solidFill>
@@ -17357,7 +18547,7 @@
             </a:ln>
             <a:extLst>
               <a:ext uri="{91240B29-F687-4f45-9708-019B960494DF}">
-                <a14:hiddenLine xmlns="" xmlns:a14="http://schemas.microsoft.com/office/drawing/2010/main" xmlns:p14="http://schemas.microsoft.com/office/powerpoint/2010/main" xmlns:a16="http://schemas.microsoft.com/office/drawing/2014/main" w="9525">
+                <a14:hiddenLine xmlns:a16="http://schemas.microsoft.com/office/drawing/2014/main" xmlns:p14="http://schemas.microsoft.com/office/powerpoint/2010/main" xmlns:a14="http://schemas.microsoft.com/office/drawing/2010/main" xmlns="" w="9525">
                   <a:solidFill>
                     <a:srgbClr val="000000"/>
                   </a:solidFill>
@@ -17462,7 +18652,7 @@
             </a:ln>
             <a:extLst>
               <a:ext uri="{91240B29-F687-4f45-9708-019B960494DF}">
-                <a14:hiddenLine xmlns="" xmlns:a14="http://schemas.microsoft.com/office/drawing/2010/main" xmlns:p14="http://schemas.microsoft.com/office/powerpoint/2010/main" xmlns:a16="http://schemas.microsoft.com/office/drawing/2014/main" w="9525">
+                <a14:hiddenLine xmlns:a16="http://schemas.microsoft.com/office/drawing/2014/main" xmlns:p14="http://schemas.microsoft.com/office/powerpoint/2010/main" xmlns:a14="http://schemas.microsoft.com/office/drawing/2010/main" xmlns="" w="9525">
                   <a:solidFill>
                     <a:srgbClr val="000000"/>
                   </a:solidFill>
@@ -17539,7 +18729,7 @@
             </a:ln>
             <a:extLst>
               <a:ext uri="{91240B29-F687-4f45-9708-019B960494DF}">
-                <a14:hiddenLine xmlns="" xmlns:a14="http://schemas.microsoft.com/office/drawing/2010/main" xmlns:p14="http://schemas.microsoft.com/office/powerpoint/2010/main" xmlns:a16="http://schemas.microsoft.com/office/drawing/2014/main" w="9525">
+                <a14:hiddenLine xmlns:a16="http://schemas.microsoft.com/office/drawing/2014/main" xmlns:p14="http://schemas.microsoft.com/office/powerpoint/2010/main" xmlns:a14="http://schemas.microsoft.com/office/drawing/2010/main" xmlns="" w="9525">
                   <a:solidFill>
                     <a:srgbClr val="000000"/>
                   </a:solidFill>
@@ -17664,7 +18854,7 @@
             </a:ln>
             <a:extLst>
               <a:ext uri="{91240B29-F687-4f45-9708-019B960494DF}">
-                <a14:hiddenLine xmlns="" xmlns:a14="http://schemas.microsoft.com/office/drawing/2010/main" xmlns:p14="http://schemas.microsoft.com/office/powerpoint/2010/main" xmlns:a16="http://schemas.microsoft.com/office/drawing/2014/main" w="9525">
+                <a14:hiddenLine xmlns:a16="http://schemas.microsoft.com/office/drawing/2014/main" xmlns:p14="http://schemas.microsoft.com/office/powerpoint/2010/main" xmlns:a14="http://schemas.microsoft.com/office/drawing/2010/main" xmlns="" w="9525">
                   <a:solidFill>
                     <a:srgbClr val="000000"/>
                   </a:solidFill>
@@ -17778,7 +18968,7 @@
             </a:ln>
             <a:extLst>
               <a:ext uri="{91240B29-F687-4f45-9708-019B960494DF}">
-                <a14:hiddenLine xmlns="" xmlns:a14="http://schemas.microsoft.com/office/drawing/2010/main" xmlns:p14="http://schemas.microsoft.com/office/powerpoint/2010/main" xmlns:a16="http://schemas.microsoft.com/office/drawing/2014/main" w="9525">
+                <a14:hiddenLine xmlns:a16="http://schemas.microsoft.com/office/drawing/2014/main" xmlns:p14="http://schemas.microsoft.com/office/powerpoint/2010/main" xmlns:a14="http://schemas.microsoft.com/office/drawing/2010/main" xmlns="" w="9525">
                   <a:solidFill>
                     <a:srgbClr val="000000"/>
                   </a:solidFill>
@@ -17855,7 +19045,7 @@
             </a:ln>
             <a:extLst>
               <a:ext uri="{91240B29-F687-4f45-9708-019B960494DF}">
-                <a14:hiddenLine xmlns="" xmlns:a14="http://schemas.microsoft.com/office/drawing/2010/main" xmlns:p14="http://schemas.microsoft.com/office/powerpoint/2010/main" xmlns:a16="http://schemas.microsoft.com/office/drawing/2014/main" w="9525">
+                <a14:hiddenLine xmlns:a16="http://schemas.microsoft.com/office/drawing/2014/main" xmlns:p14="http://schemas.microsoft.com/office/powerpoint/2010/main" xmlns:a14="http://schemas.microsoft.com/office/drawing/2010/main" xmlns="" w="9525">
                   <a:solidFill>
                     <a:srgbClr val="000000"/>
                   </a:solidFill>
@@ -17932,7 +19122,7 @@
             </a:ln>
             <a:extLst>
               <a:ext uri="{91240B29-F687-4f45-9708-019B960494DF}">
-                <a14:hiddenLine xmlns="" xmlns:a14="http://schemas.microsoft.com/office/drawing/2010/main" xmlns:p14="http://schemas.microsoft.com/office/powerpoint/2010/main" xmlns:a16="http://schemas.microsoft.com/office/drawing/2014/main" w="9525">
+                <a14:hiddenLine xmlns:a16="http://schemas.microsoft.com/office/drawing/2014/main" xmlns:p14="http://schemas.microsoft.com/office/powerpoint/2010/main" xmlns:a14="http://schemas.microsoft.com/office/drawing/2010/main" xmlns="" w="9525">
                   <a:solidFill>
                     <a:srgbClr val="000000"/>
                   </a:solidFill>
@@ -18037,7 +19227,7 @@
             </a:ln>
             <a:extLst>
               <a:ext uri="{91240B29-F687-4f45-9708-019B960494DF}">
-                <a14:hiddenLine xmlns="" xmlns:a14="http://schemas.microsoft.com/office/drawing/2010/main" xmlns:p14="http://schemas.microsoft.com/office/powerpoint/2010/main" xmlns:a16="http://schemas.microsoft.com/office/drawing/2014/main" w="9525">
+                <a14:hiddenLine xmlns:a16="http://schemas.microsoft.com/office/drawing/2014/main" xmlns:p14="http://schemas.microsoft.com/office/powerpoint/2010/main" xmlns:a14="http://schemas.microsoft.com/office/drawing/2010/main" xmlns="" w="9525">
                   <a:solidFill>
                     <a:srgbClr val="000000"/>
                   </a:solidFill>
@@ -18086,7 +19276,7 @@
             </a:ln>
             <a:extLst>
               <a:ext uri="{91240B29-F687-4f45-9708-019B960494DF}">
-                <a14:hiddenLine xmlns="" xmlns:a14="http://schemas.microsoft.com/office/drawing/2010/main" xmlns:p14="http://schemas.microsoft.com/office/powerpoint/2010/main" xmlns:a16="http://schemas.microsoft.com/office/drawing/2014/main" w="9525">
+                <a14:hiddenLine xmlns:a16="http://schemas.microsoft.com/office/drawing/2014/main" xmlns:p14="http://schemas.microsoft.com/office/powerpoint/2010/main" xmlns:a14="http://schemas.microsoft.com/office/drawing/2010/main" xmlns="" w="9525">
                   <a:solidFill>
                     <a:srgbClr val="000000"/>
                   </a:solidFill>
@@ -18166,7 +19356,7 @@
             </a:ln>
             <a:extLst>
               <a:ext uri="{91240B29-F687-4f45-9708-019B960494DF}">
-                <a14:hiddenLine xmlns="" xmlns:a14="http://schemas.microsoft.com/office/drawing/2010/main" xmlns:p14="http://schemas.microsoft.com/office/powerpoint/2010/main" xmlns:a16="http://schemas.microsoft.com/office/drawing/2014/main" w="9525">
+                <a14:hiddenLine xmlns:a16="http://schemas.microsoft.com/office/drawing/2014/main" xmlns:p14="http://schemas.microsoft.com/office/powerpoint/2010/main" xmlns:a14="http://schemas.microsoft.com/office/drawing/2010/main" xmlns="" w="9525">
                   <a:solidFill>
                     <a:srgbClr val="000000"/>
                   </a:solidFill>
@@ -18271,7 +19461,7 @@
             </a:ln>
             <a:extLst>
               <a:ext uri="{91240B29-F687-4f45-9708-019B960494DF}">
-                <a14:hiddenLine xmlns="" xmlns:a14="http://schemas.microsoft.com/office/drawing/2010/main" xmlns:p14="http://schemas.microsoft.com/office/powerpoint/2010/main" xmlns:a16="http://schemas.microsoft.com/office/drawing/2014/main" w="9525">
+                <a14:hiddenLine xmlns:a16="http://schemas.microsoft.com/office/drawing/2014/main" xmlns:p14="http://schemas.microsoft.com/office/powerpoint/2010/main" xmlns:a14="http://schemas.microsoft.com/office/drawing/2010/main" xmlns="" w="9525">
                   <a:solidFill>
                     <a:srgbClr val="000000"/>
                   </a:solidFill>
@@ -18348,7 +19538,7 @@
             </a:ln>
             <a:extLst>
               <a:ext uri="{91240B29-F687-4f45-9708-019B960494DF}">
-                <a14:hiddenLine xmlns="" xmlns:a14="http://schemas.microsoft.com/office/drawing/2010/main" xmlns:p14="http://schemas.microsoft.com/office/powerpoint/2010/main" xmlns:a16="http://schemas.microsoft.com/office/drawing/2014/main" w="9525">
+                <a14:hiddenLine xmlns:a16="http://schemas.microsoft.com/office/drawing/2014/main" xmlns:p14="http://schemas.microsoft.com/office/powerpoint/2010/main" xmlns:a14="http://schemas.microsoft.com/office/drawing/2010/main" xmlns="" w="9525">
                   <a:solidFill>
                     <a:srgbClr val="000000"/>
                   </a:solidFill>
@@ -18453,7 +19643,7 @@
             </a:ln>
             <a:extLst>
               <a:ext uri="{91240B29-F687-4f45-9708-019B960494DF}">
-                <a14:hiddenLine xmlns="" xmlns:a14="http://schemas.microsoft.com/office/drawing/2010/main" xmlns:p14="http://schemas.microsoft.com/office/powerpoint/2010/main" xmlns:a16="http://schemas.microsoft.com/office/drawing/2014/main" w="9525">
+                <a14:hiddenLine xmlns:a16="http://schemas.microsoft.com/office/drawing/2014/main" xmlns:p14="http://schemas.microsoft.com/office/powerpoint/2010/main" xmlns:a14="http://schemas.microsoft.com/office/drawing/2010/main" xmlns="" w="9525">
                   <a:solidFill>
                     <a:srgbClr val="000000"/>
                   </a:solidFill>
@@ -18533,7 +19723,7 @@
             </a:ln>
             <a:extLst>
               <a:ext uri="{91240B29-F687-4f45-9708-019B960494DF}">
-                <a14:hiddenLine xmlns="" xmlns:a14="http://schemas.microsoft.com/office/drawing/2010/main" xmlns:p14="http://schemas.microsoft.com/office/powerpoint/2010/main" xmlns:a16="http://schemas.microsoft.com/office/drawing/2014/main" w="9525">
+                <a14:hiddenLine xmlns:a16="http://schemas.microsoft.com/office/drawing/2014/main" xmlns:p14="http://schemas.microsoft.com/office/powerpoint/2010/main" xmlns:a14="http://schemas.microsoft.com/office/drawing/2010/main" xmlns="" w="9525">
                   <a:solidFill>
                     <a:srgbClr val="000000"/>
                   </a:solidFill>
@@ -18610,7 +19800,7 @@
             </a:ln>
             <a:extLst>
               <a:ext uri="{91240B29-F687-4f45-9708-019B960494DF}">
-                <a14:hiddenLine xmlns="" xmlns:a14="http://schemas.microsoft.com/office/drawing/2010/main" xmlns:p14="http://schemas.microsoft.com/office/powerpoint/2010/main" xmlns:a16="http://schemas.microsoft.com/office/drawing/2014/main" w="9525">
+                <a14:hiddenLine xmlns:a16="http://schemas.microsoft.com/office/drawing/2014/main" xmlns:p14="http://schemas.microsoft.com/office/powerpoint/2010/main" xmlns:a14="http://schemas.microsoft.com/office/drawing/2010/main" xmlns="" w="9525">
                   <a:solidFill>
                     <a:srgbClr val="000000"/>
                   </a:solidFill>
@@ -18715,7 +19905,7 @@
             </a:ln>
             <a:extLst>
               <a:ext uri="{91240B29-F687-4f45-9708-019B960494DF}">
-                <a14:hiddenLine xmlns="" xmlns:a14="http://schemas.microsoft.com/office/drawing/2010/main" xmlns:p14="http://schemas.microsoft.com/office/powerpoint/2010/main" xmlns:a16="http://schemas.microsoft.com/office/drawing/2014/main" w="9525">
+                <a14:hiddenLine xmlns:a16="http://schemas.microsoft.com/office/drawing/2014/main" xmlns:p14="http://schemas.microsoft.com/office/powerpoint/2010/main" xmlns:a14="http://schemas.microsoft.com/office/drawing/2010/main" xmlns="" w="9525">
                   <a:solidFill>
                     <a:srgbClr val="000000"/>
                   </a:solidFill>
@@ -18820,7 +20010,7 @@
             </a:ln>
             <a:extLst>
               <a:ext uri="{91240B29-F687-4f45-9708-019B960494DF}">
-                <a14:hiddenLine xmlns="" xmlns:a14="http://schemas.microsoft.com/office/drawing/2010/main" xmlns:p14="http://schemas.microsoft.com/office/powerpoint/2010/main" xmlns:a16="http://schemas.microsoft.com/office/drawing/2014/main" w="9525">
+                <a14:hiddenLine xmlns:a16="http://schemas.microsoft.com/office/drawing/2014/main" xmlns:p14="http://schemas.microsoft.com/office/powerpoint/2010/main" xmlns:a14="http://schemas.microsoft.com/office/drawing/2010/main" xmlns="" w="9525">
                   <a:solidFill>
                     <a:srgbClr val="000000"/>
                   </a:solidFill>
@@ -18900,7 +20090,7 @@
             </a:ln>
             <a:extLst>
               <a:ext uri="{91240B29-F687-4f45-9708-019B960494DF}">
-                <a14:hiddenLine xmlns="" xmlns:a14="http://schemas.microsoft.com/office/drawing/2010/main" xmlns:p14="http://schemas.microsoft.com/office/powerpoint/2010/main" xmlns:a16="http://schemas.microsoft.com/office/drawing/2014/main" w="9525">
+                <a14:hiddenLine xmlns:a16="http://schemas.microsoft.com/office/drawing/2014/main" xmlns:p14="http://schemas.microsoft.com/office/powerpoint/2010/main" xmlns:a14="http://schemas.microsoft.com/office/drawing/2010/main" xmlns="" w="9525">
                   <a:solidFill>
                     <a:srgbClr val="000000"/>
                   </a:solidFill>
@@ -19035,7 +20225,7 @@
             </a:ln>
             <a:extLst>
               <a:ext uri="{91240B29-F687-4f45-9708-019B960494DF}">
-                <a14:hiddenLine xmlns="" xmlns:a14="http://schemas.microsoft.com/office/drawing/2010/main" xmlns:p14="http://schemas.microsoft.com/office/powerpoint/2010/main" xmlns:a16="http://schemas.microsoft.com/office/drawing/2014/main" w="9525">
+                <a14:hiddenLine xmlns:a16="http://schemas.microsoft.com/office/drawing/2014/main" xmlns:p14="http://schemas.microsoft.com/office/powerpoint/2010/main" xmlns:a14="http://schemas.microsoft.com/office/drawing/2010/main" xmlns="" w="9525">
                   <a:solidFill>
                     <a:srgbClr val="000000"/>
                   </a:solidFill>
@@ -19295,7 +20485,7 @@
             </a:ln>
             <a:extLst>
               <a:ext uri="{91240B29-F687-4f45-9708-019B960494DF}">
-                <a14:hiddenLine xmlns="" xmlns:a14="http://schemas.microsoft.com/office/drawing/2010/main" xmlns:p14="http://schemas.microsoft.com/office/powerpoint/2010/main" xmlns:a16="http://schemas.microsoft.com/office/drawing/2014/main" w="9525">
+                <a14:hiddenLine xmlns:a16="http://schemas.microsoft.com/office/drawing/2014/main" xmlns:p14="http://schemas.microsoft.com/office/powerpoint/2010/main" xmlns:a14="http://schemas.microsoft.com/office/drawing/2010/main" xmlns="" w="9525">
                   <a:solidFill>
                     <a:srgbClr val="000000"/>
                   </a:solidFill>
@@ -19425,7 +20615,7 @@
             </a:ln>
             <a:extLst>
               <a:ext uri="{91240B29-F687-4f45-9708-019B960494DF}">
-                <a14:hiddenLine xmlns="" xmlns:a14="http://schemas.microsoft.com/office/drawing/2010/main" xmlns:p14="http://schemas.microsoft.com/office/powerpoint/2010/main" xmlns:a16="http://schemas.microsoft.com/office/drawing/2014/main" w="9525">
+                <a14:hiddenLine xmlns:a16="http://schemas.microsoft.com/office/drawing/2014/main" xmlns:p14="http://schemas.microsoft.com/office/powerpoint/2010/main" xmlns:a14="http://schemas.microsoft.com/office/drawing/2010/main" xmlns="" w="9525">
                   <a:solidFill>
                     <a:srgbClr val="000000"/>
                   </a:solidFill>
@@ -19530,7 +20720,7 @@
             </a:ln>
             <a:extLst>
               <a:ext uri="{91240B29-F687-4f45-9708-019B960494DF}">
-                <a14:hiddenLine xmlns="" xmlns:a14="http://schemas.microsoft.com/office/drawing/2010/main" xmlns:p14="http://schemas.microsoft.com/office/powerpoint/2010/main" xmlns:a16="http://schemas.microsoft.com/office/drawing/2014/main" w="9525">
+                <a14:hiddenLine xmlns:a16="http://schemas.microsoft.com/office/drawing/2014/main" xmlns:p14="http://schemas.microsoft.com/office/powerpoint/2010/main" xmlns:a14="http://schemas.microsoft.com/office/drawing/2010/main" xmlns="" w="9525">
                   <a:solidFill>
                     <a:srgbClr val="000000"/>
                   </a:solidFill>
@@ -19610,7 +20800,7 @@
             </a:ln>
             <a:extLst>
               <a:ext uri="{91240B29-F687-4f45-9708-019B960494DF}">
-                <a14:hiddenLine xmlns="" xmlns:a14="http://schemas.microsoft.com/office/drawing/2010/main" xmlns:p14="http://schemas.microsoft.com/office/powerpoint/2010/main" xmlns:a16="http://schemas.microsoft.com/office/drawing/2014/main" w="9525">
+                <a14:hiddenLine xmlns:a16="http://schemas.microsoft.com/office/drawing/2014/main" xmlns:p14="http://schemas.microsoft.com/office/powerpoint/2010/main" xmlns:a14="http://schemas.microsoft.com/office/drawing/2010/main" xmlns="" w="9525">
                   <a:solidFill>
                     <a:srgbClr val="000000"/>
                   </a:solidFill>
@@ -19715,7 +20905,7 @@
             </a:ln>
             <a:extLst>
               <a:ext uri="{91240B29-F687-4f45-9708-019B960494DF}">
-                <a14:hiddenLine xmlns="" xmlns:a14="http://schemas.microsoft.com/office/drawing/2010/main" xmlns:p14="http://schemas.microsoft.com/office/powerpoint/2010/main" xmlns:a16="http://schemas.microsoft.com/office/drawing/2014/main" w="9525">
+                <a14:hiddenLine xmlns:a16="http://schemas.microsoft.com/office/drawing/2014/main" xmlns:p14="http://schemas.microsoft.com/office/powerpoint/2010/main" xmlns:a14="http://schemas.microsoft.com/office/drawing/2010/main" xmlns="" w="9525">
                   <a:solidFill>
                     <a:srgbClr val="000000"/>
                   </a:solidFill>
@@ -19798,7 +20988,7 @@
             </a:ln>
             <a:extLst>
               <a:ext uri="{91240B29-F687-4f45-9708-019B960494DF}">
-                <a14:hiddenLine xmlns="" xmlns:a14="http://schemas.microsoft.com/office/drawing/2010/main" xmlns:p14="http://schemas.microsoft.com/office/powerpoint/2010/main" xmlns:a16="http://schemas.microsoft.com/office/drawing/2014/main" w="9525">
+                <a14:hiddenLine xmlns:a16="http://schemas.microsoft.com/office/drawing/2014/main" xmlns:p14="http://schemas.microsoft.com/office/powerpoint/2010/main" xmlns:a14="http://schemas.microsoft.com/office/drawing/2010/main" xmlns="" w="9525">
                   <a:solidFill>
                     <a:srgbClr val="000000"/>
                   </a:solidFill>
@@ -19903,7 +21093,7 @@
             </a:ln>
             <a:extLst>
               <a:ext uri="{91240B29-F687-4f45-9708-019B960494DF}">
-                <a14:hiddenLine xmlns="" xmlns:a14="http://schemas.microsoft.com/office/drawing/2010/main" xmlns:p14="http://schemas.microsoft.com/office/powerpoint/2010/main" xmlns:a16="http://schemas.microsoft.com/office/drawing/2014/main" w="9525">
+                <a14:hiddenLine xmlns:a16="http://schemas.microsoft.com/office/drawing/2014/main" xmlns:p14="http://schemas.microsoft.com/office/powerpoint/2010/main" xmlns:a14="http://schemas.microsoft.com/office/drawing/2010/main" xmlns="" w="9525">
                   <a:solidFill>
                     <a:srgbClr val="000000"/>
                   </a:solidFill>
@@ -19986,7 +21176,7 @@
             </a:ln>
             <a:extLst>
               <a:ext uri="{91240B29-F687-4f45-9708-019B960494DF}">
-                <a14:hiddenLine xmlns="" xmlns:a14="http://schemas.microsoft.com/office/drawing/2010/main" xmlns:p14="http://schemas.microsoft.com/office/powerpoint/2010/main" xmlns:a16="http://schemas.microsoft.com/office/drawing/2014/main" w="9525">
+                <a14:hiddenLine xmlns:a16="http://schemas.microsoft.com/office/drawing/2014/main" xmlns:p14="http://schemas.microsoft.com/office/powerpoint/2010/main" xmlns:a14="http://schemas.microsoft.com/office/drawing/2010/main" xmlns="" w="9525">
                   <a:solidFill>
                     <a:srgbClr val="000000"/>
                   </a:solidFill>
@@ -20091,7 +21281,7 @@
             </a:ln>
             <a:extLst>
               <a:ext uri="{91240B29-F687-4f45-9708-019B960494DF}">
-                <a14:hiddenLine xmlns="" xmlns:a14="http://schemas.microsoft.com/office/drawing/2010/main" xmlns:p14="http://schemas.microsoft.com/office/powerpoint/2010/main" xmlns:a16="http://schemas.microsoft.com/office/drawing/2014/main" w="9525">
+                <a14:hiddenLine xmlns:a16="http://schemas.microsoft.com/office/drawing/2014/main" xmlns:p14="http://schemas.microsoft.com/office/powerpoint/2010/main" xmlns:a14="http://schemas.microsoft.com/office/drawing/2010/main" xmlns="" w="9525">
                   <a:solidFill>
                     <a:srgbClr val="000000"/>
                   </a:solidFill>
@@ -20140,7 +21330,7 @@
             </a:ln>
             <a:extLst>
               <a:ext uri="{91240B29-F687-4f45-9708-019B960494DF}">
-                <a14:hiddenLine xmlns="" xmlns:a14="http://schemas.microsoft.com/office/drawing/2010/main" xmlns:p14="http://schemas.microsoft.com/office/powerpoint/2010/main" xmlns:a16="http://schemas.microsoft.com/office/drawing/2014/main" w="9525">
+                <a14:hiddenLine xmlns:a16="http://schemas.microsoft.com/office/drawing/2014/main" xmlns:p14="http://schemas.microsoft.com/office/powerpoint/2010/main" xmlns:a14="http://schemas.microsoft.com/office/drawing/2010/main" xmlns="" w="9525">
                   <a:solidFill>
                     <a:srgbClr val="000000"/>
                   </a:solidFill>

--- a/CaseStudy1 Presentation.pptx
+++ b/CaseStudy1 Presentation.pptx
@@ -4,6 +4,9 @@
   <p:sldMasterIdLst>
     <p:sldMasterId id="2147483648" r:id="rId1"/>
   </p:sldMasterIdLst>
+  <p:notesMasterIdLst>
+    <p:notesMasterId r:id="rId12"/>
+  </p:notesMasterIdLst>
   <p:sldIdLst>
     <p:sldId id="256" r:id="rId2"/>
     <p:sldId id="259" r:id="rId3"/>
@@ -154,6 +157,882 @@
 </p:presentation>
 </file>
 
+<file path=ppt/notesMasters/notesMaster1.xml><?xml version="1.0" encoding="utf-8"?>
+<p:notesMaster xmlns:a="http://schemas.openxmlformats.org/drawingml/2006/main" xmlns:r="http://schemas.openxmlformats.org/officeDocument/2006/relationships" xmlns:p="http://schemas.openxmlformats.org/presentationml/2006/main">
+  <p:cSld>
+    <p:bg>
+      <p:bgRef idx="1001">
+        <a:schemeClr val="bg1"/>
+      </p:bgRef>
+    </p:bg>
+    <p:spTree>
+      <p:nvGrpSpPr>
+        <p:cNvPr id="1" name=""/>
+        <p:cNvGrpSpPr/>
+        <p:nvPr/>
+      </p:nvGrpSpPr>
+      <p:grpSpPr>
+        <a:xfrm>
+          <a:off x="0" y="0"/>
+          <a:ext cx="0" cy="0"/>
+          <a:chOff x="0" y="0"/>
+          <a:chExt cx="0" cy="0"/>
+        </a:xfrm>
+      </p:grpSpPr>
+      <p:sp>
+        <p:nvSpPr>
+          <p:cNvPr id="2" name="Header Placeholder 1"/>
+          <p:cNvSpPr>
+            <a:spLocks noGrp="1"/>
+          </p:cNvSpPr>
+          <p:nvPr>
+            <p:ph type="hdr" sz="quarter"/>
+          </p:nvPr>
+        </p:nvSpPr>
+        <p:spPr>
+          <a:xfrm>
+            <a:off x="0" y="0"/>
+            <a:ext cx="2971800" cy="458788"/>
+          </a:xfrm>
+          <a:prstGeom prst="rect">
+            <a:avLst/>
+          </a:prstGeom>
+        </p:spPr>
+        <p:txBody>
+          <a:bodyPr vert="horz" lIns="91440" tIns="45720" rIns="91440" bIns="45720" rtlCol="0"/>
+          <a:lstStyle>
+            <a:lvl1pPr algn="l">
+              <a:defRPr sz="1200"/>
+            </a:lvl1pPr>
+          </a:lstStyle>
+          <a:p>
+            <a:endParaRPr lang="en-US"/>
+          </a:p>
+        </p:txBody>
+      </p:sp>
+      <p:sp>
+        <p:nvSpPr>
+          <p:cNvPr id="3" name="Date Placeholder 2"/>
+          <p:cNvSpPr>
+            <a:spLocks noGrp="1"/>
+          </p:cNvSpPr>
+          <p:nvPr>
+            <p:ph type="dt" idx="1"/>
+          </p:nvPr>
+        </p:nvSpPr>
+        <p:spPr>
+          <a:xfrm>
+            <a:off x="3884613" y="0"/>
+            <a:ext cx="2971800" cy="458788"/>
+          </a:xfrm>
+          <a:prstGeom prst="rect">
+            <a:avLst/>
+          </a:prstGeom>
+        </p:spPr>
+        <p:txBody>
+          <a:bodyPr vert="horz" lIns="91440" tIns="45720" rIns="91440" bIns="45720" rtlCol="0"/>
+          <a:lstStyle>
+            <a:lvl1pPr algn="r">
+              <a:defRPr sz="1200"/>
+            </a:lvl1pPr>
+          </a:lstStyle>
+          <a:p>
+            <a:fld id="{1AF07D79-51EF-944D-A48B-9F68CC0182BF}" type="datetimeFigureOut">
+              <a:rPr lang="en-US" smtClean="0"/>
+              <a:t>2/27/19</a:t>
+            </a:fld>
+            <a:endParaRPr lang="en-US"/>
+          </a:p>
+        </p:txBody>
+      </p:sp>
+      <p:sp>
+        <p:nvSpPr>
+          <p:cNvPr id="4" name="Slide Image Placeholder 3"/>
+          <p:cNvSpPr>
+            <a:spLocks noGrp="1" noRot="1" noChangeAspect="1"/>
+          </p:cNvSpPr>
+          <p:nvPr>
+            <p:ph type="sldImg" idx="2"/>
+          </p:nvPr>
+        </p:nvSpPr>
+        <p:spPr>
+          <a:xfrm>
+            <a:off x="685800" y="1143000"/>
+            <a:ext cx="5486400" cy="3086100"/>
+          </a:xfrm>
+          <a:prstGeom prst="rect">
+            <a:avLst/>
+          </a:prstGeom>
+          <a:noFill/>
+          <a:ln w="12700">
+            <a:solidFill>
+              <a:prstClr val="black"/>
+            </a:solidFill>
+          </a:ln>
+        </p:spPr>
+        <p:txBody>
+          <a:bodyPr vert="horz" lIns="91440" tIns="45720" rIns="91440" bIns="45720" rtlCol="0" anchor="ctr"/>
+          <a:lstStyle/>
+          <a:p>
+            <a:endParaRPr lang="en-US"/>
+          </a:p>
+        </p:txBody>
+      </p:sp>
+      <p:sp>
+        <p:nvSpPr>
+          <p:cNvPr id="5" name="Notes Placeholder 4"/>
+          <p:cNvSpPr>
+            <a:spLocks noGrp="1"/>
+          </p:cNvSpPr>
+          <p:nvPr>
+            <p:ph type="body" sz="quarter" idx="3"/>
+          </p:nvPr>
+        </p:nvSpPr>
+        <p:spPr>
+          <a:xfrm>
+            <a:off x="685800" y="4400550"/>
+            <a:ext cx="5486400" cy="3600450"/>
+          </a:xfrm>
+          <a:prstGeom prst="rect">
+            <a:avLst/>
+          </a:prstGeom>
+        </p:spPr>
+        <p:txBody>
+          <a:bodyPr vert="horz" lIns="91440" tIns="45720" rIns="91440" bIns="45720" rtlCol="0"/>
+          <a:lstStyle/>
+          <a:p>
+            <a:pPr lvl="0"/>
+            <a:r>
+              <a:rPr lang="en-US"/>
+              <a:t>Edit Master text styles</a:t>
+            </a:r>
+          </a:p>
+          <a:p>
+            <a:pPr lvl="1"/>
+            <a:r>
+              <a:rPr lang="en-US"/>
+              <a:t>Second level</a:t>
+            </a:r>
+          </a:p>
+          <a:p>
+            <a:pPr lvl="2"/>
+            <a:r>
+              <a:rPr lang="en-US"/>
+              <a:t>Third level</a:t>
+            </a:r>
+          </a:p>
+          <a:p>
+            <a:pPr lvl="3"/>
+            <a:r>
+              <a:rPr lang="en-US"/>
+              <a:t>Fourth level</a:t>
+            </a:r>
+          </a:p>
+          <a:p>
+            <a:pPr lvl="4"/>
+            <a:r>
+              <a:rPr lang="en-US"/>
+              <a:t>Fifth level</a:t>
+            </a:r>
+          </a:p>
+        </p:txBody>
+      </p:sp>
+      <p:sp>
+        <p:nvSpPr>
+          <p:cNvPr id="6" name="Footer Placeholder 5"/>
+          <p:cNvSpPr>
+            <a:spLocks noGrp="1"/>
+          </p:cNvSpPr>
+          <p:nvPr>
+            <p:ph type="ftr" sz="quarter" idx="4"/>
+          </p:nvPr>
+        </p:nvSpPr>
+        <p:spPr>
+          <a:xfrm>
+            <a:off x="0" y="8685213"/>
+            <a:ext cx="2971800" cy="458787"/>
+          </a:xfrm>
+          <a:prstGeom prst="rect">
+            <a:avLst/>
+          </a:prstGeom>
+        </p:spPr>
+        <p:txBody>
+          <a:bodyPr vert="horz" lIns="91440" tIns="45720" rIns="91440" bIns="45720" rtlCol="0" anchor="b"/>
+          <a:lstStyle>
+            <a:lvl1pPr algn="l">
+              <a:defRPr sz="1200"/>
+            </a:lvl1pPr>
+          </a:lstStyle>
+          <a:p>
+            <a:endParaRPr lang="en-US"/>
+          </a:p>
+        </p:txBody>
+      </p:sp>
+      <p:sp>
+        <p:nvSpPr>
+          <p:cNvPr id="7" name="Slide Number Placeholder 6"/>
+          <p:cNvSpPr>
+            <a:spLocks noGrp="1"/>
+          </p:cNvSpPr>
+          <p:nvPr>
+            <p:ph type="sldNum" sz="quarter" idx="5"/>
+          </p:nvPr>
+        </p:nvSpPr>
+        <p:spPr>
+          <a:xfrm>
+            <a:off x="3884613" y="8685213"/>
+            <a:ext cx="2971800" cy="458787"/>
+          </a:xfrm>
+          <a:prstGeom prst="rect">
+            <a:avLst/>
+          </a:prstGeom>
+        </p:spPr>
+        <p:txBody>
+          <a:bodyPr vert="horz" lIns="91440" tIns="45720" rIns="91440" bIns="45720" rtlCol="0" anchor="b"/>
+          <a:lstStyle>
+            <a:lvl1pPr algn="r">
+              <a:defRPr sz="1200"/>
+            </a:lvl1pPr>
+          </a:lstStyle>
+          <a:p>
+            <a:fld id="{5E6EE6E0-C363-BB43-AA93-5D9B78864B04}" type="slidenum">
+              <a:rPr lang="en-US" smtClean="0"/>
+              <a:t>‹#›</a:t>
+            </a:fld>
+            <a:endParaRPr lang="en-US"/>
+          </a:p>
+        </p:txBody>
+      </p:sp>
+    </p:spTree>
+    <p:extLst>
+      <p:ext uri="{BB962C8B-B14F-4D97-AF65-F5344CB8AC3E}">
+        <p14:creationId xmlns:p14="http://schemas.microsoft.com/office/powerpoint/2010/main" val="3411399179"/>
+      </p:ext>
+    </p:extLst>
+  </p:cSld>
+  <p:clrMap bg1="lt1" tx1="dk1" bg2="lt2" tx2="dk2" accent1="accent1" accent2="accent2" accent3="accent3" accent4="accent4" accent5="accent5" accent6="accent6" hlink="hlink" folHlink="folHlink"/>
+  <p:notesStyle>
+    <a:lvl1pPr marL="0" algn="l" defTabSz="914400" rtl="0" eaLnBrk="1" latinLnBrk="0" hangingPunct="1">
+      <a:defRPr sz="1200" kern="1200">
+        <a:solidFill>
+          <a:schemeClr val="tx1"/>
+        </a:solidFill>
+        <a:latin typeface="+mn-lt"/>
+        <a:ea typeface="+mn-ea"/>
+        <a:cs typeface="+mn-cs"/>
+      </a:defRPr>
+    </a:lvl1pPr>
+    <a:lvl2pPr marL="457200" algn="l" defTabSz="914400" rtl="0" eaLnBrk="1" latinLnBrk="0" hangingPunct="1">
+      <a:defRPr sz="1200" kern="1200">
+        <a:solidFill>
+          <a:schemeClr val="tx1"/>
+        </a:solidFill>
+        <a:latin typeface="+mn-lt"/>
+        <a:ea typeface="+mn-ea"/>
+        <a:cs typeface="+mn-cs"/>
+      </a:defRPr>
+    </a:lvl2pPr>
+    <a:lvl3pPr marL="914400" algn="l" defTabSz="914400" rtl="0" eaLnBrk="1" latinLnBrk="0" hangingPunct="1">
+      <a:defRPr sz="1200" kern="1200">
+        <a:solidFill>
+          <a:schemeClr val="tx1"/>
+        </a:solidFill>
+        <a:latin typeface="+mn-lt"/>
+        <a:ea typeface="+mn-ea"/>
+        <a:cs typeface="+mn-cs"/>
+      </a:defRPr>
+    </a:lvl3pPr>
+    <a:lvl4pPr marL="1371600" algn="l" defTabSz="914400" rtl="0" eaLnBrk="1" latinLnBrk="0" hangingPunct="1">
+      <a:defRPr sz="1200" kern="1200">
+        <a:solidFill>
+          <a:schemeClr val="tx1"/>
+        </a:solidFill>
+        <a:latin typeface="+mn-lt"/>
+        <a:ea typeface="+mn-ea"/>
+        <a:cs typeface="+mn-cs"/>
+      </a:defRPr>
+    </a:lvl4pPr>
+    <a:lvl5pPr marL="1828800" algn="l" defTabSz="914400" rtl="0" eaLnBrk="1" latinLnBrk="0" hangingPunct="1">
+      <a:defRPr sz="1200" kern="1200">
+        <a:solidFill>
+          <a:schemeClr val="tx1"/>
+        </a:solidFill>
+        <a:latin typeface="+mn-lt"/>
+        <a:ea typeface="+mn-ea"/>
+        <a:cs typeface="+mn-cs"/>
+      </a:defRPr>
+    </a:lvl5pPr>
+    <a:lvl6pPr marL="2286000" algn="l" defTabSz="914400" rtl="0" eaLnBrk="1" latinLnBrk="0" hangingPunct="1">
+      <a:defRPr sz="1200" kern="1200">
+        <a:solidFill>
+          <a:schemeClr val="tx1"/>
+        </a:solidFill>
+        <a:latin typeface="+mn-lt"/>
+        <a:ea typeface="+mn-ea"/>
+        <a:cs typeface="+mn-cs"/>
+      </a:defRPr>
+    </a:lvl6pPr>
+    <a:lvl7pPr marL="2743200" algn="l" defTabSz="914400" rtl="0" eaLnBrk="1" latinLnBrk="0" hangingPunct="1">
+      <a:defRPr sz="1200" kern="1200">
+        <a:solidFill>
+          <a:schemeClr val="tx1"/>
+        </a:solidFill>
+        <a:latin typeface="+mn-lt"/>
+        <a:ea typeface="+mn-ea"/>
+        <a:cs typeface="+mn-cs"/>
+      </a:defRPr>
+    </a:lvl7pPr>
+    <a:lvl8pPr marL="3200400" algn="l" defTabSz="914400" rtl="0" eaLnBrk="1" latinLnBrk="0" hangingPunct="1">
+      <a:defRPr sz="1200" kern="1200">
+        <a:solidFill>
+          <a:schemeClr val="tx1"/>
+        </a:solidFill>
+        <a:latin typeface="+mn-lt"/>
+        <a:ea typeface="+mn-ea"/>
+        <a:cs typeface="+mn-cs"/>
+      </a:defRPr>
+    </a:lvl8pPr>
+    <a:lvl9pPr marL="3657600" algn="l" defTabSz="914400" rtl="0" eaLnBrk="1" latinLnBrk="0" hangingPunct="1">
+      <a:defRPr sz="1200" kern="1200">
+        <a:solidFill>
+          <a:schemeClr val="tx1"/>
+        </a:solidFill>
+        <a:latin typeface="+mn-lt"/>
+        <a:ea typeface="+mn-ea"/>
+        <a:cs typeface="+mn-cs"/>
+      </a:defRPr>
+    </a:lvl9pPr>
+  </p:notesStyle>
+</p:notesMaster>
+</file>
+
+<file path=ppt/notesSlides/notesSlide1.xml><?xml version="1.0" encoding="utf-8"?>
+<p:notes xmlns:a="http://schemas.openxmlformats.org/drawingml/2006/main" xmlns:r="http://schemas.openxmlformats.org/officeDocument/2006/relationships" xmlns:p="http://schemas.openxmlformats.org/presentationml/2006/main">
+  <p:cSld>
+    <p:spTree>
+      <p:nvGrpSpPr>
+        <p:cNvPr id="1" name=""/>
+        <p:cNvGrpSpPr/>
+        <p:nvPr/>
+      </p:nvGrpSpPr>
+      <p:grpSpPr>
+        <a:xfrm>
+          <a:off x="0" y="0"/>
+          <a:ext cx="0" cy="0"/>
+          <a:chOff x="0" y="0"/>
+          <a:chExt cx="0" cy="0"/>
+        </a:xfrm>
+      </p:grpSpPr>
+      <p:sp>
+        <p:nvSpPr>
+          <p:cNvPr id="2" name="Slide Image Placeholder 1"/>
+          <p:cNvSpPr>
+            <a:spLocks noGrp="1" noRot="1" noChangeAspect="1"/>
+          </p:cNvSpPr>
+          <p:nvPr>
+            <p:ph type="sldImg"/>
+          </p:nvPr>
+        </p:nvSpPr>
+        <p:spPr/>
+      </p:sp>
+      <p:sp>
+        <p:nvSpPr>
+          <p:cNvPr id="3" name="Notes Placeholder 2"/>
+          <p:cNvSpPr>
+            <a:spLocks noGrp="1"/>
+          </p:cNvSpPr>
+          <p:nvPr>
+            <p:ph type="body" idx="1"/>
+          </p:nvPr>
+        </p:nvSpPr>
+        <p:spPr/>
+        <p:txBody>
+          <a:bodyPr/>
+          <a:lstStyle/>
+          <a:p>
+            <a:r>
+              <a:rPr lang="en-US" dirty="0"/>
+              <a:t>Hello Mr. Michel </a:t>
+            </a:r>
+            <a:r>
+              <a:rPr lang="en-US" dirty="0" err="1"/>
+              <a:t>Doukeris</a:t>
+            </a:r>
+            <a:r>
+              <a:rPr lang="en-US" dirty="0"/>
+              <a:t>, thank you for taking time out of your schedule to learn about our study with the data you provided.  There were 2,410 beers across 558 US breweries that were analyzed in the study.</a:t>
+            </a:r>
+          </a:p>
+        </p:txBody>
+      </p:sp>
+      <p:sp>
+        <p:nvSpPr>
+          <p:cNvPr id="4" name="Slide Number Placeholder 3"/>
+          <p:cNvSpPr>
+            <a:spLocks noGrp="1"/>
+          </p:cNvSpPr>
+          <p:nvPr>
+            <p:ph type="sldNum" sz="quarter" idx="5"/>
+          </p:nvPr>
+        </p:nvSpPr>
+        <p:spPr/>
+        <p:txBody>
+          <a:bodyPr/>
+          <a:lstStyle/>
+          <a:p>
+            <a:fld id="{5E6EE6E0-C363-BB43-AA93-5D9B78864B04}" type="slidenum">
+              <a:rPr lang="en-US" smtClean="0"/>
+              <a:t>1</a:t>
+            </a:fld>
+            <a:endParaRPr lang="en-US"/>
+          </a:p>
+        </p:txBody>
+      </p:sp>
+    </p:spTree>
+    <p:extLst>
+      <p:ext uri="{BB962C8B-B14F-4D97-AF65-F5344CB8AC3E}">
+        <p14:creationId xmlns:p14="http://schemas.microsoft.com/office/powerpoint/2010/main" val="4206798093"/>
+      </p:ext>
+    </p:extLst>
+  </p:cSld>
+  <p:clrMapOvr>
+    <a:masterClrMapping/>
+  </p:clrMapOvr>
+</p:notes>
+</file>
+
+<file path=ppt/notesSlides/notesSlide2.xml><?xml version="1.0" encoding="utf-8"?>
+<p:notes xmlns:a="http://schemas.openxmlformats.org/drawingml/2006/main" xmlns:r="http://schemas.openxmlformats.org/officeDocument/2006/relationships" xmlns:p="http://schemas.openxmlformats.org/presentationml/2006/main">
+  <p:cSld>
+    <p:spTree>
+      <p:nvGrpSpPr>
+        <p:cNvPr id="1" name=""/>
+        <p:cNvGrpSpPr/>
+        <p:nvPr/>
+      </p:nvGrpSpPr>
+      <p:grpSpPr>
+        <a:xfrm>
+          <a:off x="0" y="0"/>
+          <a:ext cx="0" cy="0"/>
+          <a:chOff x="0" y="0"/>
+          <a:chExt cx="0" cy="0"/>
+        </a:xfrm>
+      </p:grpSpPr>
+      <p:sp>
+        <p:nvSpPr>
+          <p:cNvPr id="2" name="Slide Image Placeholder 1"/>
+          <p:cNvSpPr>
+            <a:spLocks noGrp="1" noRot="1" noChangeAspect="1"/>
+          </p:cNvSpPr>
+          <p:nvPr>
+            <p:ph type="sldImg"/>
+          </p:nvPr>
+        </p:nvSpPr>
+        <p:spPr/>
+      </p:sp>
+      <p:sp>
+        <p:nvSpPr>
+          <p:cNvPr id="3" name="Notes Placeholder 2"/>
+          <p:cNvSpPr>
+            <a:spLocks noGrp="1"/>
+          </p:cNvSpPr>
+          <p:nvPr>
+            <p:ph type="body" idx="1"/>
+          </p:nvPr>
+        </p:nvSpPr>
+        <p:spPr/>
+        <p:txBody>
+          <a:bodyPr/>
+          <a:lstStyle/>
+          <a:p>
+            <a:r>
+              <a:rPr lang="en-US" dirty="0"/>
+              <a:t>The states with a lower number of breweries appear to be more related to being geographically based in more rural states</a:t>
+            </a:r>
+          </a:p>
+        </p:txBody>
+      </p:sp>
+      <p:sp>
+        <p:nvSpPr>
+          <p:cNvPr id="4" name="Slide Number Placeholder 3"/>
+          <p:cNvSpPr>
+            <a:spLocks noGrp="1"/>
+          </p:cNvSpPr>
+          <p:nvPr>
+            <p:ph type="sldNum" sz="quarter" idx="5"/>
+          </p:nvPr>
+        </p:nvSpPr>
+        <p:spPr/>
+        <p:txBody>
+          <a:bodyPr/>
+          <a:lstStyle/>
+          <a:p>
+            <a:fld id="{5E6EE6E0-C363-BB43-AA93-5D9B78864B04}" type="slidenum">
+              <a:rPr lang="en-US" smtClean="0"/>
+              <a:t>2</a:t>
+            </a:fld>
+            <a:endParaRPr lang="en-US"/>
+          </a:p>
+        </p:txBody>
+      </p:sp>
+    </p:spTree>
+    <p:extLst>
+      <p:ext uri="{BB962C8B-B14F-4D97-AF65-F5344CB8AC3E}">
+        <p14:creationId xmlns:p14="http://schemas.microsoft.com/office/powerpoint/2010/main" val="1101534841"/>
+      </p:ext>
+    </p:extLst>
+  </p:cSld>
+  <p:clrMapOvr>
+    <a:masterClrMapping/>
+  </p:clrMapOvr>
+</p:notes>
+</file>
+
+<file path=ppt/notesSlides/notesSlide3.xml><?xml version="1.0" encoding="utf-8"?>
+<p:notes xmlns:a="http://schemas.openxmlformats.org/drawingml/2006/main" xmlns:r="http://schemas.openxmlformats.org/officeDocument/2006/relationships" xmlns:p="http://schemas.openxmlformats.org/presentationml/2006/main">
+  <p:cSld>
+    <p:spTree>
+      <p:nvGrpSpPr>
+        <p:cNvPr id="1" name=""/>
+        <p:cNvGrpSpPr/>
+        <p:nvPr/>
+      </p:nvGrpSpPr>
+      <p:grpSpPr>
+        <a:xfrm>
+          <a:off x="0" y="0"/>
+          <a:ext cx="0" cy="0"/>
+          <a:chOff x="0" y="0"/>
+          <a:chExt cx="0" cy="0"/>
+        </a:xfrm>
+      </p:grpSpPr>
+      <p:sp>
+        <p:nvSpPr>
+          <p:cNvPr id="2" name="Slide Image Placeholder 1"/>
+          <p:cNvSpPr>
+            <a:spLocks noGrp="1" noRot="1" noChangeAspect="1"/>
+          </p:cNvSpPr>
+          <p:nvPr>
+            <p:ph type="sldImg"/>
+          </p:nvPr>
+        </p:nvSpPr>
+        <p:spPr/>
+      </p:sp>
+      <p:sp>
+        <p:nvSpPr>
+          <p:cNvPr id="3" name="Notes Placeholder 2"/>
+          <p:cNvSpPr>
+            <a:spLocks noGrp="1"/>
+          </p:cNvSpPr>
+          <p:nvPr>
+            <p:ph type="body" idx="1"/>
+          </p:nvPr>
+        </p:nvSpPr>
+        <p:spPr/>
+        <p:txBody>
+          <a:bodyPr/>
+          <a:lstStyle/>
+          <a:p>
+            <a:endParaRPr lang="en-US" dirty="0"/>
+          </a:p>
+        </p:txBody>
+      </p:sp>
+      <p:sp>
+        <p:nvSpPr>
+          <p:cNvPr id="4" name="Slide Number Placeholder 3"/>
+          <p:cNvSpPr>
+            <a:spLocks noGrp="1"/>
+          </p:cNvSpPr>
+          <p:nvPr>
+            <p:ph type="sldNum" sz="quarter" idx="5"/>
+          </p:nvPr>
+        </p:nvSpPr>
+        <p:spPr/>
+        <p:txBody>
+          <a:bodyPr/>
+          <a:lstStyle/>
+          <a:p>
+            <a:fld id="{5E6EE6E0-C363-BB43-AA93-5D9B78864B04}" type="slidenum">
+              <a:rPr lang="en-US" smtClean="0"/>
+              <a:t>4</a:t>
+            </a:fld>
+            <a:endParaRPr lang="en-US"/>
+          </a:p>
+        </p:txBody>
+      </p:sp>
+    </p:spTree>
+    <p:extLst>
+      <p:ext uri="{BB962C8B-B14F-4D97-AF65-F5344CB8AC3E}">
+        <p14:creationId xmlns:p14="http://schemas.microsoft.com/office/powerpoint/2010/main" val="4102799098"/>
+      </p:ext>
+    </p:extLst>
+  </p:cSld>
+  <p:clrMapOvr>
+    <a:masterClrMapping/>
+  </p:clrMapOvr>
+</p:notes>
+</file>
+
+<file path=ppt/notesSlides/notesSlide4.xml><?xml version="1.0" encoding="utf-8"?>
+<p:notes xmlns:a="http://schemas.openxmlformats.org/drawingml/2006/main" xmlns:r="http://schemas.openxmlformats.org/officeDocument/2006/relationships" xmlns:p="http://schemas.openxmlformats.org/presentationml/2006/main">
+  <p:cSld>
+    <p:spTree>
+      <p:nvGrpSpPr>
+        <p:cNvPr id="1" name=""/>
+        <p:cNvGrpSpPr/>
+        <p:nvPr/>
+      </p:nvGrpSpPr>
+      <p:grpSpPr>
+        <a:xfrm>
+          <a:off x="0" y="0"/>
+          <a:ext cx="0" cy="0"/>
+          <a:chOff x="0" y="0"/>
+          <a:chExt cx="0" cy="0"/>
+        </a:xfrm>
+      </p:grpSpPr>
+      <p:sp>
+        <p:nvSpPr>
+          <p:cNvPr id="2" name="Slide Image Placeholder 1"/>
+          <p:cNvSpPr>
+            <a:spLocks noGrp="1" noRot="1" noChangeAspect="1"/>
+          </p:cNvSpPr>
+          <p:nvPr>
+            <p:ph type="sldImg"/>
+          </p:nvPr>
+        </p:nvSpPr>
+        <p:spPr/>
+      </p:sp>
+      <p:sp>
+        <p:nvSpPr>
+          <p:cNvPr id="3" name="Notes Placeholder 2"/>
+          <p:cNvSpPr>
+            <a:spLocks noGrp="1"/>
+          </p:cNvSpPr>
+          <p:nvPr>
+            <p:ph type="body" idx="1"/>
+          </p:nvPr>
+        </p:nvSpPr>
+        <p:spPr/>
+        <p:txBody>
+          <a:bodyPr/>
+          <a:lstStyle/>
+          <a:p>
+            <a:r>
+              <a:rPr lang="en-US" dirty="0"/>
+              <a:t>We had to omit the beers with the NA values, but with the large amount of data provided, it did not impact the statistical analysis significantly</a:t>
+            </a:r>
+          </a:p>
+        </p:txBody>
+      </p:sp>
+      <p:sp>
+        <p:nvSpPr>
+          <p:cNvPr id="4" name="Slide Number Placeholder 3"/>
+          <p:cNvSpPr>
+            <a:spLocks noGrp="1"/>
+          </p:cNvSpPr>
+          <p:nvPr>
+            <p:ph type="sldNum" sz="quarter" idx="5"/>
+          </p:nvPr>
+        </p:nvSpPr>
+        <p:spPr/>
+        <p:txBody>
+          <a:bodyPr/>
+          <a:lstStyle/>
+          <a:p>
+            <a:fld id="{5E6EE6E0-C363-BB43-AA93-5D9B78864B04}" type="slidenum">
+              <a:rPr lang="en-US" smtClean="0"/>
+              <a:t>5</a:t>
+            </a:fld>
+            <a:endParaRPr lang="en-US"/>
+          </a:p>
+        </p:txBody>
+      </p:sp>
+    </p:spTree>
+    <p:extLst>
+      <p:ext uri="{BB962C8B-B14F-4D97-AF65-F5344CB8AC3E}">
+        <p14:creationId xmlns:p14="http://schemas.microsoft.com/office/powerpoint/2010/main" val="3962679763"/>
+      </p:ext>
+    </p:extLst>
+  </p:cSld>
+  <p:clrMapOvr>
+    <a:masterClrMapping/>
+  </p:clrMapOvr>
+</p:notes>
+</file>
+
+<file path=ppt/notesSlides/notesSlide5.xml><?xml version="1.0" encoding="utf-8"?>
+<p:notes xmlns:a="http://schemas.openxmlformats.org/drawingml/2006/main" xmlns:r="http://schemas.openxmlformats.org/officeDocument/2006/relationships" xmlns:p="http://schemas.openxmlformats.org/presentationml/2006/main">
+  <p:cSld>
+    <p:spTree>
+      <p:nvGrpSpPr>
+        <p:cNvPr id="1" name=""/>
+        <p:cNvGrpSpPr/>
+        <p:nvPr/>
+      </p:nvGrpSpPr>
+      <p:grpSpPr>
+        <a:xfrm>
+          <a:off x="0" y="0"/>
+          <a:ext cx="0" cy="0"/>
+          <a:chOff x="0" y="0"/>
+          <a:chExt cx="0" cy="0"/>
+        </a:xfrm>
+      </p:grpSpPr>
+      <p:sp>
+        <p:nvSpPr>
+          <p:cNvPr id="2" name="Slide Image Placeholder 1"/>
+          <p:cNvSpPr>
+            <a:spLocks noGrp="1" noRot="1" noChangeAspect="1"/>
+          </p:cNvSpPr>
+          <p:nvPr>
+            <p:ph type="sldImg"/>
+          </p:nvPr>
+        </p:nvSpPr>
+        <p:spPr/>
+      </p:sp>
+      <p:sp>
+        <p:nvSpPr>
+          <p:cNvPr id="3" name="Notes Placeholder 2"/>
+          <p:cNvSpPr>
+            <a:spLocks noGrp="1"/>
+          </p:cNvSpPr>
+          <p:nvPr>
+            <p:ph type="body" idx="1"/>
+          </p:nvPr>
+        </p:nvSpPr>
+        <p:spPr/>
+        <p:txBody>
+          <a:bodyPr/>
+          <a:lstStyle/>
+          <a:p>
+            <a:r>
+              <a:rPr lang="en-US" dirty="0"/>
+              <a:t>Here we have a graphic of the median ABV by state</a:t>
+            </a:r>
+          </a:p>
+        </p:txBody>
+      </p:sp>
+      <p:sp>
+        <p:nvSpPr>
+          <p:cNvPr id="4" name="Slide Number Placeholder 3"/>
+          <p:cNvSpPr>
+            <a:spLocks noGrp="1"/>
+          </p:cNvSpPr>
+          <p:nvPr>
+            <p:ph type="sldNum" sz="quarter" idx="5"/>
+          </p:nvPr>
+        </p:nvSpPr>
+        <p:spPr/>
+        <p:txBody>
+          <a:bodyPr/>
+          <a:lstStyle/>
+          <a:p>
+            <a:fld id="{5E6EE6E0-C363-BB43-AA93-5D9B78864B04}" type="slidenum">
+              <a:rPr lang="en-US" smtClean="0"/>
+              <a:t>6</a:t>
+            </a:fld>
+            <a:endParaRPr lang="en-US"/>
+          </a:p>
+        </p:txBody>
+      </p:sp>
+    </p:spTree>
+    <p:extLst>
+      <p:ext uri="{BB962C8B-B14F-4D97-AF65-F5344CB8AC3E}">
+        <p14:creationId xmlns:p14="http://schemas.microsoft.com/office/powerpoint/2010/main" val="2568376369"/>
+      </p:ext>
+    </p:extLst>
+  </p:cSld>
+  <p:clrMapOvr>
+    <a:masterClrMapping/>
+  </p:clrMapOvr>
+</p:notes>
+</file>
+
+<file path=ppt/notesSlides/notesSlide6.xml><?xml version="1.0" encoding="utf-8"?>
+<p:notes xmlns:a="http://schemas.openxmlformats.org/drawingml/2006/main" xmlns:r="http://schemas.openxmlformats.org/officeDocument/2006/relationships" xmlns:p="http://schemas.openxmlformats.org/presentationml/2006/main">
+  <p:cSld>
+    <p:spTree>
+      <p:nvGrpSpPr>
+        <p:cNvPr id="1" name=""/>
+        <p:cNvGrpSpPr/>
+        <p:nvPr/>
+      </p:nvGrpSpPr>
+      <p:grpSpPr>
+        <a:xfrm>
+          <a:off x="0" y="0"/>
+          <a:ext cx="0" cy="0"/>
+          <a:chOff x="0" y="0"/>
+          <a:chExt cx="0" cy="0"/>
+        </a:xfrm>
+      </p:grpSpPr>
+      <p:sp>
+        <p:nvSpPr>
+          <p:cNvPr id="2" name="Slide Image Placeholder 1"/>
+          <p:cNvSpPr>
+            <a:spLocks noGrp="1" noRot="1" noChangeAspect="1"/>
+          </p:cNvSpPr>
+          <p:nvPr>
+            <p:ph type="sldImg"/>
+          </p:nvPr>
+        </p:nvSpPr>
+        <p:spPr/>
+      </p:sp>
+      <p:sp>
+        <p:nvSpPr>
+          <p:cNvPr id="3" name="Notes Placeholder 2"/>
+          <p:cNvSpPr>
+            <a:spLocks noGrp="1"/>
+          </p:cNvSpPr>
+          <p:nvPr>
+            <p:ph type="body" idx="1"/>
+          </p:nvPr>
+        </p:nvSpPr>
+        <p:spPr/>
+        <p:txBody>
+          <a:bodyPr/>
+          <a:lstStyle/>
+          <a:p>
+            <a:r>
+              <a:rPr lang="en-US" dirty="0"/>
+              <a:t>The scatterplot shows a trend that increasing ABV in beer also increases the bitter taste.</a:t>
+            </a:r>
+          </a:p>
+        </p:txBody>
+      </p:sp>
+      <p:sp>
+        <p:nvSpPr>
+          <p:cNvPr id="4" name="Slide Number Placeholder 3"/>
+          <p:cNvSpPr>
+            <a:spLocks noGrp="1"/>
+          </p:cNvSpPr>
+          <p:nvPr>
+            <p:ph type="sldNum" sz="quarter" idx="5"/>
+          </p:nvPr>
+        </p:nvSpPr>
+        <p:spPr/>
+        <p:txBody>
+          <a:bodyPr/>
+          <a:lstStyle/>
+          <a:p>
+            <a:fld id="{5E6EE6E0-C363-BB43-AA93-5D9B78864B04}" type="slidenum">
+              <a:rPr lang="en-US" smtClean="0"/>
+              <a:t>9</a:t>
+            </a:fld>
+            <a:endParaRPr lang="en-US"/>
+          </a:p>
+        </p:txBody>
+      </p:sp>
+    </p:spTree>
+    <p:extLst>
+      <p:ext uri="{BB962C8B-B14F-4D97-AF65-F5344CB8AC3E}">
+        <p14:creationId xmlns:p14="http://schemas.microsoft.com/office/powerpoint/2010/main" val="572250126"/>
+      </p:ext>
+    </p:extLst>
+  </p:cSld>
+  <p:clrMapOvr>
+    <a:masterClrMapping/>
+  </p:clrMapOvr>
+</p:notes>
+</file>
+
 <file path=ppt/slideLayouts/slideLayout1.xml><?xml version="1.0" encoding="utf-8"?>
 <p:sldLayout xmlns:a="http://schemas.openxmlformats.org/drawingml/2006/main" xmlns:r="http://schemas.openxmlformats.org/officeDocument/2006/relationships" xmlns:p="http://schemas.openxmlformats.org/presentationml/2006/main" showMasterSp="0" type="title" preserve="1">
   <p:cSld name="Title Slide">
@@ -211,7 +1090,7 @@
           <a:noFill/>
           <a:extLst>
             <a:ext uri="{909E8E84-426E-40dd-AFC4-6F175D3DCCD1}">
-              <a14:hiddenFill xmlns="" xmlns:a14="http://schemas.microsoft.com/office/drawing/2010/main">
+              <a14:hiddenFill xmlns:a14="http://schemas.microsoft.com/office/drawing/2010/main" xmlns="">
                 <a:solidFill>
                   <a:srgbClr val="FFFFFF"/>
                 </a:solidFill>
@@ -270,7 +1149,7 @@
             </a:ln>
             <a:extLst>
               <a:ext uri="{91240B29-F687-4f45-9708-019B960494DF}">
-                <a14:hiddenLine xmlns="" xmlns:a14="http://schemas.microsoft.com/office/drawing/2010/main" w="9525">
+                <a14:hiddenLine xmlns:a14="http://schemas.microsoft.com/office/drawing/2010/main" xmlns="" w="9525">
                   <a:solidFill>
                     <a:srgbClr val="000000"/>
                   </a:solidFill>
@@ -360,7 +1239,7 @@
             </a:ln>
             <a:extLst>
               <a:ext uri="{91240B29-F687-4f45-9708-019B960494DF}">
-                <a14:hiddenLine xmlns="" xmlns:a14="http://schemas.microsoft.com/office/drawing/2010/main" w="9525">
+                <a14:hiddenLine xmlns:a14="http://schemas.microsoft.com/office/drawing/2010/main" xmlns="" w="9525">
                   <a:solidFill>
                     <a:srgbClr val="000000"/>
                   </a:solidFill>
@@ -450,7 +1329,7 @@
             </a:ln>
             <a:extLst>
               <a:ext uri="{91240B29-F687-4f45-9708-019B960494DF}">
-                <a14:hiddenLine xmlns="" xmlns:a14="http://schemas.microsoft.com/office/drawing/2010/main" w="9525">
+                <a14:hiddenLine xmlns:a14="http://schemas.microsoft.com/office/drawing/2010/main" xmlns="" w="9525">
                   <a:solidFill>
                     <a:srgbClr val="000000"/>
                   </a:solidFill>
@@ -484,7 +1363,7 @@
             </a:ln>
             <a:extLst>
               <a:ext uri="{91240B29-F687-4f45-9708-019B960494DF}">
-                <a14:hiddenLine xmlns="" xmlns:a14="http://schemas.microsoft.com/office/drawing/2010/main" w="9525">
+                <a14:hiddenLine xmlns:a14="http://schemas.microsoft.com/office/drawing/2010/main" xmlns="" w="9525">
                   <a:solidFill>
                     <a:srgbClr val="000000"/>
                   </a:solidFill>
@@ -574,7 +1453,7 @@
             </a:ln>
             <a:extLst>
               <a:ext uri="{91240B29-F687-4f45-9708-019B960494DF}">
-                <a14:hiddenLine xmlns="" xmlns:a14="http://schemas.microsoft.com/office/drawing/2010/main" w="9525">
+                <a14:hiddenLine xmlns:a14="http://schemas.microsoft.com/office/drawing/2010/main" xmlns="" w="9525">
                   <a:solidFill>
                     <a:srgbClr val="000000"/>
                   </a:solidFill>
@@ -636,7 +1515,7 @@
             </a:ln>
             <a:extLst>
               <a:ext uri="{91240B29-F687-4f45-9708-019B960494DF}">
-                <a14:hiddenLine xmlns="" xmlns:a14="http://schemas.microsoft.com/office/drawing/2010/main" w="9525">
+                <a14:hiddenLine xmlns:a14="http://schemas.microsoft.com/office/drawing/2010/main" xmlns="" w="9525">
                   <a:solidFill>
                     <a:srgbClr val="000000"/>
                   </a:solidFill>
@@ -698,7 +1577,7 @@
             </a:ln>
             <a:extLst>
               <a:ext uri="{91240B29-F687-4f45-9708-019B960494DF}">
-                <a14:hiddenLine xmlns="" xmlns:a14="http://schemas.microsoft.com/office/drawing/2010/main" w="9525">
+                <a14:hiddenLine xmlns:a14="http://schemas.microsoft.com/office/drawing/2010/main" xmlns="" w="9525">
                   <a:solidFill>
                     <a:srgbClr val="000000"/>
                   </a:solidFill>
@@ -788,7 +1667,7 @@
             </a:ln>
             <a:extLst>
               <a:ext uri="{91240B29-F687-4f45-9708-019B960494DF}">
-                <a14:hiddenLine xmlns="" xmlns:a14="http://schemas.microsoft.com/office/drawing/2010/main" w="9525">
+                <a14:hiddenLine xmlns:a14="http://schemas.microsoft.com/office/drawing/2010/main" xmlns="" w="9525">
                   <a:solidFill>
                     <a:srgbClr val="000000"/>
                   </a:solidFill>
@@ -850,7 +1729,7 @@
             </a:ln>
             <a:extLst>
               <a:ext uri="{91240B29-F687-4f45-9708-019B960494DF}">
-                <a14:hiddenLine xmlns="" xmlns:a14="http://schemas.microsoft.com/office/drawing/2010/main" w="9525">
+                <a14:hiddenLine xmlns:a14="http://schemas.microsoft.com/office/drawing/2010/main" xmlns="" w="9525">
                   <a:solidFill>
                     <a:srgbClr val="000000"/>
                   </a:solidFill>
@@ -912,7 +1791,7 @@
             </a:ln>
             <a:extLst>
               <a:ext uri="{91240B29-F687-4f45-9708-019B960494DF}">
-                <a14:hiddenLine xmlns="" xmlns:a14="http://schemas.microsoft.com/office/drawing/2010/main" w="9525">
+                <a14:hiddenLine xmlns:a14="http://schemas.microsoft.com/office/drawing/2010/main" xmlns="" w="9525">
                   <a:solidFill>
                     <a:srgbClr val="000000"/>
                   </a:solidFill>
@@ -1002,7 +1881,7 @@
             </a:ln>
             <a:extLst>
               <a:ext uri="{91240B29-F687-4f45-9708-019B960494DF}">
-                <a14:hiddenLine xmlns="" xmlns:a14="http://schemas.microsoft.com/office/drawing/2010/main" w="9525">
+                <a14:hiddenLine xmlns:a14="http://schemas.microsoft.com/office/drawing/2010/main" xmlns="" w="9525">
                   <a:solidFill>
                     <a:srgbClr val="000000"/>
                   </a:solidFill>
@@ -1092,7 +1971,7 @@
             </a:ln>
             <a:extLst>
               <a:ext uri="{91240B29-F687-4f45-9708-019B960494DF}">
-                <a14:hiddenLine xmlns="" xmlns:a14="http://schemas.microsoft.com/office/drawing/2010/main" w="9525">
+                <a14:hiddenLine xmlns:a14="http://schemas.microsoft.com/office/drawing/2010/main" xmlns="" w="9525">
                   <a:solidFill>
                     <a:srgbClr val="000000"/>
                   </a:solidFill>
@@ -1154,7 +2033,7 @@
             </a:ln>
             <a:extLst>
               <a:ext uri="{91240B29-F687-4f45-9708-019B960494DF}">
-                <a14:hiddenLine xmlns="" xmlns:a14="http://schemas.microsoft.com/office/drawing/2010/main" w="9525">
+                <a14:hiddenLine xmlns:a14="http://schemas.microsoft.com/office/drawing/2010/main" xmlns="" w="9525">
                   <a:solidFill>
                     <a:srgbClr val="000000"/>
                   </a:solidFill>
@@ -1264,7 +2143,7 @@
             </a:ln>
             <a:extLst>
               <a:ext uri="{91240B29-F687-4f45-9708-019B960494DF}">
-                <a14:hiddenLine xmlns="" xmlns:a14="http://schemas.microsoft.com/office/drawing/2010/main" w="9525">
+                <a14:hiddenLine xmlns:a14="http://schemas.microsoft.com/office/drawing/2010/main" xmlns="" w="9525">
                   <a:solidFill>
                     <a:srgbClr val="000000"/>
                   </a:solidFill>
@@ -1326,7 +2205,7 @@
             </a:ln>
             <a:extLst>
               <a:ext uri="{91240B29-F687-4f45-9708-019B960494DF}">
-                <a14:hiddenLine xmlns="" xmlns:a14="http://schemas.microsoft.com/office/drawing/2010/main" w="9525">
+                <a14:hiddenLine xmlns:a14="http://schemas.microsoft.com/office/drawing/2010/main" xmlns="" w="9525">
                   <a:solidFill>
                     <a:srgbClr val="000000"/>
                   </a:solidFill>
@@ -1416,7 +2295,7 @@
             </a:ln>
             <a:extLst>
               <a:ext uri="{91240B29-F687-4f45-9708-019B960494DF}">
-                <a14:hiddenLine xmlns="" xmlns:a14="http://schemas.microsoft.com/office/drawing/2010/main" w="9525">
+                <a14:hiddenLine xmlns:a14="http://schemas.microsoft.com/office/drawing/2010/main" xmlns="" w="9525">
                   <a:solidFill>
                     <a:srgbClr val="000000"/>
                   </a:solidFill>
@@ -1506,7 +2385,7 @@
             </a:ln>
             <a:extLst>
               <a:ext uri="{91240B29-F687-4f45-9708-019B960494DF}">
-                <a14:hiddenLine xmlns="" xmlns:a14="http://schemas.microsoft.com/office/drawing/2010/main" w="9525">
+                <a14:hiddenLine xmlns:a14="http://schemas.microsoft.com/office/drawing/2010/main" xmlns="" w="9525">
                   <a:solidFill>
                     <a:srgbClr val="000000"/>
                   </a:solidFill>
@@ -1568,7 +2447,7 @@
             </a:ln>
             <a:extLst>
               <a:ext uri="{91240B29-F687-4f45-9708-019B960494DF}">
-                <a14:hiddenLine xmlns="" xmlns:a14="http://schemas.microsoft.com/office/drawing/2010/main" w="9525">
+                <a14:hiddenLine xmlns:a14="http://schemas.microsoft.com/office/drawing/2010/main" xmlns="" w="9525">
                   <a:solidFill>
                     <a:srgbClr val="000000"/>
                   </a:solidFill>
@@ -1658,7 +2537,7 @@
             </a:ln>
             <a:extLst>
               <a:ext uri="{91240B29-F687-4f45-9708-019B960494DF}">
-                <a14:hiddenLine xmlns="" xmlns:a14="http://schemas.microsoft.com/office/drawing/2010/main" w="9525">
+                <a14:hiddenLine xmlns:a14="http://schemas.microsoft.com/office/drawing/2010/main" xmlns="" w="9525">
                   <a:solidFill>
                     <a:srgbClr val="000000"/>
                   </a:solidFill>
@@ -1748,7 +2627,7 @@
             </a:ln>
             <a:extLst>
               <a:ext uri="{91240B29-F687-4f45-9708-019B960494DF}">
-                <a14:hiddenLine xmlns="" xmlns:a14="http://schemas.microsoft.com/office/drawing/2010/main" w="9525">
+                <a14:hiddenLine xmlns:a14="http://schemas.microsoft.com/office/drawing/2010/main" xmlns="" w="9525">
                   <a:solidFill>
                     <a:srgbClr val="000000"/>
                   </a:solidFill>
@@ -1804,7 +2683,7 @@
             </a:ln>
             <a:extLst>
               <a:ext uri="{91240B29-F687-4f45-9708-019B960494DF}">
-                <a14:hiddenLine xmlns="" xmlns:a14="http://schemas.microsoft.com/office/drawing/2010/main" w="9525">
+                <a14:hiddenLine xmlns:a14="http://schemas.microsoft.com/office/drawing/2010/main" xmlns="" w="9525">
                   <a:solidFill>
                     <a:srgbClr val="000000"/>
                   </a:solidFill>
@@ -1894,7 +2773,7 @@
             </a:ln>
             <a:extLst>
               <a:ext uri="{91240B29-F687-4f45-9708-019B960494DF}">
-                <a14:hiddenLine xmlns="" xmlns:a14="http://schemas.microsoft.com/office/drawing/2010/main" w="9525">
+                <a14:hiddenLine xmlns:a14="http://schemas.microsoft.com/office/drawing/2010/main" xmlns="" w="9525">
                   <a:solidFill>
                     <a:srgbClr val="000000"/>
                   </a:solidFill>
@@ -1950,7 +2829,7 @@
             </a:ln>
             <a:extLst>
               <a:ext uri="{91240B29-F687-4f45-9708-019B960494DF}">
-                <a14:hiddenLine xmlns="" xmlns:a14="http://schemas.microsoft.com/office/drawing/2010/main" w="9525">
+                <a14:hiddenLine xmlns:a14="http://schemas.microsoft.com/office/drawing/2010/main" xmlns="" w="9525">
                   <a:solidFill>
                     <a:srgbClr val="000000"/>
                   </a:solidFill>
@@ -2040,7 +2919,7 @@
             </a:ln>
             <a:extLst>
               <a:ext uri="{91240B29-F687-4f45-9708-019B960494DF}">
-                <a14:hiddenLine xmlns="" xmlns:a14="http://schemas.microsoft.com/office/drawing/2010/main" w="9525">
+                <a14:hiddenLine xmlns:a14="http://schemas.microsoft.com/office/drawing/2010/main" xmlns="" w="9525">
                   <a:solidFill>
                     <a:srgbClr val="000000"/>
                   </a:solidFill>
@@ -2108,7 +2987,7 @@
             </a:ln>
             <a:extLst>
               <a:ext uri="{91240B29-F687-4f45-9708-019B960494DF}">
-                <a14:hiddenLine xmlns="" xmlns:a14="http://schemas.microsoft.com/office/drawing/2010/main" w="9525">
+                <a14:hiddenLine xmlns:a14="http://schemas.microsoft.com/office/drawing/2010/main" xmlns="" w="9525">
                   <a:solidFill>
                     <a:srgbClr val="000000"/>
                   </a:solidFill>
@@ -2198,7 +3077,7 @@
             </a:ln>
             <a:extLst>
               <a:ext uri="{91240B29-F687-4f45-9708-019B960494DF}">
-                <a14:hiddenLine xmlns="" xmlns:a14="http://schemas.microsoft.com/office/drawing/2010/main" w="9525">
+                <a14:hiddenLine xmlns:a14="http://schemas.microsoft.com/office/drawing/2010/main" xmlns="" w="9525">
                   <a:solidFill>
                     <a:srgbClr val="000000"/>
                   </a:solidFill>
@@ -2266,7 +3145,7 @@
             </a:ln>
             <a:extLst>
               <a:ext uri="{91240B29-F687-4f45-9708-019B960494DF}">
-                <a14:hiddenLine xmlns="" xmlns:a14="http://schemas.microsoft.com/office/drawing/2010/main" w="9525">
+                <a14:hiddenLine xmlns:a14="http://schemas.microsoft.com/office/drawing/2010/main" xmlns="" w="9525">
                   <a:solidFill>
                     <a:srgbClr val="000000"/>
                   </a:solidFill>
@@ -2356,7 +3235,7 @@
             </a:ln>
             <a:extLst>
               <a:ext uri="{91240B29-F687-4f45-9708-019B960494DF}">
-                <a14:hiddenLine xmlns="" xmlns:a14="http://schemas.microsoft.com/office/drawing/2010/main" w="9525">
+                <a14:hiddenLine xmlns:a14="http://schemas.microsoft.com/office/drawing/2010/main" xmlns="" w="9525">
                   <a:solidFill>
                     <a:srgbClr val="000000"/>
                   </a:solidFill>
@@ -2390,7 +3269,7 @@
             </a:ln>
             <a:extLst>
               <a:ext uri="{91240B29-F687-4f45-9708-019B960494DF}">
-                <a14:hiddenLine xmlns="" xmlns:a14="http://schemas.microsoft.com/office/drawing/2010/main" w="9525">
+                <a14:hiddenLine xmlns:a14="http://schemas.microsoft.com/office/drawing/2010/main" xmlns="" w="9525">
                   <a:solidFill>
                     <a:srgbClr val="000000"/>
                   </a:solidFill>
@@ -2480,7 +3359,7 @@
             </a:ln>
             <a:extLst>
               <a:ext uri="{91240B29-F687-4f45-9708-019B960494DF}">
-                <a14:hiddenLine xmlns="" xmlns:a14="http://schemas.microsoft.com/office/drawing/2010/main" w="9525">
+                <a14:hiddenLine xmlns:a14="http://schemas.microsoft.com/office/drawing/2010/main" xmlns="" w="9525">
                   <a:solidFill>
                     <a:srgbClr val="000000"/>
                   </a:solidFill>
@@ -2542,7 +3421,7 @@
             </a:ln>
             <a:extLst>
               <a:ext uri="{91240B29-F687-4f45-9708-019B960494DF}">
-                <a14:hiddenLine xmlns="" xmlns:a14="http://schemas.microsoft.com/office/drawing/2010/main" w="9525">
+                <a14:hiddenLine xmlns:a14="http://schemas.microsoft.com/office/drawing/2010/main" xmlns="" w="9525">
                   <a:solidFill>
                     <a:srgbClr val="000000"/>
                   </a:solidFill>
@@ -2604,7 +3483,7 @@
             </a:ln>
             <a:extLst>
               <a:ext uri="{91240B29-F687-4f45-9708-019B960494DF}">
-                <a14:hiddenLine xmlns="" xmlns:a14="http://schemas.microsoft.com/office/drawing/2010/main" w="9525">
+                <a14:hiddenLine xmlns:a14="http://schemas.microsoft.com/office/drawing/2010/main" xmlns="" w="9525">
                   <a:solidFill>
                     <a:srgbClr val="000000"/>
                   </a:solidFill>
@@ -2694,7 +3573,7 @@
             </a:ln>
             <a:extLst>
               <a:ext uri="{91240B29-F687-4f45-9708-019B960494DF}">
-                <a14:hiddenLine xmlns="" xmlns:a14="http://schemas.microsoft.com/office/drawing/2010/main" w="9525">
+                <a14:hiddenLine xmlns:a14="http://schemas.microsoft.com/office/drawing/2010/main" xmlns="" w="9525">
                   <a:solidFill>
                     <a:srgbClr val="000000"/>
                   </a:solidFill>
@@ -2762,7 +3641,7 @@
             </a:ln>
             <a:extLst>
               <a:ext uri="{91240B29-F687-4f45-9708-019B960494DF}">
-                <a14:hiddenLine xmlns="" xmlns:a14="http://schemas.microsoft.com/office/drawing/2010/main" w="9525">
+                <a14:hiddenLine xmlns:a14="http://schemas.microsoft.com/office/drawing/2010/main" xmlns="" w="9525">
                   <a:solidFill>
                     <a:srgbClr val="000000"/>
                   </a:solidFill>
@@ -2824,7 +3703,7 @@
             </a:ln>
             <a:extLst>
               <a:ext uri="{91240B29-F687-4f45-9708-019B960494DF}">
-                <a14:hiddenLine xmlns="" xmlns:a14="http://schemas.microsoft.com/office/drawing/2010/main" w="9525">
+                <a14:hiddenLine xmlns:a14="http://schemas.microsoft.com/office/drawing/2010/main" xmlns="" w="9525">
                   <a:solidFill>
                     <a:srgbClr val="000000"/>
                   </a:solidFill>
@@ -2914,7 +3793,7 @@
             </a:ln>
             <a:extLst>
               <a:ext uri="{91240B29-F687-4f45-9708-019B960494DF}">
-                <a14:hiddenLine xmlns="" xmlns:a14="http://schemas.microsoft.com/office/drawing/2010/main" w="9525">
+                <a14:hiddenLine xmlns:a14="http://schemas.microsoft.com/office/drawing/2010/main" xmlns="" w="9525">
                   <a:solidFill>
                     <a:srgbClr val="000000"/>
                   </a:solidFill>
@@ -2976,7 +3855,7 @@
             </a:ln>
             <a:extLst>
               <a:ext uri="{91240B29-F687-4f45-9708-019B960494DF}">
-                <a14:hiddenLine xmlns="" xmlns:a14="http://schemas.microsoft.com/office/drawing/2010/main" w="9525">
+                <a14:hiddenLine xmlns:a14="http://schemas.microsoft.com/office/drawing/2010/main" xmlns="" w="9525">
                   <a:solidFill>
                     <a:srgbClr val="000000"/>
                   </a:solidFill>
@@ -3066,7 +3945,7 @@
             </a:ln>
             <a:extLst>
               <a:ext uri="{91240B29-F687-4f45-9708-019B960494DF}">
-                <a14:hiddenLine xmlns="" xmlns:a14="http://schemas.microsoft.com/office/drawing/2010/main" w="9525">
+                <a14:hiddenLine xmlns:a14="http://schemas.microsoft.com/office/drawing/2010/main" xmlns="" w="9525">
                   <a:solidFill>
                     <a:srgbClr val="000000"/>
                   </a:solidFill>
@@ -3128,7 +4007,7 @@
             </a:ln>
             <a:extLst>
               <a:ext uri="{91240B29-F687-4f45-9708-019B960494DF}">
-                <a14:hiddenLine xmlns="" xmlns:a14="http://schemas.microsoft.com/office/drawing/2010/main" w="9525">
+                <a14:hiddenLine xmlns:a14="http://schemas.microsoft.com/office/drawing/2010/main" xmlns="" w="9525">
                   <a:solidFill>
                     <a:srgbClr val="000000"/>
                   </a:solidFill>
@@ -3218,7 +4097,7 @@
             </a:ln>
             <a:extLst>
               <a:ext uri="{91240B29-F687-4f45-9708-019B960494DF}">
-                <a14:hiddenLine xmlns="" xmlns:a14="http://schemas.microsoft.com/office/drawing/2010/main" w="9525">
+                <a14:hiddenLine xmlns:a14="http://schemas.microsoft.com/office/drawing/2010/main" xmlns="" w="9525">
                   <a:solidFill>
                     <a:srgbClr val="000000"/>
                   </a:solidFill>
@@ -3252,7 +4131,7 @@
             </a:ln>
             <a:extLst>
               <a:ext uri="{91240B29-F687-4f45-9708-019B960494DF}">
-                <a14:hiddenLine xmlns="" xmlns:a14="http://schemas.microsoft.com/office/drawing/2010/main" w="9525">
+                <a14:hiddenLine xmlns:a14="http://schemas.microsoft.com/office/drawing/2010/main" xmlns="" w="9525">
                   <a:solidFill>
                     <a:srgbClr val="000000"/>
                   </a:solidFill>
@@ -3317,7 +4196,7 @@
             </a:ln>
             <a:extLst>
               <a:ext uri="{91240B29-F687-4f45-9708-019B960494DF}">
-                <a14:hiddenLine xmlns="" xmlns:a14="http://schemas.microsoft.com/office/drawing/2010/main" w="9525">
+                <a14:hiddenLine xmlns:a14="http://schemas.microsoft.com/office/drawing/2010/main" xmlns="" w="9525">
                   <a:solidFill>
                     <a:srgbClr val="000000"/>
                   </a:solidFill>
@@ -3407,7 +4286,7 @@
             </a:ln>
             <a:extLst>
               <a:ext uri="{91240B29-F687-4f45-9708-019B960494DF}">
-                <a14:hiddenLine xmlns="" xmlns:a14="http://schemas.microsoft.com/office/drawing/2010/main" w="9525">
+                <a14:hiddenLine xmlns:a14="http://schemas.microsoft.com/office/drawing/2010/main" xmlns="" w="9525">
                   <a:solidFill>
                     <a:srgbClr val="000000"/>
                   </a:solidFill>
@@ -3469,7 +4348,7 @@
             </a:ln>
             <a:extLst>
               <a:ext uri="{91240B29-F687-4f45-9708-019B960494DF}">
-                <a14:hiddenLine xmlns="" xmlns:a14="http://schemas.microsoft.com/office/drawing/2010/main" w="9525">
+                <a14:hiddenLine xmlns:a14="http://schemas.microsoft.com/office/drawing/2010/main" xmlns="" w="9525">
                   <a:solidFill>
                     <a:srgbClr val="000000"/>
                   </a:solidFill>
@@ -3559,7 +4438,7 @@
             </a:ln>
             <a:extLst>
               <a:ext uri="{91240B29-F687-4f45-9708-019B960494DF}">
-                <a14:hiddenLine xmlns="" xmlns:a14="http://schemas.microsoft.com/office/drawing/2010/main" w="9525">
+                <a14:hiddenLine xmlns:a14="http://schemas.microsoft.com/office/drawing/2010/main" xmlns="" w="9525">
                   <a:solidFill>
                     <a:srgbClr val="000000"/>
                   </a:solidFill>
@@ -3649,7 +4528,7 @@
             </a:ln>
             <a:extLst>
               <a:ext uri="{91240B29-F687-4f45-9708-019B960494DF}">
-                <a14:hiddenLine xmlns="" xmlns:a14="http://schemas.microsoft.com/office/drawing/2010/main" w="9525">
+                <a14:hiddenLine xmlns:a14="http://schemas.microsoft.com/office/drawing/2010/main" xmlns="" w="9525">
                   <a:solidFill>
                     <a:srgbClr val="000000"/>
                   </a:solidFill>
@@ -3714,7 +4593,7 @@
             </a:ln>
             <a:extLst>
               <a:ext uri="{91240B29-F687-4f45-9708-019B960494DF}">
-                <a14:hiddenLine xmlns="" xmlns:a14="http://schemas.microsoft.com/office/drawing/2010/main" w="9525">
+                <a14:hiddenLine xmlns:a14="http://schemas.microsoft.com/office/drawing/2010/main" xmlns="" w="9525">
                   <a:solidFill>
                     <a:srgbClr val="000000"/>
                   </a:solidFill>
@@ -3776,7 +4655,7 @@
             </a:ln>
             <a:extLst>
               <a:ext uri="{91240B29-F687-4f45-9708-019B960494DF}">
-                <a14:hiddenLine xmlns="" xmlns:a14="http://schemas.microsoft.com/office/drawing/2010/main" w="9525">
+                <a14:hiddenLine xmlns:a14="http://schemas.microsoft.com/office/drawing/2010/main" xmlns="" w="9525">
                   <a:solidFill>
                     <a:srgbClr val="000000"/>
                   </a:solidFill>
@@ -3866,7 +4745,7 @@
             </a:ln>
             <a:extLst>
               <a:ext uri="{91240B29-F687-4f45-9708-019B960494DF}">
-                <a14:hiddenLine xmlns="" xmlns:a14="http://schemas.microsoft.com/office/drawing/2010/main" w="9525">
+                <a14:hiddenLine xmlns:a14="http://schemas.microsoft.com/office/drawing/2010/main" xmlns="" w="9525">
                   <a:solidFill>
                     <a:srgbClr val="000000"/>
                   </a:solidFill>
@@ -3956,7 +4835,7 @@
             </a:ln>
             <a:extLst>
               <a:ext uri="{91240B29-F687-4f45-9708-019B960494DF}">
-                <a14:hiddenLine xmlns="" xmlns:a14="http://schemas.microsoft.com/office/drawing/2010/main" w="9525">
+                <a14:hiddenLine xmlns:a14="http://schemas.microsoft.com/office/drawing/2010/main" xmlns="" w="9525">
                   <a:solidFill>
                     <a:srgbClr val="000000"/>
                   </a:solidFill>
@@ -4018,7 +4897,7 @@
             </a:ln>
             <a:extLst>
               <a:ext uri="{91240B29-F687-4f45-9708-019B960494DF}">
-                <a14:hiddenLine xmlns="" xmlns:a14="http://schemas.microsoft.com/office/drawing/2010/main" w="9525">
+                <a14:hiddenLine xmlns:a14="http://schemas.microsoft.com/office/drawing/2010/main" xmlns="" w="9525">
                   <a:solidFill>
                     <a:srgbClr val="000000"/>
                   </a:solidFill>
@@ -4138,7 +5017,7 @@
             </a:ln>
             <a:extLst>
               <a:ext uri="{91240B29-F687-4f45-9708-019B960494DF}">
-                <a14:hiddenLine xmlns="" xmlns:a14="http://schemas.microsoft.com/office/drawing/2010/main" w="9525">
+                <a14:hiddenLine xmlns:a14="http://schemas.microsoft.com/office/drawing/2010/main" xmlns="" w="9525">
                   <a:solidFill>
                     <a:srgbClr val="000000"/>
                   </a:solidFill>
@@ -4206,7 +5085,7 @@
             </a:ln>
             <a:extLst>
               <a:ext uri="{91240B29-F687-4f45-9708-019B960494DF}">
-                <a14:hiddenLine xmlns="" xmlns:a14="http://schemas.microsoft.com/office/drawing/2010/main" w="9525">
+                <a14:hiddenLine xmlns:a14="http://schemas.microsoft.com/office/drawing/2010/main" xmlns="" w="9525">
                   <a:solidFill>
                     <a:srgbClr val="000000"/>
                   </a:solidFill>
@@ -4296,7 +5175,7 @@
             </a:ln>
             <a:extLst>
               <a:ext uri="{91240B29-F687-4f45-9708-019B960494DF}">
-                <a14:hiddenLine xmlns="" xmlns:a14="http://schemas.microsoft.com/office/drawing/2010/main" w="9525">
+                <a14:hiddenLine xmlns:a14="http://schemas.microsoft.com/office/drawing/2010/main" xmlns="" w="9525">
                   <a:solidFill>
                     <a:srgbClr val="000000"/>
                   </a:solidFill>
@@ -4436,7 +5315,7 @@
           <a:p>
             <a:fld id="{48A87A34-81AB-432B-8DAE-1953F412C126}" type="datetimeFigureOut">
               <a:rPr lang="en-US" dirty="0"/>
-              <a:t>2/27/2019</a:t>
+              <a:t>2/27/19</a:t>
             </a:fld>
             <a:endParaRPr lang="en-US" dirty="0"/>
           </a:p>
@@ -4698,7 +5577,7 @@
           <a:p>
             <a:fld id="{48A87A34-81AB-432B-8DAE-1953F412C126}" type="datetimeFigureOut">
               <a:rPr lang="en-US" dirty="0"/>
-              <a:t>2/27/2019</a:t>
+              <a:t>2/27/19</a:t>
             </a:fld>
             <a:endParaRPr lang="en-US" dirty="0"/>
           </a:p>
@@ -4889,7 +5768,7 @@
           <a:p>
             <a:fld id="{48A87A34-81AB-432B-8DAE-1953F412C126}" type="datetimeFigureOut">
               <a:rPr lang="en-US" dirty="0"/>
-              <a:t>2/27/2019</a:t>
+              <a:t>2/27/19</a:t>
             </a:fld>
             <a:endParaRPr lang="en-US" dirty="0"/>
           </a:p>
@@ -5147,7 +6026,7 @@
           <a:p>
             <a:fld id="{48A87A34-81AB-432B-8DAE-1953F412C126}" type="datetimeFigureOut">
               <a:rPr lang="en-US" dirty="0"/>
-              <a:t>2/27/2019</a:t>
+              <a:t>2/27/19</a:t>
             </a:fld>
             <a:endParaRPr lang="en-US" dirty="0"/>
           </a:p>
@@ -5576,7 +6455,7 @@
           <a:p>
             <a:fld id="{48A87A34-81AB-432B-8DAE-1953F412C126}" type="datetimeFigureOut">
               <a:rPr lang="en-US" dirty="0"/>
-              <a:t>2/27/2019</a:t>
+              <a:t>2/27/19</a:t>
             </a:fld>
             <a:endParaRPr lang="en-US" dirty="0"/>
           </a:p>
@@ -6117,7 +6996,7 @@
           <a:p>
             <a:fld id="{48A87A34-81AB-432B-8DAE-1953F412C126}" type="datetimeFigureOut">
               <a:rPr lang="en-US" dirty="0"/>
-              <a:t>2/27/2019</a:t>
+              <a:t>2/27/19</a:t>
             </a:fld>
             <a:endParaRPr lang="en-US" dirty="0"/>
           </a:p>
@@ -6832,7 +7711,7 @@
           <a:p>
             <a:fld id="{48A87A34-81AB-432B-8DAE-1953F412C126}" type="datetimeFigureOut">
               <a:rPr lang="en-US" dirty="0"/>
-              <a:t>2/27/2019</a:t>
+              <a:t>2/27/19</a:t>
             </a:fld>
             <a:endParaRPr lang="en-US" dirty="0"/>
           </a:p>
@@ -6997,7 +7876,7 @@
           <a:p>
             <a:fld id="{48A87A34-81AB-432B-8DAE-1953F412C126}" type="datetimeFigureOut">
               <a:rPr lang="en-US" dirty="0"/>
-              <a:t>2/27/2019</a:t>
+              <a:t>2/27/19</a:t>
             </a:fld>
             <a:endParaRPr lang="en-US" dirty="0"/>
           </a:p>
@@ -7172,7 +8051,7 @@
           <a:p>
             <a:fld id="{48A87A34-81AB-432B-8DAE-1953F412C126}" type="datetimeFigureOut">
               <a:rPr lang="en-US" dirty="0"/>
-              <a:t>2/27/2019</a:t>
+              <a:t>2/27/19</a:t>
             </a:fld>
             <a:endParaRPr lang="en-US" dirty="0"/>
           </a:p>
@@ -7337,7 +8216,7 @@
           <a:p>
             <a:fld id="{48A87A34-81AB-432B-8DAE-1953F412C126}" type="datetimeFigureOut">
               <a:rPr lang="en-US" dirty="0"/>
-              <a:t>2/27/2019</a:t>
+              <a:t>2/27/19</a:t>
             </a:fld>
             <a:endParaRPr lang="en-US" dirty="0"/>
           </a:p>
@@ -7582,7 +8461,7 @@
           <a:p>
             <a:fld id="{48A87A34-81AB-432B-8DAE-1953F412C126}" type="datetimeFigureOut">
               <a:rPr lang="en-US" dirty="0"/>
-              <a:t>2/27/2019</a:t>
+              <a:t>2/27/19</a:t>
             </a:fld>
             <a:endParaRPr lang="en-US" dirty="0"/>
           </a:p>
@@ -7809,7 +8688,7 @@
           <a:p>
             <a:fld id="{48A87A34-81AB-432B-8DAE-1953F412C126}" type="datetimeFigureOut">
               <a:rPr lang="en-US" dirty="0"/>
-              <a:t>2/27/2019</a:t>
+              <a:t>2/27/19</a:t>
             </a:fld>
             <a:endParaRPr lang="en-US" dirty="0"/>
           </a:p>
@@ -8185,7 +9064,7 @@
           <a:p>
             <a:fld id="{48A87A34-81AB-432B-8DAE-1953F412C126}" type="datetimeFigureOut">
               <a:rPr lang="en-US" dirty="0"/>
-              <a:t>2/27/2019</a:t>
+              <a:t>2/27/19</a:t>
             </a:fld>
             <a:endParaRPr lang="en-US" dirty="0"/>
           </a:p>
@@ -8298,7 +9177,7 @@
           <a:p>
             <a:fld id="{48A87A34-81AB-432B-8DAE-1953F412C126}" type="datetimeFigureOut">
               <a:rPr lang="en-US" dirty="0"/>
-              <a:t>2/27/2019</a:t>
+              <a:t>2/27/19</a:t>
             </a:fld>
             <a:endParaRPr lang="en-US" dirty="0"/>
           </a:p>
@@ -8388,7 +9267,7 @@
           <a:p>
             <a:fld id="{48A87A34-81AB-432B-8DAE-1953F412C126}" type="datetimeFigureOut">
               <a:rPr lang="en-US" dirty="0"/>
-              <a:t>2/27/2019</a:t>
+              <a:t>2/27/19</a:t>
             </a:fld>
             <a:endParaRPr lang="en-US" dirty="0"/>
           </a:p>
@@ -8632,7 +9511,7 @@
           <a:p>
             <a:fld id="{48A87A34-81AB-432B-8DAE-1953F412C126}" type="datetimeFigureOut">
               <a:rPr lang="en-US" dirty="0"/>
-              <a:t>2/27/2019</a:t>
+              <a:t>2/27/19</a:t>
             </a:fld>
             <a:endParaRPr lang="en-US" dirty="0"/>
           </a:p>
@@ -8907,7 +9786,7 @@
           <a:p>
             <a:fld id="{48A87A34-81AB-432B-8DAE-1953F412C126}" type="datetimeFigureOut">
               <a:rPr lang="en-US" dirty="0"/>
-              <a:t>2/27/2019</a:t>
+              <a:t>2/27/19</a:t>
             </a:fld>
             <a:endParaRPr lang="en-US" dirty="0"/>
           </a:p>
@@ -9025,7 +9904,7 @@
           <a:noFill/>
           <a:extLst>
             <a:ext uri="{909E8E84-426E-40dd-AFC4-6F175D3DCCD1}">
-              <a14:hiddenFill xmlns="" xmlns:a14="http://schemas.microsoft.com/office/drawing/2010/main">
+              <a14:hiddenFill xmlns:a14="http://schemas.microsoft.com/office/drawing/2010/main" xmlns="">
                 <a:solidFill>
                   <a:srgbClr val="FFFFFF"/>
                 </a:solidFill>
@@ -9099,7 +9978,7 @@
               </a:ln>
               <a:extLst>
                 <a:ext uri="{91240B29-F687-4f45-9708-019B960494DF}">
-                  <a14:hiddenLine xmlns="" xmlns:a14="http://schemas.microsoft.com/office/drawing/2010/main" w="9525">
+                  <a14:hiddenLine xmlns:a14="http://schemas.microsoft.com/office/drawing/2010/main" xmlns="" w="9525">
                     <a:solidFill>
                       <a:srgbClr val="000000"/>
                     </a:solidFill>
@@ -9189,7 +10068,7 @@
               </a:ln>
               <a:extLst>
                 <a:ext uri="{91240B29-F687-4f45-9708-019B960494DF}">
-                  <a14:hiddenLine xmlns="" xmlns:a14="http://schemas.microsoft.com/office/drawing/2010/main" w="9525">
+                  <a14:hiddenLine xmlns:a14="http://schemas.microsoft.com/office/drawing/2010/main" xmlns="" w="9525">
                     <a:solidFill>
                       <a:srgbClr val="000000"/>
                     </a:solidFill>
@@ -9279,7 +10158,7 @@
               </a:ln>
               <a:extLst>
                 <a:ext uri="{91240B29-F687-4f45-9708-019B960494DF}">
-                  <a14:hiddenLine xmlns="" xmlns:a14="http://schemas.microsoft.com/office/drawing/2010/main" w="9525">
+                  <a14:hiddenLine xmlns:a14="http://schemas.microsoft.com/office/drawing/2010/main" xmlns="" w="9525">
                     <a:solidFill>
                       <a:srgbClr val="000000"/>
                     </a:solidFill>
@@ -9341,7 +10220,7 @@
               </a:ln>
               <a:extLst>
                 <a:ext uri="{91240B29-F687-4f45-9708-019B960494DF}">
-                  <a14:hiddenLine xmlns="" xmlns:a14="http://schemas.microsoft.com/office/drawing/2010/main" w="9525">
+                  <a14:hiddenLine xmlns:a14="http://schemas.microsoft.com/office/drawing/2010/main" xmlns="" w="9525">
                     <a:solidFill>
                       <a:srgbClr val="000000"/>
                     </a:solidFill>
@@ -9431,7 +10310,7 @@
               </a:ln>
               <a:extLst>
                 <a:ext uri="{91240B29-F687-4f45-9708-019B960494DF}">
-                  <a14:hiddenLine xmlns="" xmlns:a14="http://schemas.microsoft.com/office/drawing/2010/main" w="9525">
+                  <a14:hiddenLine xmlns:a14="http://schemas.microsoft.com/office/drawing/2010/main" xmlns="" w="9525">
                     <a:solidFill>
                       <a:srgbClr val="000000"/>
                     </a:solidFill>
@@ -9493,7 +10372,7 @@
               </a:ln>
               <a:extLst>
                 <a:ext uri="{91240B29-F687-4f45-9708-019B960494DF}">
-                  <a14:hiddenLine xmlns="" xmlns:a14="http://schemas.microsoft.com/office/drawing/2010/main" w="9525">
+                  <a14:hiddenLine xmlns:a14="http://schemas.microsoft.com/office/drawing/2010/main" xmlns="" w="9525">
                     <a:solidFill>
                       <a:srgbClr val="000000"/>
                     </a:solidFill>
@@ -9555,7 +10434,7 @@
               </a:ln>
               <a:extLst>
                 <a:ext uri="{91240B29-F687-4f45-9708-019B960494DF}">
-                  <a14:hiddenLine xmlns="" xmlns:a14="http://schemas.microsoft.com/office/drawing/2010/main" w="9525">
+                  <a14:hiddenLine xmlns:a14="http://schemas.microsoft.com/office/drawing/2010/main" xmlns="" w="9525">
                     <a:solidFill>
                       <a:srgbClr val="000000"/>
                     </a:solidFill>
@@ -9645,7 +10524,7 @@
               </a:ln>
               <a:extLst>
                 <a:ext uri="{91240B29-F687-4f45-9708-019B960494DF}">
-                  <a14:hiddenLine xmlns="" xmlns:a14="http://schemas.microsoft.com/office/drawing/2010/main" w="9525">
+                  <a14:hiddenLine xmlns:a14="http://schemas.microsoft.com/office/drawing/2010/main" xmlns="" w="9525">
                     <a:solidFill>
                       <a:srgbClr val="000000"/>
                     </a:solidFill>
@@ -9735,7 +10614,7 @@
               </a:ln>
               <a:extLst>
                 <a:ext uri="{91240B29-F687-4f45-9708-019B960494DF}">
-                  <a14:hiddenLine xmlns="" xmlns:a14="http://schemas.microsoft.com/office/drawing/2010/main" w="9525">
+                  <a14:hiddenLine xmlns:a14="http://schemas.microsoft.com/office/drawing/2010/main" xmlns="" w="9525">
                     <a:solidFill>
                       <a:srgbClr val="000000"/>
                     </a:solidFill>
@@ -9797,7 +10676,7 @@
               </a:ln>
               <a:extLst>
                 <a:ext uri="{91240B29-F687-4f45-9708-019B960494DF}">
-                  <a14:hiddenLine xmlns="" xmlns:a14="http://schemas.microsoft.com/office/drawing/2010/main" w="9525">
+                  <a14:hiddenLine xmlns:a14="http://schemas.microsoft.com/office/drawing/2010/main" xmlns="" w="9525">
                     <a:solidFill>
                       <a:srgbClr val="000000"/>
                     </a:solidFill>
@@ -9907,7 +10786,7 @@
               </a:ln>
               <a:extLst>
                 <a:ext uri="{91240B29-F687-4f45-9708-019B960494DF}">
-                  <a14:hiddenLine xmlns="" xmlns:a14="http://schemas.microsoft.com/office/drawing/2010/main" w="9525">
+                  <a14:hiddenLine xmlns:a14="http://schemas.microsoft.com/office/drawing/2010/main" xmlns="" w="9525">
                     <a:solidFill>
                       <a:srgbClr val="000000"/>
                     </a:solidFill>
@@ -9991,7 +10870,7 @@
               </a:ln>
               <a:extLst>
                 <a:ext uri="{91240B29-F687-4f45-9708-019B960494DF}">
-                  <a14:hiddenLine xmlns="" xmlns:a14="http://schemas.microsoft.com/office/drawing/2010/main" w="9525">
+                  <a14:hiddenLine xmlns:a14="http://schemas.microsoft.com/office/drawing/2010/main" xmlns="" w="9525">
                     <a:solidFill>
                       <a:srgbClr val="000000"/>
                     </a:solidFill>
@@ -10053,7 +10932,7 @@
               </a:ln>
               <a:extLst>
                 <a:ext uri="{91240B29-F687-4f45-9708-019B960494DF}">
-                  <a14:hiddenLine xmlns="" xmlns:a14="http://schemas.microsoft.com/office/drawing/2010/main" w="9525">
+                  <a14:hiddenLine xmlns:a14="http://schemas.microsoft.com/office/drawing/2010/main" xmlns="" w="9525">
                     <a:solidFill>
                       <a:srgbClr val="000000"/>
                     </a:solidFill>
@@ -10115,7 +10994,7 @@
               </a:ln>
               <a:extLst>
                 <a:ext uri="{91240B29-F687-4f45-9708-019B960494DF}">
-                  <a14:hiddenLine xmlns="" xmlns:a14="http://schemas.microsoft.com/office/drawing/2010/main" w="9525">
+                  <a14:hiddenLine xmlns:a14="http://schemas.microsoft.com/office/drawing/2010/main" xmlns="" w="9525">
                     <a:solidFill>
                       <a:srgbClr val="000000"/>
                     </a:solidFill>
@@ -10205,7 +11084,7 @@
               </a:ln>
               <a:extLst>
                 <a:ext uri="{91240B29-F687-4f45-9708-019B960494DF}">
-                  <a14:hiddenLine xmlns="" xmlns:a14="http://schemas.microsoft.com/office/drawing/2010/main" w="9525">
+                  <a14:hiddenLine xmlns:a14="http://schemas.microsoft.com/office/drawing/2010/main" xmlns="" w="9525">
                     <a:solidFill>
                       <a:srgbClr val="000000"/>
                     </a:solidFill>
@@ -10239,7 +11118,7 @@
               </a:ln>
               <a:extLst>
                 <a:ext uri="{91240B29-F687-4f45-9708-019B960494DF}">
-                  <a14:hiddenLine xmlns="" xmlns:a14="http://schemas.microsoft.com/office/drawing/2010/main" w="9525">
+                  <a14:hiddenLine xmlns:a14="http://schemas.microsoft.com/office/drawing/2010/main" xmlns="" w="9525">
                     <a:solidFill>
                       <a:srgbClr val="000000"/>
                     </a:solidFill>
@@ -10304,7 +11183,7 @@
               </a:ln>
               <a:extLst>
                 <a:ext uri="{91240B29-F687-4f45-9708-019B960494DF}">
-                  <a14:hiddenLine xmlns="" xmlns:a14="http://schemas.microsoft.com/office/drawing/2010/main" w="9525">
+                  <a14:hiddenLine xmlns:a14="http://schemas.microsoft.com/office/drawing/2010/main" xmlns="" w="9525">
                     <a:solidFill>
                       <a:srgbClr val="000000"/>
                     </a:solidFill>
@@ -10394,7 +11273,7 @@
               </a:ln>
               <a:extLst>
                 <a:ext uri="{91240B29-F687-4f45-9708-019B960494DF}">
-                  <a14:hiddenLine xmlns="" xmlns:a14="http://schemas.microsoft.com/office/drawing/2010/main" w="9525">
+                  <a14:hiddenLine xmlns:a14="http://schemas.microsoft.com/office/drawing/2010/main" xmlns="" w="9525">
                     <a:solidFill>
                       <a:srgbClr val="000000"/>
                     </a:solidFill>
@@ -10456,7 +11335,7 @@
               </a:ln>
               <a:extLst>
                 <a:ext uri="{91240B29-F687-4f45-9708-019B960494DF}">
-                  <a14:hiddenLine xmlns="" xmlns:a14="http://schemas.microsoft.com/office/drawing/2010/main" w="9525">
+                  <a14:hiddenLine xmlns:a14="http://schemas.microsoft.com/office/drawing/2010/main" xmlns="" w="9525">
                     <a:solidFill>
                       <a:srgbClr val="000000"/>
                     </a:solidFill>
@@ -10546,7 +11425,7 @@
               </a:ln>
               <a:extLst>
                 <a:ext uri="{91240B29-F687-4f45-9708-019B960494DF}">
-                  <a14:hiddenLine xmlns="" xmlns:a14="http://schemas.microsoft.com/office/drawing/2010/main" w="9525">
+                  <a14:hiddenLine xmlns:a14="http://schemas.microsoft.com/office/drawing/2010/main" xmlns="" w="9525">
                     <a:solidFill>
                       <a:srgbClr val="000000"/>
                     </a:solidFill>
@@ -10611,7 +11490,7 @@
               </a:ln>
               <a:extLst>
                 <a:ext uri="{91240B29-F687-4f45-9708-019B960494DF}">
-                  <a14:hiddenLine xmlns="" xmlns:a14="http://schemas.microsoft.com/office/drawing/2010/main" w="9525">
+                  <a14:hiddenLine xmlns:a14="http://schemas.microsoft.com/office/drawing/2010/main" xmlns="" w="9525">
                     <a:solidFill>
                       <a:srgbClr val="000000"/>
                     </a:solidFill>
@@ -10673,7 +11552,7 @@
               </a:ln>
               <a:extLst>
                 <a:ext uri="{91240B29-F687-4f45-9708-019B960494DF}">
-                  <a14:hiddenLine xmlns="" xmlns:a14="http://schemas.microsoft.com/office/drawing/2010/main" w="9525">
+                  <a14:hiddenLine xmlns:a14="http://schemas.microsoft.com/office/drawing/2010/main" xmlns="" w="9525">
                     <a:solidFill>
                       <a:srgbClr val="000000"/>
                     </a:solidFill>
@@ -10763,7 +11642,7 @@
               </a:ln>
               <a:extLst>
                 <a:ext uri="{91240B29-F687-4f45-9708-019B960494DF}">
-                  <a14:hiddenLine xmlns="" xmlns:a14="http://schemas.microsoft.com/office/drawing/2010/main" w="9525">
+                  <a14:hiddenLine xmlns:a14="http://schemas.microsoft.com/office/drawing/2010/main" xmlns="" w="9525">
                     <a:solidFill>
                       <a:srgbClr val="000000"/>
                     </a:solidFill>
@@ -10853,7 +11732,7 @@
               </a:ln>
               <a:extLst>
                 <a:ext uri="{91240B29-F687-4f45-9708-019B960494DF}">
-                  <a14:hiddenLine xmlns="" xmlns:a14="http://schemas.microsoft.com/office/drawing/2010/main" w="9525">
+                  <a14:hiddenLine xmlns:a14="http://schemas.microsoft.com/office/drawing/2010/main" xmlns="" w="9525">
                     <a:solidFill>
                       <a:srgbClr val="000000"/>
                     </a:solidFill>
@@ -10918,7 +11797,7 @@
               </a:ln>
               <a:extLst>
                 <a:ext uri="{91240B29-F687-4f45-9708-019B960494DF}">
-                  <a14:hiddenLine xmlns="" xmlns:a14="http://schemas.microsoft.com/office/drawing/2010/main" w="9525">
+                  <a14:hiddenLine xmlns:a14="http://schemas.microsoft.com/office/drawing/2010/main" xmlns="" w="9525">
                     <a:solidFill>
                       <a:srgbClr val="000000"/>
                     </a:solidFill>
@@ -11038,7 +11917,7 @@
               </a:ln>
               <a:extLst>
                 <a:ext uri="{91240B29-F687-4f45-9708-019B960494DF}">
-                  <a14:hiddenLine xmlns="" xmlns:a14="http://schemas.microsoft.com/office/drawing/2010/main" w="9525">
+                  <a14:hiddenLine xmlns:a14="http://schemas.microsoft.com/office/drawing/2010/main" xmlns="" w="9525">
                     <a:solidFill>
                       <a:srgbClr val="000000"/>
                     </a:solidFill>
@@ -11119,7 +11998,7 @@
               </a:ln>
               <a:extLst>
                 <a:ext uri="{91240B29-F687-4f45-9708-019B960494DF}">
-                  <a14:hiddenLine xmlns="" xmlns:a14="http://schemas.microsoft.com/office/drawing/2010/main" w="9525">
+                  <a14:hiddenLine xmlns:a14="http://schemas.microsoft.com/office/drawing/2010/main" xmlns="" w="9525">
                     <a:solidFill>
                       <a:srgbClr val="000000"/>
                     </a:solidFill>
@@ -11234,7 +12113,7 @@
               </a:ln>
               <a:extLst>
                 <a:ext uri="{91240B29-F687-4f45-9708-019B960494DF}">
-                  <a14:hiddenLine xmlns="" xmlns:a14="http://schemas.microsoft.com/office/drawing/2010/main" w="9525">
+                  <a14:hiddenLine xmlns:a14="http://schemas.microsoft.com/office/drawing/2010/main" xmlns="" w="9525">
                     <a:solidFill>
                       <a:srgbClr val="000000"/>
                     </a:solidFill>
@@ -11324,7 +12203,7 @@
               </a:ln>
               <a:extLst>
                 <a:ext uri="{91240B29-F687-4f45-9708-019B960494DF}">
-                  <a14:hiddenLine xmlns="" xmlns:a14="http://schemas.microsoft.com/office/drawing/2010/main" w="9525">
+                  <a14:hiddenLine xmlns:a14="http://schemas.microsoft.com/office/drawing/2010/main" xmlns="" w="9525">
                     <a:solidFill>
                       <a:srgbClr val="000000"/>
                     </a:solidFill>
@@ -11389,7 +12268,7 @@
               </a:ln>
               <a:extLst>
                 <a:ext uri="{91240B29-F687-4f45-9708-019B960494DF}">
-                  <a14:hiddenLine xmlns="" xmlns:a14="http://schemas.microsoft.com/office/drawing/2010/main" w="9525">
+                  <a14:hiddenLine xmlns:a14="http://schemas.microsoft.com/office/drawing/2010/main" xmlns="" w="9525">
                     <a:solidFill>
                       <a:srgbClr val="000000"/>
                     </a:solidFill>
@@ -11479,7 +12358,7 @@
               </a:ln>
               <a:extLst>
                 <a:ext uri="{91240B29-F687-4f45-9708-019B960494DF}">
-                  <a14:hiddenLine xmlns="" xmlns:a14="http://schemas.microsoft.com/office/drawing/2010/main" w="9525">
+                  <a14:hiddenLine xmlns:a14="http://schemas.microsoft.com/office/drawing/2010/main" xmlns="" w="9525">
                     <a:solidFill>
                       <a:srgbClr val="000000"/>
                     </a:solidFill>
@@ -11547,7 +12426,7 @@
               </a:ln>
               <a:extLst>
                 <a:ext uri="{91240B29-F687-4f45-9708-019B960494DF}">
-                  <a14:hiddenLine xmlns="" xmlns:a14="http://schemas.microsoft.com/office/drawing/2010/main" w="9525">
+                  <a14:hiddenLine xmlns:a14="http://schemas.microsoft.com/office/drawing/2010/main" xmlns="" w="9525">
                     <a:solidFill>
                       <a:srgbClr val="000000"/>
                     </a:solidFill>
@@ -11637,7 +12516,7 @@
               </a:ln>
               <a:extLst>
                 <a:ext uri="{91240B29-F687-4f45-9708-019B960494DF}">
-                  <a14:hiddenLine xmlns="" xmlns:a14="http://schemas.microsoft.com/office/drawing/2010/main" w="9525">
+                  <a14:hiddenLine xmlns:a14="http://schemas.microsoft.com/office/drawing/2010/main" xmlns="" w="9525">
                     <a:solidFill>
                       <a:srgbClr val="000000"/>
                     </a:solidFill>
@@ -11705,7 +12584,7 @@
               </a:ln>
               <a:extLst>
                 <a:ext uri="{91240B29-F687-4f45-9708-019B960494DF}">
-                  <a14:hiddenLine xmlns="" xmlns:a14="http://schemas.microsoft.com/office/drawing/2010/main" w="9525">
+                  <a14:hiddenLine xmlns:a14="http://schemas.microsoft.com/office/drawing/2010/main" xmlns="" w="9525">
                     <a:solidFill>
                       <a:srgbClr val="000000"/>
                     </a:solidFill>
@@ -11795,7 +12674,7 @@
               </a:ln>
               <a:extLst>
                 <a:ext uri="{91240B29-F687-4f45-9708-019B960494DF}">
-                  <a14:hiddenLine xmlns="" xmlns:a14="http://schemas.microsoft.com/office/drawing/2010/main" w="9525">
+                  <a14:hiddenLine xmlns:a14="http://schemas.microsoft.com/office/drawing/2010/main" xmlns="" w="9525">
                     <a:solidFill>
                       <a:srgbClr val="000000"/>
                     </a:solidFill>
@@ -11829,7 +12708,7 @@
               </a:ln>
               <a:extLst>
                 <a:ext uri="{91240B29-F687-4f45-9708-019B960494DF}">
-                  <a14:hiddenLine xmlns="" xmlns:a14="http://schemas.microsoft.com/office/drawing/2010/main" w="9525">
+                  <a14:hiddenLine xmlns:a14="http://schemas.microsoft.com/office/drawing/2010/main" xmlns="" w="9525">
                     <a:solidFill>
                       <a:srgbClr val="000000"/>
                     </a:solidFill>
@@ -11970,7 +12849,7 @@
             <a:fld id="{48A87A34-81AB-432B-8DAE-1953F412C126}" type="datetimeFigureOut">
               <a:rPr lang="en-US" dirty="0"/>
               <a:pPr/>
-              <a:t>2/27/2019</a:t>
+              <a:t>2/27/19</a:t>
             </a:fld>
             <a:endParaRPr lang="en-US" dirty="0"/>
           </a:p>
@@ -12653,35 +13532,28 @@
             <a:pPr lvl="1"/>
             <a:r>
               <a:rPr lang="en-US" dirty="0"/>
-              <a:t>Colorado</a:t>
+              <a:t>Colorado - 47</a:t>
             </a:r>
           </a:p>
           <a:p>
             <a:pPr lvl="1"/>
             <a:r>
               <a:rPr lang="en-US" dirty="0"/>
-              <a:t>California</a:t>
+              <a:t>California - 39</a:t>
             </a:r>
           </a:p>
           <a:p>
             <a:pPr lvl="1"/>
             <a:r>
               <a:rPr lang="en-US" dirty="0"/>
-              <a:t>Michigan</a:t>
+              <a:t>Michigan - 32</a:t>
             </a:r>
           </a:p>
           <a:p>
             <a:pPr lvl="1"/>
             <a:r>
               <a:rPr lang="en-US" dirty="0"/>
-              <a:t>Oregon</a:t>
-            </a:r>
-          </a:p>
-          <a:p>
-            <a:pPr lvl="1"/>
-            <a:r>
-              <a:rPr lang="en-US" dirty="0"/>
-              <a:t>Texas</a:t>
+              <a:t>Oregon - 29</a:t>
             </a:r>
           </a:p>
         </p:txBody>
@@ -12721,35 +13593,28 @@
             <a:pPr lvl="1"/>
             <a:r>
               <a:rPr lang="en-US" dirty="0"/>
-              <a:t>Arizona</a:t>
+              <a:t>West Virginia - 1</a:t>
             </a:r>
           </a:p>
           <a:p>
             <a:pPr lvl="1"/>
             <a:r>
               <a:rPr lang="en-US" dirty="0"/>
-              <a:t>West Virginia</a:t>
+              <a:t>South Dakota - 1</a:t>
             </a:r>
           </a:p>
           <a:p>
             <a:pPr lvl="1"/>
             <a:r>
               <a:rPr lang="en-US" dirty="0"/>
-              <a:t>South Dakota</a:t>
+              <a:t>North Dakota - 1</a:t>
             </a:r>
           </a:p>
           <a:p>
             <a:pPr lvl="1"/>
             <a:r>
               <a:rPr lang="en-US" dirty="0"/>
-              <a:t>North Dakota</a:t>
-            </a:r>
-          </a:p>
-          <a:p>
-            <a:pPr lvl="1"/>
-            <a:r>
-              <a:rPr lang="en-US" dirty="0"/>
-              <a:t>Washington D.C.</a:t>
+              <a:t>Washington D.C. - 1</a:t>
             </a:r>
           </a:p>
         </p:txBody>
@@ -16894,7 +17759,7 @@
           <p:nvPr/>
         </p:nvPicPr>
         <p:blipFill>
-          <a:blip r:embed="rId2">
+          <a:blip r:embed="rId3">
             <a:extLst>
               <a:ext uri="{28A0092B-C50C-407E-A947-70E740481C1C}">
                 <a14:useLocalDpi xmlns:a14="http://schemas.microsoft.com/office/drawing/2010/main" val="0"/>
@@ -17896,7 +18761,7 @@
             </a:ln>
             <a:extLst>
               <a:ext uri="{91240B29-F687-4f45-9708-019B960494DF}">
-                <a14:hiddenLine xmlns:a16="http://schemas.microsoft.com/office/drawing/2014/main" xmlns:p14="http://schemas.microsoft.com/office/powerpoint/2010/main" xmlns:a14="http://schemas.microsoft.com/office/drawing/2010/main" xmlns="" w="9525">
+                <a14:hiddenLine xmlns="" xmlns:a14="http://schemas.microsoft.com/office/drawing/2010/main" xmlns:p14="http://schemas.microsoft.com/office/powerpoint/2010/main" xmlns:a16="http://schemas.microsoft.com/office/drawing/2014/main" w="9525">
                   <a:solidFill>
                     <a:srgbClr val="000000"/>
                   </a:solidFill>
@@ -18001,7 +18866,7 @@
             </a:ln>
             <a:extLst>
               <a:ext uri="{91240B29-F687-4f45-9708-019B960494DF}">
-                <a14:hiddenLine xmlns:a16="http://schemas.microsoft.com/office/drawing/2014/main" xmlns:p14="http://schemas.microsoft.com/office/powerpoint/2010/main" xmlns:a14="http://schemas.microsoft.com/office/drawing/2010/main" xmlns="" w="9525">
+                <a14:hiddenLine xmlns="" xmlns:a14="http://schemas.microsoft.com/office/drawing/2010/main" xmlns:p14="http://schemas.microsoft.com/office/powerpoint/2010/main" xmlns:a16="http://schemas.microsoft.com/office/drawing/2014/main" w="9525">
                   <a:solidFill>
                     <a:srgbClr val="000000"/>
                   </a:solidFill>
@@ -18106,7 +18971,7 @@
             </a:ln>
             <a:extLst>
               <a:ext uri="{91240B29-F687-4f45-9708-019B960494DF}">
-                <a14:hiddenLine xmlns:a16="http://schemas.microsoft.com/office/drawing/2014/main" xmlns:p14="http://schemas.microsoft.com/office/powerpoint/2010/main" xmlns:a14="http://schemas.microsoft.com/office/drawing/2010/main" xmlns="" w="9525">
+                <a14:hiddenLine xmlns="" xmlns:a14="http://schemas.microsoft.com/office/drawing/2010/main" xmlns:p14="http://schemas.microsoft.com/office/powerpoint/2010/main" xmlns:a16="http://schemas.microsoft.com/office/drawing/2014/main" w="9525">
                   <a:solidFill>
                     <a:srgbClr val="000000"/>
                   </a:solidFill>
@@ -18183,7 +19048,7 @@
             </a:ln>
             <a:extLst>
               <a:ext uri="{91240B29-F687-4f45-9708-019B960494DF}">
-                <a14:hiddenLine xmlns:a16="http://schemas.microsoft.com/office/drawing/2014/main" xmlns:p14="http://schemas.microsoft.com/office/powerpoint/2010/main" xmlns:a14="http://schemas.microsoft.com/office/drawing/2010/main" xmlns="" w="9525">
+                <a14:hiddenLine xmlns="" xmlns:a14="http://schemas.microsoft.com/office/drawing/2010/main" xmlns:p14="http://schemas.microsoft.com/office/powerpoint/2010/main" xmlns:a16="http://schemas.microsoft.com/office/drawing/2014/main" w="9525">
                   <a:solidFill>
                     <a:srgbClr val="000000"/>
                   </a:solidFill>
@@ -18288,7 +19153,7 @@
             </a:ln>
             <a:extLst>
               <a:ext uri="{91240B29-F687-4f45-9708-019B960494DF}">
-                <a14:hiddenLine xmlns:a16="http://schemas.microsoft.com/office/drawing/2014/main" xmlns:p14="http://schemas.microsoft.com/office/powerpoint/2010/main" xmlns:a14="http://schemas.microsoft.com/office/drawing/2010/main" xmlns="" w="9525">
+                <a14:hiddenLine xmlns="" xmlns:a14="http://schemas.microsoft.com/office/drawing/2010/main" xmlns:p14="http://schemas.microsoft.com/office/powerpoint/2010/main" xmlns:a16="http://schemas.microsoft.com/office/drawing/2014/main" w="9525">
                   <a:solidFill>
                     <a:srgbClr val="000000"/>
                   </a:solidFill>
@@ -18365,7 +19230,7 @@
             </a:ln>
             <a:extLst>
               <a:ext uri="{91240B29-F687-4f45-9708-019B960494DF}">
-                <a14:hiddenLine xmlns:a16="http://schemas.microsoft.com/office/drawing/2014/main" xmlns:p14="http://schemas.microsoft.com/office/powerpoint/2010/main" xmlns:a14="http://schemas.microsoft.com/office/drawing/2010/main" xmlns="" w="9525">
+                <a14:hiddenLine xmlns="" xmlns:a14="http://schemas.microsoft.com/office/drawing/2010/main" xmlns:p14="http://schemas.microsoft.com/office/powerpoint/2010/main" xmlns:a16="http://schemas.microsoft.com/office/drawing/2014/main" w="9525">
                   <a:solidFill>
                     <a:srgbClr val="000000"/>
                   </a:solidFill>
@@ -18442,7 +19307,7 @@
             </a:ln>
             <a:extLst>
               <a:ext uri="{91240B29-F687-4f45-9708-019B960494DF}">
-                <a14:hiddenLine xmlns:a16="http://schemas.microsoft.com/office/drawing/2014/main" xmlns:p14="http://schemas.microsoft.com/office/powerpoint/2010/main" xmlns:a14="http://schemas.microsoft.com/office/drawing/2010/main" xmlns="" w="9525">
+                <a14:hiddenLine xmlns="" xmlns:a14="http://schemas.microsoft.com/office/drawing/2010/main" xmlns:p14="http://schemas.microsoft.com/office/powerpoint/2010/main" xmlns:a16="http://schemas.microsoft.com/office/drawing/2014/main" w="9525">
                   <a:solidFill>
                     <a:srgbClr val="000000"/>
                   </a:solidFill>
@@ -18547,7 +19412,7 @@
             </a:ln>
             <a:extLst>
               <a:ext uri="{91240B29-F687-4f45-9708-019B960494DF}">
-                <a14:hiddenLine xmlns:a16="http://schemas.microsoft.com/office/drawing/2014/main" xmlns:p14="http://schemas.microsoft.com/office/powerpoint/2010/main" xmlns:a14="http://schemas.microsoft.com/office/drawing/2010/main" xmlns="" w="9525">
+                <a14:hiddenLine xmlns="" xmlns:a14="http://schemas.microsoft.com/office/drawing/2010/main" xmlns:p14="http://schemas.microsoft.com/office/powerpoint/2010/main" xmlns:a16="http://schemas.microsoft.com/office/drawing/2014/main" w="9525">
                   <a:solidFill>
                     <a:srgbClr val="000000"/>
                   </a:solidFill>
@@ -18652,7 +19517,7 @@
             </a:ln>
             <a:extLst>
               <a:ext uri="{91240B29-F687-4f45-9708-019B960494DF}">
-                <a14:hiddenLine xmlns:a16="http://schemas.microsoft.com/office/drawing/2014/main" xmlns:p14="http://schemas.microsoft.com/office/powerpoint/2010/main" xmlns:a14="http://schemas.microsoft.com/office/drawing/2010/main" xmlns="" w="9525">
+                <a14:hiddenLine xmlns="" xmlns:a14="http://schemas.microsoft.com/office/drawing/2010/main" xmlns:p14="http://schemas.microsoft.com/office/powerpoint/2010/main" xmlns:a16="http://schemas.microsoft.com/office/drawing/2014/main" w="9525">
                   <a:solidFill>
                     <a:srgbClr val="000000"/>
                   </a:solidFill>
@@ -18729,7 +19594,7 @@
             </a:ln>
             <a:extLst>
               <a:ext uri="{91240B29-F687-4f45-9708-019B960494DF}">
-                <a14:hiddenLine xmlns:a16="http://schemas.microsoft.com/office/drawing/2014/main" xmlns:p14="http://schemas.microsoft.com/office/powerpoint/2010/main" xmlns:a14="http://schemas.microsoft.com/office/drawing/2010/main" xmlns="" w="9525">
+                <a14:hiddenLine xmlns="" xmlns:a14="http://schemas.microsoft.com/office/drawing/2010/main" xmlns:p14="http://schemas.microsoft.com/office/powerpoint/2010/main" xmlns:a16="http://schemas.microsoft.com/office/drawing/2014/main" w="9525">
                   <a:solidFill>
                     <a:srgbClr val="000000"/>
                   </a:solidFill>
@@ -18854,7 +19719,7 @@
             </a:ln>
             <a:extLst>
               <a:ext uri="{91240B29-F687-4f45-9708-019B960494DF}">
-                <a14:hiddenLine xmlns:a16="http://schemas.microsoft.com/office/drawing/2014/main" xmlns:p14="http://schemas.microsoft.com/office/powerpoint/2010/main" xmlns:a14="http://schemas.microsoft.com/office/drawing/2010/main" xmlns="" w="9525">
+                <a14:hiddenLine xmlns="" xmlns:a14="http://schemas.microsoft.com/office/drawing/2010/main" xmlns:p14="http://schemas.microsoft.com/office/powerpoint/2010/main" xmlns:a16="http://schemas.microsoft.com/office/drawing/2014/main" w="9525">
                   <a:solidFill>
                     <a:srgbClr val="000000"/>
                   </a:solidFill>
@@ -18968,7 +19833,7 @@
             </a:ln>
             <a:extLst>
               <a:ext uri="{91240B29-F687-4f45-9708-019B960494DF}">
-                <a14:hiddenLine xmlns:a16="http://schemas.microsoft.com/office/drawing/2014/main" xmlns:p14="http://schemas.microsoft.com/office/powerpoint/2010/main" xmlns:a14="http://schemas.microsoft.com/office/drawing/2010/main" xmlns="" w="9525">
+                <a14:hiddenLine xmlns="" xmlns:a14="http://schemas.microsoft.com/office/drawing/2010/main" xmlns:p14="http://schemas.microsoft.com/office/powerpoint/2010/main" xmlns:a16="http://schemas.microsoft.com/office/drawing/2014/main" w="9525">
                   <a:solidFill>
                     <a:srgbClr val="000000"/>
                   </a:solidFill>
@@ -19045,7 +19910,7 @@
             </a:ln>
             <a:extLst>
               <a:ext uri="{91240B29-F687-4f45-9708-019B960494DF}">
-                <a14:hiddenLine xmlns:a16="http://schemas.microsoft.com/office/drawing/2014/main" xmlns:p14="http://schemas.microsoft.com/office/powerpoint/2010/main" xmlns:a14="http://schemas.microsoft.com/office/drawing/2010/main" xmlns="" w="9525">
+                <a14:hiddenLine xmlns="" xmlns:a14="http://schemas.microsoft.com/office/drawing/2010/main" xmlns:p14="http://schemas.microsoft.com/office/powerpoint/2010/main" xmlns:a16="http://schemas.microsoft.com/office/drawing/2014/main" w="9525">
                   <a:solidFill>
                     <a:srgbClr val="000000"/>
                   </a:solidFill>
@@ -19122,7 +19987,7 @@
             </a:ln>
             <a:extLst>
               <a:ext uri="{91240B29-F687-4f45-9708-019B960494DF}">
-                <a14:hiddenLine xmlns:a16="http://schemas.microsoft.com/office/drawing/2014/main" xmlns:p14="http://schemas.microsoft.com/office/powerpoint/2010/main" xmlns:a14="http://schemas.microsoft.com/office/drawing/2010/main" xmlns="" w="9525">
+                <a14:hiddenLine xmlns="" xmlns:a14="http://schemas.microsoft.com/office/drawing/2010/main" xmlns:p14="http://schemas.microsoft.com/office/powerpoint/2010/main" xmlns:a16="http://schemas.microsoft.com/office/drawing/2014/main" w="9525">
                   <a:solidFill>
                     <a:srgbClr val="000000"/>
                   </a:solidFill>
@@ -19227,7 +20092,7 @@
             </a:ln>
             <a:extLst>
               <a:ext uri="{91240B29-F687-4f45-9708-019B960494DF}">
-                <a14:hiddenLine xmlns:a16="http://schemas.microsoft.com/office/drawing/2014/main" xmlns:p14="http://schemas.microsoft.com/office/powerpoint/2010/main" xmlns:a14="http://schemas.microsoft.com/office/drawing/2010/main" xmlns="" w="9525">
+                <a14:hiddenLine xmlns="" xmlns:a14="http://schemas.microsoft.com/office/drawing/2010/main" xmlns:p14="http://schemas.microsoft.com/office/powerpoint/2010/main" xmlns:a16="http://schemas.microsoft.com/office/drawing/2014/main" w="9525">
                   <a:solidFill>
                     <a:srgbClr val="000000"/>
                   </a:solidFill>
@@ -19276,7 +20141,7 @@
             </a:ln>
             <a:extLst>
               <a:ext uri="{91240B29-F687-4f45-9708-019B960494DF}">
-                <a14:hiddenLine xmlns:a16="http://schemas.microsoft.com/office/drawing/2014/main" xmlns:p14="http://schemas.microsoft.com/office/powerpoint/2010/main" xmlns:a14="http://schemas.microsoft.com/office/drawing/2010/main" xmlns="" w="9525">
+                <a14:hiddenLine xmlns="" xmlns:a14="http://schemas.microsoft.com/office/drawing/2010/main" xmlns:p14="http://schemas.microsoft.com/office/powerpoint/2010/main" xmlns:a16="http://schemas.microsoft.com/office/drawing/2014/main" w="9525">
                   <a:solidFill>
                     <a:srgbClr val="000000"/>
                   </a:solidFill>
@@ -19356,7 +20221,7 @@
             </a:ln>
             <a:extLst>
               <a:ext uri="{91240B29-F687-4f45-9708-019B960494DF}">
-                <a14:hiddenLine xmlns:a16="http://schemas.microsoft.com/office/drawing/2014/main" xmlns:p14="http://schemas.microsoft.com/office/powerpoint/2010/main" xmlns:a14="http://schemas.microsoft.com/office/drawing/2010/main" xmlns="" w="9525">
+                <a14:hiddenLine xmlns="" xmlns:a14="http://schemas.microsoft.com/office/drawing/2010/main" xmlns:p14="http://schemas.microsoft.com/office/powerpoint/2010/main" xmlns:a16="http://schemas.microsoft.com/office/drawing/2014/main" w="9525">
                   <a:solidFill>
                     <a:srgbClr val="000000"/>
                   </a:solidFill>
@@ -19461,7 +20326,7 @@
             </a:ln>
             <a:extLst>
               <a:ext uri="{91240B29-F687-4f45-9708-019B960494DF}">
-                <a14:hiddenLine xmlns:a16="http://schemas.microsoft.com/office/drawing/2014/main" xmlns:p14="http://schemas.microsoft.com/office/powerpoint/2010/main" xmlns:a14="http://schemas.microsoft.com/office/drawing/2010/main" xmlns="" w="9525">
+                <a14:hiddenLine xmlns="" xmlns:a14="http://schemas.microsoft.com/office/drawing/2010/main" xmlns:p14="http://schemas.microsoft.com/office/powerpoint/2010/main" xmlns:a16="http://schemas.microsoft.com/office/drawing/2014/main" w="9525">
                   <a:solidFill>
                     <a:srgbClr val="000000"/>
                   </a:solidFill>
@@ -19538,7 +20403,7 @@
             </a:ln>
             <a:extLst>
               <a:ext uri="{91240B29-F687-4f45-9708-019B960494DF}">
-                <a14:hiddenLine xmlns:a16="http://schemas.microsoft.com/office/drawing/2014/main" xmlns:p14="http://schemas.microsoft.com/office/powerpoint/2010/main" xmlns:a14="http://schemas.microsoft.com/office/drawing/2010/main" xmlns="" w="9525">
+                <a14:hiddenLine xmlns="" xmlns:a14="http://schemas.microsoft.com/office/drawing/2010/main" xmlns:p14="http://schemas.microsoft.com/office/powerpoint/2010/main" xmlns:a16="http://schemas.microsoft.com/office/drawing/2014/main" w="9525">
                   <a:solidFill>
                     <a:srgbClr val="000000"/>
                   </a:solidFill>
@@ -19643,7 +20508,7 @@
             </a:ln>
             <a:extLst>
               <a:ext uri="{91240B29-F687-4f45-9708-019B960494DF}">
-                <a14:hiddenLine xmlns:a16="http://schemas.microsoft.com/office/drawing/2014/main" xmlns:p14="http://schemas.microsoft.com/office/powerpoint/2010/main" xmlns:a14="http://schemas.microsoft.com/office/drawing/2010/main" xmlns="" w="9525">
+                <a14:hiddenLine xmlns="" xmlns:a14="http://schemas.microsoft.com/office/drawing/2010/main" xmlns:p14="http://schemas.microsoft.com/office/powerpoint/2010/main" xmlns:a16="http://schemas.microsoft.com/office/drawing/2014/main" w="9525">
                   <a:solidFill>
                     <a:srgbClr val="000000"/>
                   </a:solidFill>
@@ -19723,7 +20588,7 @@
             </a:ln>
             <a:extLst>
               <a:ext uri="{91240B29-F687-4f45-9708-019B960494DF}">
-                <a14:hiddenLine xmlns:a16="http://schemas.microsoft.com/office/drawing/2014/main" xmlns:p14="http://schemas.microsoft.com/office/powerpoint/2010/main" xmlns:a14="http://schemas.microsoft.com/office/drawing/2010/main" xmlns="" w="9525">
+                <a14:hiddenLine xmlns="" xmlns:a14="http://schemas.microsoft.com/office/drawing/2010/main" xmlns:p14="http://schemas.microsoft.com/office/powerpoint/2010/main" xmlns:a16="http://schemas.microsoft.com/office/drawing/2014/main" w="9525">
                   <a:solidFill>
                     <a:srgbClr val="000000"/>
                   </a:solidFill>
@@ -19800,7 +20665,7 @@
             </a:ln>
             <a:extLst>
               <a:ext uri="{91240B29-F687-4f45-9708-019B960494DF}">
-                <a14:hiddenLine xmlns:a16="http://schemas.microsoft.com/office/drawing/2014/main" xmlns:p14="http://schemas.microsoft.com/office/powerpoint/2010/main" xmlns:a14="http://schemas.microsoft.com/office/drawing/2010/main" xmlns="" w="9525">
+                <a14:hiddenLine xmlns="" xmlns:a14="http://schemas.microsoft.com/office/drawing/2010/main" xmlns:p14="http://schemas.microsoft.com/office/powerpoint/2010/main" xmlns:a16="http://schemas.microsoft.com/office/drawing/2014/main" w="9525">
                   <a:solidFill>
                     <a:srgbClr val="000000"/>
                   </a:solidFill>
@@ -19905,7 +20770,7 @@
             </a:ln>
             <a:extLst>
               <a:ext uri="{91240B29-F687-4f45-9708-019B960494DF}">
-                <a14:hiddenLine xmlns:a16="http://schemas.microsoft.com/office/drawing/2014/main" xmlns:p14="http://schemas.microsoft.com/office/powerpoint/2010/main" xmlns:a14="http://schemas.microsoft.com/office/drawing/2010/main" xmlns="" w="9525">
+                <a14:hiddenLine xmlns="" xmlns:a14="http://schemas.microsoft.com/office/drawing/2010/main" xmlns:p14="http://schemas.microsoft.com/office/powerpoint/2010/main" xmlns:a16="http://schemas.microsoft.com/office/drawing/2014/main" w="9525">
                   <a:solidFill>
                     <a:srgbClr val="000000"/>
                   </a:solidFill>
@@ -20010,7 +20875,7 @@
             </a:ln>
             <a:extLst>
               <a:ext uri="{91240B29-F687-4f45-9708-019B960494DF}">
-                <a14:hiddenLine xmlns:a16="http://schemas.microsoft.com/office/drawing/2014/main" xmlns:p14="http://schemas.microsoft.com/office/powerpoint/2010/main" xmlns:a14="http://schemas.microsoft.com/office/drawing/2010/main" xmlns="" w="9525">
+                <a14:hiddenLine xmlns="" xmlns:a14="http://schemas.microsoft.com/office/drawing/2010/main" xmlns:p14="http://schemas.microsoft.com/office/powerpoint/2010/main" xmlns:a16="http://schemas.microsoft.com/office/drawing/2014/main" w="9525">
                   <a:solidFill>
                     <a:srgbClr val="000000"/>
                   </a:solidFill>
@@ -20090,7 +20955,7 @@
             </a:ln>
             <a:extLst>
               <a:ext uri="{91240B29-F687-4f45-9708-019B960494DF}">
-                <a14:hiddenLine xmlns:a16="http://schemas.microsoft.com/office/drawing/2014/main" xmlns:p14="http://schemas.microsoft.com/office/powerpoint/2010/main" xmlns:a14="http://schemas.microsoft.com/office/drawing/2010/main" xmlns="" w="9525">
+                <a14:hiddenLine xmlns="" xmlns:a14="http://schemas.microsoft.com/office/drawing/2010/main" xmlns:p14="http://schemas.microsoft.com/office/powerpoint/2010/main" xmlns:a16="http://schemas.microsoft.com/office/drawing/2014/main" w="9525">
                   <a:solidFill>
                     <a:srgbClr val="000000"/>
                   </a:solidFill>
@@ -20225,7 +21090,7 @@
             </a:ln>
             <a:extLst>
               <a:ext uri="{91240B29-F687-4f45-9708-019B960494DF}">
-                <a14:hiddenLine xmlns:a16="http://schemas.microsoft.com/office/drawing/2014/main" xmlns:p14="http://schemas.microsoft.com/office/powerpoint/2010/main" xmlns:a14="http://schemas.microsoft.com/office/drawing/2010/main" xmlns="" w="9525">
+                <a14:hiddenLine xmlns="" xmlns:a14="http://schemas.microsoft.com/office/drawing/2010/main" xmlns:p14="http://schemas.microsoft.com/office/powerpoint/2010/main" xmlns:a16="http://schemas.microsoft.com/office/drawing/2014/main" w="9525">
                   <a:solidFill>
                     <a:srgbClr val="000000"/>
                   </a:solidFill>
@@ -20358,25 +21223,25 @@
           <a:p>
             <a:r>
               <a:rPr lang="en-US" dirty="0"/>
-              <a:t>Mean of 0.0598</a:t>
+              <a:t>Mean of 5.98%</a:t>
             </a:r>
           </a:p>
           <a:p>
             <a:r>
               <a:rPr lang="en-US" dirty="0"/>
-              <a:t>Median of 0.067</a:t>
+              <a:t>Median of 6.7%</a:t>
             </a:r>
           </a:p>
           <a:p>
             <a:r>
               <a:rPr lang="en-US" dirty="0"/>
-              <a:t>Minimum of 0.001</a:t>
+              <a:t>Minimum of 0.01%</a:t>
             </a:r>
           </a:p>
           <a:p>
             <a:r>
               <a:rPr lang="en-US" dirty="0"/>
-              <a:t>Maximum of 0.128</a:t>
+              <a:t>Maximum of 12.8%</a:t>
             </a:r>
           </a:p>
         </p:txBody>
@@ -20485,7 +21350,7 @@
             </a:ln>
             <a:extLst>
               <a:ext uri="{91240B29-F687-4f45-9708-019B960494DF}">
-                <a14:hiddenLine xmlns:a16="http://schemas.microsoft.com/office/drawing/2014/main" xmlns:p14="http://schemas.microsoft.com/office/powerpoint/2010/main" xmlns:a14="http://schemas.microsoft.com/office/drawing/2010/main" xmlns="" w="9525">
+                <a14:hiddenLine xmlns="" xmlns:a14="http://schemas.microsoft.com/office/drawing/2010/main" xmlns:p14="http://schemas.microsoft.com/office/powerpoint/2010/main" xmlns:a16="http://schemas.microsoft.com/office/drawing/2014/main" w="9525">
                   <a:solidFill>
                     <a:srgbClr val="000000"/>
                   </a:solidFill>
@@ -20615,7 +21480,7 @@
             </a:ln>
             <a:extLst>
               <a:ext uri="{91240B29-F687-4f45-9708-019B960494DF}">
-                <a14:hiddenLine xmlns:a16="http://schemas.microsoft.com/office/drawing/2014/main" xmlns:p14="http://schemas.microsoft.com/office/powerpoint/2010/main" xmlns:a14="http://schemas.microsoft.com/office/drawing/2010/main" xmlns="" w="9525">
+                <a14:hiddenLine xmlns="" xmlns:a14="http://schemas.microsoft.com/office/drawing/2010/main" xmlns:p14="http://schemas.microsoft.com/office/powerpoint/2010/main" xmlns:a16="http://schemas.microsoft.com/office/drawing/2014/main" w="9525">
                   <a:solidFill>
                     <a:srgbClr val="000000"/>
                   </a:solidFill>
@@ -20720,7 +21585,7 @@
             </a:ln>
             <a:extLst>
               <a:ext uri="{91240B29-F687-4f45-9708-019B960494DF}">
-                <a14:hiddenLine xmlns:a16="http://schemas.microsoft.com/office/drawing/2014/main" xmlns:p14="http://schemas.microsoft.com/office/powerpoint/2010/main" xmlns:a14="http://schemas.microsoft.com/office/drawing/2010/main" xmlns="" w="9525">
+                <a14:hiddenLine xmlns="" xmlns:a14="http://schemas.microsoft.com/office/drawing/2010/main" xmlns:p14="http://schemas.microsoft.com/office/powerpoint/2010/main" xmlns:a16="http://schemas.microsoft.com/office/drawing/2014/main" w="9525">
                   <a:solidFill>
                     <a:srgbClr val="000000"/>
                   </a:solidFill>
@@ -20800,7 +21665,7 @@
             </a:ln>
             <a:extLst>
               <a:ext uri="{91240B29-F687-4f45-9708-019B960494DF}">
-                <a14:hiddenLine xmlns:a16="http://schemas.microsoft.com/office/drawing/2014/main" xmlns:p14="http://schemas.microsoft.com/office/powerpoint/2010/main" xmlns:a14="http://schemas.microsoft.com/office/drawing/2010/main" xmlns="" w="9525">
+                <a14:hiddenLine xmlns="" xmlns:a14="http://schemas.microsoft.com/office/drawing/2010/main" xmlns:p14="http://schemas.microsoft.com/office/powerpoint/2010/main" xmlns:a16="http://schemas.microsoft.com/office/drawing/2014/main" w="9525">
                   <a:solidFill>
                     <a:srgbClr val="000000"/>
                   </a:solidFill>
@@ -20905,7 +21770,7 @@
             </a:ln>
             <a:extLst>
               <a:ext uri="{91240B29-F687-4f45-9708-019B960494DF}">
-                <a14:hiddenLine xmlns:a16="http://schemas.microsoft.com/office/drawing/2014/main" xmlns:p14="http://schemas.microsoft.com/office/powerpoint/2010/main" xmlns:a14="http://schemas.microsoft.com/office/drawing/2010/main" xmlns="" w="9525">
+                <a14:hiddenLine xmlns="" xmlns:a14="http://schemas.microsoft.com/office/drawing/2010/main" xmlns:p14="http://schemas.microsoft.com/office/powerpoint/2010/main" xmlns:a16="http://schemas.microsoft.com/office/drawing/2014/main" w="9525">
                   <a:solidFill>
                     <a:srgbClr val="000000"/>
                   </a:solidFill>
@@ -20988,7 +21853,7 @@
             </a:ln>
             <a:extLst>
               <a:ext uri="{91240B29-F687-4f45-9708-019B960494DF}">
-                <a14:hiddenLine xmlns:a16="http://schemas.microsoft.com/office/drawing/2014/main" xmlns:p14="http://schemas.microsoft.com/office/powerpoint/2010/main" xmlns:a14="http://schemas.microsoft.com/office/drawing/2010/main" xmlns="" w="9525">
+                <a14:hiddenLine xmlns="" xmlns:a14="http://schemas.microsoft.com/office/drawing/2010/main" xmlns:p14="http://schemas.microsoft.com/office/powerpoint/2010/main" xmlns:a16="http://schemas.microsoft.com/office/drawing/2014/main" w="9525">
                   <a:solidFill>
                     <a:srgbClr val="000000"/>
                   </a:solidFill>
@@ -21093,7 +21958,7 @@
             </a:ln>
             <a:extLst>
               <a:ext uri="{91240B29-F687-4f45-9708-019B960494DF}">
-                <a14:hiddenLine xmlns:a16="http://schemas.microsoft.com/office/drawing/2014/main" xmlns:p14="http://schemas.microsoft.com/office/powerpoint/2010/main" xmlns:a14="http://schemas.microsoft.com/office/drawing/2010/main" xmlns="" w="9525">
+                <a14:hiddenLine xmlns="" xmlns:a14="http://schemas.microsoft.com/office/drawing/2010/main" xmlns:p14="http://schemas.microsoft.com/office/powerpoint/2010/main" xmlns:a16="http://schemas.microsoft.com/office/drawing/2014/main" w="9525">
                   <a:solidFill>
                     <a:srgbClr val="000000"/>
                   </a:solidFill>
@@ -21176,7 +22041,7 @@
             </a:ln>
             <a:extLst>
               <a:ext uri="{91240B29-F687-4f45-9708-019B960494DF}">
-                <a14:hiddenLine xmlns:a16="http://schemas.microsoft.com/office/drawing/2014/main" xmlns:p14="http://schemas.microsoft.com/office/powerpoint/2010/main" xmlns:a14="http://schemas.microsoft.com/office/drawing/2010/main" xmlns="" w="9525">
+                <a14:hiddenLine xmlns="" xmlns:a14="http://schemas.microsoft.com/office/drawing/2010/main" xmlns:p14="http://schemas.microsoft.com/office/powerpoint/2010/main" xmlns:a16="http://schemas.microsoft.com/office/drawing/2014/main" w="9525">
                   <a:solidFill>
                     <a:srgbClr val="000000"/>
                   </a:solidFill>
@@ -21281,7 +22146,7 @@
             </a:ln>
             <a:extLst>
               <a:ext uri="{91240B29-F687-4f45-9708-019B960494DF}">
-                <a14:hiddenLine xmlns:a16="http://schemas.microsoft.com/office/drawing/2014/main" xmlns:p14="http://schemas.microsoft.com/office/powerpoint/2010/main" xmlns:a14="http://schemas.microsoft.com/office/drawing/2010/main" xmlns="" w="9525">
+                <a14:hiddenLine xmlns="" xmlns:a14="http://schemas.microsoft.com/office/drawing/2010/main" xmlns:p14="http://schemas.microsoft.com/office/powerpoint/2010/main" xmlns:a16="http://schemas.microsoft.com/office/drawing/2014/main" w="9525">
                   <a:solidFill>
                     <a:srgbClr val="000000"/>
                   </a:solidFill>
@@ -21330,7 +22195,7 @@
             </a:ln>
             <a:extLst>
               <a:ext uri="{91240B29-F687-4f45-9708-019B960494DF}">
-                <a14:hiddenLine xmlns:a16="http://schemas.microsoft.com/office/drawing/2014/main" xmlns:p14="http://schemas.microsoft.com/office/powerpoint/2010/main" xmlns:a14="http://schemas.microsoft.com/office/drawing/2010/main" xmlns="" w="9525">
+                <a14:hiddenLine xmlns="" xmlns:a14="http://schemas.microsoft.com/office/drawing/2010/main" xmlns:p14="http://schemas.microsoft.com/office/powerpoint/2010/main" xmlns:a16="http://schemas.microsoft.com/office/drawing/2014/main" w="9525">
                   <a:solidFill>
                     <a:srgbClr val="000000"/>
                   </a:solidFill>
@@ -21430,7 +22295,7 @@
           </p:nvPr>
         </p:nvPicPr>
         <p:blipFill>
-          <a:blip r:embed="rId2"/>
+          <a:blip r:embed="rId3"/>
           <a:stretch>
             <a:fillRect/>
           </a:stretch>
@@ -21772,4 +22637,299 @@
     </a:ext>
   </a:extLst>
 </a:theme>
+</file>
+
+<file path=ppt/theme/theme2.xml><?xml version="1.0" encoding="utf-8"?>
+<a:theme xmlns:a="http://schemas.openxmlformats.org/drawingml/2006/main" name="Office Theme">
+  <a:themeElements>
+    <a:clrScheme name="Office">
+      <a:dk1>
+        <a:sysClr val="windowText" lastClr="000000"/>
+      </a:dk1>
+      <a:lt1>
+        <a:sysClr val="window" lastClr="FFFFFF"/>
+      </a:lt1>
+      <a:dk2>
+        <a:srgbClr val="44546A"/>
+      </a:dk2>
+      <a:lt2>
+        <a:srgbClr val="E7E6E6"/>
+      </a:lt2>
+      <a:accent1>
+        <a:srgbClr val="4472C4"/>
+      </a:accent1>
+      <a:accent2>
+        <a:srgbClr val="ED7D31"/>
+      </a:accent2>
+      <a:accent3>
+        <a:srgbClr val="A5A5A5"/>
+      </a:accent3>
+      <a:accent4>
+        <a:srgbClr val="FFC000"/>
+      </a:accent4>
+      <a:accent5>
+        <a:srgbClr val="5B9BD5"/>
+      </a:accent5>
+      <a:accent6>
+        <a:srgbClr val="70AD47"/>
+      </a:accent6>
+      <a:hlink>
+        <a:srgbClr val="0563C1"/>
+      </a:hlink>
+      <a:folHlink>
+        <a:srgbClr val="954F72"/>
+      </a:folHlink>
+    </a:clrScheme>
+    <a:fontScheme name="Office">
+      <a:majorFont>
+        <a:latin typeface="Calibri Light" panose="020F0302020204030204"/>
+        <a:ea typeface=""/>
+        <a:cs typeface=""/>
+        <a:font script="Jpan" typeface="游ゴシック Light"/>
+        <a:font script="Hang" typeface="맑은 고딕"/>
+        <a:font script="Hans" typeface="等线 Light"/>
+        <a:font script="Hant" typeface="新細明體"/>
+        <a:font script="Arab" typeface="Times New Roman"/>
+        <a:font script="Hebr" typeface="Times New Roman"/>
+        <a:font script="Thai" typeface="Angsana New"/>
+        <a:font script="Ethi" typeface="Nyala"/>
+        <a:font script="Beng" typeface="Vrinda"/>
+        <a:font script="Gujr" typeface="Shruti"/>
+        <a:font script="Khmr" typeface="MoolBoran"/>
+        <a:font script="Knda" typeface="Tunga"/>
+        <a:font script="Guru" typeface="Raavi"/>
+        <a:font script="Cans" typeface="Euphemia"/>
+        <a:font script="Cher" typeface="Plantagenet Cherokee"/>
+        <a:font script="Yiii" typeface="Microsoft Yi Baiti"/>
+        <a:font script="Tibt" typeface="Microsoft Himalaya"/>
+        <a:font script="Thaa" typeface="MV Boli"/>
+        <a:font script="Deva" typeface="Mangal"/>
+        <a:font script="Telu" typeface="Gautami"/>
+        <a:font script="Taml" typeface="Latha"/>
+        <a:font script="Syrc" typeface="Estrangelo Edessa"/>
+        <a:font script="Orya" typeface="Kalinga"/>
+        <a:font script="Mlym" typeface="Kartika"/>
+        <a:font script="Laoo" typeface="DokChampa"/>
+        <a:font script="Sinh" typeface="Iskoola Pota"/>
+        <a:font script="Mong" typeface="Mongolian Baiti"/>
+        <a:font script="Viet" typeface="Times New Roman"/>
+        <a:font script="Uigh" typeface="Microsoft Uighur"/>
+        <a:font script="Geor" typeface="Sylfaen"/>
+        <a:font script="Armn" typeface="Arial"/>
+        <a:font script="Bugi" typeface="Leelawadee UI"/>
+        <a:font script="Bopo" typeface="Microsoft JhengHei"/>
+        <a:font script="Java" typeface="Javanese Text"/>
+        <a:font script="Lisu" typeface="Segoe UI"/>
+        <a:font script="Mymr" typeface="Myanmar Text"/>
+        <a:font script="Nkoo" typeface="Ebrima"/>
+        <a:font script="Olck" typeface="Nirmala UI"/>
+        <a:font script="Osma" typeface="Ebrima"/>
+        <a:font script="Phag" typeface="Phagspa"/>
+        <a:font script="Syrn" typeface="Estrangelo Edessa"/>
+        <a:font script="Syrj" typeface="Estrangelo Edessa"/>
+        <a:font script="Syre" typeface="Estrangelo Edessa"/>
+        <a:font script="Sora" typeface="Nirmala UI"/>
+        <a:font script="Tale" typeface="Microsoft Tai Le"/>
+        <a:font script="Talu" typeface="Microsoft New Tai Lue"/>
+        <a:font script="Tfng" typeface="Ebrima"/>
+      </a:majorFont>
+      <a:minorFont>
+        <a:latin typeface="Calibri" panose="020F0502020204030204"/>
+        <a:ea typeface=""/>
+        <a:cs typeface=""/>
+        <a:font script="Jpan" typeface="游ゴシック"/>
+        <a:font script="Hang" typeface="맑은 고딕"/>
+        <a:font script="Hans" typeface="等线"/>
+        <a:font script="Hant" typeface="新細明體"/>
+        <a:font script="Arab" typeface="Arial"/>
+        <a:font script="Hebr" typeface="Arial"/>
+        <a:font script="Thai" typeface="Cordia New"/>
+        <a:font script="Ethi" typeface="Nyala"/>
+        <a:font script="Beng" typeface="Vrinda"/>
+        <a:font script="Gujr" typeface="Shruti"/>
+        <a:font script="Khmr" typeface="DaunPenh"/>
+        <a:font script="Knda" typeface="Tunga"/>
+        <a:font script="Guru" typeface="Raavi"/>
+        <a:font script="Cans" typeface="Euphemia"/>
+        <a:font script="Cher" typeface="Plantagenet Cherokee"/>
+        <a:font script="Yiii" typeface="Microsoft Yi Baiti"/>
+        <a:font script="Tibt" typeface="Microsoft Himalaya"/>
+        <a:font script="Thaa" typeface="MV Boli"/>
+        <a:font script="Deva" typeface="Mangal"/>
+        <a:font script="Telu" typeface="Gautami"/>
+        <a:font script="Taml" typeface="Latha"/>
+        <a:font script="Syrc" typeface="Estrangelo Edessa"/>
+        <a:font script="Orya" typeface="Kalinga"/>
+        <a:font script="Mlym" typeface="Kartika"/>
+        <a:font script="Laoo" typeface="DokChampa"/>
+        <a:font script="Sinh" typeface="Iskoola Pota"/>
+        <a:font script="Mong" typeface="Mongolian Baiti"/>
+        <a:font script="Viet" typeface="Arial"/>
+        <a:font script="Uigh" typeface="Microsoft Uighur"/>
+        <a:font script="Geor" typeface="Sylfaen"/>
+        <a:font script="Armn" typeface="Arial"/>
+        <a:font script="Bugi" typeface="Leelawadee UI"/>
+        <a:font script="Bopo" typeface="Microsoft JhengHei"/>
+        <a:font script="Java" typeface="Javanese Text"/>
+        <a:font script="Lisu" typeface="Segoe UI"/>
+        <a:font script="Mymr" typeface="Myanmar Text"/>
+        <a:font script="Nkoo" typeface="Ebrima"/>
+        <a:font script="Olck" typeface="Nirmala UI"/>
+        <a:font script="Osma" typeface="Ebrima"/>
+        <a:font script="Phag" typeface="Phagspa"/>
+        <a:font script="Syrn" typeface="Estrangelo Edessa"/>
+        <a:font script="Syrj" typeface="Estrangelo Edessa"/>
+        <a:font script="Syre" typeface="Estrangelo Edessa"/>
+        <a:font script="Sora" typeface="Nirmala UI"/>
+        <a:font script="Tale" typeface="Microsoft Tai Le"/>
+        <a:font script="Talu" typeface="Microsoft New Tai Lue"/>
+        <a:font script="Tfng" typeface="Ebrima"/>
+      </a:minorFont>
+    </a:fontScheme>
+    <a:fmtScheme name="Office">
+      <a:fillStyleLst>
+        <a:solidFill>
+          <a:schemeClr val="phClr"/>
+        </a:solidFill>
+        <a:gradFill rotWithShape="1">
+          <a:gsLst>
+            <a:gs pos="0">
+              <a:schemeClr val="phClr">
+                <a:lumMod val="110000"/>
+                <a:satMod val="105000"/>
+                <a:tint val="67000"/>
+              </a:schemeClr>
+            </a:gs>
+            <a:gs pos="50000">
+              <a:schemeClr val="phClr">
+                <a:lumMod val="105000"/>
+                <a:satMod val="103000"/>
+                <a:tint val="73000"/>
+              </a:schemeClr>
+            </a:gs>
+            <a:gs pos="100000">
+              <a:schemeClr val="phClr">
+                <a:lumMod val="105000"/>
+                <a:satMod val="109000"/>
+                <a:tint val="81000"/>
+              </a:schemeClr>
+            </a:gs>
+          </a:gsLst>
+          <a:lin ang="5400000" scaled="0"/>
+        </a:gradFill>
+        <a:gradFill rotWithShape="1">
+          <a:gsLst>
+            <a:gs pos="0">
+              <a:schemeClr val="phClr">
+                <a:satMod val="103000"/>
+                <a:lumMod val="102000"/>
+                <a:tint val="94000"/>
+              </a:schemeClr>
+            </a:gs>
+            <a:gs pos="50000">
+              <a:schemeClr val="phClr">
+                <a:satMod val="110000"/>
+                <a:lumMod val="100000"/>
+                <a:shade val="100000"/>
+              </a:schemeClr>
+            </a:gs>
+            <a:gs pos="100000">
+              <a:schemeClr val="phClr">
+                <a:lumMod val="99000"/>
+                <a:satMod val="120000"/>
+                <a:shade val="78000"/>
+              </a:schemeClr>
+            </a:gs>
+          </a:gsLst>
+          <a:lin ang="5400000" scaled="0"/>
+        </a:gradFill>
+      </a:fillStyleLst>
+      <a:lnStyleLst>
+        <a:ln w="6350" cap="flat" cmpd="sng" algn="ctr">
+          <a:solidFill>
+            <a:schemeClr val="phClr"/>
+          </a:solidFill>
+          <a:prstDash val="solid"/>
+          <a:miter lim="800000"/>
+        </a:ln>
+        <a:ln w="12700" cap="flat" cmpd="sng" algn="ctr">
+          <a:solidFill>
+            <a:schemeClr val="phClr"/>
+          </a:solidFill>
+          <a:prstDash val="solid"/>
+          <a:miter lim="800000"/>
+        </a:ln>
+        <a:ln w="19050" cap="flat" cmpd="sng" algn="ctr">
+          <a:solidFill>
+            <a:schemeClr val="phClr"/>
+          </a:solidFill>
+          <a:prstDash val="solid"/>
+          <a:miter lim="800000"/>
+        </a:ln>
+      </a:lnStyleLst>
+      <a:effectStyleLst>
+        <a:effectStyle>
+          <a:effectLst/>
+        </a:effectStyle>
+        <a:effectStyle>
+          <a:effectLst/>
+        </a:effectStyle>
+        <a:effectStyle>
+          <a:effectLst>
+            <a:outerShdw blurRad="57150" dist="19050" dir="5400000" algn="ctr" rotWithShape="0">
+              <a:srgbClr val="000000">
+                <a:alpha val="63000"/>
+              </a:srgbClr>
+            </a:outerShdw>
+          </a:effectLst>
+        </a:effectStyle>
+      </a:effectStyleLst>
+      <a:bgFillStyleLst>
+        <a:solidFill>
+          <a:schemeClr val="phClr"/>
+        </a:solidFill>
+        <a:solidFill>
+          <a:schemeClr val="phClr">
+            <a:tint val="95000"/>
+            <a:satMod val="170000"/>
+          </a:schemeClr>
+        </a:solidFill>
+        <a:gradFill rotWithShape="1">
+          <a:gsLst>
+            <a:gs pos="0">
+              <a:schemeClr val="phClr">
+                <a:tint val="93000"/>
+                <a:satMod val="150000"/>
+                <a:shade val="98000"/>
+                <a:lumMod val="102000"/>
+              </a:schemeClr>
+            </a:gs>
+            <a:gs pos="50000">
+              <a:schemeClr val="phClr">
+                <a:tint val="98000"/>
+                <a:satMod val="130000"/>
+                <a:shade val="90000"/>
+                <a:lumMod val="103000"/>
+              </a:schemeClr>
+            </a:gs>
+            <a:gs pos="100000">
+              <a:schemeClr val="phClr">
+                <a:shade val="63000"/>
+                <a:satMod val="120000"/>
+              </a:schemeClr>
+            </a:gs>
+          </a:gsLst>
+          <a:lin ang="5400000" scaled="0"/>
+        </a:gradFill>
+      </a:bgFillStyleLst>
+    </a:fmtScheme>
+  </a:themeElements>
+  <a:objectDefaults/>
+  <a:extraClrSchemeLst/>
+  <a:extLst>
+    <a:ext uri="{05A4C25C-085E-4340-85A3-A5531E510DB2}">
+      <thm15:themeFamily xmlns:thm15="http://schemas.microsoft.com/office/thememl/2012/main" name="Office Theme" id="{62F939B6-93AF-4DB8-9C6B-D6C7DFDC589F}" vid="{4A3C46E8-61CC-4603-A589-7422A47A8E4A}"/>
+    </a:ext>
+  </a:extLst>
+</a:theme>
 </file>
--- a/CaseStudy1 Presentation.pptx
+++ b/CaseStudy1 Presentation.pptx
@@ -239,7 +239,7 @@
           <a:p>
             <a:fld id="{1AF07D79-51EF-944D-A48B-9F68CC0182BF}" type="datetimeFigureOut">
               <a:rPr lang="en-US" smtClean="0"/>
-              <a:t>2/27/19</a:t>
+              <a:t>2/28/2019</a:t>
             </a:fld>
             <a:endParaRPr lang="en-US"/>
           </a:p>
@@ -5315,7 +5315,7 @@
           <a:p>
             <a:fld id="{48A87A34-81AB-432B-8DAE-1953F412C126}" type="datetimeFigureOut">
               <a:rPr lang="en-US" dirty="0"/>
-              <a:t>2/27/19</a:t>
+              <a:t>2/28/2019</a:t>
             </a:fld>
             <a:endParaRPr lang="en-US" dirty="0"/>
           </a:p>
@@ -5577,7 +5577,7 @@
           <a:p>
             <a:fld id="{48A87A34-81AB-432B-8DAE-1953F412C126}" type="datetimeFigureOut">
               <a:rPr lang="en-US" dirty="0"/>
-              <a:t>2/27/19</a:t>
+              <a:t>2/28/2019</a:t>
             </a:fld>
             <a:endParaRPr lang="en-US" dirty="0"/>
           </a:p>
@@ -5768,7 +5768,7 @@
           <a:p>
             <a:fld id="{48A87A34-81AB-432B-8DAE-1953F412C126}" type="datetimeFigureOut">
               <a:rPr lang="en-US" dirty="0"/>
-              <a:t>2/27/19</a:t>
+              <a:t>2/28/2019</a:t>
             </a:fld>
             <a:endParaRPr lang="en-US" dirty="0"/>
           </a:p>
@@ -6026,7 +6026,7 @@
           <a:p>
             <a:fld id="{48A87A34-81AB-432B-8DAE-1953F412C126}" type="datetimeFigureOut">
               <a:rPr lang="en-US" dirty="0"/>
-              <a:t>2/27/19</a:t>
+              <a:t>2/28/2019</a:t>
             </a:fld>
             <a:endParaRPr lang="en-US" dirty="0"/>
           </a:p>
@@ -6455,7 +6455,7 @@
           <a:p>
             <a:fld id="{48A87A34-81AB-432B-8DAE-1953F412C126}" type="datetimeFigureOut">
               <a:rPr lang="en-US" dirty="0"/>
-              <a:t>2/27/19</a:t>
+              <a:t>2/28/2019</a:t>
             </a:fld>
             <a:endParaRPr lang="en-US" dirty="0"/>
           </a:p>
@@ -6996,7 +6996,7 @@
           <a:p>
             <a:fld id="{48A87A34-81AB-432B-8DAE-1953F412C126}" type="datetimeFigureOut">
               <a:rPr lang="en-US" dirty="0"/>
-              <a:t>2/27/19</a:t>
+              <a:t>2/28/2019</a:t>
             </a:fld>
             <a:endParaRPr lang="en-US" dirty="0"/>
           </a:p>
@@ -7711,7 +7711,7 @@
           <a:p>
             <a:fld id="{48A87A34-81AB-432B-8DAE-1953F412C126}" type="datetimeFigureOut">
               <a:rPr lang="en-US" dirty="0"/>
-              <a:t>2/27/19</a:t>
+              <a:t>2/28/2019</a:t>
             </a:fld>
             <a:endParaRPr lang="en-US" dirty="0"/>
           </a:p>
@@ -7876,7 +7876,7 @@
           <a:p>
             <a:fld id="{48A87A34-81AB-432B-8DAE-1953F412C126}" type="datetimeFigureOut">
               <a:rPr lang="en-US" dirty="0"/>
-              <a:t>2/27/19</a:t>
+              <a:t>2/28/2019</a:t>
             </a:fld>
             <a:endParaRPr lang="en-US" dirty="0"/>
           </a:p>
@@ -8051,7 +8051,7 @@
           <a:p>
             <a:fld id="{48A87A34-81AB-432B-8DAE-1953F412C126}" type="datetimeFigureOut">
               <a:rPr lang="en-US" dirty="0"/>
-              <a:t>2/27/19</a:t>
+              <a:t>2/28/2019</a:t>
             </a:fld>
             <a:endParaRPr lang="en-US" dirty="0"/>
           </a:p>
@@ -8216,7 +8216,7 @@
           <a:p>
             <a:fld id="{48A87A34-81AB-432B-8DAE-1953F412C126}" type="datetimeFigureOut">
               <a:rPr lang="en-US" dirty="0"/>
-              <a:t>2/27/19</a:t>
+              <a:t>2/28/2019</a:t>
             </a:fld>
             <a:endParaRPr lang="en-US" dirty="0"/>
           </a:p>
@@ -8461,7 +8461,7 @@
           <a:p>
             <a:fld id="{48A87A34-81AB-432B-8DAE-1953F412C126}" type="datetimeFigureOut">
               <a:rPr lang="en-US" dirty="0"/>
-              <a:t>2/27/19</a:t>
+              <a:t>2/28/2019</a:t>
             </a:fld>
             <a:endParaRPr lang="en-US" dirty="0"/>
           </a:p>
@@ -8688,7 +8688,7 @@
           <a:p>
             <a:fld id="{48A87A34-81AB-432B-8DAE-1953F412C126}" type="datetimeFigureOut">
               <a:rPr lang="en-US" dirty="0"/>
-              <a:t>2/27/19</a:t>
+              <a:t>2/28/2019</a:t>
             </a:fld>
             <a:endParaRPr lang="en-US" dirty="0"/>
           </a:p>
@@ -9064,7 +9064,7 @@
           <a:p>
             <a:fld id="{48A87A34-81AB-432B-8DAE-1953F412C126}" type="datetimeFigureOut">
               <a:rPr lang="en-US" dirty="0"/>
-              <a:t>2/27/19</a:t>
+              <a:t>2/28/2019</a:t>
             </a:fld>
             <a:endParaRPr lang="en-US" dirty="0"/>
           </a:p>
@@ -9177,7 +9177,7 @@
           <a:p>
             <a:fld id="{48A87A34-81AB-432B-8DAE-1953F412C126}" type="datetimeFigureOut">
               <a:rPr lang="en-US" dirty="0"/>
-              <a:t>2/27/19</a:t>
+              <a:t>2/28/2019</a:t>
             </a:fld>
             <a:endParaRPr lang="en-US" dirty="0"/>
           </a:p>
@@ -9267,7 +9267,7 @@
           <a:p>
             <a:fld id="{48A87A34-81AB-432B-8DAE-1953F412C126}" type="datetimeFigureOut">
               <a:rPr lang="en-US" dirty="0"/>
-              <a:t>2/27/19</a:t>
+              <a:t>2/28/2019</a:t>
             </a:fld>
             <a:endParaRPr lang="en-US" dirty="0"/>
           </a:p>
@@ -9511,7 +9511,7 @@
           <a:p>
             <a:fld id="{48A87A34-81AB-432B-8DAE-1953F412C126}" type="datetimeFigureOut">
               <a:rPr lang="en-US" dirty="0"/>
-              <a:t>2/27/19</a:t>
+              <a:t>2/28/2019</a:t>
             </a:fld>
             <a:endParaRPr lang="en-US" dirty="0"/>
           </a:p>
@@ -9786,7 +9786,7 @@
           <a:p>
             <a:fld id="{48A87A34-81AB-432B-8DAE-1953F412C126}" type="datetimeFigureOut">
               <a:rPr lang="en-US" dirty="0"/>
-              <a:t>2/27/19</a:t>
+              <a:t>2/28/2019</a:t>
             </a:fld>
             <a:endParaRPr lang="en-US" dirty="0"/>
           </a:p>
@@ -12849,7 +12849,7 @@
             <a:fld id="{48A87A34-81AB-432B-8DAE-1953F412C126}" type="datetimeFigureOut">
               <a:rPr lang="en-US" dirty="0"/>
               <a:pPr/>
-              <a:t>2/27/19</a:t>
+              <a:t>2/28/2019</a:t>
             </a:fld>
             <a:endParaRPr lang="en-US" dirty="0"/>
           </a:p>
@@ -13348,6 +13348,14 @@
   <p:clrMapOvr>
     <a:masterClrMapping/>
   </p:clrMapOvr>
+  <mc:AlternateContent xmlns:mc="http://schemas.openxmlformats.org/markup-compatibility/2006" xmlns:p14="http://schemas.microsoft.com/office/powerpoint/2010/main">
+    <mc:Choice Requires="p14">
+      <p:transition spd="slow" p14:dur="2000" advTm="8301"/>
+    </mc:Choice>
+    <mc:Fallback xmlns="">
+      <p:transition spd="slow" advTm="8301"/>
+    </mc:Fallback>
+  </mc:AlternateContent>
 </p:sld>
 </file>
 
@@ -13444,6 +13452,14 @@
   <p:clrMapOvr>
     <a:masterClrMapping/>
   </p:clrMapOvr>
+  <mc:AlternateContent xmlns:mc="http://schemas.openxmlformats.org/markup-compatibility/2006" xmlns:p14="http://schemas.microsoft.com/office/powerpoint/2010/main">
+    <mc:Choice Requires="p14">
+      <p:transition spd="slow" p14:dur="2000" advTm="2888"/>
+    </mc:Choice>
+    <mc:Fallback xmlns="">
+      <p:transition spd="slow" advTm="2888"/>
+    </mc:Fallback>
+  </mc:AlternateContent>
 </p:sld>
 </file>
 
@@ -13701,6 +13717,14 @@
   <p:clrMapOvr>
     <a:masterClrMapping/>
   </p:clrMapOvr>
+  <mc:AlternateContent xmlns:mc="http://schemas.openxmlformats.org/markup-compatibility/2006" xmlns:p14="http://schemas.microsoft.com/office/powerpoint/2010/main">
+    <mc:Choice Requires="p14">
+      <p:transition spd="slow" p14:dur="2000" advTm="24719"/>
+    </mc:Choice>
+    <mc:Fallback xmlns="">
+      <p:transition spd="slow" advTm="24719"/>
+    </mc:Fallback>
+  </mc:AlternateContent>
 </p:sld>
 </file>
 
@@ -13736,7 +13760,7 @@
           <p:nvPr/>
         </p:nvPicPr>
         <p:blipFill>
-          <a:blip r:embed="rId2"/>
+          <a:blip r:embed="rId3"/>
           <a:stretch>
             <a:fillRect/>
           </a:stretch>
@@ -13917,47 +13941,6 @@
       </p:cxnSp>
       <p:cxnSp>
         <p:nvCxnSpPr>
-          <p:cNvPr id="11" name="Straight Arrow Connector 10">
-            <a:extLst>
-              <a:ext uri="{FF2B5EF4-FFF2-40B4-BE49-F238E27FC236}">
-                <a16:creationId xmlns:a16="http://schemas.microsoft.com/office/drawing/2014/main" id="{D9F74891-139A-4CDD-9618-2DCE2CE78688}"/>
-              </a:ext>
-            </a:extLst>
-          </p:cNvPr>
-          <p:cNvCxnSpPr>
-            <a:cxnSpLocks/>
-          </p:cNvCxnSpPr>
-          <p:nvPr/>
-        </p:nvCxnSpPr>
-        <p:spPr>
-          <a:xfrm flipV="1">
-            <a:off x="6195390" y="1341119"/>
-            <a:ext cx="0" cy="246489"/>
-          </a:xfrm>
-          <a:prstGeom prst="straightConnector1">
-            <a:avLst/>
-          </a:prstGeom>
-          <a:ln>
-            <a:tailEnd type="triangle"/>
-          </a:ln>
-        </p:spPr>
-        <p:style>
-          <a:lnRef idx="1">
-            <a:schemeClr val="dk1"/>
-          </a:lnRef>
-          <a:fillRef idx="0">
-            <a:schemeClr val="dk1"/>
-          </a:fillRef>
-          <a:effectRef idx="0">
-            <a:schemeClr val="dk1"/>
-          </a:effectRef>
-          <a:fontRef idx="minor">
-            <a:schemeClr val="tx1"/>
-          </a:fontRef>
-        </p:style>
-      </p:cxnSp>
-      <p:cxnSp>
-        <p:nvCxnSpPr>
           <p:cNvPr id="13" name="Straight Arrow Connector 12">
             <a:extLst>
               <a:ext uri="{FF2B5EF4-FFF2-40B4-BE49-F238E27FC236}">
@@ -14112,46 +14095,10 @@
           </a:fontRef>
         </p:style>
       </p:cxnSp>
-      <p:cxnSp>
-        <p:nvCxnSpPr>
-          <p:cNvPr id="17" name="Straight Arrow Connector 16">
-            <a:extLst>
-              <a:ext uri="{FF2B5EF4-FFF2-40B4-BE49-F238E27FC236}">
-                <a16:creationId xmlns:a16="http://schemas.microsoft.com/office/drawing/2014/main" id="{E7F93676-B783-4AA0-8E6A-9D6FD91FB9D2}"/>
-              </a:ext>
-            </a:extLst>
-          </p:cNvPr>
-          <p:cNvCxnSpPr/>
-          <p:nvPr/>
-        </p:nvCxnSpPr>
-        <p:spPr>
-          <a:xfrm flipH="1">
-            <a:off x="1459064" y="5630269"/>
-            <a:ext cx="151075" cy="0"/>
-          </a:xfrm>
-          <a:prstGeom prst="straightConnector1">
-            <a:avLst/>
-          </a:prstGeom>
-          <a:ln>
-            <a:tailEnd type="triangle"/>
-          </a:ln>
-        </p:spPr>
-        <p:style>
-          <a:lnRef idx="1">
-            <a:schemeClr val="dk1"/>
-          </a:lnRef>
-          <a:fillRef idx="0">
-            <a:schemeClr val="dk1"/>
-          </a:fillRef>
-          <a:effectRef idx="0">
-            <a:schemeClr val="dk1"/>
-          </a:effectRef>
-          <a:fontRef idx="minor">
-            <a:schemeClr val="tx1"/>
-          </a:fontRef>
-        </p:style>
-      </p:cxnSp>
     </p:spTree>
+    <p:custDataLst>
+      <p:tags r:id="rId1"/>
+    </p:custDataLst>
     <p:extLst>
       <p:ext uri="{BB962C8B-B14F-4D97-AF65-F5344CB8AC3E}">
         <p14:creationId xmlns:p14="http://schemas.microsoft.com/office/powerpoint/2010/main" val="1998124610"/>
@@ -14161,6 +14108,14 @@
   <p:clrMapOvr>
     <a:masterClrMapping/>
   </p:clrMapOvr>
+  <mc:AlternateContent xmlns:mc="http://schemas.openxmlformats.org/markup-compatibility/2006" xmlns:p14="http://schemas.microsoft.com/office/powerpoint/2010/main">
+    <mc:Choice Requires="p14">
+      <p:transition spd="slow" p14:dur="2000" advTm="18190"/>
+    </mc:Choice>
+    <mc:Fallback xmlns="">
+      <p:transition spd="slow" advTm="18190"/>
+    </mc:Fallback>
+  </mc:AlternateContent>
   <p:timing>
     <p:tnLst>
       <p:par>
@@ -14276,33 +14231,6 @@
                                           </p:stCondLst>
                                         </p:cTn>
                                         <p:tgtEl>
-                                          <p:spTgt spid="11"/>
-                                        </p:tgtEl>
-                                        <p:attrNameLst>
-                                          <p:attrName>style.visibility</p:attrName>
-                                        </p:attrNameLst>
-                                      </p:cBhvr>
-                                      <p:to>
-                                        <p:strVal val="visible"/>
-                                      </p:to>
-                                    </p:set>
-                                  </p:childTnLst>
-                                </p:cTn>
-                              </p:par>
-                              <p:par>
-                                <p:cTn id="13" presetID="1" presetClass="entr" presetSubtype="0" fill="hold" nodeType="withEffect">
-                                  <p:stCondLst>
-                                    <p:cond delay="0"/>
-                                  </p:stCondLst>
-                                  <p:childTnLst>
-                                    <p:set>
-                                      <p:cBhvr>
-                                        <p:cTn id="14" dur="1" fill="hold">
-                                          <p:stCondLst>
-                                            <p:cond delay="0"/>
-                                          </p:stCondLst>
-                                        </p:cTn>
-                                        <p:tgtEl>
                                           <p:spTgt spid="5"/>
                                         </p:tgtEl>
                                         <p:attrNameLst>
@@ -14323,19 +14251,46 @@
                     </p:cTn>
                   </p:par>
                   <p:par>
-                    <p:cTn id="15" fill="hold">
+                    <p:cTn id="13" fill="hold">
                       <p:stCondLst>
                         <p:cond delay="indefinite"/>
                       </p:stCondLst>
                       <p:childTnLst>
                         <p:par>
-                          <p:cTn id="16" fill="hold">
+                          <p:cTn id="14" fill="hold">
                             <p:stCondLst>
                               <p:cond delay="0"/>
                             </p:stCondLst>
                             <p:childTnLst>
                               <p:par>
-                                <p:cTn id="17" presetID="1" presetClass="entr" presetSubtype="0" fill="hold" nodeType="clickEffect">
+                                <p:cTn id="15" presetID="1" presetClass="entr" presetSubtype="0" fill="hold" nodeType="clickEffect">
+                                  <p:stCondLst>
+                                    <p:cond delay="0"/>
+                                  </p:stCondLst>
+                                  <p:childTnLst>
+                                    <p:set>
+                                      <p:cBhvr>
+                                        <p:cTn id="16" dur="1" fill="hold">
+                                          <p:stCondLst>
+                                            <p:cond delay="0"/>
+                                          </p:stCondLst>
+                                        </p:cTn>
+                                        <p:tgtEl>
+                                          <p:spTgt spid="13"/>
+                                        </p:tgtEl>
+                                        <p:attrNameLst>
+                                          <p:attrName>style.visibility</p:attrName>
+                                        </p:attrNameLst>
+                                      </p:cBhvr>
+                                      <p:to>
+                                        <p:strVal val="visible"/>
+                                      </p:to>
+                                    </p:set>
+                                  </p:childTnLst>
+                                </p:cTn>
+                              </p:par>
+                              <p:par>
+                                <p:cTn id="17" presetID="1" presetClass="entr" presetSubtype="0" fill="hold" nodeType="withEffect">
                                   <p:stCondLst>
                                     <p:cond delay="0"/>
                                   </p:stCondLst>
@@ -14348,7 +14303,7 @@
                                           </p:stCondLst>
                                         </p:cTn>
                                         <p:tgtEl>
-                                          <p:spTgt spid="13"/>
+                                          <p:spTgt spid="14"/>
                                         </p:tgtEl>
                                         <p:attrNameLst>
                                           <p:attrName>style.visibility</p:attrName>
@@ -14375,7 +14330,7 @@
                                           </p:stCondLst>
                                         </p:cTn>
                                         <p:tgtEl>
-                                          <p:spTgt spid="14"/>
+                                          <p:spTgt spid="15"/>
                                         </p:tgtEl>
                                         <p:attrNameLst>
                                           <p:attrName>style.visibility</p:attrName>
@@ -14402,61 +14357,7 @@
                                           </p:stCondLst>
                                         </p:cTn>
                                         <p:tgtEl>
-                                          <p:spTgt spid="15"/>
-                                        </p:tgtEl>
-                                        <p:attrNameLst>
-                                          <p:attrName>style.visibility</p:attrName>
-                                        </p:attrNameLst>
-                                      </p:cBhvr>
-                                      <p:to>
-                                        <p:strVal val="visible"/>
-                                      </p:to>
-                                    </p:set>
-                                  </p:childTnLst>
-                                </p:cTn>
-                              </p:par>
-                              <p:par>
-                                <p:cTn id="23" presetID="1" presetClass="entr" presetSubtype="0" fill="hold" nodeType="withEffect">
-                                  <p:stCondLst>
-                                    <p:cond delay="0"/>
-                                  </p:stCondLst>
-                                  <p:childTnLst>
-                                    <p:set>
-                                      <p:cBhvr>
-                                        <p:cTn id="24" dur="1" fill="hold">
-                                          <p:stCondLst>
-                                            <p:cond delay="0"/>
-                                          </p:stCondLst>
-                                        </p:cTn>
-                                        <p:tgtEl>
                                           <p:spTgt spid="16"/>
-                                        </p:tgtEl>
-                                        <p:attrNameLst>
-                                          <p:attrName>style.visibility</p:attrName>
-                                        </p:attrNameLst>
-                                      </p:cBhvr>
-                                      <p:to>
-                                        <p:strVal val="visible"/>
-                                      </p:to>
-                                    </p:set>
-                                  </p:childTnLst>
-                                </p:cTn>
-                              </p:par>
-                              <p:par>
-                                <p:cTn id="25" presetID="1" presetClass="entr" presetSubtype="0" fill="hold" nodeType="withEffect">
-                                  <p:stCondLst>
-                                    <p:cond delay="0"/>
-                                  </p:stCondLst>
-                                  <p:childTnLst>
-                                    <p:set>
-                                      <p:cBhvr>
-                                        <p:cTn id="26" dur="1" fill="hold">
-                                          <p:stCondLst>
-                                            <p:cond delay="0"/>
-                                          </p:stCondLst>
-                                        </p:cTn>
-                                        <p:tgtEl>
-                                          <p:spTgt spid="17"/>
                                         </p:tgtEl>
                                         <p:attrNameLst>
                                           <p:attrName>style.visibility</p:attrName>
@@ -17537,6 +17438,14 @@
   <p:clrMapOvr>
     <a:masterClrMapping/>
   </p:clrMapOvr>
+  <mc:AlternateContent xmlns:mc="http://schemas.openxmlformats.org/markup-compatibility/2006" xmlns:p14="http://schemas.microsoft.com/office/powerpoint/2010/main">
+    <mc:Choice Requires="p14">
+      <p:transition spd="slow" p14:dur="2000" advTm="24995"/>
+    </mc:Choice>
+    <mc:Fallback xmlns="">
+      <p:transition spd="slow" advTm="24995"/>
+    </mc:Fallback>
+  </mc:AlternateContent>
 </p:sld>
 </file>
 
@@ -17650,31 +17559,30 @@
           <a:p>
             <a:r>
               <a:rPr lang="en-US" dirty="0"/>
-              <a:t>The data set shows the following columns with the number of NA values:</a:t>
+              <a:t>The following percentages represent the NA values in the data set:</a:t>
             </a:r>
           </a:p>
           <a:p>
             <a:pPr lvl="1"/>
             <a:r>
               <a:rPr lang="en-US" dirty="0"/>
-              <a:t>ABV: 62 values</a:t>
+              <a:t>ABV: 2.6% </a:t>
             </a:r>
           </a:p>
           <a:p>
             <a:pPr lvl="1"/>
             <a:r>
               <a:rPr lang="en-US" dirty="0"/>
-              <a:t>IBU: 1005 values</a:t>
+              <a:t>IBU: 41.7%</a:t>
             </a:r>
           </a:p>
           <a:p>
-            <a:pPr lvl="1"/>
-            <a:endParaRPr lang="en-US" dirty="0"/>
-          </a:p>
-          <a:p>
+            <a:pPr marL="0" indent="0">
+              <a:buNone/>
+            </a:pPr>
             <a:r>
-              <a:rPr lang="en-US" dirty="0"/>
-              <a:t>These values are null values and not “Not Applicable” values</a:t>
+              <a:rPr lang="en-US" sz="1600" dirty="0"/>
+              <a:t>*These values are null values and not “Not Applicable” values</a:t>
             </a:r>
           </a:p>
         </p:txBody>
@@ -17689,6 +17597,14 @@
   <p:clrMapOvr>
     <a:masterClrMapping/>
   </p:clrMapOvr>
+  <mc:AlternateContent xmlns:mc="http://schemas.openxmlformats.org/markup-compatibility/2006" xmlns:p14="http://schemas.microsoft.com/office/powerpoint/2010/main">
+    <mc:Choice Requires="p14">
+      <p:transition spd="slow" p14:dur="2000" advTm="28995"/>
+    </mc:Choice>
+    <mc:Fallback xmlns="">
+      <p:transition spd="slow" advTm="28995"/>
+    </mc:Fallback>
+  </mc:AlternateContent>
 </p:sld>
 </file>
 
@@ -17759,7 +17675,7 @@
           <p:nvPr/>
         </p:nvPicPr>
         <p:blipFill>
-          <a:blip r:embed="rId3">
+          <a:blip r:embed="rId4">
             <a:extLst>
               <a:ext uri="{28A0092B-C50C-407E-A947-70E740481C1C}">
                 <a14:useLocalDpi xmlns:a14="http://schemas.microsoft.com/office/drawing/2010/main" val="0"/>
@@ -17976,6 +17892,9 @@
         </p:style>
       </p:cxnSp>
     </p:spTree>
+    <p:custDataLst>
+      <p:tags r:id="rId1"/>
+    </p:custDataLst>
     <p:extLst>
       <p:ext uri="{BB962C8B-B14F-4D97-AF65-F5344CB8AC3E}">
         <p14:creationId xmlns:p14="http://schemas.microsoft.com/office/powerpoint/2010/main" val="2519411679"/>
@@ -17985,6 +17904,14 @@
   <p:clrMapOvr>
     <a:masterClrMapping/>
   </p:clrMapOvr>
+  <mc:AlternateContent xmlns:mc="http://schemas.openxmlformats.org/markup-compatibility/2006" xmlns:p14="http://schemas.microsoft.com/office/powerpoint/2010/main">
+    <mc:Choice Requires="p14">
+      <p:transition spd="slow" p14:dur="2000" advTm="26849"/>
+    </mc:Choice>
+    <mc:Fallback xmlns="">
+      <p:transition spd="slow" advTm="26849"/>
+    </mc:Fallback>
+  </mc:AlternateContent>
   <p:timing>
     <p:tnLst>
       <p:par>
@@ -18157,7 +18084,7 @@
           <p:nvPr/>
         </p:nvPicPr>
         <p:blipFill>
-          <a:blip r:embed="rId2">
+          <a:blip r:embed="rId3">
             <a:extLst>
               <a:ext uri="{28A0092B-C50C-407E-A947-70E740481C1C}">
                 <a14:useLocalDpi xmlns:a14="http://schemas.microsoft.com/office/drawing/2010/main" val="0"/>
@@ -18426,6 +18353,9 @@
         </p:style>
       </p:cxnSp>
     </p:spTree>
+    <p:custDataLst>
+      <p:tags r:id="rId1"/>
+    </p:custDataLst>
     <p:extLst>
       <p:ext uri="{BB962C8B-B14F-4D97-AF65-F5344CB8AC3E}">
         <p14:creationId xmlns:p14="http://schemas.microsoft.com/office/powerpoint/2010/main" val="2301199530"/>
@@ -18435,6 +18365,14 @@
   <p:clrMapOvr>
     <a:masterClrMapping/>
   </p:clrMapOvr>
+  <mc:AlternateContent xmlns:mc="http://schemas.openxmlformats.org/markup-compatibility/2006" xmlns:p14="http://schemas.microsoft.com/office/powerpoint/2010/main">
+    <mc:Choice Requires="p14">
+      <p:transition spd="slow" p14:dur="2000" advTm="25332"/>
+    </mc:Choice>
+    <mc:Fallback xmlns="">
+      <p:transition spd="slow" advTm="25332"/>
+    </mc:Fallback>
+  </mc:AlternateContent>
   <p:timing>
     <p:tnLst>
       <p:par>
@@ -21134,7 +21072,7 @@
             <a:pPr algn="r"/>
             <a:r>
               <a:rPr lang="en-US" sz="4000" dirty="0"/>
-              <a:t>Alcohol by volume summary</a:t>
+              <a:t>ABV and IBU summary</a:t>
             </a:r>
           </a:p>
         </p:txBody>
@@ -21193,59 +21131,6 @@
           </a:fontRef>
         </p:style>
       </p:cxnSp>
-      <p:sp>
-        <p:nvSpPr>
-          <p:cNvPr id="3" name="Content Placeholder 2">
-            <a:extLst>
-              <a:ext uri="{FF2B5EF4-FFF2-40B4-BE49-F238E27FC236}">
-                <a16:creationId xmlns:a16="http://schemas.microsoft.com/office/drawing/2014/main" id="{C2C116D3-995E-4827-99AB-3FDF379BD261}"/>
-              </a:ext>
-            </a:extLst>
-          </p:cNvPr>
-          <p:cNvSpPr>
-            <a:spLocks noGrp="1"/>
-          </p:cNvSpPr>
-          <p:nvPr>
-            <p:ph idx="1"/>
-          </p:nvPr>
-        </p:nvSpPr>
-        <p:spPr>
-          <a:xfrm>
-            <a:off x="5297763" y="1082673"/>
-            <a:ext cx="5751237" cy="4708528"/>
-          </a:xfrm>
-        </p:spPr>
-        <p:txBody>
-          <a:bodyPr anchor="ctr">
-            <a:normAutofit/>
-          </a:bodyPr>
-          <a:lstStyle/>
-          <a:p>
-            <a:r>
-              <a:rPr lang="en-US" dirty="0"/>
-              <a:t>Mean of 5.98%</a:t>
-            </a:r>
-          </a:p>
-          <a:p>
-            <a:r>
-              <a:rPr lang="en-US" dirty="0"/>
-              <a:t>Median of 6.7%</a:t>
-            </a:r>
-          </a:p>
-          <a:p>
-            <a:r>
-              <a:rPr lang="en-US" dirty="0"/>
-              <a:t>Minimum of 0.01%</a:t>
-            </a:r>
-          </a:p>
-          <a:p>
-            <a:r>
-              <a:rPr lang="en-US" dirty="0"/>
-              <a:t>Maximum of 12.8%</a:t>
-            </a:r>
-          </a:p>
-        </p:txBody>
-      </p:sp>
       <p:grpSp>
         <p:nvGrpSpPr>
           <p:cNvPr id="41" name="Group 40">
@@ -22208,6 +22093,443 @@
           </p:spPr>
         </p:sp>
       </p:grpSp>
+      <p:graphicFrame>
+        <p:nvGraphicFramePr>
+          <p:cNvPr id="4" name="Table 3">
+            <a:extLst>
+              <a:ext uri="{FF2B5EF4-FFF2-40B4-BE49-F238E27FC236}">
+                <a16:creationId xmlns:a16="http://schemas.microsoft.com/office/drawing/2014/main" id="{45A8AC3B-F8DB-4251-A560-556EB639633B}"/>
+              </a:ext>
+            </a:extLst>
+          </p:cNvPr>
+          <p:cNvGraphicFramePr>
+            <a:graphicFrameLocks noGrp="1"/>
+          </p:cNvGraphicFramePr>
+          <p:nvPr>
+            <p:extLst>
+              <p:ext uri="{D42A27DB-BD31-4B8C-83A1-F6EECF244321}">
+                <p14:modId xmlns:p14="http://schemas.microsoft.com/office/powerpoint/2010/main" val="2401674334"/>
+              </p:ext>
+            </p:extLst>
+          </p:nvPr>
+        </p:nvGraphicFramePr>
+        <p:xfrm>
+          <a:off x="5172924" y="2103438"/>
+          <a:ext cx="5940060" cy="2622550"/>
+        </p:xfrm>
+        <a:graphic>
+          <a:graphicData uri="http://schemas.openxmlformats.org/drawingml/2006/table">
+            <a:tbl>
+              <a:tblPr>
+                <a:tableStyleId>{5C22544A-7EE6-4342-B048-85BDC9FD1C3A}</a:tableStyleId>
+              </a:tblPr>
+              <a:tblGrid>
+                <a:gridCol w="2087048">
+                  <a:extLst>
+                    <a:ext uri="{9D8B030D-6E8A-4147-A177-3AD203B41FA5}">
+                      <a16:colId xmlns:a16="http://schemas.microsoft.com/office/drawing/2014/main" val="557680795"/>
+                    </a:ext>
+                  </a:extLst>
+                </a:gridCol>
+                <a:gridCol w="1926506">
+                  <a:extLst>
+                    <a:ext uri="{9D8B030D-6E8A-4147-A177-3AD203B41FA5}">
+                      <a16:colId xmlns:a16="http://schemas.microsoft.com/office/drawing/2014/main" val="1214116521"/>
+                    </a:ext>
+                  </a:extLst>
+                </a:gridCol>
+                <a:gridCol w="1926506">
+                  <a:extLst>
+                    <a:ext uri="{9D8B030D-6E8A-4147-A177-3AD203B41FA5}">
+                      <a16:colId xmlns:a16="http://schemas.microsoft.com/office/drawing/2014/main" val="3382469403"/>
+                    </a:ext>
+                  </a:extLst>
+                </a:gridCol>
+              </a:tblGrid>
+              <a:tr h="524510">
+                <a:tc>
+                  <a:txBody>
+                    <a:bodyPr/>
+                    <a:lstStyle/>
+                    <a:p>
+                      <a:pPr algn="l" fontAlgn="b"/>
+                      <a:r>
+                        <a:rPr lang="en-US" sz="2800" u="none" strike="noStrike">
+                          <a:effectLst/>
+                        </a:rPr>
+                        <a:t> </a:t>
+                      </a:r>
+                      <a:endParaRPr lang="en-US" sz="2800" b="0" i="0" u="none" strike="noStrike">
+                        <a:solidFill>
+                          <a:srgbClr val="000000"/>
+                        </a:solidFill>
+                        <a:effectLst/>
+                        <a:latin typeface="Calibri" panose="020F0502020204030204" pitchFamily="34" charset="0"/>
+                      </a:endParaRPr>
+                    </a:p>
+                  </a:txBody>
+                  <a:tcPr marL="9525" marR="9525" marT="9525" marB="0" anchor="b"/>
+                </a:tc>
+                <a:tc>
+                  <a:txBody>
+                    <a:bodyPr/>
+                    <a:lstStyle/>
+                    <a:p>
+                      <a:pPr algn="ctr" fontAlgn="b"/>
+                      <a:r>
+                        <a:rPr lang="en-US" sz="2800" u="none" strike="noStrike">
+                          <a:effectLst/>
+                        </a:rPr>
+                        <a:t>ABV</a:t>
+                      </a:r>
+                      <a:endParaRPr lang="en-US" sz="2800" b="1" i="0" u="none" strike="noStrike">
+                        <a:solidFill>
+                          <a:srgbClr val="000000"/>
+                        </a:solidFill>
+                        <a:effectLst/>
+                        <a:latin typeface="Calibri" panose="020F0502020204030204" pitchFamily="34" charset="0"/>
+                      </a:endParaRPr>
+                    </a:p>
+                  </a:txBody>
+                  <a:tcPr marL="9525" marR="9525" marT="9525" marB="0" anchor="b"/>
+                </a:tc>
+                <a:tc>
+                  <a:txBody>
+                    <a:bodyPr/>
+                    <a:lstStyle/>
+                    <a:p>
+                      <a:pPr algn="ctr" fontAlgn="b"/>
+                      <a:r>
+                        <a:rPr lang="en-US" sz="2800" u="none" strike="noStrike">
+                          <a:effectLst/>
+                        </a:rPr>
+                        <a:t>IBU</a:t>
+                      </a:r>
+                      <a:endParaRPr lang="en-US" sz="2800" b="1" i="0" u="none" strike="noStrike">
+                        <a:solidFill>
+                          <a:srgbClr val="000000"/>
+                        </a:solidFill>
+                        <a:effectLst/>
+                        <a:latin typeface="Calibri" panose="020F0502020204030204" pitchFamily="34" charset="0"/>
+                      </a:endParaRPr>
+                    </a:p>
+                  </a:txBody>
+                  <a:tcPr marL="9525" marR="9525" marT="9525" marB="0" anchor="b"/>
+                </a:tc>
+                <a:extLst>
+                  <a:ext uri="{0D108BD9-81ED-4DB2-BD59-A6C34878D82A}">
+                    <a16:rowId xmlns:a16="http://schemas.microsoft.com/office/drawing/2014/main" val="2992326107"/>
+                  </a:ext>
+                </a:extLst>
+              </a:tr>
+              <a:tr h="524510">
+                <a:tc>
+                  <a:txBody>
+                    <a:bodyPr/>
+                    <a:lstStyle/>
+                    <a:p>
+                      <a:pPr algn="l" fontAlgn="b"/>
+                      <a:r>
+                        <a:rPr lang="en-US" sz="2800" u="none" strike="noStrike">
+                          <a:effectLst/>
+                        </a:rPr>
+                        <a:t>Mean</a:t>
+                      </a:r>
+                      <a:endParaRPr lang="en-US" sz="2800" b="1" i="0" u="none" strike="noStrike">
+                        <a:solidFill>
+                          <a:srgbClr val="000000"/>
+                        </a:solidFill>
+                        <a:effectLst/>
+                        <a:latin typeface="Calibri" panose="020F0502020204030204" pitchFamily="34" charset="0"/>
+                      </a:endParaRPr>
+                    </a:p>
+                  </a:txBody>
+                  <a:tcPr marL="9525" marR="9525" marT="9525" marB="0" anchor="b"/>
+                </a:tc>
+                <a:tc>
+                  <a:txBody>
+                    <a:bodyPr/>
+                    <a:lstStyle/>
+                    <a:p>
+                      <a:pPr algn="ctr" fontAlgn="b"/>
+                      <a:r>
+                        <a:rPr lang="en-US" sz="2800" u="none" strike="noStrike">
+                          <a:effectLst/>
+                        </a:rPr>
+                        <a:t>5.98%</a:t>
+                      </a:r>
+                      <a:endParaRPr lang="en-US" sz="2800" b="0" i="0" u="none" strike="noStrike">
+                        <a:solidFill>
+                          <a:srgbClr val="000000"/>
+                        </a:solidFill>
+                        <a:effectLst/>
+                        <a:latin typeface="Calibri" panose="020F0502020204030204" pitchFamily="34" charset="0"/>
+                      </a:endParaRPr>
+                    </a:p>
+                  </a:txBody>
+                  <a:tcPr marL="9525" marR="9525" marT="9525" marB="0" anchor="b"/>
+                </a:tc>
+                <a:tc>
+                  <a:txBody>
+                    <a:bodyPr/>
+                    <a:lstStyle/>
+                    <a:p>
+                      <a:pPr algn="ctr" fontAlgn="b"/>
+                      <a:r>
+                        <a:rPr lang="en-US" sz="2800" u="none" strike="noStrike">
+                          <a:effectLst/>
+                        </a:rPr>
+                        <a:t>42.71</a:t>
+                      </a:r>
+                      <a:endParaRPr lang="en-US" sz="2800" b="0" i="0" u="none" strike="noStrike">
+                        <a:solidFill>
+                          <a:srgbClr val="000000"/>
+                        </a:solidFill>
+                        <a:effectLst/>
+                        <a:latin typeface="Calibri" panose="020F0502020204030204" pitchFamily="34" charset="0"/>
+                      </a:endParaRPr>
+                    </a:p>
+                  </a:txBody>
+                  <a:tcPr marL="9525" marR="9525" marT="9525" marB="0" anchor="b"/>
+                </a:tc>
+                <a:extLst>
+                  <a:ext uri="{0D108BD9-81ED-4DB2-BD59-A6C34878D82A}">
+                    <a16:rowId xmlns:a16="http://schemas.microsoft.com/office/drawing/2014/main" val="3188483077"/>
+                  </a:ext>
+                </a:extLst>
+              </a:tr>
+              <a:tr h="524510">
+                <a:tc>
+                  <a:txBody>
+                    <a:bodyPr/>
+                    <a:lstStyle/>
+                    <a:p>
+                      <a:pPr algn="l" fontAlgn="b"/>
+                      <a:r>
+                        <a:rPr lang="en-US" sz="2800" u="none" strike="noStrike">
+                          <a:effectLst/>
+                        </a:rPr>
+                        <a:t>Median</a:t>
+                      </a:r>
+                      <a:endParaRPr lang="en-US" sz="2800" b="1" i="0" u="none" strike="noStrike">
+                        <a:solidFill>
+                          <a:srgbClr val="000000"/>
+                        </a:solidFill>
+                        <a:effectLst/>
+                        <a:latin typeface="Calibri" panose="020F0502020204030204" pitchFamily="34" charset="0"/>
+                      </a:endParaRPr>
+                    </a:p>
+                  </a:txBody>
+                  <a:tcPr marL="9525" marR="9525" marT="9525" marB="0" anchor="b"/>
+                </a:tc>
+                <a:tc>
+                  <a:txBody>
+                    <a:bodyPr/>
+                    <a:lstStyle/>
+                    <a:p>
+                      <a:pPr algn="ctr" fontAlgn="b"/>
+                      <a:r>
+                        <a:rPr lang="en-US" sz="2800" u="none" strike="noStrike" dirty="0">
+                          <a:effectLst/>
+                        </a:rPr>
+                        <a:t>6.7%</a:t>
+                      </a:r>
+                      <a:endParaRPr lang="en-US" sz="2800" b="0" i="0" u="none" strike="noStrike" dirty="0">
+                        <a:solidFill>
+                          <a:srgbClr val="000000"/>
+                        </a:solidFill>
+                        <a:effectLst/>
+                        <a:latin typeface="Calibri" panose="020F0502020204030204" pitchFamily="34" charset="0"/>
+                      </a:endParaRPr>
+                    </a:p>
+                  </a:txBody>
+                  <a:tcPr marL="9525" marR="9525" marT="9525" marB="0" anchor="b"/>
+                </a:tc>
+                <a:tc>
+                  <a:txBody>
+                    <a:bodyPr/>
+                    <a:lstStyle/>
+                    <a:p>
+                      <a:pPr algn="ctr" fontAlgn="b"/>
+                      <a:r>
+                        <a:rPr lang="en-US" sz="2800" u="none" strike="noStrike" dirty="0">
+                          <a:effectLst/>
+                        </a:rPr>
+                        <a:t>35</a:t>
+                      </a:r>
+                      <a:endParaRPr lang="en-US" sz="2800" b="0" i="0" u="none" strike="noStrike" dirty="0">
+                        <a:solidFill>
+                          <a:srgbClr val="000000"/>
+                        </a:solidFill>
+                        <a:effectLst/>
+                        <a:latin typeface="Calibri" panose="020F0502020204030204" pitchFamily="34" charset="0"/>
+                      </a:endParaRPr>
+                    </a:p>
+                  </a:txBody>
+                  <a:tcPr marL="9525" marR="9525" marT="9525" marB="0" anchor="b"/>
+                </a:tc>
+                <a:extLst>
+                  <a:ext uri="{0D108BD9-81ED-4DB2-BD59-A6C34878D82A}">
+                    <a16:rowId xmlns:a16="http://schemas.microsoft.com/office/drawing/2014/main" val="4206862488"/>
+                  </a:ext>
+                </a:extLst>
+              </a:tr>
+              <a:tr h="524510">
+                <a:tc>
+                  <a:txBody>
+                    <a:bodyPr/>
+                    <a:lstStyle/>
+                    <a:p>
+                      <a:pPr algn="l" fontAlgn="b"/>
+                      <a:r>
+                        <a:rPr lang="en-US" sz="2800" u="none" strike="noStrike">
+                          <a:effectLst/>
+                        </a:rPr>
+                        <a:t>Minimum</a:t>
+                      </a:r>
+                      <a:endParaRPr lang="en-US" sz="2800" b="1" i="0" u="none" strike="noStrike">
+                        <a:solidFill>
+                          <a:srgbClr val="000000"/>
+                        </a:solidFill>
+                        <a:effectLst/>
+                        <a:latin typeface="Calibri" panose="020F0502020204030204" pitchFamily="34" charset="0"/>
+                      </a:endParaRPr>
+                    </a:p>
+                  </a:txBody>
+                  <a:tcPr marL="9525" marR="9525" marT="9525" marB="0" anchor="b"/>
+                </a:tc>
+                <a:tc>
+                  <a:txBody>
+                    <a:bodyPr/>
+                    <a:lstStyle/>
+                    <a:p>
+                      <a:pPr algn="ctr" fontAlgn="b"/>
+                      <a:r>
+                        <a:rPr lang="en-US" sz="2800" u="none" strike="noStrike">
+                          <a:effectLst/>
+                        </a:rPr>
+                        <a:t>0.01%</a:t>
+                      </a:r>
+                      <a:endParaRPr lang="en-US" sz="2800" b="0" i="0" u="none" strike="noStrike">
+                        <a:solidFill>
+                          <a:srgbClr val="000000"/>
+                        </a:solidFill>
+                        <a:effectLst/>
+                        <a:latin typeface="Calibri" panose="020F0502020204030204" pitchFamily="34" charset="0"/>
+                      </a:endParaRPr>
+                    </a:p>
+                  </a:txBody>
+                  <a:tcPr marL="9525" marR="9525" marT="9525" marB="0" anchor="b"/>
+                </a:tc>
+                <a:tc>
+                  <a:txBody>
+                    <a:bodyPr/>
+                    <a:lstStyle/>
+                    <a:p>
+                      <a:pPr algn="ctr" fontAlgn="b"/>
+                      <a:r>
+                        <a:rPr lang="en-US" sz="2800" u="none" strike="noStrike" dirty="0">
+                          <a:effectLst/>
+                        </a:rPr>
+                        <a:t>4</a:t>
+                      </a:r>
+                      <a:endParaRPr lang="en-US" sz="2800" b="0" i="0" u="none" strike="noStrike" dirty="0">
+                        <a:solidFill>
+                          <a:srgbClr val="000000"/>
+                        </a:solidFill>
+                        <a:effectLst/>
+                        <a:latin typeface="Calibri" panose="020F0502020204030204" pitchFamily="34" charset="0"/>
+                      </a:endParaRPr>
+                    </a:p>
+                  </a:txBody>
+                  <a:tcPr marL="9525" marR="9525" marT="9525" marB="0" anchor="b"/>
+                </a:tc>
+                <a:extLst>
+                  <a:ext uri="{0D108BD9-81ED-4DB2-BD59-A6C34878D82A}">
+                    <a16:rowId xmlns:a16="http://schemas.microsoft.com/office/drawing/2014/main" val="383175276"/>
+                  </a:ext>
+                </a:extLst>
+              </a:tr>
+              <a:tr h="524510">
+                <a:tc>
+                  <a:txBody>
+                    <a:bodyPr/>
+                    <a:lstStyle/>
+                    <a:p>
+                      <a:pPr algn="l" fontAlgn="b"/>
+                      <a:r>
+                        <a:rPr lang="en-US" sz="2800" u="none" strike="noStrike">
+                          <a:effectLst/>
+                        </a:rPr>
+                        <a:t>Maximum</a:t>
+                      </a:r>
+                      <a:endParaRPr lang="en-US" sz="2800" b="1" i="0" u="none" strike="noStrike">
+                        <a:solidFill>
+                          <a:srgbClr val="000000"/>
+                        </a:solidFill>
+                        <a:effectLst/>
+                        <a:latin typeface="Calibri" panose="020F0502020204030204" pitchFamily="34" charset="0"/>
+                      </a:endParaRPr>
+                    </a:p>
+                  </a:txBody>
+                  <a:tcPr marL="9525" marR="9525" marT="9525" marB="0" anchor="b"/>
+                </a:tc>
+                <a:tc>
+                  <a:txBody>
+                    <a:bodyPr/>
+                    <a:lstStyle/>
+                    <a:p>
+                      <a:pPr algn="ctr" fontAlgn="b"/>
+                      <a:r>
+                        <a:rPr lang="en-US" sz="2800" u="none" strike="noStrike">
+                          <a:effectLst/>
+                        </a:rPr>
+                        <a:t>12.8%</a:t>
+                      </a:r>
+                      <a:endParaRPr lang="en-US" sz="2800" b="0" i="0" u="none" strike="noStrike">
+                        <a:solidFill>
+                          <a:srgbClr val="000000"/>
+                        </a:solidFill>
+                        <a:effectLst/>
+                        <a:latin typeface="Calibri" panose="020F0502020204030204" pitchFamily="34" charset="0"/>
+                      </a:endParaRPr>
+                    </a:p>
+                  </a:txBody>
+                  <a:tcPr marL="9525" marR="9525" marT="9525" marB="0" anchor="b"/>
+                </a:tc>
+                <a:tc>
+                  <a:txBody>
+                    <a:bodyPr/>
+                    <a:lstStyle/>
+                    <a:p>
+                      <a:pPr algn="ctr" fontAlgn="b"/>
+                      <a:r>
+                        <a:rPr lang="en-US" sz="2800" u="none" strike="noStrike" dirty="0">
+                          <a:effectLst/>
+                        </a:rPr>
+                        <a:t>138</a:t>
+                      </a:r>
+                      <a:endParaRPr lang="en-US" sz="2800" b="0" i="0" u="none" strike="noStrike" dirty="0">
+                        <a:solidFill>
+                          <a:srgbClr val="000000"/>
+                        </a:solidFill>
+                        <a:effectLst/>
+                        <a:latin typeface="Calibri" panose="020F0502020204030204" pitchFamily="34" charset="0"/>
+                      </a:endParaRPr>
+                    </a:p>
+                  </a:txBody>
+                  <a:tcPr marL="9525" marR="9525" marT="9525" marB="0" anchor="b"/>
+                </a:tc>
+                <a:extLst>
+                  <a:ext uri="{0D108BD9-81ED-4DB2-BD59-A6C34878D82A}">
+                    <a16:rowId xmlns:a16="http://schemas.microsoft.com/office/drawing/2014/main" val="1630068329"/>
+                  </a:ext>
+                </a:extLst>
+              </a:tr>
+            </a:tbl>
+          </a:graphicData>
+        </a:graphic>
+      </p:graphicFrame>
     </p:spTree>
     <p:extLst>
       <p:ext uri="{BB962C8B-B14F-4D97-AF65-F5344CB8AC3E}">
@@ -22218,6 +22540,14 @@
   <p:clrMapOvr>
     <a:masterClrMapping/>
   </p:clrMapOvr>
+  <mc:AlternateContent xmlns:mc="http://schemas.openxmlformats.org/markup-compatibility/2006" xmlns:p14="http://schemas.microsoft.com/office/powerpoint/2010/main">
+    <mc:Choice Requires="p14">
+      <p:transition spd="slow" p14:dur="2000" advTm="33712"/>
+    </mc:Choice>
+    <mc:Fallback xmlns="">
+      <p:transition spd="slow" advTm="33712"/>
+    </mc:Fallback>
+  </mc:AlternateContent>
 </p:sld>
 </file>
 
@@ -22385,7 +22715,33 @@
   <p:clrMapOvr>
     <a:masterClrMapping/>
   </p:clrMapOvr>
+  <mc:AlternateContent xmlns:mc="http://schemas.openxmlformats.org/markup-compatibility/2006" xmlns:p14="http://schemas.microsoft.com/office/powerpoint/2010/main">
+    <mc:Choice Requires="p14">
+      <p:transition spd="slow" p14:dur="2000" advTm="34870"/>
+    </mc:Choice>
+    <mc:Fallback xmlns="">
+      <p:transition spd="slow" advTm="34870"/>
+    </mc:Fallback>
+  </mc:AlternateContent>
 </p:sld>
+</file>
+
+<file path=ppt/tags/tag1.xml><?xml version="1.0" encoding="utf-8"?>
+<p:tagLst xmlns:a="http://schemas.openxmlformats.org/drawingml/2006/main" xmlns:r="http://schemas.openxmlformats.org/officeDocument/2006/relationships" xmlns:p="http://schemas.openxmlformats.org/presentationml/2006/main">
+  <p:tag name="TIMING" val="|7.3|5.7"/>
+</p:tagLst>
+</file>
+
+<file path=ppt/tags/tag2.xml><?xml version="1.0" encoding="utf-8"?>
+<p:tagLst xmlns:a="http://schemas.openxmlformats.org/drawingml/2006/main" xmlns:r="http://schemas.openxmlformats.org/officeDocument/2006/relationships" xmlns:p="http://schemas.openxmlformats.org/presentationml/2006/main">
+  <p:tag name="TIMING" val="|14.6"/>
+</p:tagLst>
+</file>
+
+<file path=ppt/tags/tag3.xml><?xml version="1.0" encoding="utf-8"?>
+<p:tagLst xmlns:a="http://schemas.openxmlformats.org/drawingml/2006/main" xmlns:r="http://schemas.openxmlformats.org/officeDocument/2006/relationships" xmlns:p="http://schemas.openxmlformats.org/presentationml/2006/main">
+  <p:tag name="TIMING" val="|9.7|11.8"/>
+</p:tagLst>
 </file>
 
 <file path=ppt/theme/theme1.xml><?xml version="1.0" encoding="utf-8"?>

--- a/CaseStudy1 Presentation.pptx
+++ b/CaseStudy1 Presentation.pptx
@@ -5,7 +5,7 @@
     <p:sldMasterId id="2147483648" r:id="rId1"/>
   </p:sldMasterIdLst>
   <p:notesMasterIdLst>
-    <p:notesMasterId r:id="rId12"/>
+    <p:notesMasterId r:id="rId13"/>
   </p:notesMasterIdLst>
   <p:sldIdLst>
     <p:sldId id="256" r:id="rId2"/>
@@ -17,7 +17,8 @@
     <p:sldId id="263" r:id="rId8"/>
     <p:sldId id="264" r:id="rId9"/>
     <p:sldId id="265" r:id="rId10"/>
-    <p:sldId id="266" r:id="rId11"/>
+    <p:sldId id="267" r:id="rId11"/>
+    <p:sldId id="266" r:id="rId12"/>
   </p:sldIdLst>
   <p:sldSz cx="12192000" cy="6858000"/>
   <p:notesSz cx="6858000" cy="9144000"/>
@@ -134,6 +135,7 @@
             <p14:sldId id="263"/>
             <p14:sldId id="264"/>
             <p14:sldId id="265"/>
+            <p14:sldId id="267"/>
             <p14:sldId id="266"/>
           </p14:sldIdLst>
         </p14:section>
@@ -239,7 +241,7 @@
           <a:p>
             <a:fld id="{1AF07D79-51EF-944D-A48B-9F68CC0182BF}" type="datetimeFigureOut">
               <a:rPr lang="en-US" smtClean="0"/>
-              <a:t>2/28/2019</a:t>
+              <a:t>2/28/19</a:t>
             </a:fld>
             <a:endParaRPr lang="en-US"/>
           </a:p>
@@ -992,7 +994,7 @@
           <a:p>
             <a:r>
               <a:rPr lang="en-US" dirty="0"/>
-              <a:t>The scatterplot shows a trend that increasing ABV in beer also increases the bitter taste.</a:t>
+              <a:t>The scatterplot shows a trend that increasing ABV in beer also increases the bitter taste.  The red dots indicate beers from KY and DC</a:t>
             </a:r>
           </a:p>
         </p:txBody>
@@ -1024,6 +1026,101 @@
     <p:extLst>
       <p:ext uri="{BB962C8B-B14F-4D97-AF65-F5344CB8AC3E}">
         <p14:creationId xmlns:p14="http://schemas.microsoft.com/office/powerpoint/2010/main" val="572250126"/>
+      </p:ext>
+    </p:extLst>
+  </p:cSld>
+  <p:clrMapOvr>
+    <a:masterClrMapping/>
+  </p:clrMapOvr>
+</p:notes>
+</file>
+
+<file path=ppt/notesSlides/notesSlide7.xml><?xml version="1.0" encoding="utf-8"?>
+<p:notes xmlns:a="http://schemas.openxmlformats.org/drawingml/2006/main" xmlns:r="http://schemas.openxmlformats.org/officeDocument/2006/relationships" xmlns:p="http://schemas.openxmlformats.org/presentationml/2006/main">
+  <p:cSld>
+    <p:spTree>
+      <p:nvGrpSpPr>
+        <p:cNvPr id="1" name=""/>
+        <p:cNvGrpSpPr/>
+        <p:nvPr/>
+      </p:nvGrpSpPr>
+      <p:grpSpPr>
+        <a:xfrm>
+          <a:off x="0" y="0"/>
+          <a:ext cx="0" cy="0"/>
+          <a:chOff x="0" y="0"/>
+          <a:chExt cx="0" cy="0"/>
+        </a:xfrm>
+      </p:grpSpPr>
+      <p:sp>
+        <p:nvSpPr>
+          <p:cNvPr id="2" name="Slide Image Placeholder 1"/>
+          <p:cNvSpPr>
+            <a:spLocks noGrp="1" noRot="1" noChangeAspect="1"/>
+          </p:cNvSpPr>
+          <p:nvPr>
+            <p:ph type="sldImg"/>
+          </p:nvPr>
+        </p:nvSpPr>
+        <p:spPr/>
+      </p:sp>
+      <p:sp>
+        <p:nvSpPr>
+          <p:cNvPr id="3" name="Notes Placeholder 2"/>
+          <p:cNvSpPr>
+            <a:spLocks noGrp="1"/>
+          </p:cNvSpPr>
+          <p:nvPr>
+            <p:ph type="body" idx="1"/>
+          </p:nvPr>
+        </p:nvSpPr>
+        <p:spPr/>
+        <p:txBody>
+          <a:bodyPr/>
+          <a:lstStyle/>
+          <a:p>
+            <a:r>
+              <a:rPr lang="en-US" dirty="0"/>
+              <a:t>At an alpha 	level of 0.05  level of significance, there </a:t>
+            </a:r>
+            <a:r>
+              <a:rPr lang="en-US"/>
+              <a:t>is significant </a:t>
+            </a:r>
+            <a:r>
+              <a:rPr lang="en-US" dirty="0"/>
+              <a:t>evidence to suggest that the data are linearly correlated (p &lt; 0.001)</a:t>
+            </a:r>
+          </a:p>
+        </p:txBody>
+      </p:sp>
+      <p:sp>
+        <p:nvSpPr>
+          <p:cNvPr id="4" name="Slide Number Placeholder 3"/>
+          <p:cNvSpPr>
+            <a:spLocks noGrp="1"/>
+          </p:cNvSpPr>
+          <p:nvPr>
+            <p:ph type="sldNum" sz="quarter" idx="5"/>
+          </p:nvPr>
+        </p:nvSpPr>
+        <p:spPr/>
+        <p:txBody>
+          <a:bodyPr/>
+          <a:lstStyle/>
+          <a:p>
+            <a:fld id="{5E6EE6E0-C363-BB43-AA93-5D9B78864B04}" type="slidenum">
+              <a:rPr lang="en-US" smtClean="0"/>
+              <a:t>10</a:t>
+            </a:fld>
+            <a:endParaRPr lang="en-US"/>
+          </a:p>
+        </p:txBody>
+      </p:sp>
+    </p:spTree>
+    <p:extLst>
+      <p:ext uri="{BB962C8B-B14F-4D97-AF65-F5344CB8AC3E}">
+        <p14:creationId xmlns:p14="http://schemas.microsoft.com/office/powerpoint/2010/main" val="1796928982"/>
       </p:ext>
     </p:extLst>
   </p:cSld>
@@ -1090,7 +1187,7 @@
           <a:noFill/>
           <a:extLst>
             <a:ext uri="{909E8E84-426E-40dd-AFC4-6F175D3DCCD1}">
-              <a14:hiddenFill xmlns:a14="http://schemas.microsoft.com/office/drawing/2010/main" xmlns="">
+              <a14:hiddenFill xmlns="" xmlns:a14="http://schemas.microsoft.com/office/drawing/2010/main">
                 <a:solidFill>
                   <a:srgbClr val="FFFFFF"/>
                 </a:solidFill>
@@ -1149,7 +1246,7 @@
             </a:ln>
             <a:extLst>
               <a:ext uri="{91240B29-F687-4f45-9708-019B960494DF}">
-                <a14:hiddenLine xmlns:a14="http://schemas.microsoft.com/office/drawing/2010/main" xmlns="" w="9525">
+                <a14:hiddenLine xmlns="" xmlns:a14="http://schemas.microsoft.com/office/drawing/2010/main" w="9525">
                   <a:solidFill>
                     <a:srgbClr val="000000"/>
                   </a:solidFill>
@@ -1239,7 +1336,7 @@
             </a:ln>
             <a:extLst>
               <a:ext uri="{91240B29-F687-4f45-9708-019B960494DF}">
-                <a14:hiddenLine xmlns:a14="http://schemas.microsoft.com/office/drawing/2010/main" xmlns="" w="9525">
+                <a14:hiddenLine xmlns="" xmlns:a14="http://schemas.microsoft.com/office/drawing/2010/main" w="9525">
                   <a:solidFill>
                     <a:srgbClr val="000000"/>
                   </a:solidFill>
@@ -1329,7 +1426,7 @@
             </a:ln>
             <a:extLst>
               <a:ext uri="{91240B29-F687-4f45-9708-019B960494DF}">
-                <a14:hiddenLine xmlns:a14="http://schemas.microsoft.com/office/drawing/2010/main" xmlns="" w="9525">
+                <a14:hiddenLine xmlns="" xmlns:a14="http://schemas.microsoft.com/office/drawing/2010/main" w="9525">
                   <a:solidFill>
                     <a:srgbClr val="000000"/>
                   </a:solidFill>
@@ -1363,7 +1460,7 @@
             </a:ln>
             <a:extLst>
               <a:ext uri="{91240B29-F687-4f45-9708-019B960494DF}">
-                <a14:hiddenLine xmlns:a14="http://schemas.microsoft.com/office/drawing/2010/main" xmlns="" w="9525">
+                <a14:hiddenLine xmlns="" xmlns:a14="http://schemas.microsoft.com/office/drawing/2010/main" w="9525">
                   <a:solidFill>
                     <a:srgbClr val="000000"/>
                   </a:solidFill>
@@ -1453,7 +1550,7 @@
             </a:ln>
             <a:extLst>
               <a:ext uri="{91240B29-F687-4f45-9708-019B960494DF}">
-                <a14:hiddenLine xmlns:a14="http://schemas.microsoft.com/office/drawing/2010/main" xmlns="" w="9525">
+                <a14:hiddenLine xmlns="" xmlns:a14="http://schemas.microsoft.com/office/drawing/2010/main" w="9525">
                   <a:solidFill>
                     <a:srgbClr val="000000"/>
                   </a:solidFill>
@@ -1515,7 +1612,7 @@
             </a:ln>
             <a:extLst>
               <a:ext uri="{91240B29-F687-4f45-9708-019B960494DF}">
-                <a14:hiddenLine xmlns:a14="http://schemas.microsoft.com/office/drawing/2010/main" xmlns="" w="9525">
+                <a14:hiddenLine xmlns="" xmlns:a14="http://schemas.microsoft.com/office/drawing/2010/main" w="9525">
                   <a:solidFill>
                     <a:srgbClr val="000000"/>
                   </a:solidFill>
@@ -1577,7 +1674,7 @@
             </a:ln>
             <a:extLst>
               <a:ext uri="{91240B29-F687-4f45-9708-019B960494DF}">
-                <a14:hiddenLine xmlns:a14="http://schemas.microsoft.com/office/drawing/2010/main" xmlns="" w="9525">
+                <a14:hiddenLine xmlns="" xmlns:a14="http://schemas.microsoft.com/office/drawing/2010/main" w="9525">
                   <a:solidFill>
                     <a:srgbClr val="000000"/>
                   </a:solidFill>
@@ -1667,7 +1764,7 @@
             </a:ln>
             <a:extLst>
               <a:ext uri="{91240B29-F687-4f45-9708-019B960494DF}">
-                <a14:hiddenLine xmlns:a14="http://schemas.microsoft.com/office/drawing/2010/main" xmlns="" w="9525">
+                <a14:hiddenLine xmlns="" xmlns:a14="http://schemas.microsoft.com/office/drawing/2010/main" w="9525">
                   <a:solidFill>
                     <a:srgbClr val="000000"/>
                   </a:solidFill>
@@ -1729,7 +1826,7 @@
             </a:ln>
             <a:extLst>
               <a:ext uri="{91240B29-F687-4f45-9708-019B960494DF}">
-                <a14:hiddenLine xmlns:a14="http://schemas.microsoft.com/office/drawing/2010/main" xmlns="" w="9525">
+                <a14:hiddenLine xmlns="" xmlns:a14="http://schemas.microsoft.com/office/drawing/2010/main" w="9525">
                   <a:solidFill>
                     <a:srgbClr val="000000"/>
                   </a:solidFill>
@@ -1791,7 +1888,7 @@
             </a:ln>
             <a:extLst>
               <a:ext uri="{91240B29-F687-4f45-9708-019B960494DF}">
-                <a14:hiddenLine xmlns:a14="http://schemas.microsoft.com/office/drawing/2010/main" xmlns="" w="9525">
+                <a14:hiddenLine xmlns="" xmlns:a14="http://schemas.microsoft.com/office/drawing/2010/main" w="9525">
                   <a:solidFill>
                     <a:srgbClr val="000000"/>
                   </a:solidFill>
@@ -1881,7 +1978,7 @@
             </a:ln>
             <a:extLst>
               <a:ext uri="{91240B29-F687-4f45-9708-019B960494DF}">
-                <a14:hiddenLine xmlns:a14="http://schemas.microsoft.com/office/drawing/2010/main" xmlns="" w="9525">
+                <a14:hiddenLine xmlns="" xmlns:a14="http://schemas.microsoft.com/office/drawing/2010/main" w="9525">
                   <a:solidFill>
                     <a:srgbClr val="000000"/>
                   </a:solidFill>
@@ -1971,7 +2068,7 @@
             </a:ln>
             <a:extLst>
               <a:ext uri="{91240B29-F687-4f45-9708-019B960494DF}">
-                <a14:hiddenLine xmlns:a14="http://schemas.microsoft.com/office/drawing/2010/main" xmlns="" w="9525">
+                <a14:hiddenLine xmlns="" xmlns:a14="http://schemas.microsoft.com/office/drawing/2010/main" w="9525">
                   <a:solidFill>
                     <a:srgbClr val="000000"/>
                   </a:solidFill>
@@ -2033,7 +2130,7 @@
             </a:ln>
             <a:extLst>
               <a:ext uri="{91240B29-F687-4f45-9708-019B960494DF}">
-                <a14:hiddenLine xmlns:a14="http://schemas.microsoft.com/office/drawing/2010/main" xmlns="" w="9525">
+                <a14:hiddenLine xmlns="" xmlns:a14="http://schemas.microsoft.com/office/drawing/2010/main" w="9525">
                   <a:solidFill>
                     <a:srgbClr val="000000"/>
                   </a:solidFill>
@@ -2143,7 +2240,7 @@
             </a:ln>
             <a:extLst>
               <a:ext uri="{91240B29-F687-4f45-9708-019B960494DF}">
-                <a14:hiddenLine xmlns:a14="http://schemas.microsoft.com/office/drawing/2010/main" xmlns="" w="9525">
+                <a14:hiddenLine xmlns="" xmlns:a14="http://schemas.microsoft.com/office/drawing/2010/main" w="9525">
                   <a:solidFill>
                     <a:srgbClr val="000000"/>
                   </a:solidFill>
@@ -2205,7 +2302,7 @@
             </a:ln>
             <a:extLst>
               <a:ext uri="{91240B29-F687-4f45-9708-019B960494DF}">
-                <a14:hiddenLine xmlns:a14="http://schemas.microsoft.com/office/drawing/2010/main" xmlns="" w="9525">
+                <a14:hiddenLine xmlns="" xmlns:a14="http://schemas.microsoft.com/office/drawing/2010/main" w="9525">
                   <a:solidFill>
                     <a:srgbClr val="000000"/>
                   </a:solidFill>
@@ -2295,7 +2392,7 @@
             </a:ln>
             <a:extLst>
               <a:ext uri="{91240B29-F687-4f45-9708-019B960494DF}">
-                <a14:hiddenLine xmlns:a14="http://schemas.microsoft.com/office/drawing/2010/main" xmlns="" w="9525">
+                <a14:hiddenLine xmlns="" xmlns:a14="http://schemas.microsoft.com/office/drawing/2010/main" w="9525">
                   <a:solidFill>
                     <a:srgbClr val="000000"/>
                   </a:solidFill>
@@ -2385,7 +2482,7 @@
             </a:ln>
             <a:extLst>
               <a:ext uri="{91240B29-F687-4f45-9708-019B960494DF}">
-                <a14:hiddenLine xmlns:a14="http://schemas.microsoft.com/office/drawing/2010/main" xmlns="" w="9525">
+                <a14:hiddenLine xmlns="" xmlns:a14="http://schemas.microsoft.com/office/drawing/2010/main" w="9525">
                   <a:solidFill>
                     <a:srgbClr val="000000"/>
                   </a:solidFill>
@@ -2447,7 +2544,7 @@
             </a:ln>
             <a:extLst>
               <a:ext uri="{91240B29-F687-4f45-9708-019B960494DF}">
-                <a14:hiddenLine xmlns:a14="http://schemas.microsoft.com/office/drawing/2010/main" xmlns="" w="9525">
+                <a14:hiddenLine xmlns="" xmlns:a14="http://schemas.microsoft.com/office/drawing/2010/main" w="9525">
                   <a:solidFill>
                     <a:srgbClr val="000000"/>
                   </a:solidFill>
@@ -2537,7 +2634,7 @@
             </a:ln>
             <a:extLst>
               <a:ext uri="{91240B29-F687-4f45-9708-019B960494DF}">
-                <a14:hiddenLine xmlns:a14="http://schemas.microsoft.com/office/drawing/2010/main" xmlns="" w="9525">
+                <a14:hiddenLine xmlns="" xmlns:a14="http://schemas.microsoft.com/office/drawing/2010/main" w="9525">
                   <a:solidFill>
                     <a:srgbClr val="000000"/>
                   </a:solidFill>
@@ -2627,7 +2724,7 @@
             </a:ln>
             <a:extLst>
               <a:ext uri="{91240B29-F687-4f45-9708-019B960494DF}">
-                <a14:hiddenLine xmlns:a14="http://schemas.microsoft.com/office/drawing/2010/main" xmlns="" w="9525">
+                <a14:hiddenLine xmlns="" xmlns:a14="http://schemas.microsoft.com/office/drawing/2010/main" w="9525">
                   <a:solidFill>
                     <a:srgbClr val="000000"/>
                   </a:solidFill>
@@ -2683,7 +2780,7 @@
             </a:ln>
             <a:extLst>
               <a:ext uri="{91240B29-F687-4f45-9708-019B960494DF}">
-                <a14:hiddenLine xmlns:a14="http://schemas.microsoft.com/office/drawing/2010/main" xmlns="" w="9525">
+                <a14:hiddenLine xmlns="" xmlns:a14="http://schemas.microsoft.com/office/drawing/2010/main" w="9525">
                   <a:solidFill>
                     <a:srgbClr val="000000"/>
                   </a:solidFill>
@@ -2773,7 +2870,7 @@
             </a:ln>
             <a:extLst>
               <a:ext uri="{91240B29-F687-4f45-9708-019B960494DF}">
-                <a14:hiddenLine xmlns:a14="http://schemas.microsoft.com/office/drawing/2010/main" xmlns="" w="9525">
+                <a14:hiddenLine xmlns="" xmlns:a14="http://schemas.microsoft.com/office/drawing/2010/main" w="9525">
                   <a:solidFill>
                     <a:srgbClr val="000000"/>
                   </a:solidFill>
@@ -2829,7 +2926,7 @@
             </a:ln>
             <a:extLst>
               <a:ext uri="{91240B29-F687-4f45-9708-019B960494DF}">
-                <a14:hiddenLine xmlns:a14="http://schemas.microsoft.com/office/drawing/2010/main" xmlns="" w="9525">
+                <a14:hiddenLine xmlns="" xmlns:a14="http://schemas.microsoft.com/office/drawing/2010/main" w="9525">
                   <a:solidFill>
                     <a:srgbClr val="000000"/>
                   </a:solidFill>
@@ -2919,7 +3016,7 @@
             </a:ln>
             <a:extLst>
               <a:ext uri="{91240B29-F687-4f45-9708-019B960494DF}">
-                <a14:hiddenLine xmlns:a14="http://schemas.microsoft.com/office/drawing/2010/main" xmlns="" w="9525">
+                <a14:hiddenLine xmlns="" xmlns:a14="http://schemas.microsoft.com/office/drawing/2010/main" w="9525">
                   <a:solidFill>
                     <a:srgbClr val="000000"/>
                   </a:solidFill>
@@ -2987,7 +3084,7 @@
             </a:ln>
             <a:extLst>
               <a:ext uri="{91240B29-F687-4f45-9708-019B960494DF}">
-                <a14:hiddenLine xmlns:a14="http://schemas.microsoft.com/office/drawing/2010/main" xmlns="" w="9525">
+                <a14:hiddenLine xmlns="" xmlns:a14="http://schemas.microsoft.com/office/drawing/2010/main" w="9525">
                   <a:solidFill>
                     <a:srgbClr val="000000"/>
                   </a:solidFill>
@@ -3077,7 +3174,7 @@
             </a:ln>
             <a:extLst>
               <a:ext uri="{91240B29-F687-4f45-9708-019B960494DF}">
-                <a14:hiddenLine xmlns:a14="http://schemas.microsoft.com/office/drawing/2010/main" xmlns="" w="9525">
+                <a14:hiddenLine xmlns="" xmlns:a14="http://schemas.microsoft.com/office/drawing/2010/main" w="9525">
                   <a:solidFill>
                     <a:srgbClr val="000000"/>
                   </a:solidFill>
@@ -3145,7 +3242,7 @@
             </a:ln>
             <a:extLst>
               <a:ext uri="{91240B29-F687-4f45-9708-019B960494DF}">
-                <a14:hiddenLine xmlns:a14="http://schemas.microsoft.com/office/drawing/2010/main" xmlns="" w="9525">
+                <a14:hiddenLine xmlns="" xmlns:a14="http://schemas.microsoft.com/office/drawing/2010/main" w="9525">
                   <a:solidFill>
                     <a:srgbClr val="000000"/>
                   </a:solidFill>
@@ -3235,7 +3332,7 @@
             </a:ln>
             <a:extLst>
               <a:ext uri="{91240B29-F687-4f45-9708-019B960494DF}">
-                <a14:hiddenLine xmlns:a14="http://schemas.microsoft.com/office/drawing/2010/main" xmlns="" w="9525">
+                <a14:hiddenLine xmlns="" xmlns:a14="http://schemas.microsoft.com/office/drawing/2010/main" w="9525">
                   <a:solidFill>
                     <a:srgbClr val="000000"/>
                   </a:solidFill>
@@ -3269,7 +3366,7 @@
             </a:ln>
             <a:extLst>
               <a:ext uri="{91240B29-F687-4f45-9708-019B960494DF}">
-                <a14:hiddenLine xmlns:a14="http://schemas.microsoft.com/office/drawing/2010/main" xmlns="" w="9525">
+                <a14:hiddenLine xmlns="" xmlns:a14="http://schemas.microsoft.com/office/drawing/2010/main" w="9525">
                   <a:solidFill>
                     <a:srgbClr val="000000"/>
                   </a:solidFill>
@@ -3359,7 +3456,7 @@
             </a:ln>
             <a:extLst>
               <a:ext uri="{91240B29-F687-4f45-9708-019B960494DF}">
-                <a14:hiddenLine xmlns:a14="http://schemas.microsoft.com/office/drawing/2010/main" xmlns="" w="9525">
+                <a14:hiddenLine xmlns="" xmlns:a14="http://schemas.microsoft.com/office/drawing/2010/main" w="9525">
                   <a:solidFill>
                     <a:srgbClr val="000000"/>
                   </a:solidFill>
@@ -3421,7 +3518,7 @@
             </a:ln>
             <a:extLst>
               <a:ext uri="{91240B29-F687-4f45-9708-019B960494DF}">
-                <a14:hiddenLine xmlns:a14="http://schemas.microsoft.com/office/drawing/2010/main" xmlns="" w="9525">
+                <a14:hiddenLine xmlns="" xmlns:a14="http://schemas.microsoft.com/office/drawing/2010/main" w="9525">
                   <a:solidFill>
                     <a:srgbClr val="000000"/>
                   </a:solidFill>
@@ -3483,7 +3580,7 @@
             </a:ln>
             <a:extLst>
               <a:ext uri="{91240B29-F687-4f45-9708-019B960494DF}">
-                <a14:hiddenLine xmlns:a14="http://schemas.microsoft.com/office/drawing/2010/main" xmlns="" w="9525">
+                <a14:hiddenLine xmlns="" xmlns:a14="http://schemas.microsoft.com/office/drawing/2010/main" w="9525">
                   <a:solidFill>
                     <a:srgbClr val="000000"/>
                   </a:solidFill>
@@ -3573,7 +3670,7 @@
             </a:ln>
             <a:extLst>
               <a:ext uri="{91240B29-F687-4f45-9708-019B960494DF}">
-                <a14:hiddenLine xmlns:a14="http://schemas.microsoft.com/office/drawing/2010/main" xmlns="" w="9525">
+                <a14:hiddenLine xmlns="" xmlns:a14="http://schemas.microsoft.com/office/drawing/2010/main" w="9525">
                   <a:solidFill>
                     <a:srgbClr val="000000"/>
                   </a:solidFill>
@@ -3641,7 +3738,7 @@
             </a:ln>
             <a:extLst>
               <a:ext uri="{91240B29-F687-4f45-9708-019B960494DF}">
-                <a14:hiddenLine xmlns:a14="http://schemas.microsoft.com/office/drawing/2010/main" xmlns="" w="9525">
+                <a14:hiddenLine xmlns="" xmlns:a14="http://schemas.microsoft.com/office/drawing/2010/main" w="9525">
                   <a:solidFill>
                     <a:srgbClr val="000000"/>
                   </a:solidFill>
@@ -3703,7 +3800,7 @@
             </a:ln>
             <a:extLst>
               <a:ext uri="{91240B29-F687-4f45-9708-019B960494DF}">
-                <a14:hiddenLine xmlns:a14="http://schemas.microsoft.com/office/drawing/2010/main" xmlns="" w="9525">
+                <a14:hiddenLine xmlns="" xmlns:a14="http://schemas.microsoft.com/office/drawing/2010/main" w="9525">
                   <a:solidFill>
                     <a:srgbClr val="000000"/>
                   </a:solidFill>
@@ -3793,7 +3890,7 @@
             </a:ln>
             <a:extLst>
               <a:ext uri="{91240B29-F687-4f45-9708-019B960494DF}">
-                <a14:hiddenLine xmlns:a14="http://schemas.microsoft.com/office/drawing/2010/main" xmlns="" w="9525">
+                <a14:hiddenLine xmlns="" xmlns:a14="http://schemas.microsoft.com/office/drawing/2010/main" w="9525">
                   <a:solidFill>
                     <a:srgbClr val="000000"/>
                   </a:solidFill>
@@ -3855,7 +3952,7 @@
             </a:ln>
             <a:extLst>
               <a:ext uri="{91240B29-F687-4f45-9708-019B960494DF}">
-                <a14:hiddenLine xmlns:a14="http://schemas.microsoft.com/office/drawing/2010/main" xmlns="" w="9525">
+                <a14:hiddenLine xmlns="" xmlns:a14="http://schemas.microsoft.com/office/drawing/2010/main" w="9525">
                   <a:solidFill>
                     <a:srgbClr val="000000"/>
                   </a:solidFill>
@@ -3945,7 +4042,7 @@
             </a:ln>
             <a:extLst>
               <a:ext uri="{91240B29-F687-4f45-9708-019B960494DF}">
-                <a14:hiddenLine xmlns:a14="http://schemas.microsoft.com/office/drawing/2010/main" xmlns="" w="9525">
+                <a14:hiddenLine xmlns="" xmlns:a14="http://schemas.microsoft.com/office/drawing/2010/main" w="9525">
                   <a:solidFill>
                     <a:srgbClr val="000000"/>
                   </a:solidFill>
@@ -4007,7 +4104,7 @@
             </a:ln>
             <a:extLst>
               <a:ext uri="{91240B29-F687-4f45-9708-019B960494DF}">
-                <a14:hiddenLine xmlns:a14="http://schemas.microsoft.com/office/drawing/2010/main" xmlns="" w="9525">
+                <a14:hiddenLine xmlns="" xmlns:a14="http://schemas.microsoft.com/office/drawing/2010/main" w="9525">
                   <a:solidFill>
                     <a:srgbClr val="000000"/>
                   </a:solidFill>
@@ -4097,7 +4194,7 @@
             </a:ln>
             <a:extLst>
               <a:ext uri="{91240B29-F687-4f45-9708-019B960494DF}">
-                <a14:hiddenLine xmlns:a14="http://schemas.microsoft.com/office/drawing/2010/main" xmlns="" w="9525">
+                <a14:hiddenLine xmlns="" xmlns:a14="http://schemas.microsoft.com/office/drawing/2010/main" w="9525">
                   <a:solidFill>
                     <a:srgbClr val="000000"/>
                   </a:solidFill>
@@ -4131,7 +4228,7 @@
             </a:ln>
             <a:extLst>
               <a:ext uri="{91240B29-F687-4f45-9708-019B960494DF}">
-                <a14:hiddenLine xmlns:a14="http://schemas.microsoft.com/office/drawing/2010/main" xmlns="" w="9525">
+                <a14:hiddenLine xmlns="" xmlns:a14="http://schemas.microsoft.com/office/drawing/2010/main" w="9525">
                   <a:solidFill>
                     <a:srgbClr val="000000"/>
                   </a:solidFill>
@@ -4196,7 +4293,7 @@
             </a:ln>
             <a:extLst>
               <a:ext uri="{91240B29-F687-4f45-9708-019B960494DF}">
-                <a14:hiddenLine xmlns:a14="http://schemas.microsoft.com/office/drawing/2010/main" xmlns="" w="9525">
+                <a14:hiddenLine xmlns="" xmlns:a14="http://schemas.microsoft.com/office/drawing/2010/main" w="9525">
                   <a:solidFill>
                     <a:srgbClr val="000000"/>
                   </a:solidFill>
@@ -4286,7 +4383,7 @@
             </a:ln>
             <a:extLst>
               <a:ext uri="{91240B29-F687-4f45-9708-019B960494DF}">
-                <a14:hiddenLine xmlns:a14="http://schemas.microsoft.com/office/drawing/2010/main" xmlns="" w="9525">
+                <a14:hiddenLine xmlns="" xmlns:a14="http://schemas.microsoft.com/office/drawing/2010/main" w="9525">
                   <a:solidFill>
                     <a:srgbClr val="000000"/>
                   </a:solidFill>
@@ -4348,7 +4445,7 @@
             </a:ln>
             <a:extLst>
               <a:ext uri="{91240B29-F687-4f45-9708-019B960494DF}">
-                <a14:hiddenLine xmlns:a14="http://schemas.microsoft.com/office/drawing/2010/main" xmlns="" w="9525">
+                <a14:hiddenLine xmlns="" xmlns:a14="http://schemas.microsoft.com/office/drawing/2010/main" w="9525">
                   <a:solidFill>
                     <a:srgbClr val="000000"/>
                   </a:solidFill>
@@ -4438,7 +4535,7 @@
             </a:ln>
             <a:extLst>
               <a:ext uri="{91240B29-F687-4f45-9708-019B960494DF}">
-                <a14:hiddenLine xmlns:a14="http://schemas.microsoft.com/office/drawing/2010/main" xmlns="" w="9525">
+                <a14:hiddenLine xmlns="" xmlns:a14="http://schemas.microsoft.com/office/drawing/2010/main" w="9525">
                   <a:solidFill>
                     <a:srgbClr val="000000"/>
                   </a:solidFill>
@@ -4528,7 +4625,7 @@
             </a:ln>
             <a:extLst>
               <a:ext uri="{91240B29-F687-4f45-9708-019B960494DF}">
-                <a14:hiddenLine xmlns:a14="http://schemas.microsoft.com/office/drawing/2010/main" xmlns="" w="9525">
+                <a14:hiddenLine xmlns="" xmlns:a14="http://schemas.microsoft.com/office/drawing/2010/main" w="9525">
                   <a:solidFill>
                     <a:srgbClr val="000000"/>
                   </a:solidFill>
@@ -4593,7 +4690,7 @@
             </a:ln>
             <a:extLst>
               <a:ext uri="{91240B29-F687-4f45-9708-019B960494DF}">
-                <a14:hiddenLine xmlns:a14="http://schemas.microsoft.com/office/drawing/2010/main" xmlns="" w="9525">
+                <a14:hiddenLine xmlns="" xmlns:a14="http://schemas.microsoft.com/office/drawing/2010/main" w="9525">
                   <a:solidFill>
                     <a:srgbClr val="000000"/>
                   </a:solidFill>
@@ -4655,7 +4752,7 @@
             </a:ln>
             <a:extLst>
               <a:ext uri="{91240B29-F687-4f45-9708-019B960494DF}">
-                <a14:hiddenLine xmlns:a14="http://schemas.microsoft.com/office/drawing/2010/main" xmlns="" w="9525">
+                <a14:hiddenLine xmlns="" xmlns:a14="http://schemas.microsoft.com/office/drawing/2010/main" w="9525">
                   <a:solidFill>
                     <a:srgbClr val="000000"/>
                   </a:solidFill>
@@ -4745,7 +4842,7 @@
             </a:ln>
             <a:extLst>
               <a:ext uri="{91240B29-F687-4f45-9708-019B960494DF}">
-                <a14:hiddenLine xmlns:a14="http://schemas.microsoft.com/office/drawing/2010/main" xmlns="" w="9525">
+                <a14:hiddenLine xmlns="" xmlns:a14="http://schemas.microsoft.com/office/drawing/2010/main" w="9525">
                   <a:solidFill>
                     <a:srgbClr val="000000"/>
                   </a:solidFill>
@@ -4835,7 +4932,7 @@
             </a:ln>
             <a:extLst>
               <a:ext uri="{91240B29-F687-4f45-9708-019B960494DF}">
-                <a14:hiddenLine xmlns:a14="http://schemas.microsoft.com/office/drawing/2010/main" xmlns="" w="9525">
+                <a14:hiddenLine xmlns="" xmlns:a14="http://schemas.microsoft.com/office/drawing/2010/main" w="9525">
                   <a:solidFill>
                     <a:srgbClr val="000000"/>
                   </a:solidFill>
@@ -4897,7 +4994,7 @@
             </a:ln>
             <a:extLst>
               <a:ext uri="{91240B29-F687-4f45-9708-019B960494DF}">
-                <a14:hiddenLine xmlns:a14="http://schemas.microsoft.com/office/drawing/2010/main" xmlns="" w="9525">
+                <a14:hiddenLine xmlns="" xmlns:a14="http://schemas.microsoft.com/office/drawing/2010/main" w="9525">
                   <a:solidFill>
                     <a:srgbClr val="000000"/>
                   </a:solidFill>
@@ -5017,7 +5114,7 @@
             </a:ln>
             <a:extLst>
               <a:ext uri="{91240B29-F687-4f45-9708-019B960494DF}">
-                <a14:hiddenLine xmlns:a14="http://schemas.microsoft.com/office/drawing/2010/main" xmlns="" w="9525">
+                <a14:hiddenLine xmlns="" xmlns:a14="http://schemas.microsoft.com/office/drawing/2010/main" w="9525">
                   <a:solidFill>
                     <a:srgbClr val="000000"/>
                   </a:solidFill>
@@ -5085,7 +5182,7 @@
             </a:ln>
             <a:extLst>
               <a:ext uri="{91240B29-F687-4f45-9708-019B960494DF}">
-                <a14:hiddenLine xmlns:a14="http://schemas.microsoft.com/office/drawing/2010/main" xmlns="" w="9525">
+                <a14:hiddenLine xmlns="" xmlns:a14="http://schemas.microsoft.com/office/drawing/2010/main" w="9525">
                   <a:solidFill>
                     <a:srgbClr val="000000"/>
                   </a:solidFill>
@@ -5175,7 +5272,7 @@
             </a:ln>
             <a:extLst>
               <a:ext uri="{91240B29-F687-4f45-9708-019B960494DF}">
-                <a14:hiddenLine xmlns:a14="http://schemas.microsoft.com/office/drawing/2010/main" xmlns="" w="9525">
+                <a14:hiddenLine xmlns="" xmlns:a14="http://schemas.microsoft.com/office/drawing/2010/main" w="9525">
                   <a:solidFill>
                     <a:srgbClr val="000000"/>
                   </a:solidFill>
@@ -5315,7 +5412,7 @@
           <a:p>
             <a:fld id="{48A87A34-81AB-432B-8DAE-1953F412C126}" type="datetimeFigureOut">
               <a:rPr lang="en-US" dirty="0"/>
-              <a:t>2/28/2019</a:t>
+              <a:t>2/28/19</a:t>
             </a:fld>
             <a:endParaRPr lang="en-US" dirty="0"/>
           </a:p>
@@ -5577,7 +5674,7 @@
           <a:p>
             <a:fld id="{48A87A34-81AB-432B-8DAE-1953F412C126}" type="datetimeFigureOut">
               <a:rPr lang="en-US" dirty="0"/>
-              <a:t>2/28/2019</a:t>
+              <a:t>2/28/19</a:t>
             </a:fld>
             <a:endParaRPr lang="en-US" dirty="0"/>
           </a:p>
@@ -5768,7 +5865,7 @@
           <a:p>
             <a:fld id="{48A87A34-81AB-432B-8DAE-1953F412C126}" type="datetimeFigureOut">
               <a:rPr lang="en-US" dirty="0"/>
-              <a:t>2/28/2019</a:t>
+              <a:t>2/28/19</a:t>
             </a:fld>
             <a:endParaRPr lang="en-US" dirty="0"/>
           </a:p>
@@ -6026,7 +6123,7 @@
           <a:p>
             <a:fld id="{48A87A34-81AB-432B-8DAE-1953F412C126}" type="datetimeFigureOut">
               <a:rPr lang="en-US" dirty="0"/>
-              <a:t>2/28/2019</a:t>
+              <a:t>2/28/19</a:t>
             </a:fld>
             <a:endParaRPr lang="en-US" dirty="0"/>
           </a:p>
@@ -6455,7 +6552,7 @@
           <a:p>
             <a:fld id="{48A87A34-81AB-432B-8DAE-1953F412C126}" type="datetimeFigureOut">
               <a:rPr lang="en-US" dirty="0"/>
-              <a:t>2/28/2019</a:t>
+              <a:t>2/28/19</a:t>
             </a:fld>
             <a:endParaRPr lang="en-US" dirty="0"/>
           </a:p>
@@ -6996,7 +7093,7 @@
           <a:p>
             <a:fld id="{48A87A34-81AB-432B-8DAE-1953F412C126}" type="datetimeFigureOut">
               <a:rPr lang="en-US" dirty="0"/>
-              <a:t>2/28/2019</a:t>
+              <a:t>2/28/19</a:t>
             </a:fld>
             <a:endParaRPr lang="en-US" dirty="0"/>
           </a:p>
@@ -7711,7 +7808,7 @@
           <a:p>
             <a:fld id="{48A87A34-81AB-432B-8DAE-1953F412C126}" type="datetimeFigureOut">
               <a:rPr lang="en-US" dirty="0"/>
-              <a:t>2/28/2019</a:t>
+              <a:t>2/28/19</a:t>
             </a:fld>
             <a:endParaRPr lang="en-US" dirty="0"/>
           </a:p>
@@ -7876,7 +7973,7 @@
           <a:p>
             <a:fld id="{48A87A34-81AB-432B-8DAE-1953F412C126}" type="datetimeFigureOut">
               <a:rPr lang="en-US" dirty="0"/>
-              <a:t>2/28/2019</a:t>
+              <a:t>2/28/19</a:t>
             </a:fld>
             <a:endParaRPr lang="en-US" dirty="0"/>
           </a:p>
@@ -8051,7 +8148,7 @@
           <a:p>
             <a:fld id="{48A87A34-81AB-432B-8DAE-1953F412C126}" type="datetimeFigureOut">
               <a:rPr lang="en-US" dirty="0"/>
-              <a:t>2/28/2019</a:t>
+              <a:t>2/28/19</a:t>
             </a:fld>
             <a:endParaRPr lang="en-US" dirty="0"/>
           </a:p>
@@ -8216,7 +8313,7 @@
           <a:p>
             <a:fld id="{48A87A34-81AB-432B-8DAE-1953F412C126}" type="datetimeFigureOut">
               <a:rPr lang="en-US" dirty="0"/>
-              <a:t>2/28/2019</a:t>
+              <a:t>2/28/19</a:t>
             </a:fld>
             <a:endParaRPr lang="en-US" dirty="0"/>
           </a:p>
@@ -8461,7 +8558,7 @@
           <a:p>
             <a:fld id="{48A87A34-81AB-432B-8DAE-1953F412C126}" type="datetimeFigureOut">
               <a:rPr lang="en-US" dirty="0"/>
-              <a:t>2/28/2019</a:t>
+              <a:t>2/28/19</a:t>
             </a:fld>
             <a:endParaRPr lang="en-US" dirty="0"/>
           </a:p>
@@ -8688,7 +8785,7 @@
           <a:p>
             <a:fld id="{48A87A34-81AB-432B-8DAE-1953F412C126}" type="datetimeFigureOut">
               <a:rPr lang="en-US" dirty="0"/>
-              <a:t>2/28/2019</a:t>
+              <a:t>2/28/19</a:t>
             </a:fld>
             <a:endParaRPr lang="en-US" dirty="0"/>
           </a:p>
@@ -9064,7 +9161,7 @@
           <a:p>
             <a:fld id="{48A87A34-81AB-432B-8DAE-1953F412C126}" type="datetimeFigureOut">
               <a:rPr lang="en-US" dirty="0"/>
-              <a:t>2/28/2019</a:t>
+              <a:t>2/28/19</a:t>
             </a:fld>
             <a:endParaRPr lang="en-US" dirty="0"/>
           </a:p>
@@ -9177,7 +9274,7 @@
           <a:p>
             <a:fld id="{48A87A34-81AB-432B-8DAE-1953F412C126}" type="datetimeFigureOut">
               <a:rPr lang="en-US" dirty="0"/>
-              <a:t>2/28/2019</a:t>
+              <a:t>2/28/19</a:t>
             </a:fld>
             <a:endParaRPr lang="en-US" dirty="0"/>
           </a:p>
@@ -9267,7 +9364,7 @@
           <a:p>
             <a:fld id="{48A87A34-81AB-432B-8DAE-1953F412C126}" type="datetimeFigureOut">
               <a:rPr lang="en-US" dirty="0"/>
-              <a:t>2/28/2019</a:t>
+              <a:t>2/28/19</a:t>
             </a:fld>
             <a:endParaRPr lang="en-US" dirty="0"/>
           </a:p>
@@ -9511,7 +9608,7 @@
           <a:p>
             <a:fld id="{48A87A34-81AB-432B-8DAE-1953F412C126}" type="datetimeFigureOut">
               <a:rPr lang="en-US" dirty="0"/>
-              <a:t>2/28/2019</a:t>
+              <a:t>2/28/19</a:t>
             </a:fld>
             <a:endParaRPr lang="en-US" dirty="0"/>
           </a:p>
@@ -9786,7 +9883,7 @@
           <a:p>
             <a:fld id="{48A87A34-81AB-432B-8DAE-1953F412C126}" type="datetimeFigureOut">
               <a:rPr lang="en-US" dirty="0"/>
-              <a:t>2/28/2019</a:t>
+              <a:t>2/28/19</a:t>
             </a:fld>
             <a:endParaRPr lang="en-US" dirty="0"/>
           </a:p>
@@ -9904,7 +10001,7 @@
           <a:noFill/>
           <a:extLst>
             <a:ext uri="{909E8E84-426E-40dd-AFC4-6F175D3DCCD1}">
-              <a14:hiddenFill xmlns:a14="http://schemas.microsoft.com/office/drawing/2010/main" xmlns="">
+              <a14:hiddenFill xmlns="" xmlns:a14="http://schemas.microsoft.com/office/drawing/2010/main">
                 <a:solidFill>
                   <a:srgbClr val="FFFFFF"/>
                 </a:solidFill>
@@ -9978,7 +10075,7 @@
               </a:ln>
               <a:extLst>
                 <a:ext uri="{91240B29-F687-4f45-9708-019B960494DF}">
-                  <a14:hiddenLine xmlns:a14="http://schemas.microsoft.com/office/drawing/2010/main" xmlns="" w="9525">
+                  <a14:hiddenLine xmlns="" xmlns:a14="http://schemas.microsoft.com/office/drawing/2010/main" w="9525">
                     <a:solidFill>
                       <a:srgbClr val="000000"/>
                     </a:solidFill>
@@ -10068,7 +10165,7 @@
               </a:ln>
               <a:extLst>
                 <a:ext uri="{91240B29-F687-4f45-9708-019B960494DF}">
-                  <a14:hiddenLine xmlns:a14="http://schemas.microsoft.com/office/drawing/2010/main" xmlns="" w="9525">
+                  <a14:hiddenLine xmlns="" xmlns:a14="http://schemas.microsoft.com/office/drawing/2010/main" w="9525">
                     <a:solidFill>
                       <a:srgbClr val="000000"/>
                     </a:solidFill>
@@ -10158,7 +10255,7 @@
               </a:ln>
               <a:extLst>
                 <a:ext uri="{91240B29-F687-4f45-9708-019B960494DF}">
-                  <a14:hiddenLine xmlns:a14="http://schemas.microsoft.com/office/drawing/2010/main" xmlns="" w="9525">
+                  <a14:hiddenLine xmlns="" xmlns:a14="http://schemas.microsoft.com/office/drawing/2010/main" w="9525">
                     <a:solidFill>
                       <a:srgbClr val="000000"/>
                     </a:solidFill>
@@ -10220,7 +10317,7 @@
               </a:ln>
               <a:extLst>
                 <a:ext uri="{91240B29-F687-4f45-9708-019B960494DF}">
-                  <a14:hiddenLine xmlns:a14="http://schemas.microsoft.com/office/drawing/2010/main" xmlns="" w="9525">
+                  <a14:hiddenLine xmlns="" xmlns:a14="http://schemas.microsoft.com/office/drawing/2010/main" w="9525">
                     <a:solidFill>
                       <a:srgbClr val="000000"/>
                     </a:solidFill>
@@ -10310,7 +10407,7 @@
               </a:ln>
               <a:extLst>
                 <a:ext uri="{91240B29-F687-4f45-9708-019B960494DF}">
-                  <a14:hiddenLine xmlns:a14="http://schemas.microsoft.com/office/drawing/2010/main" xmlns="" w="9525">
+                  <a14:hiddenLine xmlns="" xmlns:a14="http://schemas.microsoft.com/office/drawing/2010/main" w="9525">
                     <a:solidFill>
                       <a:srgbClr val="000000"/>
                     </a:solidFill>
@@ -10372,7 +10469,7 @@
               </a:ln>
               <a:extLst>
                 <a:ext uri="{91240B29-F687-4f45-9708-019B960494DF}">
-                  <a14:hiddenLine xmlns:a14="http://schemas.microsoft.com/office/drawing/2010/main" xmlns="" w="9525">
+                  <a14:hiddenLine xmlns="" xmlns:a14="http://schemas.microsoft.com/office/drawing/2010/main" w="9525">
                     <a:solidFill>
                       <a:srgbClr val="000000"/>
                     </a:solidFill>
@@ -10434,7 +10531,7 @@
               </a:ln>
               <a:extLst>
                 <a:ext uri="{91240B29-F687-4f45-9708-019B960494DF}">
-                  <a14:hiddenLine xmlns:a14="http://schemas.microsoft.com/office/drawing/2010/main" xmlns="" w="9525">
+                  <a14:hiddenLine xmlns="" xmlns:a14="http://schemas.microsoft.com/office/drawing/2010/main" w="9525">
                     <a:solidFill>
                       <a:srgbClr val="000000"/>
                     </a:solidFill>
@@ -10524,7 +10621,7 @@
               </a:ln>
               <a:extLst>
                 <a:ext uri="{91240B29-F687-4f45-9708-019B960494DF}">
-                  <a14:hiddenLine xmlns:a14="http://schemas.microsoft.com/office/drawing/2010/main" xmlns="" w="9525">
+                  <a14:hiddenLine xmlns="" xmlns:a14="http://schemas.microsoft.com/office/drawing/2010/main" w="9525">
                     <a:solidFill>
                       <a:srgbClr val="000000"/>
                     </a:solidFill>
@@ -10614,7 +10711,7 @@
               </a:ln>
               <a:extLst>
                 <a:ext uri="{91240B29-F687-4f45-9708-019B960494DF}">
-                  <a14:hiddenLine xmlns:a14="http://schemas.microsoft.com/office/drawing/2010/main" xmlns="" w="9525">
+                  <a14:hiddenLine xmlns="" xmlns:a14="http://schemas.microsoft.com/office/drawing/2010/main" w="9525">
                     <a:solidFill>
                       <a:srgbClr val="000000"/>
                     </a:solidFill>
@@ -10676,7 +10773,7 @@
               </a:ln>
               <a:extLst>
                 <a:ext uri="{91240B29-F687-4f45-9708-019B960494DF}">
-                  <a14:hiddenLine xmlns:a14="http://schemas.microsoft.com/office/drawing/2010/main" xmlns="" w="9525">
+                  <a14:hiddenLine xmlns="" xmlns:a14="http://schemas.microsoft.com/office/drawing/2010/main" w="9525">
                     <a:solidFill>
                       <a:srgbClr val="000000"/>
                     </a:solidFill>
@@ -10786,7 +10883,7 @@
               </a:ln>
               <a:extLst>
                 <a:ext uri="{91240B29-F687-4f45-9708-019B960494DF}">
-                  <a14:hiddenLine xmlns:a14="http://schemas.microsoft.com/office/drawing/2010/main" xmlns="" w="9525">
+                  <a14:hiddenLine xmlns="" xmlns:a14="http://schemas.microsoft.com/office/drawing/2010/main" w="9525">
                     <a:solidFill>
                       <a:srgbClr val="000000"/>
                     </a:solidFill>
@@ -10870,7 +10967,7 @@
               </a:ln>
               <a:extLst>
                 <a:ext uri="{91240B29-F687-4f45-9708-019B960494DF}">
-                  <a14:hiddenLine xmlns:a14="http://schemas.microsoft.com/office/drawing/2010/main" xmlns="" w="9525">
+                  <a14:hiddenLine xmlns="" xmlns:a14="http://schemas.microsoft.com/office/drawing/2010/main" w="9525">
                     <a:solidFill>
                       <a:srgbClr val="000000"/>
                     </a:solidFill>
@@ -10932,7 +11029,7 @@
               </a:ln>
               <a:extLst>
                 <a:ext uri="{91240B29-F687-4f45-9708-019B960494DF}">
-                  <a14:hiddenLine xmlns:a14="http://schemas.microsoft.com/office/drawing/2010/main" xmlns="" w="9525">
+                  <a14:hiddenLine xmlns="" xmlns:a14="http://schemas.microsoft.com/office/drawing/2010/main" w="9525">
                     <a:solidFill>
                       <a:srgbClr val="000000"/>
                     </a:solidFill>
@@ -10994,7 +11091,7 @@
               </a:ln>
               <a:extLst>
                 <a:ext uri="{91240B29-F687-4f45-9708-019B960494DF}">
-                  <a14:hiddenLine xmlns:a14="http://schemas.microsoft.com/office/drawing/2010/main" xmlns="" w="9525">
+                  <a14:hiddenLine xmlns="" xmlns:a14="http://schemas.microsoft.com/office/drawing/2010/main" w="9525">
                     <a:solidFill>
                       <a:srgbClr val="000000"/>
                     </a:solidFill>
@@ -11084,7 +11181,7 @@
               </a:ln>
               <a:extLst>
                 <a:ext uri="{91240B29-F687-4f45-9708-019B960494DF}">
-                  <a14:hiddenLine xmlns:a14="http://schemas.microsoft.com/office/drawing/2010/main" xmlns="" w="9525">
+                  <a14:hiddenLine xmlns="" xmlns:a14="http://schemas.microsoft.com/office/drawing/2010/main" w="9525">
                     <a:solidFill>
                       <a:srgbClr val="000000"/>
                     </a:solidFill>
@@ -11118,7 +11215,7 @@
               </a:ln>
               <a:extLst>
                 <a:ext uri="{91240B29-F687-4f45-9708-019B960494DF}">
-                  <a14:hiddenLine xmlns:a14="http://schemas.microsoft.com/office/drawing/2010/main" xmlns="" w="9525">
+                  <a14:hiddenLine xmlns="" xmlns:a14="http://schemas.microsoft.com/office/drawing/2010/main" w="9525">
                     <a:solidFill>
                       <a:srgbClr val="000000"/>
                     </a:solidFill>
@@ -11183,7 +11280,7 @@
               </a:ln>
               <a:extLst>
                 <a:ext uri="{91240B29-F687-4f45-9708-019B960494DF}">
-                  <a14:hiddenLine xmlns:a14="http://schemas.microsoft.com/office/drawing/2010/main" xmlns="" w="9525">
+                  <a14:hiddenLine xmlns="" xmlns:a14="http://schemas.microsoft.com/office/drawing/2010/main" w="9525">
                     <a:solidFill>
                       <a:srgbClr val="000000"/>
                     </a:solidFill>
@@ -11273,7 +11370,7 @@
               </a:ln>
               <a:extLst>
                 <a:ext uri="{91240B29-F687-4f45-9708-019B960494DF}">
-                  <a14:hiddenLine xmlns:a14="http://schemas.microsoft.com/office/drawing/2010/main" xmlns="" w="9525">
+                  <a14:hiddenLine xmlns="" xmlns:a14="http://schemas.microsoft.com/office/drawing/2010/main" w="9525">
                     <a:solidFill>
                       <a:srgbClr val="000000"/>
                     </a:solidFill>
@@ -11335,7 +11432,7 @@
               </a:ln>
               <a:extLst>
                 <a:ext uri="{91240B29-F687-4f45-9708-019B960494DF}">
-                  <a14:hiddenLine xmlns:a14="http://schemas.microsoft.com/office/drawing/2010/main" xmlns="" w="9525">
+                  <a14:hiddenLine xmlns="" xmlns:a14="http://schemas.microsoft.com/office/drawing/2010/main" w="9525">
                     <a:solidFill>
                       <a:srgbClr val="000000"/>
                     </a:solidFill>
@@ -11425,7 +11522,7 @@
               </a:ln>
               <a:extLst>
                 <a:ext uri="{91240B29-F687-4f45-9708-019B960494DF}">
-                  <a14:hiddenLine xmlns:a14="http://schemas.microsoft.com/office/drawing/2010/main" xmlns="" w="9525">
+                  <a14:hiddenLine xmlns="" xmlns:a14="http://schemas.microsoft.com/office/drawing/2010/main" w="9525">
                     <a:solidFill>
                       <a:srgbClr val="000000"/>
                     </a:solidFill>
@@ -11490,7 +11587,7 @@
               </a:ln>
               <a:extLst>
                 <a:ext uri="{91240B29-F687-4f45-9708-019B960494DF}">
-                  <a14:hiddenLine xmlns:a14="http://schemas.microsoft.com/office/drawing/2010/main" xmlns="" w="9525">
+                  <a14:hiddenLine xmlns="" xmlns:a14="http://schemas.microsoft.com/office/drawing/2010/main" w="9525">
                     <a:solidFill>
                       <a:srgbClr val="000000"/>
                     </a:solidFill>
@@ -11552,7 +11649,7 @@
               </a:ln>
               <a:extLst>
                 <a:ext uri="{91240B29-F687-4f45-9708-019B960494DF}">
-                  <a14:hiddenLine xmlns:a14="http://schemas.microsoft.com/office/drawing/2010/main" xmlns="" w="9525">
+                  <a14:hiddenLine xmlns="" xmlns:a14="http://schemas.microsoft.com/office/drawing/2010/main" w="9525">
                     <a:solidFill>
                       <a:srgbClr val="000000"/>
                     </a:solidFill>
@@ -11642,7 +11739,7 @@
               </a:ln>
               <a:extLst>
                 <a:ext uri="{91240B29-F687-4f45-9708-019B960494DF}">
-                  <a14:hiddenLine xmlns:a14="http://schemas.microsoft.com/office/drawing/2010/main" xmlns="" w="9525">
+                  <a14:hiddenLine xmlns="" xmlns:a14="http://schemas.microsoft.com/office/drawing/2010/main" w="9525">
                     <a:solidFill>
                       <a:srgbClr val="000000"/>
                     </a:solidFill>
@@ -11732,7 +11829,7 @@
               </a:ln>
               <a:extLst>
                 <a:ext uri="{91240B29-F687-4f45-9708-019B960494DF}">
-                  <a14:hiddenLine xmlns:a14="http://schemas.microsoft.com/office/drawing/2010/main" xmlns="" w="9525">
+                  <a14:hiddenLine xmlns="" xmlns:a14="http://schemas.microsoft.com/office/drawing/2010/main" w="9525">
                     <a:solidFill>
                       <a:srgbClr val="000000"/>
                     </a:solidFill>
@@ -11797,7 +11894,7 @@
               </a:ln>
               <a:extLst>
                 <a:ext uri="{91240B29-F687-4f45-9708-019B960494DF}">
-                  <a14:hiddenLine xmlns:a14="http://schemas.microsoft.com/office/drawing/2010/main" xmlns="" w="9525">
+                  <a14:hiddenLine xmlns="" xmlns:a14="http://schemas.microsoft.com/office/drawing/2010/main" w="9525">
                     <a:solidFill>
                       <a:srgbClr val="000000"/>
                     </a:solidFill>
@@ -11917,7 +12014,7 @@
               </a:ln>
               <a:extLst>
                 <a:ext uri="{91240B29-F687-4f45-9708-019B960494DF}">
-                  <a14:hiddenLine xmlns:a14="http://schemas.microsoft.com/office/drawing/2010/main" xmlns="" w="9525">
+                  <a14:hiddenLine xmlns="" xmlns:a14="http://schemas.microsoft.com/office/drawing/2010/main" w="9525">
                     <a:solidFill>
                       <a:srgbClr val="000000"/>
                     </a:solidFill>
@@ -11998,7 +12095,7 @@
               </a:ln>
               <a:extLst>
                 <a:ext uri="{91240B29-F687-4f45-9708-019B960494DF}">
-                  <a14:hiddenLine xmlns:a14="http://schemas.microsoft.com/office/drawing/2010/main" xmlns="" w="9525">
+                  <a14:hiddenLine xmlns="" xmlns:a14="http://schemas.microsoft.com/office/drawing/2010/main" w="9525">
                     <a:solidFill>
                       <a:srgbClr val="000000"/>
                     </a:solidFill>
@@ -12113,7 +12210,7 @@
               </a:ln>
               <a:extLst>
                 <a:ext uri="{91240B29-F687-4f45-9708-019B960494DF}">
-                  <a14:hiddenLine xmlns:a14="http://schemas.microsoft.com/office/drawing/2010/main" xmlns="" w="9525">
+                  <a14:hiddenLine xmlns="" xmlns:a14="http://schemas.microsoft.com/office/drawing/2010/main" w="9525">
                     <a:solidFill>
                       <a:srgbClr val="000000"/>
                     </a:solidFill>
@@ -12203,7 +12300,7 @@
               </a:ln>
               <a:extLst>
                 <a:ext uri="{91240B29-F687-4f45-9708-019B960494DF}">
-                  <a14:hiddenLine xmlns:a14="http://schemas.microsoft.com/office/drawing/2010/main" xmlns="" w="9525">
+                  <a14:hiddenLine xmlns="" xmlns:a14="http://schemas.microsoft.com/office/drawing/2010/main" w="9525">
                     <a:solidFill>
                       <a:srgbClr val="000000"/>
                     </a:solidFill>
@@ -12268,7 +12365,7 @@
               </a:ln>
               <a:extLst>
                 <a:ext uri="{91240B29-F687-4f45-9708-019B960494DF}">
-                  <a14:hiddenLine xmlns:a14="http://schemas.microsoft.com/office/drawing/2010/main" xmlns="" w="9525">
+                  <a14:hiddenLine xmlns="" xmlns:a14="http://schemas.microsoft.com/office/drawing/2010/main" w="9525">
                     <a:solidFill>
                       <a:srgbClr val="000000"/>
                     </a:solidFill>
@@ -12358,7 +12455,7 @@
               </a:ln>
               <a:extLst>
                 <a:ext uri="{91240B29-F687-4f45-9708-019B960494DF}">
-                  <a14:hiddenLine xmlns:a14="http://schemas.microsoft.com/office/drawing/2010/main" xmlns="" w="9525">
+                  <a14:hiddenLine xmlns="" xmlns:a14="http://schemas.microsoft.com/office/drawing/2010/main" w="9525">
                     <a:solidFill>
                       <a:srgbClr val="000000"/>
                     </a:solidFill>
@@ -12426,7 +12523,7 @@
               </a:ln>
               <a:extLst>
                 <a:ext uri="{91240B29-F687-4f45-9708-019B960494DF}">
-                  <a14:hiddenLine xmlns:a14="http://schemas.microsoft.com/office/drawing/2010/main" xmlns="" w="9525">
+                  <a14:hiddenLine xmlns="" xmlns:a14="http://schemas.microsoft.com/office/drawing/2010/main" w="9525">
                     <a:solidFill>
                       <a:srgbClr val="000000"/>
                     </a:solidFill>
@@ -12516,7 +12613,7 @@
               </a:ln>
               <a:extLst>
                 <a:ext uri="{91240B29-F687-4f45-9708-019B960494DF}">
-                  <a14:hiddenLine xmlns:a14="http://schemas.microsoft.com/office/drawing/2010/main" xmlns="" w="9525">
+                  <a14:hiddenLine xmlns="" xmlns:a14="http://schemas.microsoft.com/office/drawing/2010/main" w="9525">
                     <a:solidFill>
                       <a:srgbClr val="000000"/>
                     </a:solidFill>
@@ -12584,7 +12681,7 @@
               </a:ln>
               <a:extLst>
                 <a:ext uri="{91240B29-F687-4f45-9708-019B960494DF}">
-                  <a14:hiddenLine xmlns:a14="http://schemas.microsoft.com/office/drawing/2010/main" xmlns="" w="9525">
+                  <a14:hiddenLine xmlns="" xmlns:a14="http://schemas.microsoft.com/office/drawing/2010/main" w="9525">
                     <a:solidFill>
                       <a:srgbClr val="000000"/>
                     </a:solidFill>
@@ -12674,7 +12771,7 @@
               </a:ln>
               <a:extLst>
                 <a:ext uri="{91240B29-F687-4f45-9708-019B960494DF}">
-                  <a14:hiddenLine xmlns:a14="http://schemas.microsoft.com/office/drawing/2010/main" xmlns="" w="9525">
+                  <a14:hiddenLine xmlns="" xmlns:a14="http://schemas.microsoft.com/office/drawing/2010/main" w="9525">
                     <a:solidFill>
                       <a:srgbClr val="000000"/>
                     </a:solidFill>
@@ -12708,7 +12805,7 @@
               </a:ln>
               <a:extLst>
                 <a:ext uri="{91240B29-F687-4f45-9708-019B960494DF}">
-                  <a14:hiddenLine xmlns:a14="http://schemas.microsoft.com/office/drawing/2010/main" xmlns="" w="9525">
+                  <a14:hiddenLine xmlns="" xmlns:a14="http://schemas.microsoft.com/office/drawing/2010/main" w="9525">
                     <a:solidFill>
                       <a:srgbClr val="000000"/>
                     </a:solidFill>
@@ -12849,7 +12946,7 @@
             <a:fld id="{48A87A34-81AB-432B-8DAE-1953F412C126}" type="datetimeFigureOut">
               <a:rPr lang="en-US" dirty="0"/>
               <a:pPr/>
-              <a:t>2/28/2019</a:t>
+              <a:t>2/28/19</a:t>
             </a:fld>
             <a:endParaRPr lang="en-US" dirty="0"/>
           </a:p>
@@ -13360,6 +13457,247 @@
 </file>
 
 <file path=ppt/slides/slide10.xml><?xml version="1.0" encoding="utf-8"?>
+<p:sld xmlns:a="http://schemas.openxmlformats.org/drawingml/2006/main" xmlns:r="http://schemas.openxmlformats.org/officeDocument/2006/relationships" xmlns:p="http://schemas.openxmlformats.org/presentationml/2006/main">
+  <p:cSld>
+    <p:bg>
+      <p:bgPr>
+        <a:blipFill>
+          <a:blip r:embed="rId3">
+            <a:duotone>
+              <a:schemeClr val="bg2">
+                <a:shade val="88000"/>
+                <a:hueMod val="106000"/>
+                <a:satMod val="140000"/>
+                <a:lumMod val="54000"/>
+              </a:schemeClr>
+              <a:schemeClr val="bg2">
+                <a:tint val="98000"/>
+                <a:hueMod val="92000"/>
+                <a:satMod val="150000"/>
+                <a:lumMod val="150000"/>
+              </a:schemeClr>
+            </a:duotone>
+            <a:extLst/>
+          </a:blip>
+          <a:stretch/>
+        </a:blipFill>
+        <a:effectLst/>
+      </p:bgPr>
+    </p:bg>
+    <p:spTree>
+      <p:nvGrpSpPr>
+        <p:cNvPr id="1" name=""/>
+        <p:cNvGrpSpPr/>
+        <p:nvPr/>
+      </p:nvGrpSpPr>
+      <p:grpSpPr>
+        <a:xfrm>
+          <a:off x="0" y="0"/>
+          <a:ext cx="0" cy="0"/>
+          <a:chOff x="0" y="0"/>
+          <a:chExt cx="0" cy="0"/>
+        </a:xfrm>
+      </p:grpSpPr>
+      <p:sp>
+        <p:nvSpPr>
+          <p:cNvPr id="2" name="Title 1">
+            <a:extLst>
+              <a:ext uri="{FF2B5EF4-FFF2-40B4-BE49-F238E27FC236}">
+                <a16:creationId xmlns:a16="http://schemas.microsoft.com/office/drawing/2014/main" id="{7848315F-F5BA-FD48-ADBE-A72EC1989D62}"/>
+              </a:ext>
+            </a:extLst>
+          </p:cNvPr>
+          <p:cNvSpPr>
+            <a:spLocks noGrp="1"/>
+          </p:cNvSpPr>
+          <p:nvPr>
+            <p:ph type="title"/>
+          </p:nvPr>
+        </p:nvSpPr>
+        <p:spPr>
+          <a:xfrm>
+            <a:off x="8036040" y="1455027"/>
+            <a:ext cx="3611317" cy="1478570"/>
+          </a:xfrm>
+        </p:spPr>
+        <p:txBody>
+          <a:bodyPr anchor="b">
+            <a:normAutofit/>
+          </a:bodyPr>
+          <a:lstStyle/>
+          <a:p>
+            <a:r>
+              <a:rPr lang="en-US" sz="2800" dirty="0"/>
+              <a:t>CORRELATION BETWEEN ABV AND IBU</a:t>
+            </a:r>
+          </a:p>
+        </p:txBody>
+      </p:sp>
+      <p:sp>
+        <p:nvSpPr>
+          <p:cNvPr id="13" name="Round Diagonal Corner Rectangle 11">
+            <a:extLst>
+              <a:ext uri="{FF2B5EF4-FFF2-40B4-BE49-F238E27FC236}">
+                <a16:creationId xmlns:a16="http://schemas.microsoft.com/office/drawing/2014/main" id="{15649ABD-2423-4C83-8F1D-CDC70264C981}"/>
+              </a:ext>
+              <a:ext uri="{C183D7F6-B498-43B3-948B-1728B52AA6E4}">
+                <adec:decorative xmlns:adec="http://schemas.microsoft.com/office/drawing/2017/decorative" val="1"/>
+              </a:ext>
+            </a:extLst>
+          </p:cNvPr>
+          <p:cNvSpPr>
+            <a:spLocks noGrp="1" noRot="1" noChangeAspect="1" noMove="1" noResize="1" noEditPoints="1" noAdjustHandles="1" noChangeArrowheads="1" noChangeShapeType="1" noTextEdit="1"/>
+          </p:cNvSpPr>
+          <p:nvPr>
+            <p:extLst>
+              <p:ext uri="{386F3935-93C4-4BCD-93E2-E3B085C9AB24}">
+                <p16:designElem xmlns:p16="http://schemas.microsoft.com/office/powerpoint/2015/main" val="1"/>
+              </p:ext>
+            </p:extLst>
+          </p:nvPr>
+        </p:nvSpPr>
+        <p:spPr>
+          <a:xfrm>
+            <a:off x="798949" y="808057"/>
+            <a:ext cx="6752461" cy="5234394"/>
+          </a:xfrm>
+          <a:prstGeom prst="round2DiagRect">
+            <a:avLst>
+              <a:gd name="adj1" fmla="val 7418"/>
+              <a:gd name="adj2" fmla="val 0"/>
+            </a:avLst>
+          </a:prstGeom>
+          <a:solidFill>
+            <a:srgbClr val="FFFFFF"/>
+          </a:solidFill>
+          <a:ln w="19050" cap="sq">
+            <a:solidFill>
+              <a:schemeClr val="tx2">
+                <a:lumMod val="60000"/>
+                <a:lumOff val="40000"/>
+                <a:alpha val="60000"/>
+              </a:schemeClr>
+            </a:solidFill>
+            <a:miter lim="800000"/>
+          </a:ln>
+          <a:effectLst>
+            <a:outerShdw blurRad="88900" dist="38100" dir="5400000" algn="t" rotWithShape="0">
+              <a:prstClr val="black">
+                <a:alpha val="40000"/>
+              </a:prstClr>
+            </a:outerShdw>
+          </a:effectLst>
+        </p:spPr>
+        <p:style>
+          <a:lnRef idx="2">
+            <a:schemeClr val="accent1">
+              <a:shade val="50000"/>
+            </a:schemeClr>
+          </a:lnRef>
+          <a:fillRef idx="1">
+            <a:schemeClr val="accent1"/>
+          </a:fillRef>
+          <a:effectRef idx="0">
+            <a:schemeClr val="accent1"/>
+          </a:effectRef>
+          <a:fontRef idx="minor">
+            <a:schemeClr val="lt1"/>
+          </a:fontRef>
+        </p:style>
+        <p:txBody>
+          <a:bodyPr rtlCol="0" anchor="ctr"/>
+          <a:lstStyle/>
+          <a:p>
+            <a:pPr algn="ctr"/>
+            <a:endParaRPr lang="en-US"/>
+          </a:p>
+        </p:txBody>
+      </p:sp>
+      <p:sp>
+        <p:nvSpPr>
+          <p:cNvPr id="10" name="Content Placeholder 9">
+            <a:extLst>
+              <a:ext uri="{FF2B5EF4-FFF2-40B4-BE49-F238E27FC236}">
+                <a16:creationId xmlns:a16="http://schemas.microsoft.com/office/drawing/2014/main" id="{30096462-20F8-41ED-A556-1F9BA2AFF3AF}"/>
+              </a:ext>
+            </a:extLst>
+          </p:cNvPr>
+          <p:cNvSpPr>
+            <a:spLocks noGrp="1"/>
+          </p:cNvSpPr>
+          <p:nvPr>
+            <p:ph idx="1"/>
+          </p:nvPr>
+        </p:nvSpPr>
+        <p:spPr>
+          <a:xfrm>
+            <a:off x="8036040" y="3272813"/>
+            <a:ext cx="3281004" cy="1303182"/>
+          </a:xfrm>
+        </p:spPr>
+        <p:txBody>
+          <a:bodyPr>
+            <a:normAutofit/>
+          </a:bodyPr>
+          <a:lstStyle/>
+          <a:p>
+            <a:r>
+              <a:rPr lang="en-US" sz="1800" dirty="0"/>
+              <a:t>p-value &lt; 0.0001</a:t>
+            </a:r>
+          </a:p>
+          <a:p>
+            <a:r>
+              <a:rPr lang="en-US" sz="1800" dirty="0"/>
+              <a:t>Correlation coefficient = 0.67</a:t>
+            </a:r>
+          </a:p>
+        </p:txBody>
+      </p:sp>
+      <p:pic>
+        <p:nvPicPr>
+          <p:cNvPr id="7" name="Picture 6" descr="A close up of a piece of paper&#13;&#10;&#13;&#10;Description automatically generated">
+            <a:extLst>
+              <a:ext uri="{FF2B5EF4-FFF2-40B4-BE49-F238E27FC236}">
+                <a16:creationId xmlns:a16="http://schemas.microsoft.com/office/drawing/2014/main" id="{C74BA77C-CE20-494C-AC6B-432E74A37147}"/>
+              </a:ext>
+            </a:extLst>
+          </p:cNvPr>
+          <p:cNvPicPr>
+            <a:picLocks noChangeAspect="1"/>
+          </p:cNvPicPr>
+          <p:nvPr/>
+        </p:nvPicPr>
+        <p:blipFill>
+          <a:blip r:embed="rId4"/>
+          <a:stretch>
+            <a:fillRect/>
+          </a:stretch>
+        </p:blipFill>
+        <p:spPr>
+          <a:xfrm>
+            <a:off x="874956" y="1143264"/>
+            <a:ext cx="6549888" cy="4563979"/>
+          </a:xfrm>
+          <a:prstGeom prst="rect">
+            <a:avLst/>
+          </a:prstGeom>
+        </p:spPr>
+      </p:pic>
+    </p:spTree>
+    <p:extLst>
+      <p:ext uri="{BB962C8B-B14F-4D97-AF65-F5344CB8AC3E}">
+        <p14:creationId xmlns:p14="http://schemas.microsoft.com/office/powerpoint/2010/main" val="2919893056"/>
+      </p:ext>
+    </p:extLst>
+  </p:cSld>
+  <p:clrMapOvr>
+    <a:masterClrMapping/>
+  </p:clrMapOvr>
+</p:sld>
+</file>
+
+<file path=ppt/slides/slide11.xml><?xml version="1.0" encoding="utf-8"?>
 <p:sld xmlns:a="http://schemas.openxmlformats.org/drawingml/2006/main" xmlns:r="http://schemas.openxmlformats.org/officeDocument/2006/relationships" xmlns:p="http://schemas.openxmlformats.org/presentationml/2006/main">
   <p:cSld>
     <p:spTree>
@@ -18699,7 +19037,7 @@
             </a:ln>
             <a:extLst>
               <a:ext uri="{91240B29-F687-4f45-9708-019B960494DF}">
-                <a14:hiddenLine xmlns="" xmlns:a14="http://schemas.microsoft.com/office/drawing/2010/main" xmlns:p14="http://schemas.microsoft.com/office/powerpoint/2010/main" xmlns:a16="http://schemas.microsoft.com/office/drawing/2014/main" w="9525">
+                <a14:hiddenLine xmlns:a16="http://schemas.microsoft.com/office/drawing/2014/main" xmlns:p14="http://schemas.microsoft.com/office/powerpoint/2010/main" xmlns:a14="http://schemas.microsoft.com/office/drawing/2010/main" xmlns="" w="9525">
                   <a:solidFill>
                     <a:srgbClr val="000000"/>
                   </a:solidFill>
@@ -18804,7 +19142,7 @@
             </a:ln>
             <a:extLst>
               <a:ext uri="{91240B29-F687-4f45-9708-019B960494DF}">
-                <a14:hiddenLine xmlns="" xmlns:a14="http://schemas.microsoft.com/office/drawing/2010/main" xmlns:p14="http://schemas.microsoft.com/office/powerpoint/2010/main" xmlns:a16="http://schemas.microsoft.com/office/drawing/2014/main" w="9525">
+                <a14:hiddenLine xmlns:a16="http://schemas.microsoft.com/office/drawing/2014/main" xmlns:p14="http://schemas.microsoft.com/office/powerpoint/2010/main" xmlns:a14="http://schemas.microsoft.com/office/drawing/2010/main" xmlns="" w="9525">
                   <a:solidFill>
                     <a:srgbClr val="000000"/>
                   </a:solidFill>
@@ -18909,7 +19247,7 @@
             </a:ln>
             <a:extLst>
               <a:ext uri="{91240B29-F687-4f45-9708-019B960494DF}">
-                <a14:hiddenLine xmlns="" xmlns:a14="http://schemas.microsoft.com/office/drawing/2010/main" xmlns:p14="http://schemas.microsoft.com/office/powerpoint/2010/main" xmlns:a16="http://schemas.microsoft.com/office/drawing/2014/main" w="9525">
+                <a14:hiddenLine xmlns:a16="http://schemas.microsoft.com/office/drawing/2014/main" xmlns:p14="http://schemas.microsoft.com/office/powerpoint/2010/main" xmlns:a14="http://schemas.microsoft.com/office/drawing/2010/main" xmlns="" w="9525">
                   <a:solidFill>
                     <a:srgbClr val="000000"/>
                   </a:solidFill>
@@ -18986,7 +19324,7 @@
             </a:ln>
             <a:extLst>
               <a:ext uri="{91240B29-F687-4f45-9708-019B960494DF}">
-                <a14:hiddenLine xmlns="" xmlns:a14="http://schemas.microsoft.com/office/drawing/2010/main" xmlns:p14="http://schemas.microsoft.com/office/powerpoint/2010/main" xmlns:a16="http://schemas.microsoft.com/office/drawing/2014/main" w="9525">
+                <a14:hiddenLine xmlns:a16="http://schemas.microsoft.com/office/drawing/2014/main" xmlns:p14="http://schemas.microsoft.com/office/powerpoint/2010/main" xmlns:a14="http://schemas.microsoft.com/office/drawing/2010/main" xmlns="" w="9525">
                   <a:solidFill>
                     <a:srgbClr val="000000"/>
                   </a:solidFill>
@@ -19091,7 +19429,7 @@
             </a:ln>
             <a:extLst>
               <a:ext uri="{91240B29-F687-4f45-9708-019B960494DF}">
-                <a14:hiddenLine xmlns="" xmlns:a14="http://schemas.microsoft.com/office/drawing/2010/main" xmlns:p14="http://schemas.microsoft.com/office/powerpoint/2010/main" xmlns:a16="http://schemas.microsoft.com/office/drawing/2014/main" w="9525">
+                <a14:hiddenLine xmlns:a16="http://schemas.microsoft.com/office/drawing/2014/main" xmlns:p14="http://schemas.microsoft.com/office/powerpoint/2010/main" xmlns:a14="http://schemas.microsoft.com/office/drawing/2010/main" xmlns="" w="9525">
                   <a:solidFill>
                     <a:srgbClr val="000000"/>
                   </a:solidFill>
@@ -19168,7 +19506,7 @@
             </a:ln>
             <a:extLst>
               <a:ext uri="{91240B29-F687-4f45-9708-019B960494DF}">
-                <a14:hiddenLine xmlns="" xmlns:a14="http://schemas.microsoft.com/office/drawing/2010/main" xmlns:p14="http://schemas.microsoft.com/office/powerpoint/2010/main" xmlns:a16="http://schemas.microsoft.com/office/drawing/2014/main" w="9525">
+                <a14:hiddenLine xmlns:a16="http://schemas.microsoft.com/office/drawing/2014/main" xmlns:p14="http://schemas.microsoft.com/office/powerpoint/2010/main" xmlns:a14="http://schemas.microsoft.com/office/drawing/2010/main" xmlns="" w="9525">
                   <a:solidFill>
                     <a:srgbClr val="000000"/>
                   </a:solidFill>
@@ -19245,7 +19583,7 @@
             </a:ln>
             <a:extLst>
               <a:ext uri="{91240B29-F687-4f45-9708-019B960494DF}">
-                <a14:hiddenLine xmlns="" xmlns:a14="http://schemas.microsoft.com/office/drawing/2010/main" xmlns:p14="http://schemas.microsoft.com/office/powerpoint/2010/main" xmlns:a16="http://schemas.microsoft.com/office/drawing/2014/main" w="9525">
+                <a14:hiddenLine xmlns:a16="http://schemas.microsoft.com/office/drawing/2014/main" xmlns:p14="http://schemas.microsoft.com/office/powerpoint/2010/main" xmlns:a14="http://schemas.microsoft.com/office/drawing/2010/main" xmlns="" w="9525">
                   <a:solidFill>
                     <a:srgbClr val="000000"/>
                   </a:solidFill>
@@ -19350,7 +19688,7 @@
             </a:ln>
             <a:extLst>
               <a:ext uri="{91240B29-F687-4f45-9708-019B960494DF}">
-                <a14:hiddenLine xmlns="" xmlns:a14="http://schemas.microsoft.com/office/drawing/2010/main" xmlns:p14="http://schemas.microsoft.com/office/powerpoint/2010/main" xmlns:a16="http://schemas.microsoft.com/office/drawing/2014/main" w="9525">
+                <a14:hiddenLine xmlns:a16="http://schemas.microsoft.com/office/drawing/2014/main" xmlns:p14="http://schemas.microsoft.com/office/powerpoint/2010/main" xmlns:a14="http://schemas.microsoft.com/office/drawing/2010/main" xmlns="" w="9525">
                   <a:solidFill>
                     <a:srgbClr val="000000"/>
                   </a:solidFill>
@@ -19455,7 +19793,7 @@
             </a:ln>
             <a:extLst>
               <a:ext uri="{91240B29-F687-4f45-9708-019B960494DF}">
-                <a14:hiddenLine xmlns="" xmlns:a14="http://schemas.microsoft.com/office/drawing/2010/main" xmlns:p14="http://schemas.microsoft.com/office/powerpoint/2010/main" xmlns:a16="http://schemas.microsoft.com/office/drawing/2014/main" w="9525">
+                <a14:hiddenLine xmlns:a16="http://schemas.microsoft.com/office/drawing/2014/main" xmlns:p14="http://schemas.microsoft.com/office/powerpoint/2010/main" xmlns:a14="http://schemas.microsoft.com/office/drawing/2010/main" xmlns="" w="9525">
                   <a:solidFill>
                     <a:srgbClr val="000000"/>
                   </a:solidFill>
@@ -19532,7 +19870,7 @@
             </a:ln>
             <a:extLst>
               <a:ext uri="{91240B29-F687-4f45-9708-019B960494DF}">
-                <a14:hiddenLine xmlns="" xmlns:a14="http://schemas.microsoft.com/office/drawing/2010/main" xmlns:p14="http://schemas.microsoft.com/office/powerpoint/2010/main" xmlns:a16="http://schemas.microsoft.com/office/drawing/2014/main" w="9525">
+                <a14:hiddenLine xmlns:a16="http://schemas.microsoft.com/office/drawing/2014/main" xmlns:p14="http://schemas.microsoft.com/office/powerpoint/2010/main" xmlns:a14="http://schemas.microsoft.com/office/drawing/2010/main" xmlns="" w="9525">
                   <a:solidFill>
                     <a:srgbClr val="000000"/>
                   </a:solidFill>
@@ -19657,7 +19995,7 @@
             </a:ln>
             <a:extLst>
               <a:ext uri="{91240B29-F687-4f45-9708-019B960494DF}">
-                <a14:hiddenLine xmlns="" xmlns:a14="http://schemas.microsoft.com/office/drawing/2010/main" xmlns:p14="http://schemas.microsoft.com/office/powerpoint/2010/main" xmlns:a16="http://schemas.microsoft.com/office/drawing/2014/main" w="9525">
+                <a14:hiddenLine xmlns:a16="http://schemas.microsoft.com/office/drawing/2014/main" xmlns:p14="http://schemas.microsoft.com/office/powerpoint/2010/main" xmlns:a14="http://schemas.microsoft.com/office/drawing/2010/main" xmlns="" w="9525">
                   <a:solidFill>
                     <a:srgbClr val="000000"/>
                   </a:solidFill>
@@ -19771,7 +20109,7 @@
             </a:ln>
             <a:extLst>
               <a:ext uri="{91240B29-F687-4f45-9708-019B960494DF}">
-                <a14:hiddenLine xmlns="" xmlns:a14="http://schemas.microsoft.com/office/drawing/2010/main" xmlns:p14="http://schemas.microsoft.com/office/powerpoint/2010/main" xmlns:a16="http://schemas.microsoft.com/office/drawing/2014/main" w="9525">
+                <a14:hiddenLine xmlns:a16="http://schemas.microsoft.com/office/drawing/2014/main" xmlns:p14="http://schemas.microsoft.com/office/powerpoint/2010/main" xmlns:a14="http://schemas.microsoft.com/office/drawing/2010/main" xmlns="" w="9525">
                   <a:solidFill>
                     <a:srgbClr val="000000"/>
                   </a:solidFill>
@@ -19848,7 +20186,7 @@
             </a:ln>
             <a:extLst>
               <a:ext uri="{91240B29-F687-4f45-9708-019B960494DF}">
-                <a14:hiddenLine xmlns="" xmlns:a14="http://schemas.microsoft.com/office/drawing/2010/main" xmlns:p14="http://schemas.microsoft.com/office/powerpoint/2010/main" xmlns:a16="http://schemas.microsoft.com/office/drawing/2014/main" w="9525">
+                <a14:hiddenLine xmlns:a16="http://schemas.microsoft.com/office/drawing/2014/main" xmlns:p14="http://schemas.microsoft.com/office/powerpoint/2010/main" xmlns:a14="http://schemas.microsoft.com/office/drawing/2010/main" xmlns="" w="9525">
                   <a:solidFill>
                     <a:srgbClr val="000000"/>
                   </a:solidFill>
@@ -19925,7 +20263,7 @@
             </a:ln>
             <a:extLst>
               <a:ext uri="{91240B29-F687-4f45-9708-019B960494DF}">
-                <a14:hiddenLine xmlns="" xmlns:a14="http://schemas.microsoft.com/office/drawing/2010/main" xmlns:p14="http://schemas.microsoft.com/office/powerpoint/2010/main" xmlns:a16="http://schemas.microsoft.com/office/drawing/2014/main" w="9525">
+                <a14:hiddenLine xmlns:a16="http://schemas.microsoft.com/office/drawing/2014/main" xmlns:p14="http://schemas.microsoft.com/office/powerpoint/2010/main" xmlns:a14="http://schemas.microsoft.com/office/drawing/2010/main" xmlns="" w="9525">
                   <a:solidFill>
                     <a:srgbClr val="000000"/>
                   </a:solidFill>
@@ -20030,7 +20368,7 @@
             </a:ln>
             <a:extLst>
               <a:ext uri="{91240B29-F687-4f45-9708-019B960494DF}">
-                <a14:hiddenLine xmlns="" xmlns:a14="http://schemas.microsoft.com/office/drawing/2010/main" xmlns:p14="http://schemas.microsoft.com/office/powerpoint/2010/main" xmlns:a16="http://schemas.microsoft.com/office/drawing/2014/main" w="9525">
+                <a14:hiddenLine xmlns:a16="http://schemas.microsoft.com/office/drawing/2014/main" xmlns:p14="http://schemas.microsoft.com/office/powerpoint/2010/main" xmlns:a14="http://schemas.microsoft.com/office/drawing/2010/main" xmlns="" w="9525">
                   <a:solidFill>
                     <a:srgbClr val="000000"/>
                   </a:solidFill>
@@ -20079,7 +20417,7 @@
             </a:ln>
             <a:extLst>
               <a:ext uri="{91240B29-F687-4f45-9708-019B960494DF}">
-                <a14:hiddenLine xmlns="" xmlns:a14="http://schemas.microsoft.com/office/drawing/2010/main" xmlns:p14="http://schemas.microsoft.com/office/powerpoint/2010/main" xmlns:a16="http://schemas.microsoft.com/office/drawing/2014/main" w="9525">
+                <a14:hiddenLine xmlns:a16="http://schemas.microsoft.com/office/drawing/2014/main" xmlns:p14="http://schemas.microsoft.com/office/powerpoint/2010/main" xmlns:a14="http://schemas.microsoft.com/office/drawing/2010/main" xmlns="" w="9525">
                   <a:solidFill>
                     <a:srgbClr val="000000"/>
                   </a:solidFill>
@@ -20159,7 +20497,7 @@
             </a:ln>
             <a:extLst>
               <a:ext uri="{91240B29-F687-4f45-9708-019B960494DF}">
-                <a14:hiddenLine xmlns="" xmlns:a14="http://schemas.microsoft.com/office/drawing/2010/main" xmlns:p14="http://schemas.microsoft.com/office/powerpoint/2010/main" xmlns:a16="http://schemas.microsoft.com/office/drawing/2014/main" w="9525">
+                <a14:hiddenLine xmlns:a16="http://schemas.microsoft.com/office/drawing/2014/main" xmlns:p14="http://schemas.microsoft.com/office/powerpoint/2010/main" xmlns:a14="http://schemas.microsoft.com/office/drawing/2010/main" xmlns="" w="9525">
                   <a:solidFill>
                     <a:srgbClr val="000000"/>
                   </a:solidFill>
@@ -20264,7 +20602,7 @@
             </a:ln>
             <a:extLst>
               <a:ext uri="{91240B29-F687-4f45-9708-019B960494DF}">
-                <a14:hiddenLine xmlns="" xmlns:a14="http://schemas.microsoft.com/office/drawing/2010/main" xmlns:p14="http://schemas.microsoft.com/office/powerpoint/2010/main" xmlns:a16="http://schemas.microsoft.com/office/drawing/2014/main" w="9525">
+                <a14:hiddenLine xmlns:a16="http://schemas.microsoft.com/office/drawing/2014/main" xmlns:p14="http://schemas.microsoft.com/office/powerpoint/2010/main" xmlns:a14="http://schemas.microsoft.com/office/drawing/2010/main" xmlns="" w="9525">
                   <a:solidFill>
                     <a:srgbClr val="000000"/>
                   </a:solidFill>
@@ -20341,7 +20679,7 @@
             </a:ln>
             <a:extLst>
               <a:ext uri="{91240B29-F687-4f45-9708-019B960494DF}">
-                <a14:hiddenLine xmlns="" xmlns:a14="http://schemas.microsoft.com/office/drawing/2010/main" xmlns:p14="http://schemas.microsoft.com/office/powerpoint/2010/main" xmlns:a16="http://schemas.microsoft.com/office/drawing/2014/main" w="9525">
+                <a14:hiddenLine xmlns:a16="http://schemas.microsoft.com/office/drawing/2014/main" xmlns:p14="http://schemas.microsoft.com/office/powerpoint/2010/main" xmlns:a14="http://schemas.microsoft.com/office/drawing/2010/main" xmlns="" w="9525">
                   <a:solidFill>
                     <a:srgbClr val="000000"/>
                   </a:solidFill>
@@ -20446,7 +20784,7 @@
             </a:ln>
             <a:extLst>
               <a:ext uri="{91240B29-F687-4f45-9708-019B960494DF}">
-                <a14:hiddenLine xmlns="" xmlns:a14="http://schemas.microsoft.com/office/drawing/2010/main" xmlns:p14="http://schemas.microsoft.com/office/powerpoint/2010/main" xmlns:a16="http://schemas.microsoft.com/office/drawing/2014/main" w="9525">
+                <a14:hiddenLine xmlns:a16="http://schemas.microsoft.com/office/drawing/2014/main" xmlns:p14="http://schemas.microsoft.com/office/powerpoint/2010/main" xmlns:a14="http://schemas.microsoft.com/office/drawing/2010/main" xmlns="" w="9525">
                   <a:solidFill>
                     <a:srgbClr val="000000"/>
                   </a:solidFill>
@@ -20526,7 +20864,7 @@
             </a:ln>
             <a:extLst>
               <a:ext uri="{91240B29-F687-4f45-9708-019B960494DF}">
-                <a14:hiddenLine xmlns="" xmlns:a14="http://schemas.microsoft.com/office/drawing/2010/main" xmlns:p14="http://schemas.microsoft.com/office/powerpoint/2010/main" xmlns:a16="http://schemas.microsoft.com/office/drawing/2014/main" w="9525">
+                <a14:hiddenLine xmlns:a16="http://schemas.microsoft.com/office/drawing/2014/main" xmlns:p14="http://schemas.microsoft.com/office/powerpoint/2010/main" xmlns:a14="http://schemas.microsoft.com/office/drawing/2010/main" xmlns="" w="9525">
                   <a:solidFill>
                     <a:srgbClr val="000000"/>
                   </a:solidFill>
@@ -20603,7 +20941,7 @@
             </a:ln>
             <a:extLst>
               <a:ext uri="{91240B29-F687-4f45-9708-019B960494DF}">
-                <a14:hiddenLine xmlns="" xmlns:a14="http://schemas.microsoft.com/office/drawing/2010/main" xmlns:p14="http://schemas.microsoft.com/office/powerpoint/2010/main" xmlns:a16="http://schemas.microsoft.com/office/drawing/2014/main" w="9525">
+                <a14:hiddenLine xmlns:a16="http://schemas.microsoft.com/office/drawing/2014/main" xmlns:p14="http://schemas.microsoft.com/office/powerpoint/2010/main" xmlns:a14="http://schemas.microsoft.com/office/drawing/2010/main" xmlns="" w="9525">
                   <a:solidFill>
                     <a:srgbClr val="000000"/>
                   </a:solidFill>
@@ -20708,7 +21046,7 @@
             </a:ln>
             <a:extLst>
               <a:ext uri="{91240B29-F687-4f45-9708-019B960494DF}">
-                <a14:hiddenLine xmlns="" xmlns:a14="http://schemas.microsoft.com/office/drawing/2010/main" xmlns:p14="http://schemas.microsoft.com/office/powerpoint/2010/main" xmlns:a16="http://schemas.microsoft.com/office/drawing/2014/main" w="9525">
+                <a14:hiddenLine xmlns:a16="http://schemas.microsoft.com/office/drawing/2014/main" xmlns:p14="http://schemas.microsoft.com/office/powerpoint/2010/main" xmlns:a14="http://schemas.microsoft.com/office/drawing/2010/main" xmlns="" w="9525">
                   <a:solidFill>
                     <a:srgbClr val="000000"/>
                   </a:solidFill>
@@ -20813,7 +21151,7 @@
             </a:ln>
             <a:extLst>
               <a:ext uri="{91240B29-F687-4f45-9708-019B960494DF}">
-                <a14:hiddenLine xmlns="" xmlns:a14="http://schemas.microsoft.com/office/drawing/2010/main" xmlns:p14="http://schemas.microsoft.com/office/powerpoint/2010/main" xmlns:a16="http://schemas.microsoft.com/office/drawing/2014/main" w="9525">
+                <a14:hiddenLine xmlns:a16="http://schemas.microsoft.com/office/drawing/2014/main" xmlns:p14="http://schemas.microsoft.com/office/powerpoint/2010/main" xmlns:a14="http://schemas.microsoft.com/office/drawing/2010/main" xmlns="" w="9525">
                   <a:solidFill>
                     <a:srgbClr val="000000"/>
                   </a:solidFill>
@@ -20893,7 +21231,7 @@
             </a:ln>
             <a:extLst>
               <a:ext uri="{91240B29-F687-4f45-9708-019B960494DF}">
-                <a14:hiddenLine xmlns="" xmlns:a14="http://schemas.microsoft.com/office/drawing/2010/main" xmlns:p14="http://schemas.microsoft.com/office/powerpoint/2010/main" xmlns:a16="http://schemas.microsoft.com/office/drawing/2014/main" w="9525">
+                <a14:hiddenLine xmlns:a16="http://schemas.microsoft.com/office/drawing/2014/main" xmlns:p14="http://schemas.microsoft.com/office/powerpoint/2010/main" xmlns:a14="http://schemas.microsoft.com/office/drawing/2010/main" xmlns="" w="9525">
                   <a:solidFill>
                     <a:srgbClr val="000000"/>
                   </a:solidFill>
@@ -21028,7 +21366,7 @@
             </a:ln>
             <a:extLst>
               <a:ext uri="{91240B29-F687-4f45-9708-019B960494DF}">
-                <a14:hiddenLine xmlns="" xmlns:a14="http://schemas.microsoft.com/office/drawing/2010/main" xmlns:p14="http://schemas.microsoft.com/office/powerpoint/2010/main" xmlns:a16="http://schemas.microsoft.com/office/drawing/2014/main" w="9525">
+                <a14:hiddenLine xmlns:a16="http://schemas.microsoft.com/office/drawing/2014/main" xmlns:p14="http://schemas.microsoft.com/office/powerpoint/2010/main" xmlns:a14="http://schemas.microsoft.com/office/drawing/2010/main" xmlns="" w="9525">
                   <a:solidFill>
                     <a:srgbClr val="000000"/>
                   </a:solidFill>
@@ -21235,7 +21573,7 @@
             </a:ln>
             <a:extLst>
               <a:ext uri="{91240B29-F687-4f45-9708-019B960494DF}">
-                <a14:hiddenLine xmlns="" xmlns:a14="http://schemas.microsoft.com/office/drawing/2010/main" xmlns:p14="http://schemas.microsoft.com/office/powerpoint/2010/main" xmlns:a16="http://schemas.microsoft.com/office/drawing/2014/main" w="9525">
+                <a14:hiddenLine xmlns:a16="http://schemas.microsoft.com/office/drawing/2014/main" xmlns:p14="http://schemas.microsoft.com/office/powerpoint/2010/main" xmlns:a14="http://schemas.microsoft.com/office/drawing/2010/main" xmlns="" w="9525">
                   <a:solidFill>
                     <a:srgbClr val="000000"/>
                   </a:solidFill>
@@ -21365,7 +21703,7 @@
             </a:ln>
             <a:extLst>
               <a:ext uri="{91240B29-F687-4f45-9708-019B960494DF}">
-                <a14:hiddenLine xmlns="" xmlns:a14="http://schemas.microsoft.com/office/drawing/2010/main" xmlns:p14="http://schemas.microsoft.com/office/powerpoint/2010/main" xmlns:a16="http://schemas.microsoft.com/office/drawing/2014/main" w="9525">
+                <a14:hiddenLine xmlns:a16="http://schemas.microsoft.com/office/drawing/2014/main" xmlns:p14="http://schemas.microsoft.com/office/powerpoint/2010/main" xmlns:a14="http://schemas.microsoft.com/office/drawing/2010/main" xmlns="" w="9525">
                   <a:solidFill>
                     <a:srgbClr val="000000"/>
                   </a:solidFill>
@@ -21470,7 +21808,7 @@
             </a:ln>
             <a:extLst>
               <a:ext uri="{91240B29-F687-4f45-9708-019B960494DF}">
-                <a14:hiddenLine xmlns="" xmlns:a14="http://schemas.microsoft.com/office/drawing/2010/main" xmlns:p14="http://schemas.microsoft.com/office/powerpoint/2010/main" xmlns:a16="http://schemas.microsoft.com/office/drawing/2014/main" w="9525">
+                <a14:hiddenLine xmlns:a16="http://schemas.microsoft.com/office/drawing/2014/main" xmlns:p14="http://schemas.microsoft.com/office/powerpoint/2010/main" xmlns:a14="http://schemas.microsoft.com/office/drawing/2010/main" xmlns="" w="9525">
                   <a:solidFill>
                     <a:srgbClr val="000000"/>
                   </a:solidFill>
@@ -21550,7 +21888,7 @@
             </a:ln>
             <a:extLst>
               <a:ext uri="{91240B29-F687-4f45-9708-019B960494DF}">
-                <a14:hiddenLine xmlns="" xmlns:a14="http://schemas.microsoft.com/office/drawing/2010/main" xmlns:p14="http://schemas.microsoft.com/office/powerpoint/2010/main" xmlns:a16="http://schemas.microsoft.com/office/drawing/2014/main" w="9525">
+                <a14:hiddenLine xmlns:a16="http://schemas.microsoft.com/office/drawing/2014/main" xmlns:p14="http://schemas.microsoft.com/office/powerpoint/2010/main" xmlns:a14="http://schemas.microsoft.com/office/drawing/2010/main" xmlns="" w="9525">
                   <a:solidFill>
                     <a:srgbClr val="000000"/>
                   </a:solidFill>
@@ -21655,7 +21993,7 @@
             </a:ln>
             <a:extLst>
               <a:ext uri="{91240B29-F687-4f45-9708-019B960494DF}">
-                <a14:hiddenLine xmlns="" xmlns:a14="http://schemas.microsoft.com/office/drawing/2010/main" xmlns:p14="http://schemas.microsoft.com/office/powerpoint/2010/main" xmlns:a16="http://schemas.microsoft.com/office/drawing/2014/main" w="9525">
+                <a14:hiddenLine xmlns:a16="http://schemas.microsoft.com/office/drawing/2014/main" xmlns:p14="http://schemas.microsoft.com/office/powerpoint/2010/main" xmlns:a14="http://schemas.microsoft.com/office/drawing/2010/main" xmlns="" w="9525">
                   <a:solidFill>
                     <a:srgbClr val="000000"/>
                   </a:solidFill>
@@ -21738,7 +22076,7 @@
             </a:ln>
             <a:extLst>
               <a:ext uri="{91240B29-F687-4f45-9708-019B960494DF}">
-                <a14:hiddenLine xmlns="" xmlns:a14="http://schemas.microsoft.com/office/drawing/2010/main" xmlns:p14="http://schemas.microsoft.com/office/powerpoint/2010/main" xmlns:a16="http://schemas.microsoft.com/office/drawing/2014/main" w="9525">
+                <a14:hiddenLine xmlns:a16="http://schemas.microsoft.com/office/drawing/2014/main" xmlns:p14="http://schemas.microsoft.com/office/powerpoint/2010/main" xmlns:a14="http://schemas.microsoft.com/office/drawing/2010/main" xmlns="" w="9525">
                   <a:solidFill>
                     <a:srgbClr val="000000"/>
                   </a:solidFill>
@@ -21843,7 +22181,7 @@
             </a:ln>
             <a:extLst>
               <a:ext uri="{91240B29-F687-4f45-9708-019B960494DF}">
-                <a14:hiddenLine xmlns="" xmlns:a14="http://schemas.microsoft.com/office/drawing/2010/main" xmlns:p14="http://schemas.microsoft.com/office/powerpoint/2010/main" xmlns:a16="http://schemas.microsoft.com/office/drawing/2014/main" w="9525">
+                <a14:hiddenLine xmlns:a16="http://schemas.microsoft.com/office/drawing/2014/main" xmlns:p14="http://schemas.microsoft.com/office/powerpoint/2010/main" xmlns:a14="http://schemas.microsoft.com/office/drawing/2010/main" xmlns="" w="9525">
                   <a:solidFill>
                     <a:srgbClr val="000000"/>
                   </a:solidFill>
@@ -21926,7 +22264,7 @@
             </a:ln>
             <a:extLst>
               <a:ext uri="{91240B29-F687-4f45-9708-019B960494DF}">
-                <a14:hiddenLine xmlns="" xmlns:a14="http://schemas.microsoft.com/office/drawing/2010/main" xmlns:p14="http://schemas.microsoft.com/office/powerpoint/2010/main" xmlns:a16="http://schemas.microsoft.com/office/drawing/2014/main" w="9525">
+                <a14:hiddenLine xmlns:a16="http://schemas.microsoft.com/office/drawing/2014/main" xmlns:p14="http://schemas.microsoft.com/office/powerpoint/2010/main" xmlns:a14="http://schemas.microsoft.com/office/drawing/2010/main" xmlns="" w="9525">
                   <a:solidFill>
                     <a:srgbClr val="000000"/>
                   </a:solidFill>
@@ -22031,7 +22369,7 @@
             </a:ln>
             <a:extLst>
               <a:ext uri="{91240B29-F687-4f45-9708-019B960494DF}">
-                <a14:hiddenLine xmlns="" xmlns:a14="http://schemas.microsoft.com/office/drawing/2010/main" xmlns:p14="http://schemas.microsoft.com/office/powerpoint/2010/main" xmlns:a16="http://schemas.microsoft.com/office/drawing/2014/main" w="9525">
+                <a14:hiddenLine xmlns:a16="http://schemas.microsoft.com/office/drawing/2014/main" xmlns:p14="http://schemas.microsoft.com/office/powerpoint/2010/main" xmlns:a14="http://schemas.microsoft.com/office/drawing/2010/main" xmlns="" w="9525">
                   <a:solidFill>
                     <a:srgbClr val="000000"/>
                   </a:solidFill>
@@ -22080,7 +22418,7 @@
             </a:ln>
             <a:extLst>
               <a:ext uri="{91240B29-F687-4f45-9708-019B960494DF}">
-                <a14:hiddenLine xmlns="" xmlns:a14="http://schemas.microsoft.com/office/drawing/2010/main" xmlns:p14="http://schemas.microsoft.com/office/powerpoint/2010/main" xmlns:a16="http://schemas.microsoft.com/office/drawing/2014/main" w="9525">
+                <a14:hiddenLine xmlns:a16="http://schemas.microsoft.com/office/drawing/2014/main" xmlns:p14="http://schemas.microsoft.com/office/powerpoint/2010/main" xmlns:a14="http://schemas.microsoft.com/office/drawing/2010/main" xmlns="" w="9525">
                   <a:solidFill>
                     <a:srgbClr val="000000"/>
                   </a:solidFill>
@@ -22608,68 +22946,6 @@
           </a:p>
         </p:txBody>
       </p:sp>
-      <p:pic>
-        <p:nvPicPr>
-          <p:cNvPr id="5" name="Content Placeholder 4">
-            <a:extLst>
-              <a:ext uri="{FF2B5EF4-FFF2-40B4-BE49-F238E27FC236}">
-                <a16:creationId xmlns:a16="http://schemas.microsoft.com/office/drawing/2014/main" id="{DBDD860C-B768-4447-A4B6-CD89A37802E8}"/>
-              </a:ext>
-            </a:extLst>
-          </p:cNvPr>
-          <p:cNvPicPr>
-            <a:picLocks noGrp="1" noChangeAspect="1"/>
-          </p:cNvPicPr>
-          <p:nvPr>
-            <p:ph idx="1"/>
-          </p:nvPr>
-        </p:nvPicPr>
-        <p:blipFill>
-          <a:blip r:embed="rId3"/>
-          <a:stretch>
-            <a:fillRect/>
-          </a:stretch>
-        </p:blipFill>
-        <p:spPr>
-          <a:xfrm>
-            <a:off x="1754910" y="1385888"/>
-            <a:ext cx="8275781" cy="5152081"/>
-          </a:xfrm>
-          <a:prstGeom prst="rect">
-            <a:avLst/>
-          </a:prstGeom>
-          <a:solidFill>
-            <a:srgbClr val="FFFFFF">
-              <a:shade val="85000"/>
-            </a:srgbClr>
-          </a:solidFill>
-          <a:ln w="88900" cap="sq">
-            <a:solidFill>
-              <a:srgbClr val="FFFFFF"/>
-            </a:solidFill>
-            <a:miter lim="800000"/>
-          </a:ln>
-          <a:effectLst>
-            <a:outerShdw blurRad="55000" dist="18000" dir="5400000" algn="tl" rotWithShape="0">
-              <a:srgbClr val="000000">
-                <a:alpha val="40000"/>
-              </a:srgbClr>
-            </a:outerShdw>
-          </a:effectLst>
-          <a:scene3d>
-            <a:camera prst="orthographicFront"/>
-            <a:lightRig rig="twoPt" dir="t">
-              <a:rot lat="0" lon="0" rev="7200000"/>
-            </a:lightRig>
-          </a:scene3d>
-          <a:sp3d>
-            <a:bevelT w="25400" h="19050"/>
-            <a:contourClr>
-              <a:srgbClr val="FFFFFF"/>
-            </a:contourClr>
-          </a:sp3d>
-        </p:spPr>
-      </p:pic>
       <p:cxnSp>
         <p:nvCxnSpPr>
           <p:cNvPr id="4" name="Straight Connector 3"/>
@@ -22705,6 +22981,35 @@
           </a:fontRef>
         </p:style>
       </p:cxnSp>
+      <p:pic>
+        <p:nvPicPr>
+          <p:cNvPr id="8" name="Content Placeholder 7" descr="A picture containing wall, map&#13;&#10;&#13;&#10;Description automatically generated">
+            <a:extLst>
+              <a:ext uri="{FF2B5EF4-FFF2-40B4-BE49-F238E27FC236}">
+                <a16:creationId xmlns:a16="http://schemas.microsoft.com/office/drawing/2014/main" id="{CCBBB80F-4D86-5147-A06E-0DBAF4523D6B}"/>
+              </a:ext>
+            </a:extLst>
+          </p:cNvPr>
+          <p:cNvPicPr>
+            <a:picLocks noGrp="1" noChangeAspect="1"/>
+          </p:cNvPicPr>
+          <p:nvPr>
+            <p:ph idx="1"/>
+          </p:nvPr>
+        </p:nvPicPr>
+        <p:blipFill>
+          <a:blip r:embed="rId3"/>
+          <a:stretch>
+            <a:fillRect/>
+          </a:stretch>
+        </p:blipFill>
+        <p:spPr>
+          <a:xfrm>
+            <a:off x="2114372" y="1478570"/>
+            <a:ext cx="7254479" cy="4939220"/>
+          </a:xfrm>
+        </p:spPr>
+      </p:pic>
     </p:spTree>
     <p:extLst>
       <p:ext uri="{BB962C8B-B14F-4D97-AF65-F5344CB8AC3E}">

--- a/CaseStudy1 Presentation.pptx
+++ b/CaseStudy1 Presentation.pptx
@@ -241,7 +241,7 @@
           <a:p>
             <a:fld id="{1AF07D79-51EF-944D-A48B-9F68CC0182BF}" type="datetimeFigureOut">
               <a:rPr lang="en-US" smtClean="0"/>
-              <a:t>2/28/19</a:t>
+              <a:t>2/28/2019</a:t>
             </a:fld>
             <a:endParaRPr lang="en-US"/>
           </a:p>
@@ -1187,7 +1187,7 @@
           <a:noFill/>
           <a:extLst>
             <a:ext uri="{909E8E84-426E-40dd-AFC4-6F175D3DCCD1}">
-              <a14:hiddenFill xmlns="" xmlns:a14="http://schemas.microsoft.com/office/drawing/2010/main">
+              <a14:hiddenFill xmlns:a14="http://schemas.microsoft.com/office/drawing/2010/main" xmlns="">
                 <a:solidFill>
                   <a:srgbClr val="FFFFFF"/>
                 </a:solidFill>
@@ -1246,7 +1246,7 @@
             </a:ln>
             <a:extLst>
               <a:ext uri="{91240B29-F687-4f45-9708-019B960494DF}">
-                <a14:hiddenLine xmlns="" xmlns:a14="http://schemas.microsoft.com/office/drawing/2010/main" w="9525">
+                <a14:hiddenLine xmlns:a14="http://schemas.microsoft.com/office/drawing/2010/main" xmlns="" w="9525">
                   <a:solidFill>
                     <a:srgbClr val="000000"/>
                   </a:solidFill>
@@ -1336,7 +1336,7 @@
             </a:ln>
             <a:extLst>
               <a:ext uri="{91240B29-F687-4f45-9708-019B960494DF}">
-                <a14:hiddenLine xmlns="" xmlns:a14="http://schemas.microsoft.com/office/drawing/2010/main" w="9525">
+                <a14:hiddenLine xmlns:a14="http://schemas.microsoft.com/office/drawing/2010/main" xmlns="" w="9525">
                   <a:solidFill>
                     <a:srgbClr val="000000"/>
                   </a:solidFill>
@@ -1426,7 +1426,7 @@
             </a:ln>
             <a:extLst>
               <a:ext uri="{91240B29-F687-4f45-9708-019B960494DF}">
-                <a14:hiddenLine xmlns="" xmlns:a14="http://schemas.microsoft.com/office/drawing/2010/main" w="9525">
+                <a14:hiddenLine xmlns:a14="http://schemas.microsoft.com/office/drawing/2010/main" xmlns="" w="9525">
                   <a:solidFill>
                     <a:srgbClr val="000000"/>
                   </a:solidFill>
@@ -1460,7 +1460,7 @@
             </a:ln>
             <a:extLst>
               <a:ext uri="{91240B29-F687-4f45-9708-019B960494DF}">
-                <a14:hiddenLine xmlns="" xmlns:a14="http://schemas.microsoft.com/office/drawing/2010/main" w="9525">
+                <a14:hiddenLine xmlns:a14="http://schemas.microsoft.com/office/drawing/2010/main" xmlns="" w="9525">
                   <a:solidFill>
                     <a:srgbClr val="000000"/>
                   </a:solidFill>
@@ -1550,7 +1550,7 @@
             </a:ln>
             <a:extLst>
               <a:ext uri="{91240B29-F687-4f45-9708-019B960494DF}">
-                <a14:hiddenLine xmlns="" xmlns:a14="http://schemas.microsoft.com/office/drawing/2010/main" w="9525">
+                <a14:hiddenLine xmlns:a14="http://schemas.microsoft.com/office/drawing/2010/main" xmlns="" w="9525">
                   <a:solidFill>
                     <a:srgbClr val="000000"/>
                   </a:solidFill>
@@ -1612,7 +1612,7 @@
             </a:ln>
             <a:extLst>
               <a:ext uri="{91240B29-F687-4f45-9708-019B960494DF}">
-                <a14:hiddenLine xmlns="" xmlns:a14="http://schemas.microsoft.com/office/drawing/2010/main" w="9525">
+                <a14:hiddenLine xmlns:a14="http://schemas.microsoft.com/office/drawing/2010/main" xmlns="" w="9525">
                   <a:solidFill>
                     <a:srgbClr val="000000"/>
                   </a:solidFill>
@@ -1674,7 +1674,7 @@
             </a:ln>
             <a:extLst>
               <a:ext uri="{91240B29-F687-4f45-9708-019B960494DF}">
-                <a14:hiddenLine xmlns="" xmlns:a14="http://schemas.microsoft.com/office/drawing/2010/main" w="9525">
+                <a14:hiddenLine xmlns:a14="http://schemas.microsoft.com/office/drawing/2010/main" xmlns="" w="9525">
                   <a:solidFill>
                     <a:srgbClr val="000000"/>
                   </a:solidFill>
@@ -1764,7 +1764,7 @@
             </a:ln>
             <a:extLst>
               <a:ext uri="{91240B29-F687-4f45-9708-019B960494DF}">
-                <a14:hiddenLine xmlns="" xmlns:a14="http://schemas.microsoft.com/office/drawing/2010/main" w="9525">
+                <a14:hiddenLine xmlns:a14="http://schemas.microsoft.com/office/drawing/2010/main" xmlns="" w="9525">
                   <a:solidFill>
                     <a:srgbClr val="000000"/>
                   </a:solidFill>
@@ -1826,7 +1826,7 @@
             </a:ln>
             <a:extLst>
               <a:ext uri="{91240B29-F687-4f45-9708-019B960494DF}">
-                <a14:hiddenLine xmlns="" xmlns:a14="http://schemas.microsoft.com/office/drawing/2010/main" w="9525">
+                <a14:hiddenLine xmlns:a14="http://schemas.microsoft.com/office/drawing/2010/main" xmlns="" w="9525">
                   <a:solidFill>
                     <a:srgbClr val="000000"/>
                   </a:solidFill>
@@ -1888,7 +1888,7 @@
             </a:ln>
             <a:extLst>
               <a:ext uri="{91240B29-F687-4f45-9708-019B960494DF}">
-                <a14:hiddenLine xmlns="" xmlns:a14="http://schemas.microsoft.com/office/drawing/2010/main" w="9525">
+                <a14:hiddenLine xmlns:a14="http://schemas.microsoft.com/office/drawing/2010/main" xmlns="" w="9525">
                   <a:solidFill>
                     <a:srgbClr val="000000"/>
                   </a:solidFill>
@@ -1978,7 +1978,7 @@
             </a:ln>
             <a:extLst>
               <a:ext uri="{91240B29-F687-4f45-9708-019B960494DF}">
-                <a14:hiddenLine xmlns="" xmlns:a14="http://schemas.microsoft.com/office/drawing/2010/main" w="9525">
+                <a14:hiddenLine xmlns:a14="http://schemas.microsoft.com/office/drawing/2010/main" xmlns="" w="9525">
                   <a:solidFill>
                     <a:srgbClr val="000000"/>
                   </a:solidFill>
@@ -2068,7 +2068,7 @@
             </a:ln>
             <a:extLst>
               <a:ext uri="{91240B29-F687-4f45-9708-019B960494DF}">
-                <a14:hiddenLine xmlns="" xmlns:a14="http://schemas.microsoft.com/office/drawing/2010/main" w="9525">
+                <a14:hiddenLine xmlns:a14="http://schemas.microsoft.com/office/drawing/2010/main" xmlns="" w="9525">
                   <a:solidFill>
                     <a:srgbClr val="000000"/>
                   </a:solidFill>
@@ -2130,7 +2130,7 @@
             </a:ln>
             <a:extLst>
               <a:ext uri="{91240B29-F687-4f45-9708-019B960494DF}">
-                <a14:hiddenLine xmlns="" xmlns:a14="http://schemas.microsoft.com/office/drawing/2010/main" w="9525">
+                <a14:hiddenLine xmlns:a14="http://schemas.microsoft.com/office/drawing/2010/main" xmlns="" w="9525">
                   <a:solidFill>
                     <a:srgbClr val="000000"/>
                   </a:solidFill>
@@ -2240,7 +2240,7 @@
             </a:ln>
             <a:extLst>
               <a:ext uri="{91240B29-F687-4f45-9708-019B960494DF}">
-                <a14:hiddenLine xmlns="" xmlns:a14="http://schemas.microsoft.com/office/drawing/2010/main" w="9525">
+                <a14:hiddenLine xmlns:a14="http://schemas.microsoft.com/office/drawing/2010/main" xmlns="" w="9525">
                   <a:solidFill>
                     <a:srgbClr val="000000"/>
                   </a:solidFill>
@@ -2302,7 +2302,7 @@
             </a:ln>
             <a:extLst>
               <a:ext uri="{91240B29-F687-4f45-9708-019B960494DF}">
-                <a14:hiddenLine xmlns="" xmlns:a14="http://schemas.microsoft.com/office/drawing/2010/main" w="9525">
+                <a14:hiddenLine xmlns:a14="http://schemas.microsoft.com/office/drawing/2010/main" xmlns="" w="9525">
                   <a:solidFill>
                     <a:srgbClr val="000000"/>
                   </a:solidFill>
@@ -2392,7 +2392,7 @@
             </a:ln>
             <a:extLst>
               <a:ext uri="{91240B29-F687-4f45-9708-019B960494DF}">
-                <a14:hiddenLine xmlns="" xmlns:a14="http://schemas.microsoft.com/office/drawing/2010/main" w="9525">
+                <a14:hiddenLine xmlns:a14="http://schemas.microsoft.com/office/drawing/2010/main" xmlns="" w="9525">
                   <a:solidFill>
                     <a:srgbClr val="000000"/>
                   </a:solidFill>
@@ -2482,7 +2482,7 @@
             </a:ln>
             <a:extLst>
               <a:ext uri="{91240B29-F687-4f45-9708-019B960494DF}">
-                <a14:hiddenLine xmlns="" xmlns:a14="http://schemas.microsoft.com/office/drawing/2010/main" w="9525">
+                <a14:hiddenLine xmlns:a14="http://schemas.microsoft.com/office/drawing/2010/main" xmlns="" w="9525">
                   <a:solidFill>
                     <a:srgbClr val="000000"/>
                   </a:solidFill>
@@ -2544,7 +2544,7 @@
             </a:ln>
             <a:extLst>
               <a:ext uri="{91240B29-F687-4f45-9708-019B960494DF}">
-                <a14:hiddenLine xmlns="" xmlns:a14="http://schemas.microsoft.com/office/drawing/2010/main" w="9525">
+                <a14:hiddenLine xmlns:a14="http://schemas.microsoft.com/office/drawing/2010/main" xmlns="" w="9525">
                   <a:solidFill>
                     <a:srgbClr val="000000"/>
                   </a:solidFill>
@@ -2634,7 +2634,7 @@
             </a:ln>
             <a:extLst>
               <a:ext uri="{91240B29-F687-4f45-9708-019B960494DF}">
-                <a14:hiddenLine xmlns="" xmlns:a14="http://schemas.microsoft.com/office/drawing/2010/main" w="9525">
+                <a14:hiddenLine xmlns:a14="http://schemas.microsoft.com/office/drawing/2010/main" xmlns="" w="9525">
                   <a:solidFill>
                     <a:srgbClr val="000000"/>
                   </a:solidFill>
@@ -2724,7 +2724,7 @@
             </a:ln>
             <a:extLst>
               <a:ext uri="{91240B29-F687-4f45-9708-019B960494DF}">
-                <a14:hiddenLine xmlns="" xmlns:a14="http://schemas.microsoft.com/office/drawing/2010/main" w="9525">
+                <a14:hiddenLine xmlns:a14="http://schemas.microsoft.com/office/drawing/2010/main" xmlns="" w="9525">
                   <a:solidFill>
                     <a:srgbClr val="000000"/>
                   </a:solidFill>
@@ -2780,7 +2780,7 @@
             </a:ln>
             <a:extLst>
               <a:ext uri="{91240B29-F687-4f45-9708-019B960494DF}">
-                <a14:hiddenLine xmlns="" xmlns:a14="http://schemas.microsoft.com/office/drawing/2010/main" w="9525">
+                <a14:hiddenLine xmlns:a14="http://schemas.microsoft.com/office/drawing/2010/main" xmlns="" w="9525">
                   <a:solidFill>
                     <a:srgbClr val="000000"/>
                   </a:solidFill>
@@ -2870,7 +2870,7 @@
             </a:ln>
             <a:extLst>
               <a:ext uri="{91240B29-F687-4f45-9708-019B960494DF}">
-                <a14:hiddenLine xmlns="" xmlns:a14="http://schemas.microsoft.com/office/drawing/2010/main" w="9525">
+                <a14:hiddenLine xmlns:a14="http://schemas.microsoft.com/office/drawing/2010/main" xmlns="" w="9525">
                   <a:solidFill>
                     <a:srgbClr val="000000"/>
                   </a:solidFill>
@@ -2926,7 +2926,7 @@
             </a:ln>
             <a:extLst>
               <a:ext uri="{91240B29-F687-4f45-9708-019B960494DF}">
-                <a14:hiddenLine xmlns="" xmlns:a14="http://schemas.microsoft.com/office/drawing/2010/main" w="9525">
+                <a14:hiddenLine xmlns:a14="http://schemas.microsoft.com/office/drawing/2010/main" xmlns="" w="9525">
                   <a:solidFill>
                     <a:srgbClr val="000000"/>
                   </a:solidFill>
@@ -3016,7 +3016,7 @@
             </a:ln>
             <a:extLst>
               <a:ext uri="{91240B29-F687-4f45-9708-019B960494DF}">
-                <a14:hiddenLine xmlns="" xmlns:a14="http://schemas.microsoft.com/office/drawing/2010/main" w="9525">
+                <a14:hiddenLine xmlns:a14="http://schemas.microsoft.com/office/drawing/2010/main" xmlns="" w="9525">
                   <a:solidFill>
                     <a:srgbClr val="000000"/>
                   </a:solidFill>
@@ -3084,7 +3084,7 @@
             </a:ln>
             <a:extLst>
               <a:ext uri="{91240B29-F687-4f45-9708-019B960494DF}">
-                <a14:hiddenLine xmlns="" xmlns:a14="http://schemas.microsoft.com/office/drawing/2010/main" w="9525">
+                <a14:hiddenLine xmlns:a14="http://schemas.microsoft.com/office/drawing/2010/main" xmlns="" w="9525">
                   <a:solidFill>
                     <a:srgbClr val="000000"/>
                   </a:solidFill>
@@ -3174,7 +3174,7 @@
             </a:ln>
             <a:extLst>
               <a:ext uri="{91240B29-F687-4f45-9708-019B960494DF}">
-                <a14:hiddenLine xmlns="" xmlns:a14="http://schemas.microsoft.com/office/drawing/2010/main" w="9525">
+                <a14:hiddenLine xmlns:a14="http://schemas.microsoft.com/office/drawing/2010/main" xmlns="" w="9525">
                   <a:solidFill>
                     <a:srgbClr val="000000"/>
                   </a:solidFill>
@@ -3242,7 +3242,7 @@
             </a:ln>
             <a:extLst>
               <a:ext uri="{91240B29-F687-4f45-9708-019B960494DF}">
-                <a14:hiddenLine xmlns="" xmlns:a14="http://schemas.microsoft.com/office/drawing/2010/main" w="9525">
+                <a14:hiddenLine xmlns:a14="http://schemas.microsoft.com/office/drawing/2010/main" xmlns="" w="9525">
                   <a:solidFill>
                     <a:srgbClr val="000000"/>
                   </a:solidFill>
@@ -3332,7 +3332,7 @@
             </a:ln>
             <a:extLst>
               <a:ext uri="{91240B29-F687-4f45-9708-019B960494DF}">
-                <a14:hiddenLine xmlns="" xmlns:a14="http://schemas.microsoft.com/office/drawing/2010/main" w="9525">
+                <a14:hiddenLine xmlns:a14="http://schemas.microsoft.com/office/drawing/2010/main" xmlns="" w="9525">
                   <a:solidFill>
                     <a:srgbClr val="000000"/>
                   </a:solidFill>
@@ -3366,7 +3366,7 @@
             </a:ln>
             <a:extLst>
               <a:ext uri="{91240B29-F687-4f45-9708-019B960494DF}">
-                <a14:hiddenLine xmlns="" xmlns:a14="http://schemas.microsoft.com/office/drawing/2010/main" w="9525">
+                <a14:hiddenLine xmlns:a14="http://schemas.microsoft.com/office/drawing/2010/main" xmlns="" w="9525">
                   <a:solidFill>
                     <a:srgbClr val="000000"/>
                   </a:solidFill>
@@ -3456,7 +3456,7 @@
             </a:ln>
             <a:extLst>
               <a:ext uri="{91240B29-F687-4f45-9708-019B960494DF}">
-                <a14:hiddenLine xmlns="" xmlns:a14="http://schemas.microsoft.com/office/drawing/2010/main" w="9525">
+                <a14:hiddenLine xmlns:a14="http://schemas.microsoft.com/office/drawing/2010/main" xmlns="" w="9525">
                   <a:solidFill>
                     <a:srgbClr val="000000"/>
                   </a:solidFill>
@@ -3518,7 +3518,7 @@
             </a:ln>
             <a:extLst>
               <a:ext uri="{91240B29-F687-4f45-9708-019B960494DF}">
-                <a14:hiddenLine xmlns="" xmlns:a14="http://schemas.microsoft.com/office/drawing/2010/main" w="9525">
+                <a14:hiddenLine xmlns:a14="http://schemas.microsoft.com/office/drawing/2010/main" xmlns="" w="9525">
                   <a:solidFill>
                     <a:srgbClr val="000000"/>
                   </a:solidFill>
@@ -3580,7 +3580,7 @@
             </a:ln>
             <a:extLst>
               <a:ext uri="{91240B29-F687-4f45-9708-019B960494DF}">
-                <a14:hiddenLine xmlns="" xmlns:a14="http://schemas.microsoft.com/office/drawing/2010/main" w="9525">
+                <a14:hiddenLine xmlns:a14="http://schemas.microsoft.com/office/drawing/2010/main" xmlns="" w="9525">
                   <a:solidFill>
                     <a:srgbClr val="000000"/>
                   </a:solidFill>
@@ -3670,7 +3670,7 @@
             </a:ln>
             <a:extLst>
               <a:ext uri="{91240B29-F687-4f45-9708-019B960494DF}">
-                <a14:hiddenLine xmlns="" xmlns:a14="http://schemas.microsoft.com/office/drawing/2010/main" w="9525">
+                <a14:hiddenLine xmlns:a14="http://schemas.microsoft.com/office/drawing/2010/main" xmlns="" w="9525">
                   <a:solidFill>
                     <a:srgbClr val="000000"/>
                   </a:solidFill>
@@ -3738,7 +3738,7 @@
             </a:ln>
             <a:extLst>
               <a:ext uri="{91240B29-F687-4f45-9708-019B960494DF}">
-                <a14:hiddenLine xmlns="" xmlns:a14="http://schemas.microsoft.com/office/drawing/2010/main" w="9525">
+                <a14:hiddenLine xmlns:a14="http://schemas.microsoft.com/office/drawing/2010/main" xmlns="" w="9525">
                   <a:solidFill>
                     <a:srgbClr val="000000"/>
                   </a:solidFill>
@@ -3800,7 +3800,7 @@
             </a:ln>
             <a:extLst>
               <a:ext uri="{91240B29-F687-4f45-9708-019B960494DF}">
-                <a14:hiddenLine xmlns="" xmlns:a14="http://schemas.microsoft.com/office/drawing/2010/main" w="9525">
+                <a14:hiddenLine xmlns:a14="http://schemas.microsoft.com/office/drawing/2010/main" xmlns="" w="9525">
                   <a:solidFill>
                     <a:srgbClr val="000000"/>
                   </a:solidFill>
@@ -3890,7 +3890,7 @@
             </a:ln>
             <a:extLst>
               <a:ext uri="{91240B29-F687-4f45-9708-019B960494DF}">
-                <a14:hiddenLine xmlns="" xmlns:a14="http://schemas.microsoft.com/office/drawing/2010/main" w="9525">
+                <a14:hiddenLine xmlns:a14="http://schemas.microsoft.com/office/drawing/2010/main" xmlns="" w="9525">
                   <a:solidFill>
                     <a:srgbClr val="000000"/>
                   </a:solidFill>
@@ -3952,7 +3952,7 @@
             </a:ln>
             <a:extLst>
               <a:ext uri="{91240B29-F687-4f45-9708-019B960494DF}">
-                <a14:hiddenLine xmlns="" xmlns:a14="http://schemas.microsoft.com/office/drawing/2010/main" w="9525">
+                <a14:hiddenLine xmlns:a14="http://schemas.microsoft.com/office/drawing/2010/main" xmlns="" w="9525">
                   <a:solidFill>
                     <a:srgbClr val="000000"/>
                   </a:solidFill>
@@ -4042,7 +4042,7 @@
             </a:ln>
             <a:extLst>
               <a:ext uri="{91240B29-F687-4f45-9708-019B960494DF}">
-                <a14:hiddenLine xmlns="" xmlns:a14="http://schemas.microsoft.com/office/drawing/2010/main" w="9525">
+                <a14:hiddenLine xmlns:a14="http://schemas.microsoft.com/office/drawing/2010/main" xmlns="" w="9525">
                   <a:solidFill>
                     <a:srgbClr val="000000"/>
                   </a:solidFill>
@@ -4104,7 +4104,7 @@
             </a:ln>
             <a:extLst>
               <a:ext uri="{91240B29-F687-4f45-9708-019B960494DF}">
-                <a14:hiddenLine xmlns="" xmlns:a14="http://schemas.microsoft.com/office/drawing/2010/main" w="9525">
+                <a14:hiddenLine xmlns:a14="http://schemas.microsoft.com/office/drawing/2010/main" xmlns="" w="9525">
                   <a:solidFill>
                     <a:srgbClr val="000000"/>
                   </a:solidFill>
@@ -4194,7 +4194,7 @@
             </a:ln>
             <a:extLst>
               <a:ext uri="{91240B29-F687-4f45-9708-019B960494DF}">
-                <a14:hiddenLine xmlns="" xmlns:a14="http://schemas.microsoft.com/office/drawing/2010/main" w="9525">
+                <a14:hiddenLine xmlns:a14="http://schemas.microsoft.com/office/drawing/2010/main" xmlns="" w="9525">
                   <a:solidFill>
                     <a:srgbClr val="000000"/>
                   </a:solidFill>
@@ -4228,7 +4228,7 @@
             </a:ln>
             <a:extLst>
               <a:ext uri="{91240B29-F687-4f45-9708-019B960494DF}">
-                <a14:hiddenLine xmlns="" xmlns:a14="http://schemas.microsoft.com/office/drawing/2010/main" w="9525">
+                <a14:hiddenLine xmlns:a14="http://schemas.microsoft.com/office/drawing/2010/main" xmlns="" w="9525">
                   <a:solidFill>
                     <a:srgbClr val="000000"/>
                   </a:solidFill>
@@ -4293,7 +4293,7 @@
             </a:ln>
             <a:extLst>
               <a:ext uri="{91240B29-F687-4f45-9708-019B960494DF}">
-                <a14:hiddenLine xmlns="" xmlns:a14="http://schemas.microsoft.com/office/drawing/2010/main" w="9525">
+                <a14:hiddenLine xmlns:a14="http://schemas.microsoft.com/office/drawing/2010/main" xmlns="" w="9525">
                   <a:solidFill>
                     <a:srgbClr val="000000"/>
                   </a:solidFill>
@@ -4383,7 +4383,7 @@
             </a:ln>
             <a:extLst>
               <a:ext uri="{91240B29-F687-4f45-9708-019B960494DF}">
-                <a14:hiddenLine xmlns="" xmlns:a14="http://schemas.microsoft.com/office/drawing/2010/main" w="9525">
+                <a14:hiddenLine xmlns:a14="http://schemas.microsoft.com/office/drawing/2010/main" xmlns="" w="9525">
                   <a:solidFill>
                     <a:srgbClr val="000000"/>
                   </a:solidFill>
@@ -4445,7 +4445,7 @@
             </a:ln>
             <a:extLst>
               <a:ext uri="{91240B29-F687-4f45-9708-019B960494DF}">
-                <a14:hiddenLine xmlns="" xmlns:a14="http://schemas.microsoft.com/office/drawing/2010/main" w="9525">
+                <a14:hiddenLine xmlns:a14="http://schemas.microsoft.com/office/drawing/2010/main" xmlns="" w="9525">
                   <a:solidFill>
                     <a:srgbClr val="000000"/>
                   </a:solidFill>
@@ -4535,7 +4535,7 @@
             </a:ln>
             <a:extLst>
               <a:ext uri="{91240B29-F687-4f45-9708-019B960494DF}">
-                <a14:hiddenLine xmlns="" xmlns:a14="http://schemas.microsoft.com/office/drawing/2010/main" w="9525">
+                <a14:hiddenLine xmlns:a14="http://schemas.microsoft.com/office/drawing/2010/main" xmlns="" w="9525">
                   <a:solidFill>
                     <a:srgbClr val="000000"/>
                   </a:solidFill>
@@ -4625,7 +4625,7 @@
             </a:ln>
             <a:extLst>
               <a:ext uri="{91240B29-F687-4f45-9708-019B960494DF}">
-                <a14:hiddenLine xmlns="" xmlns:a14="http://schemas.microsoft.com/office/drawing/2010/main" w="9525">
+                <a14:hiddenLine xmlns:a14="http://schemas.microsoft.com/office/drawing/2010/main" xmlns="" w="9525">
                   <a:solidFill>
                     <a:srgbClr val="000000"/>
                   </a:solidFill>
@@ -4690,7 +4690,7 @@
             </a:ln>
             <a:extLst>
               <a:ext uri="{91240B29-F687-4f45-9708-019B960494DF}">
-                <a14:hiddenLine xmlns="" xmlns:a14="http://schemas.microsoft.com/office/drawing/2010/main" w="9525">
+                <a14:hiddenLine xmlns:a14="http://schemas.microsoft.com/office/drawing/2010/main" xmlns="" w="9525">
                   <a:solidFill>
                     <a:srgbClr val="000000"/>
                   </a:solidFill>
@@ -4752,7 +4752,7 @@
             </a:ln>
             <a:extLst>
               <a:ext uri="{91240B29-F687-4f45-9708-019B960494DF}">
-                <a14:hiddenLine xmlns="" xmlns:a14="http://schemas.microsoft.com/office/drawing/2010/main" w="9525">
+                <a14:hiddenLine xmlns:a14="http://schemas.microsoft.com/office/drawing/2010/main" xmlns="" w="9525">
                   <a:solidFill>
                     <a:srgbClr val="000000"/>
                   </a:solidFill>
@@ -4842,7 +4842,7 @@
             </a:ln>
             <a:extLst>
               <a:ext uri="{91240B29-F687-4f45-9708-019B960494DF}">
-                <a14:hiddenLine xmlns="" xmlns:a14="http://schemas.microsoft.com/office/drawing/2010/main" w="9525">
+                <a14:hiddenLine xmlns:a14="http://schemas.microsoft.com/office/drawing/2010/main" xmlns="" w="9525">
                   <a:solidFill>
                     <a:srgbClr val="000000"/>
                   </a:solidFill>
@@ -4932,7 +4932,7 @@
             </a:ln>
             <a:extLst>
               <a:ext uri="{91240B29-F687-4f45-9708-019B960494DF}">
-                <a14:hiddenLine xmlns="" xmlns:a14="http://schemas.microsoft.com/office/drawing/2010/main" w="9525">
+                <a14:hiddenLine xmlns:a14="http://schemas.microsoft.com/office/drawing/2010/main" xmlns="" w="9525">
                   <a:solidFill>
                     <a:srgbClr val="000000"/>
                   </a:solidFill>
@@ -4994,7 +4994,7 @@
             </a:ln>
             <a:extLst>
               <a:ext uri="{91240B29-F687-4f45-9708-019B960494DF}">
-                <a14:hiddenLine xmlns="" xmlns:a14="http://schemas.microsoft.com/office/drawing/2010/main" w="9525">
+                <a14:hiddenLine xmlns:a14="http://schemas.microsoft.com/office/drawing/2010/main" xmlns="" w="9525">
                   <a:solidFill>
                     <a:srgbClr val="000000"/>
                   </a:solidFill>
@@ -5114,7 +5114,7 @@
             </a:ln>
             <a:extLst>
               <a:ext uri="{91240B29-F687-4f45-9708-019B960494DF}">
-                <a14:hiddenLine xmlns="" xmlns:a14="http://schemas.microsoft.com/office/drawing/2010/main" w="9525">
+                <a14:hiddenLine xmlns:a14="http://schemas.microsoft.com/office/drawing/2010/main" xmlns="" w="9525">
                   <a:solidFill>
                     <a:srgbClr val="000000"/>
                   </a:solidFill>
@@ -5182,7 +5182,7 @@
             </a:ln>
             <a:extLst>
               <a:ext uri="{91240B29-F687-4f45-9708-019B960494DF}">
-                <a14:hiddenLine xmlns="" xmlns:a14="http://schemas.microsoft.com/office/drawing/2010/main" w="9525">
+                <a14:hiddenLine xmlns:a14="http://schemas.microsoft.com/office/drawing/2010/main" xmlns="" w="9525">
                   <a:solidFill>
                     <a:srgbClr val="000000"/>
                   </a:solidFill>
@@ -5272,7 +5272,7 @@
             </a:ln>
             <a:extLst>
               <a:ext uri="{91240B29-F687-4f45-9708-019B960494DF}">
-                <a14:hiddenLine xmlns="" xmlns:a14="http://schemas.microsoft.com/office/drawing/2010/main" w="9525">
+                <a14:hiddenLine xmlns:a14="http://schemas.microsoft.com/office/drawing/2010/main" xmlns="" w="9525">
                   <a:solidFill>
                     <a:srgbClr val="000000"/>
                   </a:solidFill>
@@ -5412,7 +5412,7 @@
           <a:p>
             <a:fld id="{48A87A34-81AB-432B-8DAE-1953F412C126}" type="datetimeFigureOut">
               <a:rPr lang="en-US" dirty="0"/>
-              <a:t>2/28/19</a:t>
+              <a:t>2/28/2019</a:t>
             </a:fld>
             <a:endParaRPr lang="en-US" dirty="0"/>
           </a:p>
@@ -5674,7 +5674,7 @@
           <a:p>
             <a:fld id="{48A87A34-81AB-432B-8DAE-1953F412C126}" type="datetimeFigureOut">
               <a:rPr lang="en-US" dirty="0"/>
-              <a:t>2/28/19</a:t>
+              <a:t>2/28/2019</a:t>
             </a:fld>
             <a:endParaRPr lang="en-US" dirty="0"/>
           </a:p>
@@ -5865,7 +5865,7 @@
           <a:p>
             <a:fld id="{48A87A34-81AB-432B-8DAE-1953F412C126}" type="datetimeFigureOut">
               <a:rPr lang="en-US" dirty="0"/>
-              <a:t>2/28/19</a:t>
+              <a:t>2/28/2019</a:t>
             </a:fld>
             <a:endParaRPr lang="en-US" dirty="0"/>
           </a:p>
@@ -6123,7 +6123,7 @@
           <a:p>
             <a:fld id="{48A87A34-81AB-432B-8DAE-1953F412C126}" type="datetimeFigureOut">
               <a:rPr lang="en-US" dirty="0"/>
-              <a:t>2/28/19</a:t>
+              <a:t>2/28/2019</a:t>
             </a:fld>
             <a:endParaRPr lang="en-US" dirty="0"/>
           </a:p>
@@ -6552,7 +6552,7 @@
           <a:p>
             <a:fld id="{48A87A34-81AB-432B-8DAE-1953F412C126}" type="datetimeFigureOut">
               <a:rPr lang="en-US" dirty="0"/>
-              <a:t>2/28/19</a:t>
+              <a:t>2/28/2019</a:t>
             </a:fld>
             <a:endParaRPr lang="en-US" dirty="0"/>
           </a:p>
@@ -7093,7 +7093,7 @@
           <a:p>
             <a:fld id="{48A87A34-81AB-432B-8DAE-1953F412C126}" type="datetimeFigureOut">
               <a:rPr lang="en-US" dirty="0"/>
-              <a:t>2/28/19</a:t>
+              <a:t>2/28/2019</a:t>
             </a:fld>
             <a:endParaRPr lang="en-US" dirty="0"/>
           </a:p>
@@ -7808,7 +7808,7 @@
           <a:p>
             <a:fld id="{48A87A34-81AB-432B-8DAE-1953F412C126}" type="datetimeFigureOut">
               <a:rPr lang="en-US" dirty="0"/>
-              <a:t>2/28/19</a:t>
+              <a:t>2/28/2019</a:t>
             </a:fld>
             <a:endParaRPr lang="en-US" dirty="0"/>
           </a:p>
@@ -7973,7 +7973,7 @@
           <a:p>
             <a:fld id="{48A87A34-81AB-432B-8DAE-1953F412C126}" type="datetimeFigureOut">
               <a:rPr lang="en-US" dirty="0"/>
-              <a:t>2/28/19</a:t>
+              <a:t>2/28/2019</a:t>
             </a:fld>
             <a:endParaRPr lang="en-US" dirty="0"/>
           </a:p>
@@ -8148,7 +8148,7 @@
           <a:p>
             <a:fld id="{48A87A34-81AB-432B-8DAE-1953F412C126}" type="datetimeFigureOut">
               <a:rPr lang="en-US" dirty="0"/>
-              <a:t>2/28/19</a:t>
+              <a:t>2/28/2019</a:t>
             </a:fld>
             <a:endParaRPr lang="en-US" dirty="0"/>
           </a:p>
@@ -8313,7 +8313,7 @@
           <a:p>
             <a:fld id="{48A87A34-81AB-432B-8DAE-1953F412C126}" type="datetimeFigureOut">
               <a:rPr lang="en-US" dirty="0"/>
-              <a:t>2/28/19</a:t>
+              <a:t>2/28/2019</a:t>
             </a:fld>
             <a:endParaRPr lang="en-US" dirty="0"/>
           </a:p>
@@ -8558,7 +8558,7 @@
           <a:p>
             <a:fld id="{48A87A34-81AB-432B-8DAE-1953F412C126}" type="datetimeFigureOut">
               <a:rPr lang="en-US" dirty="0"/>
-              <a:t>2/28/19</a:t>
+              <a:t>2/28/2019</a:t>
             </a:fld>
             <a:endParaRPr lang="en-US" dirty="0"/>
           </a:p>
@@ -8785,7 +8785,7 @@
           <a:p>
             <a:fld id="{48A87A34-81AB-432B-8DAE-1953F412C126}" type="datetimeFigureOut">
               <a:rPr lang="en-US" dirty="0"/>
-              <a:t>2/28/19</a:t>
+              <a:t>2/28/2019</a:t>
             </a:fld>
             <a:endParaRPr lang="en-US" dirty="0"/>
           </a:p>
@@ -9161,7 +9161,7 @@
           <a:p>
             <a:fld id="{48A87A34-81AB-432B-8DAE-1953F412C126}" type="datetimeFigureOut">
               <a:rPr lang="en-US" dirty="0"/>
-              <a:t>2/28/19</a:t>
+              <a:t>2/28/2019</a:t>
             </a:fld>
             <a:endParaRPr lang="en-US" dirty="0"/>
           </a:p>
@@ -9274,7 +9274,7 @@
           <a:p>
             <a:fld id="{48A87A34-81AB-432B-8DAE-1953F412C126}" type="datetimeFigureOut">
               <a:rPr lang="en-US" dirty="0"/>
-              <a:t>2/28/19</a:t>
+              <a:t>2/28/2019</a:t>
             </a:fld>
             <a:endParaRPr lang="en-US" dirty="0"/>
           </a:p>
@@ -9364,7 +9364,7 @@
           <a:p>
             <a:fld id="{48A87A34-81AB-432B-8DAE-1953F412C126}" type="datetimeFigureOut">
               <a:rPr lang="en-US" dirty="0"/>
-              <a:t>2/28/19</a:t>
+              <a:t>2/28/2019</a:t>
             </a:fld>
             <a:endParaRPr lang="en-US" dirty="0"/>
           </a:p>
@@ -9608,7 +9608,7 @@
           <a:p>
             <a:fld id="{48A87A34-81AB-432B-8DAE-1953F412C126}" type="datetimeFigureOut">
               <a:rPr lang="en-US" dirty="0"/>
-              <a:t>2/28/19</a:t>
+              <a:t>2/28/2019</a:t>
             </a:fld>
             <a:endParaRPr lang="en-US" dirty="0"/>
           </a:p>
@@ -9883,7 +9883,7 @@
           <a:p>
             <a:fld id="{48A87A34-81AB-432B-8DAE-1953F412C126}" type="datetimeFigureOut">
               <a:rPr lang="en-US" dirty="0"/>
-              <a:t>2/28/19</a:t>
+              <a:t>2/28/2019</a:t>
             </a:fld>
             <a:endParaRPr lang="en-US" dirty="0"/>
           </a:p>
@@ -10001,7 +10001,7 @@
           <a:noFill/>
           <a:extLst>
             <a:ext uri="{909E8E84-426E-40dd-AFC4-6F175D3DCCD1}">
-              <a14:hiddenFill xmlns="" xmlns:a14="http://schemas.microsoft.com/office/drawing/2010/main">
+              <a14:hiddenFill xmlns:a14="http://schemas.microsoft.com/office/drawing/2010/main" xmlns="">
                 <a:solidFill>
                   <a:srgbClr val="FFFFFF"/>
                 </a:solidFill>
@@ -10075,7 +10075,7 @@
               </a:ln>
               <a:extLst>
                 <a:ext uri="{91240B29-F687-4f45-9708-019B960494DF}">
-                  <a14:hiddenLine xmlns="" xmlns:a14="http://schemas.microsoft.com/office/drawing/2010/main" w="9525">
+                  <a14:hiddenLine xmlns:a14="http://schemas.microsoft.com/office/drawing/2010/main" xmlns="" w="9525">
                     <a:solidFill>
                       <a:srgbClr val="000000"/>
                     </a:solidFill>
@@ -10165,7 +10165,7 @@
               </a:ln>
               <a:extLst>
                 <a:ext uri="{91240B29-F687-4f45-9708-019B960494DF}">
-                  <a14:hiddenLine xmlns="" xmlns:a14="http://schemas.microsoft.com/office/drawing/2010/main" w="9525">
+                  <a14:hiddenLine xmlns:a14="http://schemas.microsoft.com/office/drawing/2010/main" xmlns="" w="9525">
                     <a:solidFill>
                       <a:srgbClr val="000000"/>
                     </a:solidFill>
@@ -10255,7 +10255,7 @@
               </a:ln>
               <a:extLst>
                 <a:ext uri="{91240B29-F687-4f45-9708-019B960494DF}">
-                  <a14:hiddenLine xmlns="" xmlns:a14="http://schemas.microsoft.com/office/drawing/2010/main" w="9525">
+                  <a14:hiddenLine xmlns:a14="http://schemas.microsoft.com/office/drawing/2010/main" xmlns="" w="9525">
                     <a:solidFill>
                       <a:srgbClr val="000000"/>
                     </a:solidFill>
@@ -10317,7 +10317,7 @@
               </a:ln>
               <a:extLst>
                 <a:ext uri="{91240B29-F687-4f45-9708-019B960494DF}">
-                  <a14:hiddenLine xmlns="" xmlns:a14="http://schemas.microsoft.com/office/drawing/2010/main" w="9525">
+                  <a14:hiddenLine xmlns:a14="http://schemas.microsoft.com/office/drawing/2010/main" xmlns="" w="9525">
                     <a:solidFill>
                       <a:srgbClr val="000000"/>
                     </a:solidFill>
@@ -10407,7 +10407,7 @@
               </a:ln>
               <a:extLst>
                 <a:ext uri="{91240B29-F687-4f45-9708-019B960494DF}">
-                  <a14:hiddenLine xmlns="" xmlns:a14="http://schemas.microsoft.com/office/drawing/2010/main" w="9525">
+                  <a14:hiddenLine xmlns:a14="http://schemas.microsoft.com/office/drawing/2010/main" xmlns="" w="9525">
                     <a:solidFill>
                       <a:srgbClr val="000000"/>
                     </a:solidFill>
@@ -10469,7 +10469,7 @@
               </a:ln>
               <a:extLst>
                 <a:ext uri="{91240B29-F687-4f45-9708-019B960494DF}">
-                  <a14:hiddenLine xmlns="" xmlns:a14="http://schemas.microsoft.com/office/drawing/2010/main" w="9525">
+                  <a14:hiddenLine xmlns:a14="http://schemas.microsoft.com/office/drawing/2010/main" xmlns="" w="9525">
                     <a:solidFill>
                       <a:srgbClr val="000000"/>
                     </a:solidFill>
@@ -10531,7 +10531,7 @@
               </a:ln>
               <a:extLst>
                 <a:ext uri="{91240B29-F687-4f45-9708-019B960494DF}">
-                  <a14:hiddenLine xmlns="" xmlns:a14="http://schemas.microsoft.com/office/drawing/2010/main" w="9525">
+                  <a14:hiddenLine xmlns:a14="http://schemas.microsoft.com/office/drawing/2010/main" xmlns="" w="9525">
                     <a:solidFill>
                       <a:srgbClr val="000000"/>
                     </a:solidFill>
@@ -10621,7 +10621,7 @@
               </a:ln>
               <a:extLst>
                 <a:ext uri="{91240B29-F687-4f45-9708-019B960494DF}">
-                  <a14:hiddenLine xmlns="" xmlns:a14="http://schemas.microsoft.com/office/drawing/2010/main" w="9525">
+                  <a14:hiddenLine xmlns:a14="http://schemas.microsoft.com/office/drawing/2010/main" xmlns="" w="9525">
                     <a:solidFill>
                       <a:srgbClr val="000000"/>
                     </a:solidFill>
@@ -10711,7 +10711,7 @@
               </a:ln>
               <a:extLst>
                 <a:ext uri="{91240B29-F687-4f45-9708-019B960494DF}">
-                  <a14:hiddenLine xmlns="" xmlns:a14="http://schemas.microsoft.com/office/drawing/2010/main" w="9525">
+                  <a14:hiddenLine xmlns:a14="http://schemas.microsoft.com/office/drawing/2010/main" xmlns="" w="9525">
                     <a:solidFill>
                       <a:srgbClr val="000000"/>
                     </a:solidFill>
@@ -10773,7 +10773,7 @@
               </a:ln>
               <a:extLst>
                 <a:ext uri="{91240B29-F687-4f45-9708-019B960494DF}">
-                  <a14:hiddenLine xmlns="" xmlns:a14="http://schemas.microsoft.com/office/drawing/2010/main" w="9525">
+                  <a14:hiddenLine xmlns:a14="http://schemas.microsoft.com/office/drawing/2010/main" xmlns="" w="9525">
                     <a:solidFill>
                       <a:srgbClr val="000000"/>
                     </a:solidFill>
@@ -10883,7 +10883,7 @@
               </a:ln>
               <a:extLst>
                 <a:ext uri="{91240B29-F687-4f45-9708-019B960494DF}">
-                  <a14:hiddenLine xmlns="" xmlns:a14="http://schemas.microsoft.com/office/drawing/2010/main" w="9525">
+                  <a14:hiddenLine xmlns:a14="http://schemas.microsoft.com/office/drawing/2010/main" xmlns="" w="9525">
                     <a:solidFill>
                       <a:srgbClr val="000000"/>
                     </a:solidFill>
@@ -10967,7 +10967,7 @@
               </a:ln>
               <a:extLst>
                 <a:ext uri="{91240B29-F687-4f45-9708-019B960494DF}">
-                  <a14:hiddenLine xmlns="" xmlns:a14="http://schemas.microsoft.com/office/drawing/2010/main" w="9525">
+                  <a14:hiddenLine xmlns:a14="http://schemas.microsoft.com/office/drawing/2010/main" xmlns="" w="9525">
                     <a:solidFill>
                       <a:srgbClr val="000000"/>
                     </a:solidFill>
@@ -11029,7 +11029,7 @@
               </a:ln>
               <a:extLst>
                 <a:ext uri="{91240B29-F687-4f45-9708-019B960494DF}">
-                  <a14:hiddenLine xmlns="" xmlns:a14="http://schemas.microsoft.com/office/drawing/2010/main" w="9525">
+                  <a14:hiddenLine xmlns:a14="http://schemas.microsoft.com/office/drawing/2010/main" xmlns="" w="9525">
                     <a:solidFill>
                       <a:srgbClr val="000000"/>
                     </a:solidFill>
@@ -11091,7 +11091,7 @@
               </a:ln>
               <a:extLst>
                 <a:ext uri="{91240B29-F687-4f45-9708-019B960494DF}">
-                  <a14:hiddenLine xmlns="" xmlns:a14="http://schemas.microsoft.com/office/drawing/2010/main" w="9525">
+                  <a14:hiddenLine xmlns:a14="http://schemas.microsoft.com/office/drawing/2010/main" xmlns="" w="9525">
                     <a:solidFill>
                       <a:srgbClr val="000000"/>
                     </a:solidFill>
@@ -11181,7 +11181,7 @@
               </a:ln>
               <a:extLst>
                 <a:ext uri="{91240B29-F687-4f45-9708-019B960494DF}">
-                  <a14:hiddenLine xmlns="" xmlns:a14="http://schemas.microsoft.com/office/drawing/2010/main" w="9525">
+                  <a14:hiddenLine xmlns:a14="http://schemas.microsoft.com/office/drawing/2010/main" xmlns="" w="9525">
                     <a:solidFill>
                       <a:srgbClr val="000000"/>
                     </a:solidFill>
@@ -11215,7 +11215,7 @@
               </a:ln>
               <a:extLst>
                 <a:ext uri="{91240B29-F687-4f45-9708-019B960494DF}">
-                  <a14:hiddenLine xmlns="" xmlns:a14="http://schemas.microsoft.com/office/drawing/2010/main" w="9525">
+                  <a14:hiddenLine xmlns:a14="http://schemas.microsoft.com/office/drawing/2010/main" xmlns="" w="9525">
                     <a:solidFill>
                       <a:srgbClr val="000000"/>
                     </a:solidFill>
@@ -11280,7 +11280,7 @@
               </a:ln>
               <a:extLst>
                 <a:ext uri="{91240B29-F687-4f45-9708-019B960494DF}">
-                  <a14:hiddenLine xmlns="" xmlns:a14="http://schemas.microsoft.com/office/drawing/2010/main" w="9525">
+                  <a14:hiddenLine xmlns:a14="http://schemas.microsoft.com/office/drawing/2010/main" xmlns="" w="9525">
                     <a:solidFill>
                       <a:srgbClr val="000000"/>
                     </a:solidFill>
@@ -11370,7 +11370,7 @@
               </a:ln>
               <a:extLst>
                 <a:ext uri="{91240B29-F687-4f45-9708-019B960494DF}">
-                  <a14:hiddenLine xmlns="" xmlns:a14="http://schemas.microsoft.com/office/drawing/2010/main" w="9525">
+                  <a14:hiddenLine xmlns:a14="http://schemas.microsoft.com/office/drawing/2010/main" xmlns="" w="9525">
                     <a:solidFill>
                       <a:srgbClr val="000000"/>
                     </a:solidFill>
@@ -11432,7 +11432,7 @@
               </a:ln>
               <a:extLst>
                 <a:ext uri="{91240B29-F687-4f45-9708-019B960494DF}">
-                  <a14:hiddenLine xmlns="" xmlns:a14="http://schemas.microsoft.com/office/drawing/2010/main" w="9525">
+                  <a14:hiddenLine xmlns:a14="http://schemas.microsoft.com/office/drawing/2010/main" xmlns="" w="9525">
                     <a:solidFill>
                       <a:srgbClr val="000000"/>
                     </a:solidFill>
@@ -11522,7 +11522,7 @@
               </a:ln>
               <a:extLst>
                 <a:ext uri="{91240B29-F687-4f45-9708-019B960494DF}">
-                  <a14:hiddenLine xmlns="" xmlns:a14="http://schemas.microsoft.com/office/drawing/2010/main" w="9525">
+                  <a14:hiddenLine xmlns:a14="http://schemas.microsoft.com/office/drawing/2010/main" xmlns="" w="9525">
                     <a:solidFill>
                       <a:srgbClr val="000000"/>
                     </a:solidFill>
@@ -11587,7 +11587,7 @@
               </a:ln>
               <a:extLst>
                 <a:ext uri="{91240B29-F687-4f45-9708-019B960494DF}">
-                  <a14:hiddenLine xmlns="" xmlns:a14="http://schemas.microsoft.com/office/drawing/2010/main" w="9525">
+                  <a14:hiddenLine xmlns:a14="http://schemas.microsoft.com/office/drawing/2010/main" xmlns="" w="9525">
                     <a:solidFill>
                       <a:srgbClr val="000000"/>
                     </a:solidFill>
@@ -11649,7 +11649,7 @@
               </a:ln>
               <a:extLst>
                 <a:ext uri="{91240B29-F687-4f45-9708-019B960494DF}">
-                  <a14:hiddenLine xmlns="" xmlns:a14="http://schemas.microsoft.com/office/drawing/2010/main" w="9525">
+                  <a14:hiddenLine xmlns:a14="http://schemas.microsoft.com/office/drawing/2010/main" xmlns="" w="9525">
                     <a:solidFill>
                       <a:srgbClr val="000000"/>
                     </a:solidFill>
@@ -11739,7 +11739,7 @@
               </a:ln>
               <a:extLst>
                 <a:ext uri="{91240B29-F687-4f45-9708-019B960494DF}">
-                  <a14:hiddenLine xmlns="" xmlns:a14="http://schemas.microsoft.com/office/drawing/2010/main" w="9525">
+                  <a14:hiddenLine xmlns:a14="http://schemas.microsoft.com/office/drawing/2010/main" xmlns="" w="9525">
                     <a:solidFill>
                       <a:srgbClr val="000000"/>
                     </a:solidFill>
@@ -11829,7 +11829,7 @@
               </a:ln>
               <a:extLst>
                 <a:ext uri="{91240B29-F687-4f45-9708-019B960494DF}">
-                  <a14:hiddenLine xmlns="" xmlns:a14="http://schemas.microsoft.com/office/drawing/2010/main" w="9525">
+                  <a14:hiddenLine xmlns:a14="http://schemas.microsoft.com/office/drawing/2010/main" xmlns="" w="9525">
                     <a:solidFill>
                       <a:srgbClr val="000000"/>
                     </a:solidFill>
@@ -11894,7 +11894,7 @@
               </a:ln>
               <a:extLst>
                 <a:ext uri="{91240B29-F687-4f45-9708-019B960494DF}">
-                  <a14:hiddenLine xmlns="" xmlns:a14="http://schemas.microsoft.com/office/drawing/2010/main" w="9525">
+                  <a14:hiddenLine xmlns:a14="http://schemas.microsoft.com/office/drawing/2010/main" xmlns="" w="9525">
                     <a:solidFill>
                       <a:srgbClr val="000000"/>
                     </a:solidFill>
@@ -12014,7 +12014,7 @@
               </a:ln>
               <a:extLst>
                 <a:ext uri="{91240B29-F687-4f45-9708-019B960494DF}">
-                  <a14:hiddenLine xmlns="" xmlns:a14="http://schemas.microsoft.com/office/drawing/2010/main" w="9525">
+                  <a14:hiddenLine xmlns:a14="http://schemas.microsoft.com/office/drawing/2010/main" xmlns="" w="9525">
                     <a:solidFill>
                       <a:srgbClr val="000000"/>
                     </a:solidFill>
@@ -12095,7 +12095,7 @@
               </a:ln>
               <a:extLst>
                 <a:ext uri="{91240B29-F687-4f45-9708-019B960494DF}">
-                  <a14:hiddenLine xmlns="" xmlns:a14="http://schemas.microsoft.com/office/drawing/2010/main" w="9525">
+                  <a14:hiddenLine xmlns:a14="http://schemas.microsoft.com/office/drawing/2010/main" xmlns="" w="9525">
                     <a:solidFill>
                       <a:srgbClr val="000000"/>
                     </a:solidFill>
@@ -12210,7 +12210,7 @@
               </a:ln>
               <a:extLst>
                 <a:ext uri="{91240B29-F687-4f45-9708-019B960494DF}">
-                  <a14:hiddenLine xmlns="" xmlns:a14="http://schemas.microsoft.com/office/drawing/2010/main" w="9525">
+                  <a14:hiddenLine xmlns:a14="http://schemas.microsoft.com/office/drawing/2010/main" xmlns="" w="9525">
                     <a:solidFill>
                       <a:srgbClr val="000000"/>
                     </a:solidFill>
@@ -12300,7 +12300,7 @@
               </a:ln>
               <a:extLst>
                 <a:ext uri="{91240B29-F687-4f45-9708-019B960494DF}">
-                  <a14:hiddenLine xmlns="" xmlns:a14="http://schemas.microsoft.com/office/drawing/2010/main" w="9525">
+                  <a14:hiddenLine xmlns:a14="http://schemas.microsoft.com/office/drawing/2010/main" xmlns="" w="9525">
                     <a:solidFill>
                       <a:srgbClr val="000000"/>
                     </a:solidFill>
@@ -12365,7 +12365,7 @@
               </a:ln>
               <a:extLst>
                 <a:ext uri="{91240B29-F687-4f45-9708-019B960494DF}">
-                  <a14:hiddenLine xmlns="" xmlns:a14="http://schemas.microsoft.com/office/drawing/2010/main" w="9525">
+                  <a14:hiddenLine xmlns:a14="http://schemas.microsoft.com/office/drawing/2010/main" xmlns="" w="9525">
                     <a:solidFill>
                       <a:srgbClr val="000000"/>
                     </a:solidFill>
@@ -12455,7 +12455,7 @@
               </a:ln>
               <a:extLst>
                 <a:ext uri="{91240B29-F687-4f45-9708-019B960494DF}">
-                  <a14:hiddenLine xmlns="" xmlns:a14="http://schemas.microsoft.com/office/drawing/2010/main" w="9525">
+                  <a14:hiddenLine xmlns:a14="http://schemas.microsoft.com/office/drawing/2010/main" xmlns="" w="9525">
                     <a:solidFill>
                       <a:srgbClr val="000000"/>
                     </a:solidFill>
@@ -12523,7 +12523,7 @@
               </a:ln>
               <a:extLst>
                 <a:ext uri="{91240B29-F687-4f45-9708-019B960494DF}">
-                  <a14:hiddenLine xmlns="" xmlns:a14="http://schemas.microsoft.com/office/drawing/2010/main" w="9525">
+                  <a14:hiddenLine xmlns:a14="http://schemas.microsoft.com/office/drawing/2010/main" xmlns="" w="9525">
                     <a:solidFill>
                       <a:srgbClr val="000000"/>
                     </a:solidFill>
@@ -12613,7 +12613,7 @@
               </a:ln>
               <a:extLst>
                 <a:ext uri="{91240B29-F687-4f45-9708-019B960494DF}">
-                  <a14:hiddenLine xmlns="" xmlns:a14="http://schemas.microsoft.com/office/drawing/2010/main" w="9525">
+                  <a14:hiddenLine xmlns:a14="http://schemas.microsoft.com/office/drawing/2010/main" xmlns="" w="9525">
                     <a:solidFill>
                       <a:srgbClr val="000000"/>
                     </a:solidFill>
@@ -12681,7 +12681,7 @@
               </a:ln>
               <a:extLst>
                 <a:ext uri="{91240B29-F687-4f45-9708-019B960494DF}">
-                  <a14:hiddenLine xmlns="" xmlns:a14="http://schemas.microsoft.com/office/drawing/2010/main" w="9525">
+                  <a14:hiddenLine xmlns:a14="http://schemas.microsoft.com/office/drawing/2010/main" xmlns="" w="9525">
                     <a:solidFill>
                       <a:srgbClr val="000000"/>
                     </a:solidFill>
@@ -12771,7 +12771,7 @@
               </a:ln>
               <a:extLst>
                 <a:ext uri="{91240B29-F687-4f45-9708-019B960494DF}">
-                  <a14:hiddenLine xmlns="" xmlns:a14="http://schemas.microsoft.com/office/drawing/2010/main" w="9525">
+                  <a14:hiddenLine xmlns:a14="http://schemas.microsoft.com/office/drawing/2010/main" xmlns="" w="9525">
                     <a:solidFill>
                       <a:srgbClr val="000000"/>
                     </a:solidFill>
@@ -12805,7 +12805,7 @@
               </a:ln>
               <a:extLst>
                 <a:ext uri="{91240B29-F687-4f45-9708-019B960494DF}">
-                  <a14:hiddenLine xmlns="" xmlns:a14="http://schemas.microsoft.com/office/drawing/2010/main" w="9525">
+                  <a14:hiddenLine xmlns:a14="http://schemas.microsoft.com/office/drawing/2010/main" xmlns="" w="9525">
                     <a:solidFill>
                       <a:srgbClr val="000000"/>
                     </a:solidFill>
@@ -12946,7 +12946,7 @@
             <a:fld id="{48A87A34-81AB-432B-8DAE-1953F412C126}" type="datetimeFigureOut">
               <a:rPr lang="en-US" dirty="0"/>
               <a:pPr/>
-              <a:t>2/28/19</a:t>
+              <a:t>2/28/2019</a:t>
             </a:fld>
             <a:endParaRPr lang="en-US" dirty="0"/>
           </a:p>
@@ -13656,7 +13656,7 @@
       </p:sp>
       <p:pic>
         <p:nvPicPr>
-          <p:cNvPr id="7" name="Picture 6" descr="A close up of a piece of paper&#13;&#10;&#13;&#10;Description automatically generated">
+          <p:cNvPr id="7" name="Picture 6" descr="A close up of a piece of paper&#10;&#10;Description automatically generated">
             <a:extLst>
               <a:ext uri="{FF2B5EF4-FFF2-40B4-BE49-F238E27FC236}">
                 <a16:creationId xmlns:a16="http://schemas.microsoft.com/office/drawing/2014/main" id="{C74BA77C-CE20-494C-AC6B-432E74A37147}"/>
@@ -17890,7 +17890,12 @@
             <p:ph idx="1"/>
           </p:nvPr>
         </p:nvSpPr>
-        <p:spPr/>
+        <p:spPr>
+          <a:xfrm>
+            <a:off x="923048" y="2233446"/>
+            <a:ext cx="6091901" cy="3541714"/>
+          </a:xfrm>
+        </p:spPr>
         <p:txBody>
           <a:bodyPr/>
           <a:lstStyle/>
@@ -17925,6 +17930,36 @@
           </a:p>
         </p:txBody>
       </p:sp>
+      <p:pic>
+        <p:nvPicPr>
+          <p:cNvPr id="5" name="Picture 4">
+            <a:extLst>
+              <a:ext uri="{FF2B5EF4-FFF2-40B4-BE49-F238E27FC236}">
+                <a16:creationId xmlns:a16="http://schemas.microsoft.com/office/drawing/2014/main" id="{5F5EB6FD-66A7-441F-B59A-FC41566ABF40}"/>
+              </a:ext>
+            </a:extLst>
+          </p:cNvPr>
+          <p:cNvPicPr>
+            <a:picLocks noChangeAspect="1"/>
+          </p:cNvPicPr>
+          <p:nvPr/>
+        </p:nvPicPr>
+        <p:blipFill>
+          <a:blip r:embed="rId3"/>
+          <a:stretch>
+            <a:fillRect/>
+          </a:stretch>
+        </p:blipFill>
+        <p:spPr>
+          <a:xfrm>
+            <a:off x="6890982" y="2249487"/>
+            <a:ext cx="4800600" cy="3429000"/>
+          </a:xfrm>
+          <a:prstGeom prst="rect">
+            <a:avLst/>
+          </a:prstGeom>
+        </p:spPr>
+      </p:pic>
     </p:spTree>
     <p:extLst>
       <p:ext uri="{BB962C8B-B14F-4D97-AF65-F5344CB8AC3E}">
@@ -19037,7 +19072,7 @@
             </a:ln>
             <a:extLst>
               <a:ext uri="{91240B29-F687-4f45-9708-019B960494DF}">
-                <a14:hiddenLine xmlns:a16="http://schemas.microsoft.com/office/drawing/2014/main" xmlns:p14="http://schemas.microsoft.com/office/powerpoint/2010/main" xmlns:a14="http://schemas.microsoft.com/office/drawing/2010/main" xmlns="" w="9525">
+                <a14:hiddenLine xmlns="" xmlns:a14="http://schemas.microsoft.com/office/drawing/2010/main" xmlns:p14="http://schemas.microsoft.com/office/powerpoint/2010/main" xmlns:a16="http://schemas.microsoft.com/office/drawing/2014/main" w="9525">
                   <a:solidFill>
                     <a:srgbClr val="000000"/>
                   </a:solidFill>
@@ -19142,7 +19177,7 @@
             </a:ln>
             <a:extLst>
               <a:ext uri="{91240B29-F687-4f45-9708-019B960494DF}">
-                <a14:hiddenLine xmlns:a16="http://schemas.microsoft.com/office/drawing/2014/main" xmlns:p14="http://schemas.microsoft.com/office/powerpoint/2010/main" xmlns:a14="http://schemas.microsoft.com/office/drawing/2010/main" xmlns="" w="9525">
+                <a14:hiddenLine xmlns="" xmlns:a14="http://schemas.microsoft.com/office/drawing/2010/main" xmlns:p14="http://schemas.microsoft.com/office/powerpoint/2010/main" xmlns:a16="http://schemas.microsoft.com/office/drawing/2014/main" w="9525">
                   <a:solidFill>
                     <a:srgbClr val="000000"/>
                   </a:solidFill>
@@ -19247,7 +19282,7 @@
             </a:ln>
             <a:extLst>
               <a:ext uri="{91240B29-F687-4f45-9708-019B960494DF}">
-                <a14:hiddenLine xmlns:a16="http://schemas.microsoft.com/office/drawing/2014/main" xmlns:p14="http://schemas.microsoft.com/office/powerpoint/2010/main" xmlns:a14="http://schemas.microsoft.com/office/drawing/2010/main" xmlns="" w="9525">
+                <a14:hiddenLine xmlns="" xmlns:a14="http://schemas.microsoft.com/office/drawing/2010/main" xmlns:p14="http://schemas.microsoft.com/office/powerpoint/2010/main" xmlns:a16="http://schemas.microsoft.com/office/drawing/2014/main" w="9525">
                   <a:solidFill>
                     <a:srgbClr val="000000"/>
                   </a:solidFill>
@@ -19324,7 +19359,7 @@
             </a:ln>
             <a:extLst>
               <a:ext uri="{91240B29-F687-4f45-9708-019B960494DF}">
-                <a14:hiddenLine xmlns:a16="http://schemas.microsoft.com/office/drawing/2014/main" xmlns:p14="http://schemas.microsoft.com/office/powerpoint/2010/main" xmlns:a14="http://schemas.microsoft.com/office/drawing/2010/main" xmlns="" w="9525">
+                <a14:hiddenLine xmlns="" xmlns:a14="http://schemas.microsoft.com/office/drawing/2010/main" xmlns:p14="http://schemas.microsoft.com/office/powerpoint/2010/main" xmlns:a16="http://schemas.microsoft.com/office/drawing/2014/main" w="9525">
                   <a:solidFill>
                     <a:srgbClr val="000000"/>
                   </a:solidFill>
@@ -19429,7 +19464,7 @@
             </a:ln>
             <a:extLst>
               <a:ext uri="{91240B29-F687-4f45-9708-019B960494DF}">
-                <a14:hiddenLine xmlns:a16="http://schemas.microsoft.com/office/drawing/2014/main" xmlns:p14="http://schemas.microsoft.com/office/powerpoint/2010/main" xmlns:a14="http://schemas.microsoft.com/office/drawing/2010/main" xmlns="" w="9525">
+                <a14:hiddenLine xmlns="" xmlns:a14="http://schemas.microsoft.com/office/drawing/2010/main" xmlns:p14="http://schemas.microsoft.com/office/powerpoint/2010/main" xmlns:a16="http://schemas.microsoft.com/office/drawing/2014/main" w="9525">
                   <a:solidFill>
                     <a:srgbClr val="000000"/>
                   </a:solidFill>
@@ -19506,7 +19541,7 @@
             </a:ln>
             <a:extLst>
               <a:ext uri="{91240B29-F687-4f45-9708-019B960494DF}">
-                <a14:hiddenLine xmlns:a16="http://schemas.microsoft.com/office/drawing/2014/main" xmlns:p14="http://schemas.microsoft.com/office/powerpoint/2010/main" xmlns:a14="http://schemas.microsoft.com/office/drawing/2010/main" xmlns="" w="9525">
+                <a14:hiddenLine xmlns="" xmlns:a14="http://schemas.microsoft.com/office/drawing/2010/main" xmlns:p14="http://schemas.microsoft.com/office/powerpoint/2010/main" xmlns:a16="http://schemas.microsoft.com/office/drawing/2014/main" w="9525">
                   <a:solidFill>
                     <a:srgbClr val="000000"/>
                   </a:solidFill>
@@ -19583,7 +19618,7 @@
             </a:ln>
             <a:extLst>
               <a:ext uri="{91240B29-F687-4f45-9708-019B960494DF}">
-                <a14:hiddenLine xmlns:a16="http://schemas.microsoft.com/office/drawing/2014/main" xmlns:p14="http://schemas.microsoft.com/office/powerpoint/2010/main" xmlns:a14="http://schemas.microsoft.com/office/drawing/2010/main" xmlns="" w="9525">
+                <a14:hiddenLine xmlns="" xmlns:a14="http://schemas.microsoft.com/office/drawing/2010/main" xmlns:p14="http://schemas.microsoft.com/office/powerpoint/2010/main" xmlns:a16="http://schemas.microsoft.com/office/drawing/2014/main" w="9525">
                   <a:solidFill>
                     <a:srgbClr val="000000"/>
                   </a:solidFill>
@@ -19688,7 +19723,7 @@
             </a:ln>
             <a:extLst>
               <a:ext uri="{91240B29-F687-4f45-9708-019B960494DF}">
-                <a14:hiddenLine xmlns:a16="http://schemas.microsoft.com/office/drawing/2014/main" xmlns:p14="http://schemas.microsoft.com/office/powerpoint/2010/main" xmlns:a14="http://schemas.microsoft.com/office/drawing/2010/main" xmlns="" w="9525">
+                <a14:hiddenLine xmlns="" xmlns:a14="http://schemas.microsoft.com/office/drawing/2010/main" xmlns:p14="http://schemas.microsoft.com/office/powerpoint/2010/main" xmlns:a16="http://schemas.microsoft.com/office/drawing/2014/main" w="9525">
                   <a:solidFill>
                     <a:srgbClr val="000000"/>
                   </a:solidFill>
@@ -19793,7 +19828,7 @@
             </a:ln>
             <a:extLst>
               <a:ext uri="{91240B29-F687-4f45-9708-019B960494DF}">
-                <a14:hiddenLine xmlns:a16="http://schemas.microsoft.com/office/drawing/2014/main" xmlns:p14="http://schemas.microsoft.com/office/powerpoint/2010/main" xmlns:a14="http://schemas.microsoft.com/office/drawing/2010/main" xmlns="" w="9525">
+                <a14:hiddenLine xmlns="" xmlns:a14="http://schemas.microsoft.com/office/drawing/2010/main" xmlns:p14="http://schemas.microsoft.com/office/powerpoint/2010/main" xmlns:a16="http://schemas.microsoft.com/office/drawing/2014/main" w="9525">
                   <a:solidFill>
                     <a:srgbClr val="000000"/>
                   </a:solidFill>
@@ -19870,7 +19905,7 @@
             </a:ln>
             <a:extLst>
               <a:ext uri="{91240B29-F687-4f45-9708-019B960494DF}">
-                <a14:hiddenLine xmlns:a16="http://schemas.microsoft.com/office/drawing/2014/main" xmlns:p14="http://schemas.microsoft.com/office/powerpoint/2010/main" xmlns:a14="http://schemas.microsoft.com/office/drawing/2010/main" xmlns="" w="9525">
+                <a14:hiddenLine xmlns="" xmlns:a14="http://schemas.microsoft.com/office/drawing/2010/main" xmlns:p14="http://schemas.microsoft.com/office/powerpoint/2010/main" xmlns:a16="http://schemas.microsoft.com/office/drawing/2014/main" w="9525">
                   <a:solidFill>
                     <a:srgbClr val="000000"/>
                   </a:solidFill>
@@ -19995,7 +20030,7 @@
             </a:ln>
             <a:extLst>
               <a:ext uri="{91240B29-F687-4f45-9708-019B960494DF}">
-                <a14:hiddenLine xmlns:a16="http://schemas.microsoft.com/office/drawing/2014/main" xmlns:p14="http://schemas.microsoft.com/office/powerpoint/2010/main" xmlns:a14="http://schemas.microsoft.com/office/drawing/2010/main" xmlns="" w="9525">
+                <a14:hiddenLine xmlns="" xmlns:a14="http://schemas.microsoft.com/office/drawing/2010/main" xmlns:p14="http://schemas.microsoft.com/office/powerpoint/2010/main" xmlns:a16="http://schemas.microsoft.com/office/drawing/2014/main" w="9525">
                   <a:solidFill>
                     <a:srgbClr val="000000"/>
                   </a:solidFill>
@@ -20109,7 +20144,7 @@
             </a:ln>
             <a:extLst>
               <a:ext uri="{91240B29-F687-4f45-9708-019B960494DF}">
-                <a14:hiddenLine xmlns:a16="http://schemas.microsoft.com/office/drawing/2014/main" xmlns:p14="http://schemas.microsoft.com/office/powerpoint/2010/main" xmlns:a14="http://schemas.microsoft.com/office/drawing/2010/main" xmlns="" w="9525">
+                <a14:hiddenLine xmlns="" xmlns:a14="http://schemas.microsoft.com/office/drawing/2010/main" xmlns:p14="http://schemas.microsoft.com/office/powerpoint/2010/main" xmlns:a16="http://schemas.microsoft.com/office/drawing/2014/main" w="9525">
                   <a:solidFill>
                     <a:srgbClr val="000000"/>
                   </a:solidFill>
@@ -20186,7 +20221,7 @@
             </a:ln>
             <a:extLst>
               <a:ext uri="{91240B29-F687-4f45-9708-019B960494DF}">
-                <a14:hiddenLine xmlns:a16="http://schemas.microsoft.com/office/drawing/2014/main" xmlns:p14="http://schemas.microsoft.com/office/powerpoint/2010/main" xmlns:a14="http://schemas.microsoft.com/office/drawing/2010/main" xmlns="" w="9525">
+                <a14:hiddenLine xmlns="" xmlns:a14="http://schemas.microsoft.com/office/drawing/2010/main" xmlns:p14="http://schemas.microsoft.com/office/powerpoint/2010/main" xmlns:a16="http://schemas.microsoft.com/office/drawing/2014/main" w="9525">
                   <a:solidFill>
                     <a:srgbClr val="000000"/>
                   </a:solidFill>
@@ -20263,7 +20298,7 @@
             </a:ln>
             <a:extLst>
               <a:ext uri="{91240B29-F687-4f45-9708-019B960494DF}">
-                <a14:hiddenLine xmlns:a16="http://schemas.microsoft.com/office/drawing/2014/main" xmlns:p14="http://schemas.microsoft.com/office/powerpoint/2010/main" xmlns:a14="http://schemas.microsoft.com/office/drawing/2010/main" xmlns="" w="9525">
+                <a14:hiddenLine xmlns="" xmlns:a14="http://schemas.microsoft.com/office/drawing/2010/main" xmlns:p14="http://schemas.microsoft.com/office/powerpoint/2010/main" xmlns:a16="http://schemas.microsoft.com/office/drawing/2014/main" w="9525">
                   <a:solidFill>
                     <a:srgbClr val="000000"/>
                   </a:solidFill>
@@ -20368,7 +20403,7 @@
             </a:ln>
             <a:extLst>
               <a:ext uri="{91240B29-F687-4f45-9708-019B960494DF}">
-                <a14:hiddenLine xmlns:a16="http://schemas.microsoft.com/office/drawing/2014/main" xmlns:p14="http://schemas.microsoft.com/office/powerpoint/2010/main" xmlns:a14="http://schemas.microsoft.com/office/drawing/2010/main" xmlns="" w="9525">
+                <a14:hiddenLine xmlns="" xmlns:a14="http://schemas.microsoft.com/office/drawing/2010/main" xmlns:p14="http://schemas.microsoft.com/office/powerpoint/2010/main" xmlns:a16="http://schemas.microsoft.com/office/drawing/2014/main" w="9525">
                   <a:solidFill>
                     <a:srgbClr val="000000"/>
                   </a:solidFill>
@@ -20417,7 +20452,7 @@
             </a:ln>
             <a:extLst>
               <a:ext uri="{91240B29-F687-4f45-9708-019B960494DF}">
-                <a14:hiddenLine xmlns:a16="http://schemas.microsoft.com/office/drawing/2014/main" xmlns:p14="http://schemas.microsoft.com/office/powerpoint/2010/main" xmlns:a14="http://schemas.microsoft.com/office/drawing/2010/main" xmlns="" w="9525">
+                <a14:hiddenLine xmlns="" xmlns:a14="http://schemas.microsoft.com/office/drawing/2010/main" xmlns:p14="http://schemas.microsoft.com/office/powerpoint/2010/main" xmlns:a16="http://schemas.microsoft.com/office/drawing/2014/main" w="9525">
                   <a:solidFill>
                     <a:srgbClr val="000000"/>
                   </a:solidFill>
@@ -20497,7 +20532,7 @@
             </a:ln>
             <a:extLst>
               <a:ext uri="{91240B29-F687-4f45-9708-019B960494DF}">
-                <a14:hiddenLine xmlns:a16="http://schemas.microsoft.com/office/drawing/2014/main" xmlns:p14="http://schemas.microsoft.com/office/powerpoint/2010/main" xmlns:a14="http://schemas.microsoft.com/office/drawing/2010/main" xmlns="" w="9525">
+                <a14:hiddenLine xmlns="" xmlns:a14="http://schemas.microsoft.com/office/drawing/2010/main" xmlns:p14="http://schemas.microsoft.com/office/powerpoint/2010/main" xmlns:a16="http://schemas.microsoft.com/office/drawing/2014/main" w="9525">
                   <a:solidFill>
                     <a:srgbClr val="000000"/>
                   </a:solidFill>
@@ -20602,7 +20637,7 @@
             </a:ln>
             <a:extLst>
               <a:ext uri="{91240B29-F687-4f45-9708-019B960494DF}">
-                <a14:hiddenLine xmlns:a16="http://schemas.microsoft.com/office/drawing/2014/main" xmlns:p14="http://schemas.microsoft.com/office/powerpoint/2010/main" xmlns:a14="http://schemas.microsoft.com/office/drawing/2010/main" xmlns="" w="9525">
+                <a14:hiddenLine xmlns="" xmlns:a14="http://schemas.microsoft.com/office/drawing/2010/main" xmlns:p14="http://schemas.microsoft.com/office/powerpoint/2010/main" xmlns:a16="http://schemas.microsoft.com/office/drawing/2014/main" w="9525">
                   <a:solidFill>
                     <a:srgbClr val="000000"/>
                   </a:solidFill>
@@ -20679,7 +20714,7 @@
             </a:ln>
             <a:extLst>
               <a:ext uri="{91240B29-F687-4f45-9708-019B960494DF}">
-                <a14:hiddenLine xmlns:a16="http://schemas.microsoft.com/office/drawing/2014/main" xmlns:p14="http://schemas.microsoft.com/office/powerpoint/2010/main" xmlns:a14="http://schemas.microsoft.com/office/drawing/2010/main" xmlns="" w="9525">
+                <a14:hiddenLine xmlns="" xmlns:a14="http://schemas.microsoft.com/office/drawing/2010/main" xmlns:p14="http://schemas.microsoft.com/office/powerpoint/2010/main" xmlns:a16="http://schemas.microsoft.com/office/drawing/2014/main" w="9525">
                   <a:solidFill>
                     <a:srgbClr val="000000"/>
                   </a:solidFill>
@@ -20784,7 +20819,7 @@
             </a:ln>
             <a:extLst>
               <a:ext uri="{91240B29-F687-4f45-9708-019B960494DF}">
-                <a14:hiddenLine xmlns:a16="http://schemas.microsoft.com/office/drawing/2014/main" xmlns:p14="http://schemas.microsoft.com/office/powerpoint/2010/main" xmlns:a14="http://schemas.microsoft.com/office/drawing/2010/main" xmlns="" w="9525">
+                <a14:hiddenLine xmlns="" xmlns:a14="http://schemas.microsoft.com/office/drawing/2010/main" xmlns:p14="http://schemas.microsoft.com/office/powerpoint/2010/main" xmlns:a16="http://schemas.microsoft.com/office/drawing/2014/main" w="9525">
                   <a:solidFill>
                     <a:srgbClr val="000000"/>
                   </a:solidFill>
@@ -20864,7 +20899,7 @@
             </a:ln>
             <a:extLst>
               <a:ext uri="{91240B29-F687-4f45-9708-019B960494DF}">
-                <a14:hiddenLine xmlns:a16="http://schemas.microsoft.com/office/drawing/2014/main" xmlns:p14="http://schemas.microsoft.com/office/powerpoint/2010/main" xmlns:a14="http://schemas.microsoft.com/office/drawing/2010/main" xmlns="" w="9525">
+                <a14:hiddenLine xmlns="" xmlns:a14="http://schemas.microsoft.com/office/drawing/2010/main" xmlns:p14="http://schemas.microsoft.com/office/powerpoint/2010/main" xmlns:a16="http://schemas.microsoft.com/office/drawing/2014/main" w="9525">
                   <a:solidFill>
                     <a:srgbClr val="000000"/>
                   </a:solidFill>
@@ -20941,7 +20976,7 @@
             </a:ln>
             <a:extLst>
               <a:ext uri="{91240B29-F687-4f45-9708-019B960494DF}">
-                <a14:hiddenLine xmlns:a16="http://schemas.microsoft.com/office/drawing/2014/main" xmlns:p14="http://schemas.microsoft.com/office/powerpoint/2010/main" xmlns:a14="http://schemas.microsoft.com/office/drawing/2010/main" xmlns="" w="9525">
+                <a14:hiddenLine xmlns="" xmlns:a14="http://schemas.microsoft.com/office/drawing/2010/main" xmlns:p14="http://schemas.microsoft.com/office/powerpoint/2010/main" xmlns:a16="http://schemas.microsoft.com/office/drawing/2014/main" w="9525">
                   <a:solidFill>
                     <a:srgbClr val="000000"/>
                   </a:solidFill>
@@ -21046,7 +21081,7 @@
             </a:ln>
             <a:extLst>
               <a:ext uri="{91240B29-F687-4f45-9708-019B960494DF}">
-                <a14:hiddenLine xmlns:a16="http://schemas.microsoft.com/office/drawing/2014/main" xmlns:p14="http://schemas.microsoft.com/office/powerpoint/2010/main" xmlns:a14="http://schemas.microsoft.com/office/drawing/2010/main" xmlns="" w="9525">
+                <a14:hiddenLine xmlns="" xmlns:a14="http://schemas.microsoft.com/office/drawing/2010/main" xmlns:p14="http://schemas.microsoft.com/office/powerpoint/2010/main" xmlns:a16="http://schemas.microsoft.com/office/drawing/2014/main" w="9525">
                   <a:solidFill>
                     <a:srgbClr val="000000"/>
                   </a:solidFill>
@@ -21151,7 +21186,7 @@
             </a:ln>
             <a:extLst>
               <a:ext uri="{91240B29-F687-4f45-9708-019B960494DF}">
-                <a14:hiddenLine xmlns:a16="http://schemas.microsoft.com/office/drawing/2014/main" xmlns:p14="http://schemas.microsoft.com/office/powerpoint/2010/main" xmlns:a14="http://schemas.microsoft.com/office/drawing/2010/main" xmlns="" w="9525">
+                <a14:hiddenLine xmlns="" xmlns:a14="http://schemas.microsoft.com/office/drawing/2010/main" xmlns:p14="http://schemas.microsoft.com/office/powerpoint/2010/main" xmlns:a16="http://schemas.microsoft.com/office/drawing/2014/main" w="9525">
                   <a:solidFill>
                     <a:srgbClr val="000000"/>
                   </a:solidFill>
@@ -21231,7 +21266,7 @@
             </a:ln>
             <a:extLst>
               <a:ext uri="{91240B29-F687-4f45-9708-019B960494DF}">
-                <a14:hiddenLine xmlns:a16="http://schemas.microsoft.com/office/drawing/2014/main" xmlns:p14="http://schemas.microsoft.com/office/powerpoint/2010/main" xmlns:a14="http://schemas.microsoft.com/office/drawing/2010/main" xmlns="" w="9525">
+                <a14:hiddenLine xmlns="" xmlns:a14="http://schemas.microsoft.com/office/drawing/2010/main" xmlns:p14="http://schemas.microsoft.com/office/powerpoint/2010/main" xmlns:a16="http://schemas.microsoft.com/office/drawing/2014/main" w="9525">
                   <a:solidFill>
                     <a:srgbClr val="000000"/>
                   </a:solidFill>
@@ -21366,7 +21401,7 @@
             </a:ln>
             <a:extLst>
               <a:ext uri="{91240B29-F687-4f45-9708-019B960494DF}">
-                <a14:hiddenLine xmlns:a16="http://schemas.microsoft.com/office/drawing/2014/main" xmlns:p14="http://schemas.microsoft.com/office/powerpoint/2010/main" xmlns:a14="http://schemas.microsoft.com/office/drawing/2010/main" xmlns="" w="9525">
+                <a14:hiddenLine xmlns="" xmlns:a14="http://schemas.microsoft.com/office/drawing/2010/main" xmlns:p14="http://schemas.microsoft.com/office/powerpoint/2010/main" xmlns:a16="http://schemas.microsoft.com/office/drawing/2014/main" w="9525">
                   <a:solidFill>
                     <a:srgbClr val="000000"/>
                   </a:solidFill>
@@ -21573,7 +21608,7 @@
             </a:ln>
             <a:extLst>
               <a:ext uri="{91240B29-F687-4f45-9708-019B960494DF}">
-                <a14:hiddenLine xmlns:a16="http://schemas.microsoft.com/office/drawing/2014/main" xmlns:p14="http://schemas.microsoft.com/office/powerpoint/2010/main" xmlns:a14="http://schemas.microsoft.com/office/drawing/2010/main" xmlns="" w="9525">
+                <a14:hiddenLine xmlns="" xmlns:a14="http://schemas.microsoft.com/office/drawing/2010/main" xmlns:p14="http://schemas.microsoft.com/office/powerpoint/2010/main" xmlns:a16="http://schemas.microsoft.com/office/drawing/2014/main" w="9525">
                   <a:solidFill>
                     <a:srgbClr val="000000"/>
                   </a:solidFill>
@@ -21703,7 +21738,7 @@
             </a:ln>
             <a:extLst>
               <a:ext uri="{91240B29-F687-4f45-9708-019B960494DF}">
-                <a14:hiddenLine xmlns:a16="http://schemas.microsoft.com/office/drawing/2014/main" xmlns:p14="http://schemas.microsoft.com/office/powerpoint/2010/main" xmlns:a14="http://schemas.microsoft.com/office/drawing/2010/main" xmlns="" w="9525">
+                <a14:hiddenLine xmlns="" xmlns:a14="http://schemas.microsoft.com/office/drawing/2010/main" xmlns:p14="http://schemas.microsoft.com/office/powerpoint/2010/main" xmlns:a16="http://schemas.microsoft.com/office/drawing/2014/main" w="9525">
                   <a:solidFill>
                     <a:srgbClr val="000000"/>
                   </a:solidFill>
@@ -21808,7 +21843,7 @@
             </a:ln>
             <a:extLst>
               <a:ext uri="{91240B29-F687-4f45-9708-019B960494DF}">
-                <a14:hiddenLine xmlns:a16="http://schemas.microsoft.com/office/drawing/2014/main" xmlns:p14="http://schemas.microsoft.com/office/powerpoint/2010/main" xmlns:a14="http://schemas.microsoft.com/office/drawing/2010/main" xmlns="" w="9525">
+                <a14:hiddenLine xmlns="" xmlns:a14="http://schemas.microsoft.com/office/drawing/2010/main" xmlns:p14="http://schemas.microsoft.com/office/powerpoint/2010/main" xmlns:a16="http://schemas.microsoft.com/office/drawing/2014/main" w="9525">
                   <a:solidFill>
                     <a:srgbClr val="000000"/>
                   </a:solidFill>
@@ -21888,7 +21923,7 @@
             </a:ln>
             <a:extLst>
               <a:ext uri="{91240B29-F687-4f45-9708-019B960494DF}">
-                <a14:hiddenLine xmlns:a16="http://schemas.microsoft.com/office/drawing/2014/main" xmlns:p14="http://schemas.microsoft.com/office/powerpoint/2010/main" xmlns:a14="http://schemas.microsoft.com/office/drawing/2010/main" xmlns="" w="9525">
+                <a14:hiddenLine xmlns="" xmlns:a14="http://schemas.microsoft.com/office/drawing/2010/main" xmlns:p14="http://schemas.microsoft.com/office/powerpoint/2010/main" xmlns:a16="http://schemas.microsoft.com/office/drawing/2014/main" w="9525">
                   <a:solidFill>
                     <a:srgbClr val="000000"/>
                   </a:solidFill>
@@ -21993,7 +22028,7 @@
             </a:ln>
             <a:extLst>
               <a:ext uri="{91240B29-F687-4f45-9708-019B960494DF}">
-                <a14:hiddenLine xmlns:a16="http://schemas.microsoft.com/office/drawing/2014/main" xmlns:p14="http://schemas.microsoft.com/office/powerpoint/2010/main" xmlns:a14="http://schemas.microsoft.com/office/drawing/2010/main" xmlns="" w="9525">
+                <a14:hiddenLine xmlns="" xmlns:a14="http://schemas.microsoft.com/office/drawing/2010/main" xmlns:p14="http://schemas.microsoft.com/office/powerpoint/2010/main" xmlns:a16="http://schemas.microsoft.com/office/drawing/2014/main" w="9525">
                   <a:solidFill>
                     <a:srgbClr val="000000"/>
                   </a:solidFill>
@@ -22076,7 +22111,7 @@
             </a:ln>
             <a:extLst>
               <a:ext uri="{91240B29-F687-4f45-9708-019B960494DF}">
-                <a14:hiddenLine xmlns:a16="http://schemas.microsoft.com/office/drawing/2014/main" xmlns:p14="http://schemas.microsoft.com/office/powerpoint/2010/main" xmlns:a14="http://schemas.microsoft.com/office/drawing/2010/main" xmlns="" w="9525">
+                <a14:hiddenLine xmlns="" xmlns:a14="http://schemas.microsoft.com/office/drawing/2010/main" xmlns:p14="http://schemas.microsoft.com/office/powerpoint/2010/main" xmlns:a16="http://schemas.microsoft.com/office/drawing/2014/main" w="9525">
                   <a:solidFill>
                     <a:srgbClr val="000000"/>
                   </a:solidFill>
@@ -22181,7 +22216,7 @@
             </a:ln>
             <a:extLst>
               <a:ext uri="{91240B29-F687-4f45-9708-019B960494DF}">
-                <a14:hiddenLine xmlns:a16="http://schemas.microsoft.com/office/drawing/2014/main" xmlns:p14="http://schemas.microsoft.com/office/powerpoint/2010/main" xmlns:a14="http://schemas.microsoft.com/office/drawing/2010/main" xmlns="" w="9525">
+                <a14:hiddenLine xmlns="" xmlns:a14="http://schemas.microsoft.com/office/drawing/2010/main" xmlns:p14="http://schemas.microsoft.com/office/powerpoint/2010/main" xmlns:a16="http://schemas.microsoft.com/office/drawing/2014/main" w="9525">
                   <a:solidFill>
                     <a:srgbClr val="000000"/>
                   </a:solidFill>
@@ -22264,7 +22299,7 @@
             </a:ln>
             <a:extLst>
               <a:ext uri="{91240B29-F687-4f45-9708-019B960494DF}">
-                <a14:hiddenLine xmlns:a16="http://schemas.microsoft.com/office/drawing/2014/main" xmlns:p14="http://schemas.microsoft.com/office/powerpoint/2010/main" xmlns:a14="http://schemas.microsoft.com/office/drawing/2010/main" xmlns="" w="9525">
+                <a14:hiddenLine xmlns="" xmlns:a14="http://schemas.microsoft.com/office/drawing/2010/main" xmlns:p14="http://schemas.microsoft.com/office/powerpoint/2010/main" xmlns:a16="http://schemas.microsoft.com/office/drawing/2014/main" w="9525">
                   <a:solidFill>
                     <a:srgbClr val="000000"/>
                   </a:solidFill>
@@ -22369,7 +22404,7 @@
             </a:ln>
             <a:extLst>
               <a:ext uri="{91240B29-F687-4f45-9708-019B960494DF}">
-                <a14:hiddenLine xmlns:a16="http://schemas.microsoft.com/office/drawing/2014/main" xmlns:p14="http://schemas.microsoft.com/office/powerpoint/2010/main" xmlns:a14="http://schemas.microsoft.com/office/drawing/2010/main" xmlns="" w="9525">
+                <a14:hiddenLine xmlns="" xmlns:a14="http://schemas.microsoft.com/office/drawing/2010/main" xmlns:p14="http://schemas.microsoft.com/office/powerpoint/2010/main" xmlns:a16="http://schemas.microsoft.com/office/drawing/2014/main" w="9525">
                   <a:solidFill>
                     <a:srgbClr val="000000"/>
                   </a:solidFill>
@@ -22418,7 +22453,7 @@
             </a:ln>
             <a:extLst>
               <a:ext uri="{91240B29-F687-4f45-9708-019B960494DF}">
-                <a14:hiddenLine xmlns:a16="http://schemas.microsoft.com/office/drawing/2014/main" xmlns:p14="http://schemas.microsoft.com/office/powerpoint/2010/main" xmlns:a14="http://schemas.microsoft.com/office/drawing/2010/main" xmlns="" w="9525">
+                <a14:hiddenLine xmlns="" xmlns:a14="http://schemas.microsoft.com/office/drawing/2010/main" xmlns:p14="http://schemas.microsoft.com/office/powerpoint/2010/main" xmlns:a16="http://schemas.microsoft.com/office/drawing/2014/main" w="9525">
                   <a:solidFill>
                     <a:srgbClr val="000000"/>
                   </a:solidFill>
@@ -22983,7 +23018,7 @@
       </p:cxnSp>
       <p:pic>
         <p:nvPicPr>
-          <p:cNvPr id="8" name="Content Placeholder 7" descr="A picture containing wall, map&#13;&#10;&#13;&#10;Description automatically generated">
+          <p:cNvPr id="8" name="Content Placeholder 7" descr="A picture containing wall, map&#10;&#10;Description automatically generated">
             <a:extLst>
               <a:ext uri="{FF2B5EF4-FFF2-40B4-BE49-F238E27FC236}">
                 <a16:creationId xmlns:a16="http://schemas.microsoft.com/office/drawing/2014/main" id="{CCBBB80F-4D86-5147-A06E-0DBAF4523D6B}"/>
